--- a/mysql/mysql的事务实现.pptx
+++ b/mysql/mysql的事务实现.pptx
@@ -14,10 +14,16 @@
     <p:sldId id="259" r:id="rId8"/>
     <p:sldId id="265" r:id="rId9"/>
     <p:sldId id="261" r:id="rId10"/>
-    <p:sldId id="262" r:id="rId11"/>
-    <p:sldId id="263" r:id="rId12"/>
-    <p:sldId id="264" r:id="rId13"/>
-    <p:sldId id="266" r:id="rId14"/>
+    <p:sldId id="269" r:id="rId11"/>
+    <p:sldId id="270" r:id="rId12"/>
+    <p:sldId id="262" r:id="rId13"/>
+    <p:sldId id="263" r:id="rId14"/>
+    <p:sldId id="271" r:id="rId15"/>
+    <p:sldId id="272" r:id="rId16"/>
+    <p:sldId id="273" r:id="rId17"/>
+    <p:sldId id="274" r:id="rId18"/>
+    <p:sldId id="264" r:id="rId19"/>
+    <p:sldId id="266" r:id="rId20"/>
   </p:sldIdLst>
   <p:sldSz cx="12192000" cy="6858000"/>
   <p:notesSz cx="6858000" cy="9144000"/>
@@ -116,6 +122,11 @@
       </a:defRPr>
     </a:lvl9pPr>
   </p:defaultTextStyle>
+  <p:extLst>
+    <p:ext uri="{EFAFB233-063F-42B5-8137-9DF3F51BA10A}">
+      <p15:sldGuideLst xmlns:p15="http://schemas.microsoft.com/office/powerpoint/2012/main"/>
+    </p:ext>
+  </p:extLst>
 </p:presentation>
 </file>
 
@@ -308,7 +319,7 @@
             <a:fld id="{B61BEF0D-F0BB-DE4B-95CE-6DB70DBA9567}" type="datetimeFigureOut">
               <a:rPr lang="en-US" dirty="0"/>
               <a:pPr/>
-              <a:t>4/21/21</a:t>
+              <a:t>4/25/21</a:t>
             </a:fld>
             <a:endParaRPr lang="en-US" dirty="0"/>
           </a:p>
@@ -643,7 +654,7 @@
             <a:fld id="{B61BEF0D-F0BB-DE4B-95CE-6DB70DBA9567}" type="datetimeFigureOut">
               <a:rPr lang="en-US" dirty="0"/>
               <a:pPr/>
-              <a:t>4/21/21</a:t>
+              <a:t>4/25/21</a:t>
             </a:fld>
             <a:endParaRPr lang="en-US" dirty="0"/>
           </a:p>
@@ -1041,7 +1052,7 @@
             <a:fld id="{B61BEF0D-F0BB-DE4B-95CE-6DB70DBA9567}" type="datetimeFigureOut">
               <a:rPr lang="en-US" dirty="0"/>
               <a:pPr/>
-              <a:t>4/21/21</a:t>
+              <a:t>4/25/21</a:t>
             </a:fld>
             <a:endParaRPr lang="en-US" dirty="0"/>
           </a:p>
@@ -1374,7 +1385,7 @@
             <a:fld id="{B61BEF0D-F0BB-DE4B-95CE-6DB70DBA9567}" type="datetimeFigureOut">
               <a:rPr lang="en-US" dirty="0"/>
               <a:pPr/>
-              <a:t>4/21/21</a:t>
+              <a:t>4/25/21</a:t>
             </a:fld>
             <a:endParaRPr lang="en-US" dirty="0"/>
           </a:p>
@@ -1691,7 +1702,7 @@
             <a:fld id="{B61BEF0D-F0BB-DE4B-95CE-6DB70DBA9567}" type="datetimeFigureOut">
               <a:rPr lang="en-US" dirty="0"/>
               <a:pPr/>
-              <a:t>4/21/21</a:t>
+              <a:t>4/25/21</a:t>
             </a:fld>
             <a:endParaRPr lang="en-US" dirty="0"/>
           </a:p>
@@ -2084,7 +2095,7 @@
             <a:fld id="{B61BEF0D-F0BB-DE4B-95CE-6DB70DBA9567}" type="datetimeFigureOut">
               <a:rPr lang="en-US" dirty="0"/>
               <a:pPr/>
-              <a:t>4/21/21</a:t>
+              <a:t>4/25/21</a:t>
             </a:fld>
             <a:endParaRPr lang="en-US" dirty="0"/>
           </a:p>
@@ -2338,7 +2349,7 @@
             <a:fld id="{B61BEF0D-F0BB-DE4B-95CE-6DB70DBA9567}" type="datetimeFigureOut">
               <a:rPr lang="en-US" dirty="0"/>
               <a:pPr/>
-              <a:t>4/21/21</a:t>
+              <a:t>4/25/21</a:t>
             </a:fld>
             <a:endParaRPr lang="en-US" dirty="0"/>
           </a:p>
@@ -2597,7 +2608,7 @@
             <a:fld id="{B61BEF0D-F0BB-DE4B-95CE-6DB70DBA9567}" type="datetimeFigureOut">
               <a:rPr lang="en-US" dirty="0"/>
               <a:pPr/>
-              <a:t>4/21/21</a:t>
+              <a:t>4/25/21</a:t>
             </a:fld>
             <a:endParaRPr lang="en-US" dirty="0"/>
           </a:p>
@@ -2856,7 +2867,7 @@
             <a:fld id="{B61BEF0D-F0BB-DE4B-95CE-6DB70DBA9567}" type="datetimeFigureOut">
               <a:rPr lang="en-US" dirty="0"/>
               <a:pPr/>
-              <a:t>4/21/21</a:t>
+              <a:t>4/25/21</a:t>
             </a:fld>
             <a:endParaRPr lang="en-US" dirty="0"/>
           </a:p>
@@ -3182,7 +3193,7 @@
             <a:fld id="{B61BEF0D-F0BB-DE4B-95CE-6DB70DBA9567}" type="datetimeFigureOut">
               <a:rPr lang="en-US" dirty="0"/>
               <a:pPr/>
-              <a:t>4/21/21</a:t>
+              <a:t>4/25/21</a:t>
             </a:fld>
             <a:endParaRPr lang="en-US" dirty="0"/>
           </a:p>
@@ -3502,7 +3513,7 @@
             <a:fld id="{B61BEF0D-F0BB-DE4B-95CE-6DB70DBA9567}" type="datetimeFigureOut">
               <a:rPr lang="en-US" dirty="0"/>
               <a:pPr/>
-              <a:t>4/21/21</a:t>
+              <a:t>4/25/21</a:t>
             </a:fld>
             <a:endParaRPr lang="en-US" dirty="0"/>
           </a:p>
@@ -3956,7 +3967,7 @@
             <a:fld id="{B61BEF0D-F0BB-DE4B-95CE-6DB70DBA9567}" type="datetimeFigureOut">
               <a:rPr lang="en-US" dirty="0"/>
               <a:pPr/>
-              <a:t>4/21/21</a:t>
+              <a:t>4/25/21</a:t>
             </a:fld>
             <a:endParaRPr lang="en-US" dirty="0"/>
           </a:p>
@@ -4158,7 +4169,7 @@
             <a:fld id="{B61BEF0D-F0BB-DE4B-95CE-6DB70DBA9567}" type="datetimeFigureOut">
               <a:rPr lang="en-US" dirty="0"/>
               <a:pPr/>
-              <a:t>4/21/21</a:t>
+              <a:t>4/25/21</a:t>
             </a:fld>
             <a:endParaRPr lang="en-US" dirty="0"/>
           </a:p>
@@ -4332,7 +4343,7 @@
             <a:fld id="{B61BEF0D-F0BB-DE4B-95CE-6DB70DBA9567}" type="datetimeFigureOut">
               <a:rPr lang="en-US" dirty="0"/>
               <a:pPr/>
-              <a:t>4/21/21</a:t>
+              <a:t>4/25/21</a:t>
             </a:fld>
             <a:endParaRPr lang="en-US" dirty="0"/>
           </a:p>
@@ -4662,7 +4673,7 @@
             <a:fld id="{B61BEF0D-F0BB-DE4B-95CE-6DB70DBA9567}" type="datetimeFigureOut">
               <a:rPr lang="en-US" dirty="0"/>
               <a:pPr/>
-              <a:t>4/21/21</a:t>
+              <a:t>4/25/21</a:t>
             </a:fld>
             <a:endParaRPr lang="en-US" dirty="0"/>
           </a:p>
@@ -5004,7 +5015,7 @@
             <a:fld id="{B61BEF0D-F0BB-DE4B-95CE-6DB70DBA9567}" type="datetimeFigureOut">
               <a:rPr lang="en-US" dirty="0"/>
               <a:pPr/>
-              <a:t>4/21/21</a:t>
+              <a:t>4/25/21</a:t>
             </a:fld>
             <a:endParaRPr lang="en-US" dirty="0"/>
           </a:p>
@@ -7118,7 +7129,7 @@
             <a:fld id="{B61BEF0D-F0BB-DE4B-95CE-6DB70DBA9567}" type="datetimeFigureOut">
               <a:rPr lang="en-US" dirty="0"/>
               <a:pPr/>
-              <a:t>4/21/21</a:t>
+              <a:t>4/25/21</a:t>
             </a:fld>
             <a:endParaRPr lang="en-US" dirty="0"/>
           </a:p>
@@ -7740,7 +7751,7 @@
           <p:cNvPr id="2" name="标题 1">
             <a:extLst>
               <a:ext uri="{FF2B5EF4-FFF2-40B4-BE49-F238E27FC236}">
-                <a16:creationId xmlns:a16="http://schemas.microsoft.com/office/drawing/2014/main" id="{8F0E3373-0AD2-2944-AC18-832F18BE1E0C}"/>
+                <a16:creationId xmlns:a16="http://schemas.microsoft.com/office/drawing/2014/main" id="{A70A7968-0BE4-4B45-9039-8AD320BAB998}"/>
               </a:ext>
             </a:extLst>
           </p:cNvPr>
@@ -7758,40 +7769,267 @@
           <a:p>
             <a:r>
               <a:rPr kumimoji="1" lang="zh-CN" altLang="en-US" dirty="0"/>
-              <a:t>事务的隔离级别</a:t>
-            </a:r>
-          </a:p>
-        </p:txBody>
-      </p:sp>
-      <p:sp>
-        <p:nvSpPr>
-          <p:cNvPr id="3" name="内容占位符 2">
+              <a:t>版本链</a:t>
+            </a:r>
+          </a:p>
+        </p:txBody>
+      </p:sp>
+      <p:pic>
+        <p:nvPicPr>
+          <p:cNvPr id="5" name="Picture 8">
             <a:extLst>
               <a:ext uri="{FF2B5EF4-FFF2-40B4-BE49-F238E27FC236}">
-                <a16:creationId xmlns:a16="http://schemas.microsoft.com/office/drawing/2014/main" id="{27AE6C8B-7C66-7A4C-A842-58E2A84CC96E}"/>
+                <a16:creationId xmlns:a16="http://schemas.microsoft.com/office/drawing/2014/main" id="{75FAA129-B7DE-EE40-A759-61BD68BA72B2}"/>
               </a:ext>
             </a:extLst>
           </p:cNvPr>
-          <p:cNvSpPr>
-            <a:spLocks noGrp="1"/>
-          </p:cNvSpPr>
+          <p:cNvPicPr>
+            <a:picLocks noGrp="1" noChangeAspect="1" noChangeArrowheads="1"/>
+          </p:cNvPicPr>
           <p:nvPr>
             <p:ph idx="1"/>
           </p:nvPr>
-        </p:nvSpPr>
-        <p:spPr/>
-        <p:txBody>
-          <a:bodyPr/>
+        </p:nvPicPr>
+        <p:blipFill>
+          <a:blip r:embed="rId2">
+            <a:extLst>
+              <a:ext uri="{28A0092B-C50C-407E-A947-70E740481C1C}">
+                <a14:useLocalDpi xmlns:a14="http://schemas.microsoft.com/office/drawing/2010/main" val="0"/>
+              </a:ext>
+            </a:extLst>
+          </a:blip>
+          <a:srcRect/>
+          <a:stretch>
+            <a:fillRect/>
+          </a:stretch>
+        </p:blipFill>
+        <p:spPr bwMode="auto">
+          <a:xfrm>
+            <a:off x="1035820" y="1905000"/>
+            <a:ext cx="4379017" cy="1267610"/>
+          </a:xfrm>
+          <a:prstGeom prst="rect">
+            <a:avLst/>
+          </a:prstGeom>
+          <a:noFill/>
+          <a:extLst>
+            <a:ext uri="{909E8E84-426E-40DD-AFC4-6F175D3DCCD1}">
+              <a14:hiddenFill xmlns:a14="http://schemas.microsoft.com/office/drawing/2010/main">
+                <a:solidFill>
+                  <a:srgbClr val="FFFFFF"/>
+                </a:solidFill>
+              </a14:hiddenFill>
+            </a:ext>
+          </a:extLst>
+        </p:spPr>
+      </p:pic>
+      <p:pic>
+        <p:nvPicPr>
+          <p:cNvPr id="2050" name="Picture 2">
+            <a:extLst>
+              <a:ext uri="{FF2B5EF4-FFF2-40B4-BE49-F238E27FC236}">
+                <a16:creationId xmlns:a16="http://schemas.microsoft.com/office/drawing/2014/main" id="{D05D34C0-4DEE-3E44-A5DF-FD9788F76AD6}"/>
+              </a:ext>
+            </a:extLst>
+          </p:cNvPr>
+          <p:cNvPicPr>
+            <a:picLocks noChangeAspect="1" noChangeArrowheads="1"/>
+          </p:cNvPicPr>
+          <p:nvPr/>
+        </p:nvPicPr>
+        <p:blipFill>
+          <a:blip r:embed="rId3">
+            <a:extLst>
+              <a:ext uri="{28A0092B-C50C-407E-A947-70E740481C1C}">
+                <a14:useLocalDpi xmlns:a14="http://schemas.microsoft.com/office/drawing/2010/main" val="0"/>
+              </a:ext>
+            </a:extLst>
+          </a:blip>
+          <a:srcRect/>
+          <a:stretch>
+            <a:fillRect/>
+          </a:stretch>
+        </p:blipFill>
+        <p:spPr bwMode="auto">
+          <a:xfrm>
+            <a:off x="5781198" y="1905000"/>
+            <a:ext cx="4919732" cy="3687878"/>
+          </a:xfrm>
+          <a:prstGeom prst="rect">
+            <a:avLst/>
+          </a:prstGeom>
+          <a:noFill/>
+          <a:extLst>
+            <a:ext uri="{909E8E84-426E-40DD-AFC4-6F175D3DCCD1}">
+              <a14:hiddenFill xmlns:a14="http://schemas.microsoft.com/office/drawing/2010/main">
+                <a:solidFill>
+                  <a:srgbClr val="FFFFFF"/>
+                </a:solidFill>
+              </a14:hiddenFill>
+            </a:ext>
+          </a:extLst>
+        </p:spPr>
+      </p:pic>
+      <p:sp>
+        <p:nvSpPr>
+          <p:cNvPr id="6" name="文本框 5">
+            <a:extLst>
+              <a:ext uri="{FF2B5EF4-FFF2-40B4-BE49-F238E27FC236}">
+                <a16:creationId xmlns:a16="http://schemas.microsoft.com/office/drawing/2014/main" id="{10B3D753-6FBF-F34C-A30D-0E9B21AE04E6}"/>
+              </a:ext>
+            </a:extLst>
+          </p:cNvPr>
+          <p:cNvSpPr txBox="1"/>
+          <p:nvPr/>
+        </p:nvSpPr>
+        <p:spPr>
+          <a:xfrm>
+            <a:off x="870543" y="3816627"/>
+            <a:ext cx="4186486" cy="923330"/>
+          </a:xfrm>
+          <a:prstGeom prst="rect">
+            <a:avLst/>
+          </a:prstGeom>
+          <a:noFill/>
+        </p:spPr>
+        <p:txBody>
+          <a:bodyPr wrap="square" rtlCol="0">
+            <a:spAutoFit/>
+          </a:bodyPr>
           <a:lstStyle/>
           <a:p>
-            <a:endParaRPr kumimoji="1" lang="zh-CN" altLang="en-US"/>
+            <a:r>
+              <a:rPr kumimoji="1" lang="zh-CN" altLang="en-US" dirty="0"/>
+              <a:t>每次事务更新时都会生成新的数据版本，</a:t>
+            </a:r>
+            <a:r>
+              <a:rPr lang="zh-CN" altLang="en-US" dirty="0"/>
+              <a:t>并且把 </a:t>
+            </a:r>
+            <a:r>
+              <a:rPr lang="en" altLang="zh-CN" dirty="0"/>
+              <a:t>transaction id </a:t>
+            </a:r>
+            <a:r>
+              <a:rPr lang="zh-CN" altLang="en-US" dirty="0"/>
+              <a:t>赋值给这个数据版本的事务 </a:t>
+            </a:r>
+            <a:r>
+              <a:rPr lang="en" altLang="zh-CN" dirty="0"/>
+              <a:t>ID</a:t>
+            </a:r>
+            <a:r>
+              <a:rPr lang="zh-CN" altLang="en" dirty="0"/>
+              <a:t>，</a:t>
+            </a:r>
+            <a:r>
+              <a:rPr lang="zh-CN" altLang="en-US" dirty="0"/>
+              <a:t>记为 </a:t>
+            </a:r>
+            <a:r>
+              <a:rPr lang="en" altLang="zh-CN" dirty="0"/>
+              <a:t>row </a:t>
+            </a:r>
+            <a:r>
+              <a:rPr lang="en" altLang="zh-CN" dirty="0" err="1"/>
+              <a:t>trx_id</a:t>
+            </a:r>
+            <a:r>
+              <a:rPr lang="zh-CN" altLang="en-US" dirty="0"/>
+              <a:t>。</a:t>
+            </a:r>
+            <a:endParaRPr kumimoji="1" lang="zh-CN" altLang="en-US" dirty="0"/>
+          </a:p>
+        </p:txBody>
+      </p:sp>
+      <p:sp>
+        <p:nvSpPr>
+          <p:cNvPr id="7" name="文本框 6">
+            <a:extLst>
+              <a:ext uri="{FF2B5EF4-FFF2-40B4-BE49-F238E27FC236}">
+                <a16:creationId xmlns:a16="http://schemas.microsoft.com/office/drawing/2014/main" id="{F47F3495-F6E1-4241-A37E-86F043BCE907}"/>
+              </a:ext>
+            </a:extLst>
+          </p:cNvPr>
+          <p:cNvSpPr txBox="1"/>
+          <p:nvPr/>
+        </p:nvSpPr>
+        <p:spPr>
+          <a:xfrm>
+            <a:off x="5781198" y="5772225"/>
+            <a:ext cx="5040527" cy="923330"/>
+          </a:xfrm>
+          <a:prstGeom prst="rect">
+            <a:avLst/>
+          </a:prstGeom>
+          <a:noFill/>
+        </p:spPr>
+        <p:txBody>
+          <a:bodyPr wrap="square" rtlCol="0">
+            <a:spAutoFit/>
+          </a:bodyPr>
+          <a:lstStyle/>
+          <a:p>
+            <a:r>
+              <a:rPr lang="en" altLang="zh-CN" dirty="0"/>
+              <a:t>V1</a:t>
+            </a:r>
+            <a:r>
+              <a:rPr lang="zh-CN" altLang="en" dirty="0"/>
+              <a:t>、</a:t>
+            </a:r>
+            <a:r>
+              <a:rPr lang="en" altLang="zh-CN" dirty="0"/>
+              <a:t>V2</a:t>
+            </a:r>
+            <a:r>
+              <a:rPr lang="zh-CN" altLang="en" dirty="0"/>
+              <a:t>、</a:t>
+            </a:r>
+            <a:r>
+              <a:rPr lang="en" altLang="zh-CN" dirty="0"/>
+              <a:t>V3 </a:t>
+            </a:r>
+            <a:r>
+              <a:rPr lang="zh-CN" altLang="en-US" dirty="0"/>
+              <a:t>并不是物理上真实存在的，而是每次需要的时候根据</a:t>
+            </a:r>
+            <a:r>
+              <a:rPr lang="zh-CN" altLang="en-US" dirty="0">
+                <a:solidFill>
+                  <a:srgbClr val="00B050"/>
+                </a:solidFill>
+              </a:rPr>
+              <a:t>当前版本和 </a:t>
+            </a:r>
+            <a:r>
+              <a:rPr lang="en" altLang="zh-CN" dirty="0">
+                <a:solidFill>
+                  <a:srgbClr val="00B050"/>
+                </a:solidFill>
+              </a:rPr>
+              <a:t>undo log </a:t>
+            </a:r>
+            <a:r>
+              <a:rPr lang="zh-CN" altLang="en-US" dirty="0">
+                <a:solidFill>
+                  <a:srgbClr val="00B050"/>
+                </a:solidFill>
+              </a:rPr>
+              <a:t>计算出来的</a:t>
+            </a:r>
+            <a:endParaRPr kumimoji="1" lang="zh-CN" altLang="en-US" dirty="0">
+              <a:solidFill>
+                <a:srgbClr val="00B050"/>
+              </a:solidFill>
+            </a:endParaRPr>
           </a:p>
         </p:txBody>
       </p:sp>
     </p:spTree>
     <p:extLst>
       <p:ext uri="{BB962C8B-B14F-4D97-AF65-F5344CB8AC3E}">
-        <p14:creationId xmlns:p14="http://schemas.microsoft.com/office/powerpoint/2010/main" val="2583763916"/>
+        <p14:creationId xmlns:p14="http://schemas.microsoft.com/office/powerpoint/2010/main" val="1800127424"/>
       </p:ext>
     </p:extLst>
   </p:cSld>
@@ -7823,7 +8061,7 @@
           <p:cNvPr id="2" name="标题 1">
             <a:extLst>
               <a:ext uri="{FF2B5EF4-FFF2-40B4-BE49-F238E27FC236}">
-                <a16:creationId xmlns:a16="http://schemas.microsoft.com/office/drawing/2014/main" id="{2BE8A3C5-C1FD-274A-90E4-83A783B01155}"/>
+                <a16:creationId xmlns:a16="http://schemas.microsoft.com/office/drawing/2014/main" id="{FFAE47B9-05B8-3442-8C7E-FBCD3C43D258}"/>
               </a:ext>
             </a:extLst>
           </p:cNvPr>
@@ -7840,9 +8078,25 @@
           <a:lstStyle/>
           <a:p>
             <a:r>
-              <a:rPr kumimoji="1" lang="zh-CN" altLang="en-US" dirty="0"/>
-              <a:t>并发事务引起的问题</a:t>
-            </a:r>
+              <a:rPr lang="zh-CN" altLang="en-US" b="1" dirty="0"/>
+              <a:t>事务</a:t>
+            </a:r>
+            <a:r>
+              <a:rPr lang="en" altLang="zh-CN" b="1" dirty="0"/>
+              <a:t>id</a:t>
+            </a:r>
+            <a:r>
+              <a:rPr lang="zh-CN" altLang="en" b="1" dirty="0"/>
+              <a:t>的</a:t>
+            </a:r>
+            <a:r>
+              <a:rPr lang="zh-CN" altLang="en-US" b="1" dirty="0"/>
+              <a:t>生成</a:t>
+            </a:r>
+            <a:br>
+              <a:rPr lang="zh-CN" altLang="en-US" b="1" dirty="0"/>
+            </a:br>
+            <a:endParaRPr kumimoji="1" lang="zh-CN" altLang="en-US" dirty="0"/>
           </a:p>
         </p:txBody>
       </p:sp>
@@ -7851,7 +8105,7 @@
           <p:cNvPr id="3" name="内容占位符 2">
             <a:extLst>
               <a:ext uri="{FF2B5EF4-FFF2-40B4-BE49-F238E27FC236}">
-                <a16:creationId xmlns:a16="http://schemas.microsoft.com/office/drawing/2014/main" id="{55697925-C4F7-3E42-AF89-6386E60F2897}"/>
+                <a16:creationId xmlns:a16="http://schemas.microsoft.com/office/drawing/2014/main" id="{E5D67DA6-C684-9B4B-8399-46AB354725C0}"/>
               </a:ext>
             </a:extLst>
           </p:cNvPr>
@@ -7867,14 +8121,142 @@
           <a:bodyPr/>
           <a:lstStyle/>
           <a:p>
-            <a:endParaRPr kumimoji="1" lang="zh-CN" altLang="en-US"/>
+            <a:r>
+              <a:rPr lang="zh-CN" altLang="en-US" dirty="0"/>
+              <a:t>服务器会在内存中维护一个全局变量，每当需要为某个事务分配一个事务</a:t>
+            </a:r>
+            <a:r>
+              <a:rPr lang="en" altLang="zh-CN" dirty="0"/>
+              <a:t>id</a:t>
+            </a:r>
+            <a:r>
+              <a:rPr lang="zh-CN" altLang="en-US" dirty="0"/>
+              <a:t>时，就会把该变量的值当作事务</a:t>
+            </a:r>
+            <a:r>
+              <a:rPr lang="en" altLang="zh-CN" dirty="0"/>
+              <a:t>id</a:t>
+            </a:r>
+            <a:r>
+              <a:rPr lang="zh-CN" altLang="en-US" dirty="0"/>
+              <a:t>分配给该事务，并且把该变量自增</a:t>
+            </a:r>
+            <a:r>
+              <a:rPr lang="en-US" altLang="zh-CN" dirty="0"/>
+              <a:t>1</a:t>
+            </a:r>
+            <a:r>
+              <a:rPr lang="zh-CN" altLang="en-US" dirty="0"/>
+              <a:t>。</a:t>
+            </a:r>
+            <a:endParaRPr lang="en-US" altLang="zh-CN" dirty="0"/>
+          </a:p>
+          <a:p>
+            <a:endParaRPr kumimoji="1" lang="en-US" altLang="zh-CN" dirty="0"/>
+          </a:p>
+          <a:p>
+            <a:r>
+              <a:rPr lang="zh-CN" altLang="en-US" dirty="0"/>
+              <a:t>每当这个变量的值为</a:t>
+            </a:r>
+            <a:r>
+              <a:rPr lang="en-US" altLang="zh-CN" dirty="0"/>
+              <a:t>256</a:t>
+            </a:r>
+            <a:r>
+              <a:rPr lang="zh-CN" altLang="en-US" dirty="0"/>
+              <a:t>的倍数时，就会将该变量的值刷新到系统表空间的页号为</a:t>
+            </a:r>
+            <a:r>
+              <a:rPr lang="en-US" altLang="zh-CN" dirty="0"/>
+              <a:t>5</a:t>
+            </a:r>
+            <a:r>
+              <a:rPr lang="zh-CN" altLang="en-US" dirty="0"/>
+              <a:t>的页面中一个称之为</a:t>
+            </a:r>
+            <a:r>
+              <a:rPr lang="en" altLang="zh-CN" dirty="0"/>
+              <a:t>Max </a:t>
+            </a:r>
+            <a:r>
+              <a:rPr lang="en" altLang="zh-CN" dirty="0" err="1"/>
+              <a:t>Trx</a:t>
+            </a:r>
+            <a:r>
+              <a:rPr lang="en" altLang="zh-CN" dirty="0"/>
+              <a:t> ID</a:t>
+            </a:r>
+            <a:r>
+              <a:rPr lang="zh-CN" altLang="en-US" dirty="0"/>
+              <a:t>的属性处，这个属性占用</a:t>
+            </a:r>
+            <a:r>
+              <a:rPr lang="en-US" altLang="zh-CN" dirty="0"/>
+              <a:t>8</a:t>
+            </a:r>
+            <a:r>
+              <a:rPr lang="zh-CN" altLang="en-US" dirty="0"/>
+              <a:t>个字节的存储空间。</a:t>
+            </a:r>
+            <a:endParaRPr lang="en-US" altLang="zh-CN" dirty="0"/>
+          </a:p>
+          <a:p>
+            <a:endParaRPr kumimoji="1" lang="en-US" altLang="zh-CN" dirty="0"/>
+          </a:p>
+          <a:p>
+            <a:r>
+              <a:rPr lang="zh-CN" altLang="en-US" dirty="0"/>
+              <a:t>当系统下一次重新启动时，会将上边提到的</a:t>
+            </a:r>
+            <a:r>
+              <a:rPr lang="en" altLang="zh-CN" dirty="0"/>
+              <a:t>Max </a:t>
+            </a:r>
+            <a:r>
+              <a:rPr lang="en" altLang="zh-CN" dirty="0" err="1"/>
+              <a:t>Trx</a:t>
+            </a:r>
+            <a:r>
+              <a:rPr lang="en" altLang="zh-CN" dirty="0"/>
+              <a:t> ID</a:t>
+            </a:r>
+            <a:r>
+              <a:rPr lang="zh-CN" altLang="en-US" dirty="0"/>
+              <a:t>属性加载到内存中，将该值加上</a:t>
+            </a:r>
+            <a:r>
+              <a:rPr lang="en-US" altLang="zh-CN" dirty="0"/>
+              <a:t>256</a:t>
+            </a:r>
+            <a:r>
+              <a:rPr lang="zh-CN" altLang="en-US" dirty="0"/>
+              <a:t>之后赋值给我们前边提到的全局变量（因为在上次关机时该全局变量的值可能大于</a:t>
+            </a:r>
+            <a:r>
+              <a:rPr lang="en" altLang="zh-CN" dirty="0"/>
+              <a:t>Max </a:t>
+            </a:r>
+            <a:r>
+              <a:rPr lang="en" altLang="zh-CN" dirty="0" err="1"/>
+              <a:t>Trx</a:t>
+            </a:r>
+            <a:r>
+              <a:rPr lang="en" altLang="zh-CN" dirty="0"/>
+              <a:t> ID</a:t>
+            </a:r>
+            <a:r>
+              <a:rPr lang="zh-CN" altLang="en-US" dirty="0"/>
+              <a:t>属性值）。</a:t>
+            </a:r>
+            <a:endParaRPr kumimoji="1" lang="zh-CN" altLang="en-US" dirty="0"/>
           </a:p>
         </p:txBody>
       </p:sp>
     </p:spTree>
     <p:extLst>
       <p:ext uri="{BB962C8B-B14F-4D97-AF65-F5344CB8AC3E}">
-        <p14:creationId xmlns:p14="http://schemas.microsoft.com/office/powerpoint/2010/main" val="1519584642"/>
+        <p14:creationId xmlns:p14="http://schemas.microsoft.com/office/powerpoint/2010/main" val="931754277"/>
       </p:ext>
     </p:extLst>
   </p:cSld>
@@ -7906,6 +8288,1073 @@
           <p:cNvPr id="2" name="标题 1">
             <a:extLst>
               <a:ext uri="{FF2B5EF4-FFF2-40B4-BE49-F238E27FC236}">
+                <a16:creationId xmlns:a16="http://schemas.microsoft.com/office/drawing/2014/main" id="{8F0E3373-0AD2-2944-AC18-832F18BE1E0C}"/>
+              </a:ext>
+            </a:extLst>
+          </p:cNvPr>
+          <p:cNvSpPr>
+            <a:spLocks noGrp="1"/>
+          </p:cNvSpPr>
+          <p:nvPr>
+            <p:ph type="title"/>
+          </p:nvPr>
+        </p:nvSpPr>
+        <p:spPr/>
+        <p:txBody>
+          <a:bodyPr/>
+          <a:lstStyle/>
+          <a:p>
+            <a:r>
+              <a:rPr kumimoji="1" lang="zh-CN" altLang="en-US" dirty="0"/>
+              <a:t>事务的</a:t>
+            </a:r>
+            <a:r>
+              <a:rPr lang="zh-CN" altLang="en-US" dirty="0"/>
+              <a:t>隔离性与隔离级别</a:t>
+            </a:r>
+            <a:endParaRPr kumimoji="1" lang="zh-CN" altLang="en-US" dirty="0"/>
+          </a:p>
+        </p:txBody>
+      </p:sp>
+      <p:sp>
+        <p:nvSpPr>
+          <p:cNvPr id="3" name="内容占位符 2">
+            <a:extLst>
+              <a:ext uri="{FF2B5EF4-FFF2-40B4-BE49-F238E27FC236}">
+                <a16:creationId xmlns:a16="http://schemas.microsoft.com/office/drawing/2014/main" id="{27AE6C8B-7C66-7A4C-A842-58E2A84CC96E}"/>
+              </a:ext>
+            </a:extLst>
+          </p:cNvPr>
+          <p:cNvSpPr>
+            <a:spLocks noGrp="1"/>
+          </p:cNvSpPr>
+          <p:nvPr>
+            <p:ph idx="1"/>
+          </p:nvPr>
+        </p:nvSpPr>
+        <p:spPr/>
+        <p:txBody>
+          <a:bodyPr/>
+          <a:lstStyle/>
+          <a:p>
+            <a:r>
+              <a:rPr lang="zh-CN" altLang="en-US" dirty="0"/>
+              <a:t>在谈隔离级别之前，我们要知道，隔离得越严实，效率就会越低。因此很多时候，我们都要在二者之间寻找一个平衡点。</a:t>
+            </a:r>
+            <a:endParaRPr lang="en-US" altLang="zh-CN" dirty="0"/>
+          </a:p>
+          <a:p>
+            <a:endParaRPr kumimoji="1" lang="en-US" altLang="zh-CN" dirty="0"/>
+          </a:p>
+          <a:p>
+            <a:r>
+              <a:rPr lang="en" altLang="zh-CN" dirty="0"/>
+              <a:t>SQL </a:t>
+            </a:r>
+            <a:r>
+              <a:rPr lang="zh-CN" altLang="en-US" dirty="0"/>
+              <a:t>标准的事务隔离级别包括：</a:t>
+            </a:r>
+            <a:endParaRPr lang="en-US" altLang="zh-CN" dirty="0"/>
+          </a:p>
+          <a:p>
+            <a:pPr lvl="1"/>
+            <a:r>
+              <a:rPr lang="zh-CN" altLang="en-US" dirty="0"/>
+              <a:t>读未提交（</a:t>
+            </a:r>
+            <a:r>
+              <a:rPr lang="en" altLang="zh-CN" dirty="0"/>
+              <a:t>read uncommitted</a:t>
+            </a:r>
+            <a:r>
+              <a:rPr lang="zh-CN" altLang="en" dirty="0"/>
+              <a:t>）</a:t>
+            </a:r>
+            <a:endParaRPr lang="en-US" altLang="zh-CN" dirty="0"/>
+          </a:p>
+          <a:p>
+            <a:pPr lvl="1"/>
+            <a:r>
+              <a:rPr lang="zh-CN" altLang="en-US" dirty="0"/>
+              <a:t>读提交（</a:t>
+            </a:r>
+            <a:r>
+              <a:rPr lang="en" altLang="zh-CN" dirty="0"/>
+              <a:t>read committed</a:t>
+            </a:r>
+            <a:r>
+              <a:rPr lang="zh-CN" altLang="en" dirty="0"/>
+              <a:t>）</a:t>
+            </a:r>
+            <a:endParaRPr lang="en-US" altLang="zh-CN" dirty="0"/>
+          </a:p>
+          <a:p>
+            <a:pPr lvl="1"/>
+            <a:r>
+              <a:rPr lang="zh-CN" altLang="en-US" dirty="0"/>
+              <a:t>可重复读（</a:t>
+            </a:r>
+            <a:r>
+              <a:rPr lang="en" altLang="zh-CN" dirty="0"/>
+              <a:t>repeatable read</a:t>
+            </a:r>
+            <a:r>
+              <a:rPr lang="zh-CN" altLang="en" dirty="0"/>
+              <a:t>）</a:t>
+            </a:r>
+            <a:endParaRPr lang="en-US" altLang="zh-CN" dirty="0"/>
+          </a:p>
+          <a:p>
+            <a:pPr lvl="1"/>
+            <a:r>
+              <a:rPr lang="zh-CN" altLang="en-US" dirty="0"/>
+              <a:t>串行化（</a:t>
+            </a:r>
+            <a:r>
+              <a:rPr lang="en" altLang="zh-CN" dirty="0"/>
+              <a:t>serializable </a:t>
+            </a:r>
+            <a:r>
+              <a:rPr lang="zh-CN" altLang="en" dirty="0"/>
+              <a:t>）</a:t>
+            </a:r>
+            <a:endParaRPr kumimoji="1" lang="zh-CN" altLang="en-US" dirty="0"/>
+          </a:p>
+        </p:txBody>
+      </p:sp>
+    </p:spTree>
+    <p:extLst>
+      <p:ext uri="{BB962C8B-B14F-4D97-AF65-F5344CB8AC3E}">
+        <p14:creationId xmlns:p14="http://schemas.microsoft.com/office/powerpoint/2010/main" val="2583763916"/>
+      </p:ext>
+    </p:extLst>
+  </p:cSld>
+  <p:clrMapOvr>
+    <a:masterClrMapping/>
+  </p:clrMapOvr>
+</p:sld>
+</file>
+
+<file path=ppt/slides/slide13.xml><?xml version="1.0" encoding="utf-8"?>
+<p:sld xmlns:a="http://schemas.openxmlformats.org/drawingml/2006/main" xmlns:r="http://schemas.openxmlformats.org/officeDocument/2006/relationships" xmlns:p="http://schemas.openxmlformats.org/presentationml/2006/main">
+  <p:cSld>
+    <p:spTree>
+      <p:nvGrpSpPr>
+        <p:cNvPr id="1" name=""/>
+        <p:cNvGrpSpPr/>
+        <p:nvPr/>
+      </p:nvGrpSpPr>
+      <p:grpSpPr>
+        <a:xfrm>
+          <a:off x="0" y="0"/>
+          <a:ext cx="0" cy="0"/>
+          <a:chOff x="0" y="0"/>
+          <a:chExt cx="0" cy="0"/>
+        </a:xfrm>
+      </p:grpSpPr>
+      <p:sp>
+        <p:nvSpPr>
+          <p:cNvPr id="2" name="标题 1">
+            <a:extLst>
+              <a:ext uri="{FF2B5EF4-FFF2-40B4-BE49-F238E27FC236}">
+                <a16:creationId xmlns:a16="http://schemas.microsoft.com/office/drawing/2014/main" id="{2BE8A3C5-C1FD-274A-90E4-83A783B01155}"/>
+              </a:ext>
+            </a:extLst>
+          </p:cNvPr>
+          <p:cNvSpPr>
+            <a:spLocks noGrp="1"/>
+          </p:cNvSpPr>
+          <p:nvPr>
+            <p:ph type="title"/>
+          </p:nvPr>
+        </p:nvSpPr>
+        <p:spPr/>
+        <p:txBody>
+          <a:bodyPr/>
+          <a:lstStyle/>
+          <a:p>
+            <a:r>
+              <a:rPr kumimoji="1" lang="zh-CN" altLang="en-US" dirty="0"/>
+              <a:t>并发事务引起的问题</a:t>
+            </a:r>
+          </a:p>
+        </p:txBody>
+      </p:sp>
+      <p:sp>
+        <p:nvSpPr>
+          <p:cNvPr id="3" name="内容占位符 2">
+            <a:extLst>
+              <a:ext uri="{FF2B5EF4-FFF2-40B4-BE49-F238E27FC236}">
+                <a16:creationId xmlns:a16="http://schemas.microsoft.com/office/drawing/2014/main" id="{55697925-C4F7-3E42-AF89-6386E60F2897}"/>
+              </a:ext>
+            </a:extLst>
+          </p:cNvPr>
+          <p:cNvSpPr>
+            <a:spLocks noGrp="1"/>
+          </p:cNvSpPr>
+          <p:nvPr>
+            <p:ph idx="1"/>
+          </p:nvPr>
+        </p:nvSpPr>
+        <p:spPr/>
+        <p:txBody>
+          <a:bodyPr>
+            <a:normAutofit fontScale="85000" lnSpcReduction="20000"/>
+          </a:bodyPr>
+          <a:lstStyle/>
+          <a:p>
+            <a:r>
+              <a:rPr kumimoji="1" lang="zh-CN" altLang="en-US" dirty="0"/>
+              <a:t>脏写</a:t>
+            </a:r>
+            <a:endParaRPr kumimoji="1" lang="en-US" altLang="zh-CN" dirty="0"/>
+          </a:p>
+          <a:p>
+            <a:pPr lvl="1"/>
+            <a:r>
+              <a:rPr lang="zh-CN" altLang="en-US" dirty="0"/>
+              <a:t>如果一个事务修改了另一个未提交事务修改过的数据，那就意味着发生了脏写</a:t>
+            </a:r>
+            <a:endParaRPr kumimoji="1" lang="en-US" altLang="zh-CN" dirty="0"/>
+          </a:p>
+          <a:p>
+            <a:endParaRPr kumimoji="1" lang="en-US" altLang="zh-CN" dirty="0"/>
+          </a:p>
+          <a:p>
+            <a:r>
+              <a:rPr kumimoji="1" lang="zh-CN" altLang="en-US" dirty="0"/>
+              <a:t>脏读</a:t>
+            </a:r>
+            <a:endParaRPr kumimoji="1" lang="en-US" altLang="zh-CN" dirty="0"/>
+          </a:p>
+          <a:p>
+            <a:pPr lvl="1"/>
+            <a:r>
+              <a:rPr lang="zh-CN" altLang="en-US" dirty="0"/>
+              <a:t>如果一个事务读到了另一个未提交事务修改过的数据，那就意味着发生了脏读</a:t>
+            </a:r>
+            <a:endParaRPr lang="en-US" altLang="zh-CN" dirty="0"/>
+          </a:p>
+          <a:p>
+            <a:pPr lvl="1"/>
+            <a:endParaRPr kumimoji="1" lang="en-US" altLang="zh-CN" dirty="0"/>
+          </a:p>
+          <a:p>
+            <a:r>
+              <a:rPr kumimoji="1" lang="zh-CN" altLang="en-US" dirty="0"/>
+              <a:t>不可重复读</a:t>
+            </a:r>
+            <a:endParaRPr kumimoji="1" lang="en-US" altLang="zh-CN" dirty="0"/>
+          </a:p>
+          <a:p>
+            <a:pPr lvl="1"/>
+            <a:r>
+              <a:rPr lang="zh-CN" altLang="en-US" dirty="0"/>
+              <a:t>如果一个事务只能读到另一个已经提交的事务修改过的数据，并且其他事务每对该数据进行一次修改并提交后，该事务都能查询得到最新值，那就意味着发生了不可重复读</a:t>
+            </a:r>
+            <a:endParaRPr kumimoji="1" lang="en-US" altLang="zh-CN" dirty="0"/>
+          </a:p>
+          <a:p>
+            <a:endParaRPr kumimoji="1" lang="en-US" altLang="zh-CN" dirty="0"/>
+          </a:p>
+          <a:p>
+            <a:r>
+              <a:rPr kumimoji="1" lang="zh-CN" altLang="en-US" dirty="0"/>
+              <a:t>幻读</a:t>
+            </a:r>
+            <a:endParaRPr kumimoji="1" lang="en-US" altLang="zh-CN" dirty="0"/>
+          </a:p>
+          <a:p>
+            <a:pPr lvl="1"/>
+            <a:r>
+              <a:rPr lang="zh-CN" altLang="en-US" dirty="0"/>
+              <a:t>如果一个事务先根据某些条件查询出一些记录，之后另一个事务又向表中插入了符合这些条件的记录，原先的事务再次按照该条件查询时，能把另一个事务插入的记录也读出来，那就意味着发生了幻读</a:t>
+            </a:r>
+            <a:endParaRPr kumimoji="1" lang="zh-CN" altLang="en-US" dirty="0"/>
+          </a:p>
+        </p:txBody>
+      </p:sp>
+    </p:spTree>
+    <p:extLst>
+      <p:ext uri="{BB962C8B-B14F-4D97-AF65-F5344CB8AC3E}">
+        <p14:creationId xmlns:p14="http://schemas.microsoft.com/office/powerpoint/2010/main" val="1519584642"/>
+      </p:ext>
+    </p:extLst>
+  </p:cSld>
+  <p:clrMapOvr>
+    <a:masterClrMapping/>
+  </p:clrMapOvr>
+</p:sld>
+</file>
+
+<file path=ppt/slides/slide14.xml><?xml version="1.0" encoding="utf-8"?>
+<p:sld xmlns:a="http://schemas.openxmlformats.org/drawingml/2006/main" xmlns:r="http://schemas.openxmlformats.org/officeDocument/2006/relationships" xmlns:p="http://schemas.openxmlformats.org/presentationml/2006/main">
+  <p:cSld>
+    <p:spTree>
+      <p:nvGrpSpPr>
+        <p:cNvPr id="1" name=""/>
+        <p:cNvGrpSpPr/>
+        <p:nvPr/>
+      </p:nvGrpSpPr>
+      <p:grpSpPr>
+        <a:xfrm>
+          <a:off x="0" y="0"/>
+          <a:ext cx="0" cy="0"/>
+          <a:chOff x="0" y="0"/>
+          <a:chExt cx="0" cy="0"/>
+        </a:xfrm>
+      </p:grpSpPr>
+      <p:sp>
+        <p:nvSpPr>
+          <p:cNvPr id="2" name="标题 1">
+            <a:extLst>
+              <a:ext uri="{FF2B5EF4-FFF2-40B4-BE49-F238E27FC236}">
+                <a16:creationId xmlns:a16="http://schemas.microsoft.com/office/drawing/2014/main" id="{D52C0487-B307-CD4C-92AB-1F2A1D2AC6D0}"/>
+              </a:ext>
+            </a:extLst>
+          </p:cNvPr>
+          <p:cNvSpPr>
+            <a:spLocks noGrp="1"/>
+          </p:cNvSpPr>
+          <p:nvPr>
+            <p:ph type="title"/>
+          </p:nvPr>
+        </p:nvSpPr>
+        <p:spPr/>
+        <p:txBody>
+          <a:bodyPr/>
+          <a:lstStyle/>
+          <a:p>
+            <a:r>
+              <a:rPr kumimoji="1" lang="zh-CN" altLang="en-US" dirty="0"/>
+              <a:t>事务的</a:t>
+            </a:r>
+            <a:r>
+              <a:rPr lang="zh-CN" altLang="en-US" dirty="0"/>
+              <a:t>隔离级别</a:t>
+            </a:r>
+            <a:endParaRPr kumimoji="1" lang="zh-CN" altLang="en-US" dirty="0"/>
+          </a:p>
+        </p:txBody>
+      </p:sp>
+      <p:sp>
+        <p:nvSpPr>
+          <p:cNvPr id="3" name="内容占位符 2">
+            <a:extLst>
+              <a:ext uri="{FF2B5EF4-FFF2-40B4-BE49-F238E27FC236}">
+                <a16:creationId xmlns:a16="http://schemas.microsoft.com/office/drawing/2014/main" id="{5F74732C-8193-2A4F-9260-A146EDC24951}"/>
+              </a:ext>
+            </a:extLst>
+          </p:cNvPr>
+          <p:cNvSpPr>
+            <a:spLocks noGrp="1"/>
+          </p:cNvSpPr>
+          <p:nvPr>
+            <p:ph idx="1"/>
+          </p:nvPr>
+        </p:nvSpPr>
+        <p:spPr/>
+        <p:txBody>
+          <a:bodyPr/>
+          <a:lstStyle/>
+          <a:p>
+            <a:r>
+              <a:rPr lang="zh-CN" altLang="en-US" dirty="0"/>
+              <a:t>读未提交</a:t>
+            </a:r>
+            <a:endParaRPr lang="en-US" altLang="zh-CN" dirty="0"/>
+          </a:p>
+          <a:p>
+            <a:pPr lvl="1"/>
+            <a:r>
+              <a:rPr lang="zh-CN" altLang="en-US" dirty="0"/>
+              <a:t>一个事务还没提交时，它做的变更就能被别的事务看到</a:t>
+            </a:r>
+            <a:endParaRPr lang="en-US" altLang="zh-CN" dirty="0"/>
+          </a:p>
+          <a:p>
+            <a:r>
+              <a:rPr lang="zh-CN" altLang="en-US" dirty="0"/>
+              <a:t>读提交</a:t>
+            </a:r>
+            <a:endParaRPr lang="en-US" altLang="zh-CN" dirty="0"/>
+          </a:p>
+          <a:p>
+            <a:pPr lvl="1"/>
+            <a:r>
+              <a:rPr lang="zh-CN" altLang="en-US" dirty="0"/>
+              <a:t>一个事务提交之后，它做的变更才会被其他事务看到</a:t>
+            </a:r>
+            <a:endParaRPr lang="en-US" altLang="zh-CN" dirty="0"/>
+          </a:p>
+          <a:p>
+            <a:r>
+              <a:rPr lang="zh-CN" altLang="en-US" dirty="0"/>
+              <a:t>可重复读</a:t>
+            </a:r>
+            <a:endParaRPr lang="en-US" altLang="zh-CN" dirty="0"/>
+          </a:p>
+          <a:p>
+            <a:pPr lvl="1"/>
+            <a:r>
+              <a:rPr lang="zh-CN" altLang="en-US" dirty="0"/>
+              <a:t>一个事务执行过程中看到的数据，总是跟这个事务在启动时看到的数据是一致的。当然在可重复读隔离级别下，未提交变更对其他事务也是不可见的</a:t>
+            </a:r>
+            <a:endParaRPr lang="en-US" altLang="zh-CN" dirty="0"/>
+          </a:p>
+          <a:p>
+            <a:r>
+              <a:rPr lang="zh-CN" altLang="en-US" dirty="0"/>
+              <a:t>串行化</a:t>
+            </a:r>
+            <a:endParaRPr lang="en-US" altLang="zh-CN" dirty="0"/>
+          </a:p>
+          <a:p>
+            <a:pPr lvl="1"/>
+            <a:r>
+              <a:rPr kumimoji="1" lang="zh-CN" altLang="en-US" dirty="0"/>
+              <a:t>事务串行化执行</a:t>
+            </a:r>
+          </a:p>
+        </p:txBody>
+      </p:sp>
+    </p:spTree>
+    <p:extLst>
+      <p:ext uri="{BB962C8B-B14F-4D97-AF65-F5344CB8AC3E}">
+        <p14:creationId xmlns:p14="http://schemas.microsoft.com/office/powerpoint/2010/main" val="1508952172"/>
+      </p:ext>
+    </p:extLst>
+  </p:cSld>
+  <p:clrMapOvr>
+    <a:masterClrMapping/>
+  </p:clrMapOvr>
+</p:sld>
+</file>
+
+<file path=ppt/slides/slide15.xml><?xml version="1.0" encoding="utf-8"?>
+<p:sld xmlns:a="http://schemas.openxmlformats.org/drawingml/2006/main" xmlns:r="http://schemas.openxmlformats.org/officeDocument/2006/relationships" xmlns:p="http://schemas.openxmlformats.org/presentationml/2006/main">
+  <p:cSld>
+    <p:spTree>
+      <p:nvGrpSpPr>
+        <p:cNvPr id="1" name=""/>
+        <p:cNvGrpSpPr/>
+        <p:nvPr/>
+      </p:nvGrpSpPr>
+      <p:grpSpPr>
+        <a:xfrm>
+          <a:off x="0" y="0"/>
+          <a:ext cx="0" cy="0"/>
+          <a:chOff x="0" y="0"/>
+          <a:chExt cx="0" cy="0"/>
+        </a:xfrm>
+      </p:grpSpPr>
+      <p:sp>
+        <p:nvSpPr>
+          <p:cNvPr id="2" name="标题 1">
+            <a:extLst>
+              <a:ext uri="{FF2B5EF4-FFF2-40B4-BE49-F238E27FC236}">
+                <a16:creationId xmlns:a16="http://schemas.microsoft.com/office/drawing/2014/main" id="{FA6D19C2-7EB5-D248-9537-5FE96A851CE8}"/>
+              </a:ext>
+            </a:extLst>
+          </p:cNvPr>
+          <p:cNvSpPr>
+            <a:spLocks noGrp="1"/>
+          </p:cNvSpPr>
+          <p:nvPr>
+            <p:ph type="title"/>
+          </p:nvPr>
+        </p:nvSpPr>
+        <p:spPr/>
+        <p:txBody>
+          <a:bodyPr/>
+          <a:lstStyle/>
+          <a:p>
+            <a:r>
+              <a:rPr kumimoji="1" lang="zh-CN" altLang="en-US" dirty="0"/>
+              <a:t>事务隔离级别和可能发生的并发问题</a:t>
+            </a:r>
+          </a:p>
+        </p:txBody>
+      </p:sp>
+      <p:pic>
+        <p:nvPicPr>
+          <p:cNvPr id="4" name="内容占位符 3">
+            <a:extLst>
+              <a:ext uri="{FF2B5EF4-FFF2-40B4-BE49-F238E27FC236}">
+                <a16:creationId xmlns:a16="http://schemas.microsoft.com/office/drawing/2014/main" id="{F9B383B5-3753-8C4B-9F85-2FD687423412}"/>
+              </a:ext>
+            </a:extLst>
+          </p:cNvPr>
+          <p:cNvPicPr>
+            <a:picLocks noGrp="1" noChangeAspect="1"/>
+          </p:cNvPicPr>
+          <p:nvPr>
+            <p:ph idx="1"/>
+          </p:nvPr>
+        </p:nvPicPr>
+        <p:blipFill>
+          <a:blip r:embed="rId2"/>
+          <a:stretch>
+            <a:fillRect/>
+          </a:stretch>
+        </p:blipFill>
+        <p:spPr>
+          <a:xfrm>
+            <a:off x="2592925" y="2109746"/>
+            <a:ext cx="8117071" cy="3778250"/>
+          </a:xfrm>
+          <a:prstGeom prst="rect">
+            <a:avLst/>
+          </a:prstGeom>
+        </p:spPr>
+      </p:pic>
+    </p:spTree>
+    <p:extLst>
+      <p:ext uri="{BB962C8B-B14F-4D97-AF65-F5344CB8AC3E}">
+        <p14:creationId xmlns:p14="http://schemas.microsoft.com/office/powerpoint/2010/main" val="4240154530"/>
+      </p:ext>
+    </p:extLst>
+  </p:cSld>
+  <p:clrMapOvr>
+    <a:masterClrMapping/>
+  </p:clrMapOvr>
+</p:sld>
+</file>
+
+<file path=ppt/slides/slide16.xml><?xml version="1.0" encoding="utf-8"?>
+<p:sld xmlns:a="http://schemas.openxmlformats.org/drawingml/2006/main" xmlns:r="http://schemas.openxmlformats.org/officeDocument/2006/relationships" xmlns:p="http://schemas.openxmlformats.org/presentationml/2006/main">
+  <p:cSld>
+    <p:spTree>
+      <p:nvGrpSpPr>
+        <p:cNvPr id="1" name=""/>
+        <p:cNvGrpSpPr/>
+        <p:nvPr/>
+      </p:nvGrpSpPr>
+      <p:grpSpPr>
+        <a:xfrm>
+          <a:off x="0" y="0"/>
+          <a:ext cx="0" cy="0"/>
+          <a:chOff x="0" y="0"/>
+          <a:chExt cx="0" cy="0"/>
+        </a:xfrm>
+      </p:grpSpPr>
+      <p:sp>
+        <p:nvSpPr>
+          <p:cNvPr id="2" name="标题 1">
+            <a:extLst>
+              <a:ext uri="{FF2B5EF4-FFF2-40B4-BE49-F238E27FC236}">
+                <a16:creationId xmlns:a16="http://schemas.microsoft.com/office/drawing/2014/main" id="{C6D57803-5909-AD4A-911B-551EA9245DAB}"/>
+              </a:ext>
+            </a:extLst>
+          </p:cNvPr>
+          <p:cNvSpPr>
+            <a:spLocks noGrp="1"/>
+          </p:cNvSpPr>
+          <p:nvPr>
+            <p:ph type="title"/>
+          </p:nvPr>
+        </p:nvSpPr>
+        <p:spPr/>
+        <p:txBody>
+          <a:bodyPr/>
+          <a:lstStyle/>
+          <a:p>
+            <a:r>
+              <a:rPr kumimoji="1" lang="zh-CN" altLang="en-US" dirty="0"/>
+              <a:t>理解隔离级别的例子</a:t>
+            </a:r>
+          </a:p>
+        </p:txBody>
+      </p:sp>
+      <p:sp>
+        <p:nvSpPr>
+          <p:cNvPr id="8" name="文本框 7">
+            <a:extLst>
+              <a:ext uri="{FF2B5EF4-FFF2-40B4-BE49-F238E27FC236}">
+                <a16:creationId xmlns:a16="http://schemas.microsoft.com/office/drawing/2014/main" id="{FD67CAF0-A27E-2747-831F-9135BA402871}"/>
+              </a:ext>
+            </a:extLst>
+          </p:cNvPr>
+          <p:cNvSpPr txBox="1"/>
+          <p:nvPr/>
+        </p:nvSpPr>
+        <p:spPr>
+          <a:xfrm>
+            <a:off x="6003235" y="1905000"/>
+            <a:ext cx="2861681" cy="369332"/>
+          </a:xfrm>
+          <a:prstGeom prst="rect">
+            <a:avLst/>
+          </a:prstGeom>
+          <a:noFill/>
+        </p:spPr>
+        <p:txBody>
+          <a:bodyPr wrap="none" rtlCol="0">
+            <a:spAutoFit/>
+          </a:bodyPr>
+          <a:lstStyle/>
+          <a:p>
+            <a:r>
+              <a:rPr lang="en" altLang="zh-CN" dirty="0"/>
+              <a:t>insert into T(c) values(1)</a:t>
+            </a:r>
+            <a:r>
+              <a:rPr lang="en-US" altLang="zh-CN" dirty="0"/>
+              <a:t>;</a:t>
+            </a:r>
+            <a:endParaRPr kumimoji="1" lang="zh-CN" altLang="en-US" dirty="0"/>
+          </a:p>
+        </p:txBody>
+      </p:sp>
+      <p:pic>
+        <p:nvPicPr>
+          <p:cNvPr id="9" name="图片 8">
+            <a:extLst>
+              <a:ext uri="{FF2B5EF4-FFF2-40B4-BE49-F238E27FC236}">
+                <a16:creationId xmlns:a16="http://schemas.microsoft.com/office/drawing/2014/main" id="{DF670141-1CDA-EB42-8540-0FABD96228B1}"/>
+              </a:ext>
+            </a:extLst>
+          </p:cNvPr>
+          <p:cNvPicPr>
+            <a:picLocks noChangeAspect="1"/>
+          </p:cNvPicPr>
+          <p:nvPr/>
+        </p:nvPicPr>
+        <p:blipFill>
+          <a:blip r:embed="rId2"/>
+          <a:stretch>
+            <a:fillRect/>
+          </a:stretch>
+        </p:blipFill>
+        <p:spPr>
+          <a:xfrm>
+            <a:off x="1875174" y="1510747"/>
+            <a:ext cx="3860842" cy="4842412"/>
+          </a:xfrm>
+          <a:prstGeom prst="rect">
+            <a:avLst/>
+          </a:prstGeom>
+        </p:spPr>
+      </p:pic>
+    </p:spTree>
+    <p:extLst>
+      <p:ext uri="{BB962C8B-B14F-4D97-AF65-F5344CB8AC3E}">
+        <p14:creationId xmlns:p14="http://schemas.microsoft.com/office/powerpoint/2010/main" val="1918962157"/>
+      </p:ext>
+    </p:extLst>
+  </p:cSld>
+  <p:clrMapOvr>
+    <a:masterClrMapping/>
+  </p:clrMapOvr>
+</p:sld>
+</file>
+
+<file path=ppt/slides/slide17.xml><?xml version="1.0" encoding="utf-8"?>
+<p:sld xmlns:a="http://schemas.openxmlformats.org/drawingml/2006/main" xmlns:r="http://schemas.openxmlformats.org/officeDocument/2006/relationships" xmlns:p="http://schemas.openxmlformats.org/presentationml/2006/main">
+  <p:cSld>
+    <p:spTree>
+      <p:nvGrpSpPr>
+        <p:cNvPr id="1" name=""/>
+        <p:cNvGrpSpPr/>
+        <p:nvPr/>
+      </p:nvGrpSpPr>
+      <p:grpSpPr>
+        <a:xfrm>
+          <a:off x="0" y="0"/>
+          <a:ext cx="0" cy="0"/>
+          <a:chOff x="0" y="0"/>
+          <a:chExt cx="0" cy="0"/>
+        </a:xfrm>
+      </p:grpSpPr>
+      <p:sp>
+        <p:nvSpPr>
+          <p:cNvPr id="2" name="标题 1">
+            <a:extLst>
+              <a:ext uri="{FF2B5EF4-FFF2-40B4-BE49-F238E27FC236}">
+                <a16:creationId xmlns:a16="http://schemas.microsoft.com/office/drawing/2014/main" id="{4187C10C-B063-EE4D-B8F8-B06647A2CD83}"/>
+              </a:ext>
+            </a:extLst>
+          </p:cNvPr>
+          <p:cNvSpPr>
+            <a:spLocks noGrp="1"/>
+          </p:cNvSpPr>
+          <p:nvPr>
+            <p:ph type="title"/>
+          </p:nvPr>
+        </p:nvSpPr>
+        <p:spPr/>
+        <p:txBody>
+          <a:bodyPr/>
+          <a:lstStyle/>
+          <a:p>
+            <a:r>
+              <a:rPr kumimoji="1" lang="zh-CN" altLang="en-US" dirty="0"/>
+              <a:t>理解隔离级别的例子</a:t>
+            </a:r>
+          </a:p>
+        </p:txBody>
+      </p:sp>
+      <p:sp>
+        <p:nvSpPr>
+          <p:cNvPr id="3" name="内容占位符 2">
+            <a:extLst>
+              <a:ext uri="{FF2B5EF4-FFF2-40B4-BE49-F238E27FC236}">
+                <a16:creationId xmlns:a16="http://schemas.microsoft.com/office/drawing/2014/main" id="{8F0928A8-96F7-8546-82FD-64567587725E}"/>
+              </a:ext>
+            </a:extLst>
+          </p:cNvPr>
+          <p:cNvSpPr>
+            <a:spLocks noGrp="1"/>
+          </p:cNvSpPr>
+          <p:nvPr>
+            <p:ph idx="1"/>
+          </p:nvPr>
+        </p:nvSpPr>
+        <p:spPr/>
+        <p:txBody>
+          <a:bodyPr>
+            <a:normAutofit fontScale="92500"/>
+          </a:bodyPr>
+          <a:lstStyle/>
+          <a:p>
+            <a:r>
+              <a:rPr lang="zh-CN" altLang="en-US" dirty="0"/>
+              <a:t>若隔离级别是“读未提交”， 则 </a:t>
+            </a:r>
+            <a:r>
+              <a:rPr lang="en" altLang="zh-CN" dirty="0"/>
+              <a:t>V1 </a:t>
+            </a:r>
+            <a:r>
+              <a:rPr lang="zh-CN" altLang="en-US" dirty="0"/>
+              <a:t>的值就是 </a:t>
+            </a:r>
+            <a:r>
+              <a:rPr lang="en-US" altLang="zh-CN" dirty="0"/>
+              <a:t>2</a:t>
+            </a:r>
+            <a:r>
+              <a:rPr lang="zh-CN" altLang="en-US" dirty="0"/>
+              <a:t>。这时候事务 </a:t>
+            </a:r>
+            <a:r>
+              <a:rPr lang="en" altLang="zh-CN" dirty="0"/>
+              <a:t>B </a:t>
+            </a:r>
+            <a:r>
+              <a:rPr lang="zh-CN" altLang="en-US" dirty="0"/>
+              <a:t>虽然还没有提交，但是结果已经被 </a:t>
+            </a:r>
+            <a:r>
+              <a:rPr lang="en" altLang="zh-CN" dirty="0"/>
+              <a:t>A </a:t>
+            </a:r>
+            <a:r>
+              <a:rPr lang="zh-CN" altLang="en-US" dirty="0"/>
+              <a:t>看到了。因此，</a:t>
+            </a:r>
+            <a:r>
+              <a:rPr lang="en" altLang="zh-CN" dirty="0"/>
+              <a:t>V2</a:t>
+            </a:r>
+            <a:r>
+              <a:rPr lang="zh-CN" altLang="en" dirty="0"/>
+              <a:t>、</a:t>
+            </a:r>
+            <a:r>
+              <a:rPr lang="en" altLang="zh-CN" dirty="0"/>
+              <a:t>V3 </a:t>
+            </a:r>
+            <a:r>
+              <a:rPr lang="zh-CN" altLang="en-US" dirty="0"/>
+              <a:t>也都是 </a:t>
+            </a:r>
+            <a:r>
+              <a:rPr lang="en-US" altLang="zh-CN" dirty="0"/>
+              <a:t>2</a:t>
+            </a:r>
+            <a:r>
+              <a:rPr lang="zh-CN" altLang="en-US" dirty="0"/>
+              <a:t>。</a:t>
+            </a:r>
+            <a:endParaRPr lang="en-US" altLang="zh-CN" dirty="0"/>
+          </a:p>
+          <a:p>
+            <a:endParaRPr kumimoji="1" lang="en-US" altLang="zh-CN" dirty="0"/>
+          </a:p>
+          <a:p>
+            <a:r>
+              <a:rPr lang="zh-CN" altLang="en-US" dirty="0"/>
+              <a:t>若隔离级别是“读提交”，则 </a:t>
+            </a:r>
+            <a:r>
+              <a:rPr lang="en" altLang="zh-CN" dirty="0"/>
+              <a:t>V1 </a:t>
+            </a:r>
+            <a:r>
+              <a:rPr lang="zh-CN" altLang="en-US" dirty="0"/>
+              <a:t>是 </a:t>
+            </a:r>
+            <a:r>
+              <a:rPr lang="en-US" altLang="zh-CN" dirty="0"/>
+              <a:t>1</a:t>
+            </a:r>
+            <a:r>
+              <a:rPr lang="zh-CN" altLang="en-US" dirty="0"/>
+              <a:t>，</a:t>
+            </a:r>
+            <a:r>
+              <a:rPr lang="en" altLang="zh-CN" dirty="0"/>
+              <a:t>V2 </a:t>
+            </a:r>
+            <a:r>
+              <a:rPr lang="zh-CN" altLang="en-US" dirty="0"/>
+              <a:t>的值是 </a:t>
+            </a:r>
+            <a:r>
+              <a:rPr lang="en-US" altLang="zh-CN" dirty="0"/>
+              <a:t>2</a:t>
+            </a:r>
+            <a:r>
+              <a:rPr lang="zh-CN" altLang="en-US" dirty="0"/>
+              <a:t>。事务 </a:t>
+            </a:r>
+            <a:r>
+              <a:rPr lang="en" altLang="zh-CN" dirty="0"/>
+              <a:t>B </a:t>
+            </a:r>
+            <a:r>
+              <a:rPr lang="zh-CN" altLang="en-US" dirty="0"/>
+              <a:t>的更新在提交后才能被 </a:t>
+            </a:r>
+            <a:r>
+              <a:rPr lang="en" altLang="zh-CN" dirty="0"/>
+              <a:t>A </a:t>
+            </a:r>
+            <a:r>
+              <a:rPr lang="zh-CN" altLang="en-US" dirty="0"/>
+              <a:t>看到。所以， </a:t>
+            </a:r>
+            <a:r>
+              <a:rPr lang="en" altLang="zh-CN" dirty="0"/>
+              <a:t>V3 </a:t>
+            </a:r>
+            <a:r>
+              <a:rPr lang="zh-CN" altLang="en-US" dirty="0"/>
+              <a:t>的值也是 </a:t>
+            </a:r>
+            <a:r>
+              <a:rPr lang="en-US" altLang="zh-CN" dirty="0"/>
+              <a:t>2</a:t>
+            </a:r>
+            <a:r>
+              <a:rPr lang="zh-CN" altLang="en-US" dirty="0"/>
+              <a:t>。</a:t>
+            </a:r>
+            <a:endParaRPr lang="en-US" altLang="zh-CN" dirty="0"/>
+          </a:p>
+          <a:p>
+            <a:endParaRPr kumimoji="1" lang="en-US" altLang="zh-CN" dirty="0"/>
+          </a:p>
+          <a:p>
+            <a:r>
+              <a:rPr lang="zh-CN" altLang="en-US" dirty="0"/>
+              <a:t>若隔离级别是“可重复读”，则 </a:t>
+            </a:r>
+            <a:r>
+              <a:rPr lang="en" altLang="zh-CN" dirty="0"/>
+              <a:t>V1</a:t>
+            </a:r>
+            <a:r>
+              <a:rPr lang="zh-CN" altLang="en" dirty="0"/>
+              <a:t>、</a:t>
+            </a:r>
+            <a:r>
+              <a:rPr lang="en" altLang="zh-CN" dirty="0"/>
+              <a:t>V2 </a:t>
+            </a:r>
+            <a:r>
+              <a:rPr lang="zh-CN" altLang="en-US" dirty="0"/>
+              <a:t>是 </a:t>
+            </a:r>
+            <a:r>
+              <a:rPr lang="en-US" altLang="zh-CN" dirty="0"/>
+              <a:t>1</a:t>
+            </a:r>
+            <a:r>
+              <a:rPr lang="zh-CN" altLang="en-US" dirty="0"/>
+              <a:t>，</a:t>
+            </a:r>
+            <a:r>
+              <a:rPr lang="en" altLang="zh-CN" dirty="0"/>
+              <a:t>V3 </a:t>
+            </a:r>
+            <a:r>
+              <a:rPr lang="zh-CN" altLang="en-US" dirty="0"/>
+              <a:t>是 </a:t>
+            </a:r>
+            <a:r>
+              <a:rPr lang="en-US" altLang="zh-CN" dirty="0"/>
+              <a:t>2</a:t>
+            </a:r>
+            <a:r>
+              <a:rPr lang="zh-CN" altLang="en-US" dirty="0"/>
+              <a:t>。之所以 </a:t>
+            </a:r>
+            <a:r>
+              <a:rPr lang="en" altLang="zh-CN" dirty="0"/>
+              <a:t>V2 </a:t>
+            </a:r>
+            <a:r>
+              <a:rPr lang="zh-CN" altLang="en-US" dirty="0"/>
+              <a:t>还是 </a:t>
+            </a:r>
+            <a:r>
+              <a:rPr lang="en-US" altLang="zh-CN" dirty="0"/>
+              <a:t>1</a:t>
+            </a:r>
+            <a:r>
+              <a:rPr lang="zh-CN" altLang="en-US" dirty="0"/>
+              <a:t>，遵循的就是这个要求：事务在执行期间看到的数据前后必须是一致的。</a:t>
+            </a:r>
+            <a:endParaRPr lang="en-US" altLang="zh-CN" dirty="0"/>
+          </a:p>
+          <a:p>
+            <a:endParaRPr kumimoji="1" lang="en-US" altLang="zh-CN" dirty="0"/>
+          </a:p>
+          <a:p>
+            <a:r>
+              <a:rPr lang="zh-CN" altLang="en-US" dirty="0"/>
+              <a:t>若隔离级别是“串行化”，则在事务 </a:t>
+            </a:r>
+            <a:r>
+              <a:rPr lang="en" altLang="zh-CN" dirty="0"/>
+              <a:t>B </a:t>
+            </a:r>
+            <a:r>
+              <a:rPr lang="zh-CN" altLang="en-US" dirty="0"/>
+              <a:t>执行“将 </a:t>
+            </a:r>
+            <a:r>
+              <a:rPr lang="en-US" altLang="zh-CN" dirty="0"/>
+              <a:t>1 </a:t>
+            </a:r>
+            <a:r>
+              <a:rPr lang="zh-CN" altLang="en-US" dirty="0"/>
+              <a:t>改成 </a:t>
+            </a:r>
+            <a:r>
+              <a:rPr lang="en-US" altLang="zh-CN" dirty="0"/>
+              <a:t>2”</a:t>
+            </a:r>
+            <a:r>
+              <a:rPr lang="zh-CN" altLang="en-US" dirty="0"/>
+              <a:t>的时候，会被锁住。直到事务 </a:t>
+            </a:r>
+            <a:r>
+              <a:rPr lang="en" altLang="zh-CN" dirty="0"/>
+              <a:t>A </a:t>
+            </a:r>
+            <a:r>
+              <a:rPr lang="zh-CN" altLang="en-US" dirty="0"/>
+              <a:t>提交后，事务 </a:t>
+            </a:r>
+            <a:r>
+              <a:rPr lang="en" altLang="zh-CN" dirty="0"/>
+              <a:t>B </a:t>
+            </a:r>
+            <a:r>
+              <a:rPr lang="zh-CN" altLang="en-US" dirty="0"/>
+              <a:t>才可以继续执行。所以从 </a:t>
+            </a:r>
+            <a:r>
+              <a:rPr lang="en" altLang="zh-CN" dirty="0"/>
+              <a:t>A </a:t>
+            </a:r>
+            <a:r>
+              <a:rPr lang="zh-CN" altLang="en-US" dirty="0"/>
+              <a:t>的角度看， </a:t>
+            </a:r>
+            <a:r>
+              <a:rPr lang="en" altLang="zh-CN" dirty="0"/>
+              <a:t>V1</a:t>
+            </a:r>
+            <a:r>
+              <a:rPr lang="zh-CN" altLang="en" dirty="0"/>
+              <a:t>、</a:t>
+            </a:r>
+            <a:r>
+              <a:rPr lang="en" altLang="zh-CN" dirty="0"/>
+              <a:t>V2 </a:t>
+            </a:r>
+            <a:r>
+              <a:rPr lang="zh-CN" altLang="en-US" dirty="0"/>
+              <a:t>值是 </a:t>
+            </a:r>
+            <a:r>
+              <a:rPr lang="en-US" altLang="zh-CN" dirty="0"/>
+              <a:t>1</a:t>
+            </a:r>
+            <a:r>
+              <a:rPr lang="zh-CN" altLang="en-US" dirty="0"/>
+              <a:t>，</a:t>
+            </a:r>
+            <a:r>
+              <a:rPr lang="en" altLang="zh-CN" dirty="0"/>
+              <a:t>V3 </a:t>
+            </a:r>
+            <a:r>
+              <a:rPr lang="zh-CN" altLang="en-US" dirty="0"/>
+              <a:t>的值是 </a:t>
+            </a:r>
+            <a:r>
+              <a:rPr lang="en-US" altLang="zh-CN" dirty="0"/>
+              <a:t>2</a:t>
+            </a:r>
+            <a:r>
+              <a:rPr lang="zh-CN" altLang="en-US" dirty="0"/>
+              <a:t>。</a:t>
+            </a:r>
+            <a:endParaRPr kumimoji="1" lang="zh-CN" altLang="en-US" dirty="0"/>
+          </a:p>
+        </p:txBody>
+      </p:sp>
+    </p:spTree>
+    <p:extLst>
+      <p:ext uri="{BB962C8B-B14F-4D97-AF65-F5344CB8AC3E}">
+        <p14:creationId xmlns:p14="http://schemas.microsoft.com/office/powerpoint/2010/main" val="2561026248"/>
+      </p:ext>
+    </p:extLst>
+  </p:cSld>
+  <p:clrMapOvr>
+    <a:masterClrMapping/>
+  </p:clrMapOvr>
+</p:sld>
+</file>
+
+<file path=ppt/slides/slide18.xml><?xml version="1.0" encoding="utf-8"?>
+<p:sld xmlns:a="http://schemas.openxmlformats.org/drawingml/2006/main" xmlns:r="http://schemas.openxmlformats.org/officeDocument/2006/relationships" xmlns:p="http://schemas.openxmlformats.org/presentationml/2006/main">
+  <p:cSld>
+    <p:spTree>
+      <p:nvGrpSpPr>
+        <p:cNvPr id="1" name=""/>
+        <p:cNvGrpSpPr/>
+        <p:nvPr/>
+      </p:nvGrpSpPr>
+      <p:grpSpPr>
+        <a:xfrm>
+          <a:off x="0" y="0"/>
+          <a:ext cx="0" cy="0"/>
+          <a:chOff x="0" y="0"/>
+          <a:chExt cx="0" cy="0"/>
+        </a:xfrm>
+      </p:grpSpPr>
+      <p:sp>
+        <p:nvSpPr>
+          <p:cNvPr id="2" name="标题 1">
+            <a:extLst>
+              <a:ext uri="{FF2B5EF4-FFF2-40B4-BE49-F238E27FC236}">
                 <a16:creationId xmlns:a16="http://schemas.microsoft.com/office/drawing/2014/main" id="{CA391A5C-8D1F-5047-91A4-1C3070827842}"/>
               </a:ext>
             </a:extLst>
@@ -7954,7 +9403,7 @@
           <a:bodyPr/>
           <a:lstStyle/>
           <a:p>
-            <a:endParaRPr kumimoji="1" lang="zh-CN" altLang="en-US"/>
+            <a:endParaRPr kumimoji="1" lang="zh-CN" altLang="en-US" dirty="0"/>
           </a:p>
         </p:txBody>
       </p:sp>
@@ -7971,7 +9420,7 @@
 </p:sld>
 </file>
 
-<file path=ppt/slides/slide13.xml><?xml version="1.0" encoding="utf-8"?>
+<file path=ppt/slides/slide19.xml><?xml version="1.0" encoding="utf-8"?>
 <p:sld xmlns:a="http://schemas.openxmlformats.org/drawingml/2006/main" xmlns:r="http://schemas.openxmlformats.org/officeDocument/2006/relationships" xmlns:p="http://schemas.openxmlformats.org/presentationml/2006/main">
   <p:cSld>
     <p:spTree>
@@ -8935,6 +10384,32 @@
         <p:txBody>
           <a:bodyPr/>
           <a:lstStyle/>
+          <a:p>
+            <a:r>
+              <a:rPr lang="zh-CN" altLang="en-US" dirty="0"/>
+              <a:t>为了实现事务的原子性，</a:t>
+            </a:r>
+            <a:r>
+              <a:rPr lang="en" altLang="zh-CN" dirty="0" err="1"/>
+              <a:t>InnoDB</a:t>
+            </a:r>
+            <a:r>
+              <a:rPr lang="zh-CN" altLang="en-US" dirty="0"/>
+              <a:t>存储引擎在实际进行增、删、改一条记录时，都需要先把对应的</a:t>
+            </a:r>
+            <a:r>
+              <a:rPr lang="en" altLang="zh-CN" dirty="0"/>
+              <a:t>undo</a:t>
+            </a:r>
+            <a:r>
+              <a:rPr lang="zh-CN" altLang="en-US" dirty="0"/>
+              <a:t>日志记下来。</a:t>
+            </a:r>
+            <a:endParaRPr lang="en-US" altLang="zh-CN" dirty="0"/>
+          </a:p>
+          <a:p>
+            <a:endParaRPr kumimoji="1" lang="en-US" altLang="zh-CN" dirty="0"/>
+          </a:p>
           <a:p>
             <a:endParaRPr kumimoji="1" lang="zh-CN" altLang="en-US" dirty="0"/>
           </a:p>

--- a/mysql/mysql的事务实现.pptx
+++ b/mysql/mysql的事务实现.pptx
@@ -15,15 +15,36 @@
     <p:sldId id="265" r:id="rId9"/>
     <p:sldId id="261" r:id="rId10"/>
     <p:sldId id="269" r:id="rId11"/>
-    <p:sldId id="270" r:id="rId12"/>
-    <p:sldId id="262" r:id="rId13"/>
-    <p:sldId id="263" r:id="rId14"/>
-    <p:sldId id="271" r:id="rId15"/>
-    <p:sldId id="272" r:id="rId16"/>
-    <p:sldId id="273" r:id="rId17"/>
-    <p:sldId id="274" r:id="rId18"/>
-    <p:sldId id="264" r:id="rId19"/>
-    <p:sldId id="266" r:id="rId20"/>
+    <p:sldId id="286" r:id="rId12"/>
+    <p:sldId id="270" r:id="rId13"/>
+    <p:sldId id="262" r:id="rId14"/>
+    <p:sldId id="263" r:id="rId15"/>
+    <p:sldId id="271" r:id="rId16"/>
+    <p:sldId id="272" r:id="rId17"/>
+    <p:sldId id="273" r:id="rId18"/>
+    <p:sldId id="274" r:id="rId19"/>
+    <p:sldId id="264" r:id="rId20"/>
+    <p:sldId id="275" r:id="rId21"/>
+    <p:sldId id="277" r:id="rId22"/>
+    <p:sldId id="278" r:id="rId23"/>
+    <p:sldId id="276" r:id="rId24"/>
+    <p:sldId id="279" r:id="rId25"/>
+    <p:sldId id="280" r:id="rId26"/>
+    <p:sldId id="282" r:id="rId27"/>
+    <p:sldId id="281" r:id="rId28"/>
+    <p:sldId id="283" r:id="rId29"/>
+    <p:sldId id="284" r:id="rId30"/>
+    <p:sldId id="285" r:id="rId31"/>
+    <p:sldId id="287" r:id="rId32"/>
+    <p:sldId id="288" r:id="rId33"/>
+    <p:sldId id="289" r:id="rId34"/>
+    <p:sldId id="290" r:id="rId35"/>
+    <p:sldId id="291" r:id="rId36"/>
+    <p:sldId id="292" r:id="rId37"/>
+    <p:sldId id="293" r:id="rId38"/>
+    <p:sldId id="294" r:id="rId39"/>
+    <p:sldId id="295" r:id="rId40"/>
+    <p:sldId id="266" r:id="rId41"/>
   </p:sldIdLst>
   <p:sldSz cx="12192000" cy="6858000"/>
   <p:notesSz cx="6858000" cy="9144000"/>
@@ -319,7 +340,7 @@
             <a:fld id="{B61BEF0D-F0BB-DE4B-95CE-6DB70DBA9567}" type="datetimeFigureOut">
               <a:rPr lang="en-US" dirty="0"/>
               <a:pPr/>
-              <a:t>4/25/21</a:t>
+              <a:t>4/26/21</a:t>
             </a:fld>
             <a:endParaRPr lang="en-US" dirty="0"/>
           </a:p>
@@ -654,7 +675,7 @@
             <a:fld id="{B61BEF0D-F0BB-DE4B-95CE-6DB70DBA9567}" type="datetimeFigureOut">
               <a:rPr lang="en-US" dirty="0"/>
               <a:pPr/>
-              <a:t>4/25/21</a:t>
+              <a:t>4/26/21</a:t>
             </a:fld>
             <a:endParaRPr lang="en-US" dirty="0"/>
           </a:p>
@@ -1052,7 +1073,7 @@
             <a:fld id="{B61BEF0D-F0BB-DE4B-95CE-6DB70DBA9567}" type="datetimeFigureOut">
               <a:rPr lang="en-US" dirty="0"/>
               <a:pPr/>
-              <a:t>4/25/21</a:t>
+              <a:t>4/26/21</a:t>
             </a:fld>
             <a:endParaRPr lang="en-US" dirty="0"/>
           </a:p>
@@ -1385,7 +1406,7 @@
             <a:fld id="{B61BEF0D-F0BB-DE4B-95CE-6DB70DBA9567}" type="datetimeFigureOut">
               <a:rPr lang="en-US" dirty="0"/>
               <a:pPr/>
-              <a:t>4/25/21</a:t>
+              <a:t>4/26/21</a:t>
             </a:fld>
             <a:endParaRPr lang="en-US" dirty="0"/>
           </a:p>
@@ -1702,7 +1723,7 @@
             <a:fld id="{B61BEF0D-F0BB-DE4B-95CE-6DB70DBA9567}" type="datetimeFigureOut">
               <a:rPr lang="en-US" dirty="0"/>
               <a:pPr/>
-              <a:t>4/25/21</a:t>
+              <a:t>4/26/21</a:t>
             </a:fld>
             <a:endParaRPr lang="en-US" dirty="0"/>
           </a:p>
@@ -2095,7 +2116,7 @@
             <a:fld id="{B61BEF0D-F0BB-DE4B-95CE-6DB70DBA9567}" type="datetimeFigureOut">
               <a:rPr lang="en-US" dirty="0"/>
               <a:pPr/>
-              <a:t>4/25/21</a:t>
+              <a:t>4/26/21</a:t>
             </a:fld>
             <a:endParaRPr lang="en-US" dirty="0"/>
           </a:p>
@@ -2349,7 +2370,7 @@
             <a:fld id="{B61BEF0D-F0BB-DE4B-95CE-6DB70DBA9567}" type="datetimeFigureOut">
               <a:rPr lang="en-US" dirty="0"/>
               <a:pPr/>
-              <a:t>4/25/21</a:t>
+              <a:t>4/26/21</a:t>
             </a:fld>
             <a:endParaRPr lang="en-US" dirty="0"/>
           </a:p>
@@ -2608,7 +2629,7 @@
             <a:fld id="{B61BEF0D-F0BB-DE4B-95CE-6DB70DBA9567}" type="datetimeFigureOut">
               <a:rPr lang="en-US" dirty="0"/>
               <a:pPr/>
-              <a:t>4/25/21</a:t>
+              <a:t>4/26/21</a:t>
             </a:fld>
             <a:endParaRPr lang="en-US" dirty="0"/>
           </a:p>
@@ -2867,7 +2888,7 @@
             <a:fld id="{B61BEF0D-F0BB-DE4B-95CE-6DB70DBA9567}" type="datetimeFigureOut">
               <a:rPr lang="en-US" dirty="0"/>
               <a:pPr/>
-              <a:t>4/25/21</a:t>
+              <a:t>4/26/21</a:t>
             </a:fld>
             <a:endParaRPr lang="en-US" dirty="0"/>
           </a:p>
@@ -3193,7 +3214,7 @@
             <a:fld id="{B61BEF0D-F0BB-DE4B-95CE-6DB70DBA9567}" type="datetimeFigureOut">
               <a:rPr lang="en-US" dirty="0"/>
               <a:pPr/>
-              <a:t>4/25/21</a:t>
+              <a:t>4/26/21</a:t>
             </a:fld>
             <a:endParaRPr lang="en-US" dirty="0"/>
           </a:p>
@@ -3513,7 +3534,7 @@
             <a:fld id="{B61BEF0D-F0BB-DE4B-95CE-6DB70DBA9567}" type="datetimeFigureOut">
               <a:rPr lang="en-US" dirty="0"/>
               <a:pPr/>
-              <a:t>4/25/21</a:t>
+              <a:t>4/26/21</a:t>
             </a:fld>
             <a:endParaRPr lang="en-US" dirty="0"/>
           </a:p>
@@ -3967,7 +3988,7 @@
             <a:fld id="{B61BEF0D-F0BB-DE4B-95CE-6DB70DBA9567}" type="datetimeFigureOut">
               <a:rPr lang="en-US" dirty="0"/>
               <a:pPr/>
-              <a:t>4/25/21</a:t>
+              <a:t>4/26/21</a:t>
             </a:fld>
             <a:endParaRPr lang="en-US" dirty="0"/>
           </a:p>
@@ -4169,7 +4190,7 @@
             <a:fld id="{B61BEF0D-F0BB-DE4B-95CE-6DB70DBA9567}" type="datetimeFigureOut">
               <a:rPr lang="en-US" dirty="0"/>
               <a:pPr/>
-              <a:t>4/25/21</a:t>
+              <a:t>4/26/21</a:t>
             </a:fld>
             <a:endParaRPr lang="en-US" dirty="0"/>
           </a:p>
@@ -4343,7 +4364,7 @@
             <a:fld id="{B61BEF0D-F0BB-DE4B-95CE-6DB70DBA9567}" type="datetimeFigureOut">
               <a:rPr lang="en-US" dirty="0"/>
               <a:pPr/>
-              <a:t>4/25/21</a:t>
+              <a:t>4/26/21</a:t>
             </a:fld>
             <a:endParaRPr lang="en-US" dirty="0"/>
           </a:p>
@@ -4673,7 +4694,7 @@
             <a:fld id="{B61BEF0D-F0BB-DE4B-95CE-6DB70DBA9567}" type="datetimeFigureOut">
               <a:rPr lang="en-US" dirty="0"/>
               <a:pPr/>
-              <a:t>4/25/21</a:t>
+              <a:t>4/26/21</a:t>
             </a:fld>
             <a:endParaRPr lang="en-US" dirty="0"/>
           </a:p>
@@ -5015,7 +5036,7 @@
             <a:fld id="{B61BEF0D-F0BB-DE4B-95CE-6DB70DBA9567}" type="datetimeFigureOut">
               <a:rPr lang="en-US" dirty="0"/>
               <a:pPr/>
-              <a:t>4/25/21</a:t>
+              <a:t>4/26/21</a:t>
             </a:fld>
             <a:endParaRPr lang="en-US" dirty="0"/>
           </a:p>
@@ -7129,7 +7150,7 @@
             <a:fld id="{B61BEF0D-F0BB-DE4B-95CE-6DB70DBA9567}" type="datetimeFigureOut">
               <a:rPr lang="en-US" dirty="0"/>
               <a:pPr/>
-              <a:t>4/25/21</a:t>
+              <a:t>4/26/21</a:t>
             </a:fld>
             <a:endParaRPr lang="en-US" dirty="0"/>
           </a:p>
@@ -8061,7 +8082,7 @@
           <p:cNvPr id="2" name="标题 1">
             <a:extLst>
               <a:ext uri="{FF2B5EF4-FFF2-40B4-BE49-F238E27FC236}">
-                <a16:creationId xmlns:a16="http://schemas.microsoft.com/office/drawing/2014/main" id="{FFAE47B9-05B8-3442-8C7E-FBCD3C43D258}"/>
+                <a16:creationId xmlns:a16="http://schemas.microsoft.com/office/drawing/2014/main" id="{91ED9D87-41EC-194E-8C2E-AEECD34864DB}"/>
               </a:ext>
             </a:extLst>
           </p:cNvPr>
@@ -8078,25 +8099,21 @@
           <a:lstStyle/>
           <a:p>
             <a:r>
-              <a:rPr lang="zh-CN" altLang="en-US" b="1" dirty="0"/>
-              <a:t>事务</a:t>
-            </a:r>
-            <a:r>
-              <a:rPr lang="en" altLang="zh-CN" b="1" dirty="0"/>
-              <a:t>id</a:t>
-            </a:r>
-            <a:r>
-              <a:rPr lang="zh-CN" altLang="en" b="1" dirty="0"/>
-              <a:t>的</a:t>
-            </a:r>
-            <a:r>
-              <a:rPr lang="zh-CN" altLang="en-US" b="1" dirty="0"/>
-              <a:t>生成</a:t>
-            </a:r>
-            <a:br>
-              <a:rPr lang="zh-CN" altLang="en-US" b="1" dirty="0"/>
-            </a:br>
-            <a:endParaRPr kumimoji="1" lang="zh-CN" altLang="en-US" dirty="0"/>
+              <a:rPr kumimoji="1" lang="en-US" altLang="zh-CN" dirty="0"/>
+              <a:t>Undo</a:t>
+            </a:r>
+            <a:r>
+              <a:rPr kumimoji="1" lang="zh-CN" altLang="en-US" dirty="0"/>
+              <a:t> </a:t>
+            </a:r>
+            <a:r>
+              <a:rPr kumimoji="1" lang="en-US" altLang="zh-CN" dirty="0"/>
+              <a:t>log</a:t>
+            </a:r>
+            <a:r>
+              <a:rPr kumimoji="1" lang="zh-CN" altLang="en-US" dirty="0"/>
+              <a:t> 删除的时机</a:t>
+            </a:r>
           </a:p>
         </p:txBody>
       </p:sp>
@@ -8105,7 +8122,7 @@
           <p:cNvPr id="3" name="内容占位符 2">
             <a:extLst>
               <a:ext uri="{FF2B5EF4-FFF2-40B4-BE49-F238E27FC236}">
-                <a16:creationId xmlns:a16="http://schemas.microsoft.com/office/drawing/2014/main" id="{E5D67DA6-C684-9B4B-8399-46AB354725C0}"/>
+                <a16:creationId xmlns:a16="http://schemas.microsoft.com/office/drawing/2014/main" id="{E115E42B-78FF-0849-BCE7-DBE13C21CC53}"/>
               </a:ext>
             </a:extLst>
           </p:cNvPr>
@@ -8121,142 +8138,14 @@
           <a:bodyPr/>
           <a:lstStyle/>
           <a:p>
-            <a:r>
-              <a:rPr lang="zh-CN" altLang="en-US" dirty="0"/>
-              <a:t>服务器会在内存中维护一个全局变量，每当需要为某个事务分配一个事务</a:t>
-            </a:r>
-            <a:r>
-              <a:rPr lang="en" altLang="zh-CN" dirty="0"/>
-              <a:t>id</a:t>
-            </a:r>
-            <a:r>
-              <a:rPr lang="zh-CN" altLang="en-US" dirty="0"/>
-              <a:t>时，就会把该变量的值当作事务</a:t>
-            </a:r>
-            <a:r>
-              <a:rPr lang="en" altLang="zh-CN" dirty="0"/>
-              <a:t>id</a:t>
-            </a:r>
-            <a:r>
-              <a:rPr lang="zh-CN" altLang="en-US" dirty="0"/>
-              <a:t>分配给该事务，并且把该变量自增</a:t>
-            </a:r>
-            <a:r>
-              <a:rPr lang="en-US" altLang="zh-CN" dirty="0"/>
-              <a:t>1</a:t>
-            </a:r>
-            <a:r>
-              <a:rPr lang="zh-CN" altLang="en-US" dirty="0"/>
-              <a:t>。</a:t>
-            </a:r>
-            <a:endParaRPr lang="en-US" altLang="zh-CN" dirty="0"/>
-          </a:p>
-          <a:p>
-            <a:endParaRPr kumimoji="1" lang="en-US" altLang="zh-CN" dirty="0"/>
-          </a:p>
-          <a:p>
-            <a:r>
-              <a:rPr lang="zh-CN" altLang="en-US" dirty="0"/>
-              <a:t>每当这个变量的值为</a:t>
-            </a:r>
-            <a:r>
-              <a:rPr lang="en-US" altLang="zh-CN" dirty="0"/>
-              <a:t>256</a:t>
-            </a:r>
-            <a:r>
-              <a:rPr lang="zh-CN" altLang="en-US" dirty="0"/>
-              <a:t>的倍数时，就会将该变量的值刷新到系统表空间的页号为</a:t>
-            </a:r>
-            <a:r>
-              <a:rPr lang="en-US" altLang="zh-CN" dirty="0"/>
-              <a:t>5</a:t>
-            </a:r>
-            <a:r>
-              <a:rPr lang="zh-CN" altLang="en-US" dirty="0"/>
-              <a:t>的页面中一个称之为</a:t>
-            </a:r>
-            <a:r>
-              <a:rPr lang="en" altLang="zh-CN" dirty="0"/>
-              <a:t>Max </a:t>
-            </a:r>
-            <a:r>
-              <a:rPr lang="en" altLang="zh-CN" dirty="0" err="1"/>
-              <a:t>Trx</a:t>
-            </a:r>
-            <a:r>
-              <a:rPr lang="en" altLang="zh-CN" dirty="0"/>
-              <a:t> ID</a:t>
-            </a:r>
-            <a:r>
-              <a:rPr lang="zh-CN" altLang="en-US" dirty="0"/>
-              <a:t>的属性处，这个属性占用</a:t>
-            </a:r>
-            <a:r>
-              <a:rPr lang="en-US" altLang="zh-CN" dirty="0"/>
-              <a:t>8</a:t>
-            </a:r>
-            <a:r>
-              <a:rPr lang="zh-CN" altLang="en-US" dirty="0"/>
-              <a:t>个字节的存储空间。</a:t>
-            </a:r>
-            <a:endParaRPr lang="en-US" altLang="zh-CN" dirty="0"/>
-          </a:p>
-          <a:p>
-            <a:endParaRPr kumimoji="1" lang="en-US" altLang="zh-CN" dirty="0"/>
-          </a:p>
-          <a:p>
-            <a:r>
-              <a:rPr lang="zh-CN" altLang="en-US" dirty="0"/>
-              <a:t>当系统下一次重新启动时，会将上边提到的</a:t>
-            </a:r>
-            <a:r>
-              <a:rPr lang="en" altLang="zh-CN" dirty="0"/>
-              <a:t>Max </a:t>
-            </a:r>
-            <a:r>
-              <a:rPr lang="en" altLang="zh-CN" dirty="0" err="1"/>
-              <a:t>Trx</a:t>
-            </a:r>
-            <a:r>
-              <a:rPr lang="en" altLang="zh-CN" dirty="0"/>
-              <a:t> ID</a:t>
-            </a:r>
-            <a:r>
-              <a:rPr lang="zh-CN" altLang="en-US" dirty="0"/>
-              <a:t>属性加载到内存中，将该值加上</a:t>
-            </a:r>
-            <a:r>
-              <a:rPr lang="en-US" altLang="zh-CN" dirty="0"/>
-              <a:t>256</a:t>
-            </a:r>
-            <a:r>
-              <a:rPr lang="zh-CN" altLang="en-US" dirty="0"/>
-              <a:t>之后赋值给我们前边提到的全局变量（因为在上次关机时该全局变量的值可能大于</a:t>
-            </a:r>
-            <a:r>
-              <a:rPr lang="en" altLang="zh-CN" dirty="0"/>
-              <a:t>Max </a:t>
-            </a:r>
-            <a:r>
-              <a:rPr lang="en" altLang="zh-CN" dirty="0" err="1"/>
-              <a:t>Trx</a:t>
-            </a:r>
-            <a:r>
-              <a:rPr lang="en" altLang="zh-CN" dirty="0"/>
-              <a:t> ID</a:t>
-            </a:r>
-            <a:r>
-              <a:rPr lang="zh-CN" altLang="en-US" dirty="0"/>
-              <a:t>属性值）。</a:t>
-            </a:r>
-            <a:endParaRPr kumimoji="1" lang="zh-CN" altLang="en-US" dirty="0"/>
+            <a:endParaRPr kumimoji="1" lang="zh-CN" altLang="en-US"/>
           </a:p>
         </p:txBody>
       </p:sp>
     </p:spTree>
     <p:extLst>
       <p:ext uri="{BB962C8B-B14F-4D97-AF65-F5344CB8AC3E}">
-        <p14:creationId xmlns:p14="http://schemas.microsoft.com/office/powerpoint/2010/main" val="931754277"/>
+        <p14:creationId xmlns:p14="http://schemas.microsoft.com/office/powerpoint/2010/main" val="2057498338"/>
       </p:ext>
     </p:extLst>
   </p:cSld>
@@ -8288,7 +8177,7 @@
           <p:cNvPr id="2" name="标题 1">
             <a:extLst>
               <a:ext uri="{FF2B5EF4-FFF2-40B4-BE49-F238E27FC236}">
-                <a16:creationId xmlns:a16="http://schemas.microsoft.com/office/drawing/2014/main" id="{8F0E3373-0AD2-2944-AC18-832F18BE1E0C}"/>
+                <a16:creationId xmlns:a16="http://schemas.microsoft.com/office/drawing/2014/main" id="{FFAE47B9-05B8-3442-8C7E-FBCD3C43D258}"/>
               </a:ext>
             </a:extLst>
           </p:cNvPr>
@@ -8305,13 +8194,24 @@
           <a:lstStyle/>
           <a:p>
             <a:r>
-              <a:rPr kumimoji="1" lang="zh-CN" altLang="en-US" dirty="0"/>
-              <a:t>事务的</a:t>
-            </a:r>
-            <a:r>
-              <a:rPr lang="zh-CN" altLang="en-US" dirty="0"/>
-              <a:t>隔离性与隔离级别</a:t>
-            </a:r>
+              <a:rPr lang="zh-CN" altLang="en-US" b="1" dirty="0"/>
+              <a:t>事务</a:t>
+            </a:r>
+            <a:r>
+              <a:rPr lang="en" altLang="zh-CN" b="1" dirty="0"/>
+              <a:t>id</a:t>
+            </a:r>
+            <a:r>
+              <a:rPr lang="zh-CN" altLang="en" b="1" dirty="0"/>
+              <a:t>的</a:t>
+            </a:r>
+            <a:r>
+              <a:rPr lang="zh-CN" altLang="en-US" b="1" dirty="0"/>
+              <a:t>生成</a:t>
+            </a:r>
+            <a:br>
+              <a:rPr lang="zh-CN" altLang="en-US" b="1" dirty="0"/>
+            </a:br>
             <a:endParaRPr kumimoji="1" lang="zh-CN" altLang="en-US" dirty="0"/>
           </a:p>
         </p:txBody>
@@ -8321,7 +8221,7 @@
           <p:cNvPr id="3" name="内容占位符 2">
             <a:extLst>
               <a:ext uri="{FF2B5EF4-FFF2-40B4-BE49-F238E27FC236}">
-                <a16:creationId xmlns:a16="http://schemas.microsoft.com/office/drawing/2014/main" id="{27AE6C8B-7C66-7A4C-A842-58E2A84CC96E}"/>
+                <a16:creationId xmlns:a16="http://schemas.microsoft.com/office/drawing/2014/main" id="{E5D67DA6-C684-9B4B-8399-46AB354725C0}"/>
               </a:ext>
             </a:extLst>
           </p:cNvPr>
@@ -8339,7 +8239,31 @@
           <a:p>
             <a:r>
               <a:rPr lang="zh-CN" altLang="en-US" dirty="0"/>
-              <a:t>在谈隔离级别之前，我们要知道，隔离得越严实，效率就会越低。因此很多时候，我们都要在二者之间寻找一个平衡点。</a:t>
+              <a:t>服务器会在内存中维护一个全局变量，每当需要为某个事务分配一个事务</a:t>
+            </a:r>
+            <a:r>
+              <a:rPr lang="en" altLang="zh-CN" dirty="0"/>
+              <a:t>id</a:t>
+            </a:r>
+            <a:r>
+              <a:rPr lang="zh-CN" altLang="en-US" dirty="0"/>
+              <a:t>时，就会把该变量的值当作事务</a:t>
+            </a:r>
+            <a:r>
+              <a:rPr lang="en" altLang="zh-CN" dirty="0"/>
+              <a:t>id</a:t>
+            </a:r>
+            <a:r>
+              <a:rPr lang="zh-CN" altLang="en-US" dirty="0"/>
+              <a:t>分配给该事务，并且把该变量自增</a:t>
+            </a:r>
+            <a:r>
+              <a:rPr lang="en-US" altLang="zh-CN" dirty="0"/>
+              <a:t>1</a:t>
+            </a:r>
+            <a:r>
+              <a:rPr lang="zh-CN" altLang="en-US" dirty="0"/>
+              <a:t>。</a:t>
             </a:r>
             <a:endParaRPr lang="en-US" altLang="zh-CN" dirty="0"/>
           </a:p>
@@ -8348,76 +8272,98 @@
           </a:p>
           <a:p>
             <a:r>
+              <a:rPr lang="zh-CN" altLang="en-US" dirty="0"/>
+              <a:t>每当这个变量的值为</a:t>
+            </a:r>
+            <a:r>
+              <a:rPr lang="en-US" altLang="zh-CN" dirty="0"/>
+              <a:t>256</a:t>
+            </a:r>
+            <a:r>
+              <a:rPr lang="zh-CN" altLang="en-US" dirty="0"/>
+              <a:t>的倍数时，就会将该变量的值刷新到系统表空间的页号为</a:t>
+            </a:r>
+            <a:r>
+              <a:rPr lang="en-US" altLang="zh-CN" dirty="0"/>
+              <a:t>5</a:t>
+            </a:r>
+            <a:r>
+              <a:rPr lang="zh-CN" altLang="en-US" dirty="0"/>
+              <a:t>的页面中一个称之为</a:t>
+            </a:r>
+            <a:r>
               <a:rPr lang="en" altLang="zh-CN" dirty="0"/>
-              <a:t>SQL </a:t>
+              <a:t>Max </a:t>
+            </a:r>
+            <a:r>
+              <a:rPr lang="en" altLang="zh-CN" dirty="0" err="1"/>
+              <a:t>Trx</a:t>
+            </a:r>
+            <a:r>
+              <a:rPr lang="en" altLang="zh-CN" dirty="0"/>
+              <a:t> ID</a:t>
             </a:r>
             <a:r>
               <a:rPr lang="zh-CN" altLang="en-US" dirty="0"/>
-              <a:t>标准的事务隔离级别包括：</a:t>
+              <a:t>的属性处，这个属性占用</a:t>
+            </a:r>
+            <a:r>
+              <a:rPr lang="en-US" altLang="zh-CN" dirty="0"/>
+              <a:t>8</a:t>
+            </a:r>
+            <a:r>
+              <a:rPr lang="zh-CN" altLang="en-US" dirty="0"/>
+              <a:t>个字节的存储空间。</a:t>
             </a:r>
             <a:endParaRPr lang="en-US" altLang="zh-CN" dirty="0"/>
           </a:p>
           <a:p>
-            <a:pPr lvl="1"/>
+            <a:endParaRPr kumimoji="1" lang="en-US" altLang="zh-CN" dirty="0"/>
+          </a:p>
+          <a:p>
             <a:r>
               <a:rPr lang="zh-CN" altLang="en-US" dirty="0"/>
-              <a:t>读未提交（</a:t>
+              <a:t>当系统下一次重新启动时，会将上边提到的</a:t>
             </a:r>
             <a:r>
               <a:rPr lang="en" altLang="zh-CN" dirty="0"/>
-              <a:t>read uncommitted</a:t>
-            </a:r>
-            <a:r>
-              <a:rPr lang="zh-CN" altLang="en" dirty="0"/>
-              <a:t>）</a:t>
-            </a:r>
-            <a:endParaRPr lang="en-US" altLang="zh-CN" dirty="0"/>
-          </a:p>
-          <a:p>
-            <a:pPr lvl="1"/>
+              <a:t>Max </a:t>
+            </a:r>
+            <a:r>
+              <a:rPr lang="en" altLang="zh-CN" dirty="0" err="1"/>
+              <a:t>Trx</a:t>
+            </a:r>
+            <a:r>
+              <a:rPr lang="en" altLang="zh-CN" dirty="0"/>
+              <a:t> ID</a:t>
+            </a:r>
             <a:r>
               <a:rPr lang="zh-CN" altLang="en-US" dirty="0"/>
-              <a:t>读提交（</a:t>
+              <a:t>属性加载到内存中，将该值加上</a:t>
+            </a:r>
+            <a:r>
+              <a:rPr lang="en-US" altLang="zh-CN" dirty="0"/>
+              <a:t>256</a:t>
+            </a:r>
+            <a:r>
+              <a:rPr lang="zh-CN" altLang="en-US" dirty="0"/>
+              <a:t>之后赋值给我们前边提到的全局变量（因为在上次关机时该全局变量的值可能大于</a:t>
             </a:r>
             <a:r>
               <a:rPr lang="en" altLang="zh-CN" dirty="0"/>
-              <a:t>read committed</a:t>
-            </a:r>
-            <a:r>
-              <a:rPr lang="zh-CN" altLang="en" dirty="0"/>
-              <a:t>）</a:t>
-            </a:r>
-            <a:endParaRPr lang="en-US" altLang="zh-CN" dirty="0"/>
-          </a:p>
-          <a:p>
-            <a:pPr lvl="1"/>
+              <a:t>Max </a:t>
+            </a:r>
+            <a:r>
+              <a:rPr lang="en" altLang="zh-CN" dirty="0" err="1"/>
+              <a:t>Trx</a:t>
+            </a:r>
+            <a:r>
+              <a:rPr lang="en" altLang="zh-CN" dirty="0"/>
+              <a:t> ID</a:t>
+            </a:r>
             <a:r>
               <a:rPr lang="zh-CN" altLang="en-US" dirty="0"/>
-              <a:t>可重复读（</a:t>
-            </a:r>
-            <a:r>
-              <a:rPr lang="en" altLang="zh-CN" dirty="0"/>
-              <a:t>repeatable read</a:t>
-            </a:r>
-            <a:r>
-              <a:rPr lang="zh-CN" altLang="en" dirty="0"/>
-              <a:t>）</a:t>
-            </a:r>
-            <a:endParaRPr lang="en-US" altLang="zh-CN" dirty="0"/>
-          </a:p>
-          <a:p>
-            <a:pPr lvl="1"/>
-            <a:r>
-              <a:rPr lang="zh-CN" altLang="en-US" dirty="0"/>
-              <a:t>串行化（</a:t>
-            </a:r>
-            <a:r>
-              <a:rPr lang="en" altLang="zh-CN" dirty="0"/>
-              <a:t>serializable </a:t>
-            </a:r>
-            <a:r>
-              <a:rPr lang="zh-CN" altLang="en" dirty="0"/>
-              <a:t>）</a:t>
+              <a:t>属性值）。</a:t>
             </a:r>
             <a:endParaRPr kumimoji="1" lang="zh-CN" altLang="en-US" dirty="0"/>
           </a:p>
@@ -8426,7 +8372,7 @@
     </p:spTree>
     <p:extLst>
       <p:ext uri="{BB962C8B-B14F-4D97-AF65-F5344CB8AC3E}">
-        <p14:creationId xmlns:p14="http://schemas.microsoft.com/office/powerpoint/2010/main" val="2583763916"/>
+        <p14:creationId xmlns:p14="http://schemas.microsoft.com/office/powerpoint/2010/main" val="931754277"/>
       </p:ext>
     </p:extLst>
   </p:cSld>
@@ -8458,7 +8404,7 @@
           <p:cNvPr id="2" name="标题 1">
             <a:extLst>
               <a:ext uri="{FF2B5EF4-FFF2-40B4-BE49-F238E27FC236}">
-                <a16:creationId xmlns:a16="http://schemas.microsoft.com/office/drawing/2014/main" id="{2BE8A3C5-C1FD-274A-90E4-83A783B01155}"/>
+                <a16:creationId xmlns:a16="http://schemas.microsoft.com/office/drawing/2014/main" id="{8F0E3373-0AD2-2944-AC18-832F18BE1E0C}"/>
               </a:ext>
             </a:extLst>
           </p:cNvPr>
@@ -8476,8 +8422,13 @@
           <a:p>
             <a:r>
               <a:rPr kumimoji="1" lang="zh-CN" altLang="en-US" dirty="0"/>
-              <a:t>并发事务引起的问题</a:t>
-            </a:r>
+              <a:t>事务的</a:t>
+            </a:r>
+            <a:r>
+              <a:rPr lang="zh-CN" altLang="en-US" dirty="0"/>
+              <a:t>隔离性与隔离级别</a:t>
+            </a:r>
+            <a:endParaRPr kumimoji="1" lang="zh-CN" altLang="en-US" dirty="0"/>
           </a:p>
         </p:txBody>
       </p:sp>
@@ -8486,7 +8437,7 @@
           <p:cNvPr id="3" name="内容占位符 2">
             <a:extLst>
               <a:ext uri="{FF2B5EF4-FFF2-40B4-BE49-F238E27FC236}">
-                <a16:creationId xmlns:a16="http://schemas.microsoft.com/office/drawing/2014/main" id="{55697925-C4F7-3E42-AF89-6386E60F2897}"/>
+                <a16:creationId xmlns:a16="http://schemas.microsoft.com/office/drawing/2014/main" id="{27AE6C8B-7C66-7A4C-A842-58E2A84CC96E}"/>
               </a:ext>
             </a:extLst>
           </p:cNvPr>
@@ -8499,77 +8450,90 @@
         </p:nvSpPr>
         <p:spPr/>
         <p:txBody>
-          <a:bodyPr>
-            <a:normAutofit fontScale="85000" lnSpcReduction="20000"/>
-          </a:bodyPr>
-          <a:lstStyle/>
-          <a:p>
-            <a:r>
-              <a:rPr kumimoji="1" lang="zh-CN" altLang="en-US" dirty="0"/>
-              <a:t>脏写</a:t>
-            </a:r>
+          <a:bodyPr/>
+          <a:lstStyle/>
+          <a:p>
+            <a:r>
+              <a:rPr lang="zh-CN" altLang="en-US" dirty="0"/>
+              <a:t>在谈隔离级别之前，我们要知道，隔离得越严实，效率就会越低。因此很多时候，我们都要在二者之间寻找一个平衡点。</a:t>
+            </a:r>
+            <a:endParaRPr lang="en-US" altLang="zh-CN" dirty="0"/>
+          </a:p>
+          <a:p>
             <a:endParaRPr kumimoji="1" lang="en-US" altLang="zh-CN" dirty="0"/>
           </a:p>
           <a:p>
+            <a:r>
+              <a:rPr lang="en" altLang="zh-CN" dirty="0"/>
+              <a:t>SQL </a:t>
+            </a:r>
+            <a:r>
+              <a:rPr lang="zh-CN" altLang="en-US" dirty="0"/>
+              <a:t>标准的事务隔离级别包括：</a:t>
+            </a:r>
+            <a:endParaRPr lang="en-US" altLang="zh-CN" dirty="0"/>
+          </a:p>
+          <a:p>
             <a:pPr lvl="1"/>
             <a:r>
               <a:rPr lang="zh-CN" altLang="en-US" dirty="0"/>
-              <a:t>如果一个事务修改了另一个未提交事务修改过的数据，那就意味着发生了脏写</a:t>
-            </a:r>
-            <a:endParaRPr kumimoji="1" lang="en-US" altLang="zh-CN" dirty="0"/>
-          </a:p>
-          <a:p>
-            <a:endParaRPr kumimoji="1" lang="en-US" altLang="zh-CN" dirty="0"/>
-          </a:p>
-          <a:p>
-            <a:r>
-              <a:rPr kumimoji="1" lang="zh-CN" altLang="en-US" dirty="0"/>
-              <a:t>脏读</a:t>
-            </a:r>
-            <a:endParaRPr kumimoji="1" lang="en-US" altLang="zh-CN" dirty="0"/>
+              <a:t>读未提交（</a:t>
+            </a:r>
+            <a:r>
+              <a:rPr lang="en" altLang="zh-CN" dirty="0"/>
+              <a:t>read uncommitted</a:t>
+            </a:r>
+            <a:r>
+              <a:rPr lang="zh-CN" altLang="en" dirty="0"/>
+              <a:t>）</a:t>
+            </a:r>
+            <a:endParaRPr lang="en-US" altLang="zh-CN" dirty="0"/>
           </a:p>
           <a:p>
             <a:pPr lvl="1"/>
             <a:r>
               <a:rPr lang="zh-CN" altLang="en-US" dirty="0"/>
-              <a:t>如果一个事务读到了另一个未提交事务修改过的数据，那就意味着发生了脏读</a:t>
+              <a:t>读提交（</a:t>
+            </a:r>
+            <a:r>
+              <a:rPr lang="en" altLang="zh-CN" dirty="0"/>
+              <a:t>read committed</a:t>
+            </a:r>
+            <a:r>
+              <a:rPr lang="zh-CN" altLang="en" dirty="0"/>
+              <a:t>）</a:t>
             </a:r>
             <a:endParaRPr lang="en-US" altLang="zh-CN" dirty="0"/>
           </a:p>
           <a:p>
             <a:pPr lvl="1"/>
-            <a:endParaRPr kumimoji="1" lang="en-US" altLang="zh-CN" dirty="0"/>
-          </a:p>
-          <a:p>
-            <a:r>
-              <a:rPr kumimoji="1" lang="zh-CN" altLang="en-US" dirty="0"/>
-              <a:t>不可重复读</a:t>
-            </a:r>
-            <a:endParaRPr kumimoji="1" lang="en-US" altLang="zh-CN" dirty="0"/>
+            <a:r>
+              <a:rPr lang="zh-CN" altLang="en-US" dirty="0"/>
+              <a:t>可重复读（</a:t>
+            </a:r>
+            <a:r>
+              <a:rPr lang="en" altLang="zh-CN" dirty="0"/>
+              <a:t>repeatable read</a:t>
+            </a:r>
+            <a:r>
+              <a:rPr lang="zh-CN" altLang="en" dirty="0"/>
+              <a:t>）</a:t>
+            </a:r>
+            <a:endParaRPr lang="en-US" altLang="zh-CN" dirty="0"/>
           </a:p>
           <a:p>
             <a:pPr lvl="1"/>
             <a:r>
               <a:rPr lang="zh-CN" altLang="en-US" dirty="0"/>
-              <a:t>如果一个事务只能读到另一个已经提交的事务修改过的数据，并且其他事务每对该数据进行一次修改并提交后，该事务都能查询得到最新值，那就意味着发生了不可重复读</a:t>
-            </a:r>
-            <a:endParaRPr kumimoji="1" lang="en-US" altLang="zh-CN" dirty="0"/>
-          </a:p>
-          <a:p>
-            <a:endParaRPr kumimoji="1" lang="en-US" altLang="zh-CN" dirty="0"/>
-          </a:p>
-          <a:p>
-            <a:r>
-              <a:rPr kumimoji="1" lang="zh-CN" altLang="en-US" dirty="0"/>
-              <a:t>幻读</a:t>
-            </a:r>
-            <a:endParaRPr kumimoji="1" lang="en-US" altLang="zh-CN" dirty="0"/>
-          </a:p>
-          <a:p>
-            <a:pPr lvl="1"/>
-            <a:r>
-              <a:rPr lang="zh-CN" altLang="en-US" dirty="0"/>
-              <a:t>如果一个事务先根据某些条件查询出一些记录，之后另一个事务又向表中插入了符合这些条件的记录，原先的事务再次按照该条件查询时，能把另一个事务插入的记录也读出来，那就意味着发生了幻读</a:t>
+              <a:t>串行化（</a:t>
+            </a:r>
+            <a:r>
+              <a:rPr lang="en" altLang="zh-CN" dirty="0"/>
+              <a:t>serializable </a:t>
+            </a:r>
+            <a:r>
+              <a:rPr lang="zh-CN" altLang="en" dirty="0"/>
+              <a:t>）</a:t>
             </a:r>
             <a:endParaRPr kumimoji="1" lang="zh-CN" altLang="en-US" dirty="0"/>
           </a:p>
@@ -8578,7 +8542,7 @@
     </p:spTree>
     <p:extLst>
       <p:ext uri="{BB962C8B-B14F-4D97-AF65-F5344CB8AC3E}">
-        <p14:creationId xmlns:p14="http://schemas.microsoft.com/office/powerpoint/2010/main" val="1519584642"/>
+        <p14:creationId xmlns:p14="http://schemas.microsoft.com/office/powerpoint/2010/main" val="2583763916"/>
       </p:ext>
     </p:extLst>
   </p:cSld>
@@ -8610,6 +8574,158 @@
           <p:cNvPr id="2" name="标题 1">
             <a:extLst>
               <a:ext uri="{FF2B5EF4-FFF2-40B4-BE49-F238E27FC236}">
+                <a16:creationId xmlns:a16="http://schemas.microsoft.com/office/drawing/2014/main" id="{2BE8A3C5-C1FD-274A-90E4-83A783B01155}"/>
+              </a:ext>
+            </a:extLst>
+          </p:cNvPr>
+          <p:cNvSpPr>
+            <a:spLocks noGrp="1"/>
+          </p:cNvSpPr>
+          <p:nvPr>
+            <p:ph type="title"/>
+          </p:nvPr>
+        </p:nvSpPr>
+        <p:spPr/>
+        <p:txBody>
+          <a:bodyPr/>
+          <a:lstStyle/>
+          <a:p>
+            <a:r>
+              <a:rPr kumimoji="1" lang="zh-CN" altLang="en-US" dirty="0"/>
+              <a:t>并发事务引起的问题</a:t>
+            </a:r>
+          </a:p>
+        </p:txBody>
+      </p:sp>
+      <p:sp>
+        <p:nvSpPr>
+          <p:cNvPr id="3" name="内容占位符 2">
+            <a:extLst>
+              <a:ext uri="{FF2B5EF4-FFF2-40B4-BE49-F238E27FC236}">
+                <a16:creationId xmlns:a16="http://schemas.microsoft.com/office/drawing/2014/main" id="{55697925-C4F7-3E42-AF89-6386E60F2897}"/>
+              </a:ext>
+            </a:extLst>
+          </p:cNvPr>
+          <p:cNvSpPr>
+            <a:spLocks noGrp="1"/>
+          </p:cNvSpPr>
+          <p:nvPr>
+            <p:ph idx="1"/>
+          </p:nvPr>
+        </p:nvSpPr>
+        <p:spPr/>
+        <p:txBody>
+          <a:bodyPr>
+            <a:normAutofit fontScale="85000" lnSpcReduction="20000"/>
+          </a:bodyPr>
+          <a:lstStyle/>
+          <a:p>
+            <a:r>
+              <a:rPr kumimoji="1" lang="zh-CN" altLang="en-US" dirty="0"/>
+              <a:t>脏写</a:t>
+            </a:r>
+            <a:endParaRPr kumimoji="1" lang="en-US" altLang="zh-CN" dirty="0"/>
+          </a:p>
+          <a:p>
+            <a:pPr lvl="1"/>
+            <a:r>
+              <a:rPr lang="zh-CN" altLang="en-US" dirty="0"/>
+              <a:t>如果一个事务修改了另一个未提交事务修改过的数据，那就意味着发生了脏写</a:t>
+            </a:r>
+            <a:endParaRPr kumimoji="1" lang="en-US" altLang="zh-CN" dirty="0"/>
+          </a:p>
+          <a:p>
+            <a:endParaRPr kumimoji="1" lang="en-US" altLang="zh-CN" dirty="0"/>
+          </a:p>
+          <a:p>
+            <a:r>
+              <a:rPr kumimoji="1" lang="zh-CN" altLang="en-US" dirty="0"/>
+              <a:t>脏读</a:t>
+            </a:r>
+            <a:endParaRPr kumimoji="1" lang="en-US" altLang="zh-CN" dirty="0"/>
+          </a:p>
+          <a:p>
+            <a:pPr lvl="1"/>
+            <a:r>
+              <a:rPr lang="zh-CN" altLang="en-US" dirty="0"/>
+              <a:t>如果一个事务读到了另一个未提交事务修改过的数据，那就意味着发生了脏读</a:t>
+            </a:r>
+            <a:endParaRPr lang="en-US" altLang="zh-CN" dirty="0"/>
+          </a:p>
+          <a:p>
+            <a:pPr lvl="1"/>
+            <a:endParaRPr kumimoji="1" lang="en-US" altLang="zh-CN" dirty="0"/>
+          </a:p>
+          <a:p>
+            <a:r>
+              <a:rPr kumimoji="1" lang="zh-CN" altLang="en-US" dirty="0"/>
+              <a:t>不可重复读</a:t>
+            </a:r>
+            <a:endParaRPr kumimoji="1" lang="en-US" altLang="zh-CN" dirty="0"/>
+          </a:p>
+          <a:p>
+            <a:pPr lvl="1"/>
+            <a:r>
+              <a:rPr lang="zh-CN" altLang="en-US" dirty="0"/>
+              <a:t>如果一个事务只能读到另一个已经提交的事务修改过的数据，并且其他事务每对该数据进行一次修改并提交后，该事务都能查询得到最新值，那就意味着发生了不可重复读</a:t>
+            </a:r>
+            <a:endParaRPr kumimoji="1" lang="en-US" altLang="zh-CN" dirty="0"/>
+          </a:p>
+          <a:p>
+            <a:endParaRPr kumimoji="1" lang="en-US" altLang="zh-CN" dirty="0"/>
+          </a:p>
+          <a:p>
+            <a:r>
+              <a:rPr kumimoji="1" lang="zh-CN" altLang="en-US" dirty="0"/>
+              <a:t>幻读</a:t>
+            </a:r>
+            <a:endParaRPr kumimoji="1" lang="en-US" altLang="zh-CN" dirty="0"/>
+          </a:p>
+          <a:p>
+            <a:pPr lvl="1"/>
+            <a:r>
+              <a:rPr lang="zh-CN" altLang="en-US" dirty="0"/>
+              <a:t>如果一个事务先根据某些条件查询出一些记录，之后另一个事务又向表中插入了符合这些条件的记录，原先的事务再次按照该条件查询时，能把另一个事务插入的记录也读出来，那就意味着发生了幻读</a:t>
+            </a:r>
+            <a:endParaRPr kumimoji="1" lang="zh-CN" altLang="en-US" dirty="0"/>
+          </a:p>
+        </p:txBody>
+      </p:sp>
+    </p:spTree>
+    <p:extLst>
+      <p:ext uri="{BB962C8B-B14F-4D97-AF65-F5344CB8AC3E}">
+        <p14:creationId xmlns:p14="http://schemas.microsoft.com/office/powerpoint/2010/main" val="1519584642"/>
+      </p:ext>
+    </p:extLst>
+  </p:cSld>
+  <p:clrMapOvr>
+    <a:masterClrMapping/>
+  </p:clrMapOvr>
+</p:sld>
+</file>
+
+<file path=ppt/slides/slide15.xml><?xml version="1.0" encoding="utf-8"?>
+<p:sld xmlns:a="http://schemas.openxmlformats.org/drawingml/2006/main" xmlns:r="http://schemas.openxmlformats.org/officeDocument/2006/relationships" xmlns:p="http://schemas.openxmlformats.org/presentationml/2006/main">
+  <p:cSld>
+    <p:spTree>
+      <p:nvGrpSpPr>
+        <p:cNvPr id="1" name=""/>
+        <p:cNvGrpSpPr/>
+        <p:nvPr/>
+      </p:nvGrpSpPr>
+      <p:grpSpPr>
+        <a:xfrm>
+          <a:off x="0" y="0"/>
+          <a:ext cx="0" cy="0"/>
+          <a:chOff x="0" y="0"/>
+          <a:chExt cx="0" cy="0"/>
+        </a:xfrm>
+      </p:grpSpPr>
+      <p:sp>
+        <p:nvSpPr>
+          <p:cNvPr id="2" name="标题 1">
+            <a:extLst>
+              <a:ext uri="{FF2B5EF4-FFF2-40B4-BE49-F238E27FC236}">
                 <a16:creationId xmlns:a16="http://schemas.microsoft.com/office/drawing/2014/main" id="{D52C0487-B307-CD4C-92AB-1F2A1D2AC6D0}"/>
               </a:ext>
             </a:extLst>
@@ -8732,7 +8848,7 @@
 </p:sld>
 </file>
 
-<file path=ppt/slides/slide15.xml><?xml version="1.0" encoding="utf-8"?>
+<file path=ppt/slides/slide16.xml><?xml version="1.0" encoding="utf-8"?>
 <p:sld xmlns:a="http://schemas.openxmlformats.org/drawingml/2006/main" xmlns:r="http://schemas.openxmlformats.org/officeDocument/2006/relationships" xmlns:p="http://schemas.openxmlformats.org/presentationml/2006/main">
   <p:cSld>
     <p:spTree>
@@ -8822,7 +8938,7 @@
 </p:sld>
 </file>
 
-<file path=ppt/slides/slide16.xml><?xml version="1.0" encoding="utf-8"?>
+<file path=ppt/slides/slide17.xml><?xml version="1.0" encoding="utf-8"?>
 <p:sld xmlns:a="http://schemas.openxmlformats.org/drawingml/2006/main" xmlns:r="http://schemas.openxmlformats.org/officeDocument/2006/relationships" xmlns:p="http://schemas.openxmlformats.org/presentationml/2006/main">
   <p:cSld>
     <p:spTree>
@@ -8950,389 +9066,6 @@
 </p:sld>
 </file>
 
-<file path=ppt/slides/slide17.xml><?xml version="1.0" encoding="utf-8"?>
-<p:sld xmlns:a="http://schemas.openxmlformats.org/drawingml/2006/main" xmlns:r="http://schemas.openxmlformats.org/officeDocument/2006/relationships" xmlns:p="http://schemas.openxmlformats.org/presentationml/2006/main">
-  <p:cSld>
-    <p:spTree>
-      <p:nvGrpSpPr>
-        <p:cNvPr id="1" name=""/>
-        <p:cNvGrpSpPr/>
-        <p:nvPr/>
-      </p:nvGrpSpPr>
-      <p:grpSpPr>
-        <a:xfrm>
-          <a:off x="0" y="0"/>
-          <a:ext cx="0" cy="0"/>
-          <a:chOff x="0" y="0"/>
-          <a:chExt cx="0" cy="0"/>
-        </a:xfrm>
-      </p:grpSpPr>
-      <p:sp>
-        <p:nvSpPr>
-          <p:cNvPr id="2" name="标题 1">
-            <a:extLst>
-              <a:ext uri="{FF2B5EF4-FFF2-40B4-BE49-F238E27FC236}">
-                <a16:creationId xmlns:a16="http://schemas.microsoft.com/office/drawing/2014/main" id="{4187C10C-B063-EE4D-B8F8-B06647A2CD83}"/>
-              </a:ext>
-            </a:extLst>
-          </p:cNvPr>
-          <p:cNvSpPr>
-            <a:spLocks noGrp="1"/>
-          </p:cNvSpPr>
-          <p:nvPr>
-            <p:ph type="title"/>
-          </p:nvPr>
-        </p:nvSpPr>
-        <p:spPr/>
-        <p:txBody>
-          <a:bodyPr/>
-          <a:lstStyle/>
-          <a:p>
-            <a:r>
-              <a:rPr kumimoji="1" lang="zh-CN" altLang="en-US" dirty="0"/>
-              <a:t>理解隔离级别的例子</a:t>
-            </a:r>
-          </a:p>
-        </p:txBody>
-      </p:sp>
-      <p:sp>
-        <p:nvSpPr>
-          <p:cNvPr id="3" name="内容占位符 2">
-            <a:extLst>
-              <a:ext uri="{FF2B5EF4-FFF2-40B4-BE49-F238E27FC236}">
-                <a16:creationId xmlns:a16="http://schemas.microsoft.com/office/drawing/2014/main" id="{8F0928A8-96F7-8546-82FD-64567587725E}"/>
-              </a:ext>
-            </a:extLst>
-          </p:cNvPr>
-          <p:cNvSpPr>
-            <a:spLocks noGrp="1"/>
-          </p:cNvSpPr>
-          <p:nvPr>
-            <p:ph idx="1"/>
-          </p:nvPr>
-        </p:nvSpPr>
-        <p:spPr/>
-        <p:txBody>
-          <a:bodyPr>
-            <a:normAutofit fontScale="92500"/>
-          </a:bodyPr>
-          <a:lstStyle/>
-          <a:p>
-            <a:r>
-              <a:rPr lang="zh-CN" altLang="en-US" dirty="0"/>
-              <a:t>若隔离级别是“读未提交”， 则 </a:t>
-            </a:r>
-            <a:r>
-              <a:rPr lang="en" altLang="zh-CN" dirty="0"/>
-              <a:t>V1 </a:t>
-            </a:r>
-            <a:r>
-              <a:rPr lang="zh-CN" altLang="en-US" dirty="0"/>
-              <a:t>的值就是 </a:t>
-            </a:r>
-            <a:r>
-              <a:rPr lang="en-US" altLang="zh-CN" dirty="0"/>
-              <a:t>2</a:t>
-            </a:r>
-            <a:r>
-              <a:rPr lang="zh-CN" altLang="en-US" dirty="0"/>
-              <a:t>。这时候事务 </a:t>
-            </a:r>
-            <a:r>
-              <a:rPr lang="en" altLang="zh-CN" dirty="0"/>
-              <a:t>B </a:t>
-            </a:r>
-            <a:r>
-              <a:rPr lang="zh-CN" altLang="en-US" dirty="0"/>
-              <a:t>虽然还没有提交，但是结果已经被 </a:t>
-            </a:r>
-            <a:r>
-              <a:rPr lang="en" altLang="zh-CN" dirty="0"/>
-              <a:t>A </a:t>
-            </a:r>
-            <a:r>
-              <a:rPr lang="zh-CN" altLang="en-US" dirty="0"/>
-              <a:t>看到了。因此，</a:t>
-            </a:r>
-            <a:r>
-              <a:rPr lang="en" altLang="zh-CN" dirty="0"/>
-              <a:t>V2</a:t>
-            </a:r>
-            <a:r>
-              <a:rPr lang="zh-CN" altLang="en" dirty="0"/>
-              <a:t>、</a:t>
-            </a:r>
-            <a:r>
-              <a:rPr lang="en" altLang="zh-CN" dirty="0"/>
-              <a:t>V3 </a:t>
-            </a:r>
-            <a:r>
-              <a:rPr lang="zh-CN" altLang="en-US" dirty="0"/>
-              <a:t>也都是 </a:t>
-            </a:r>
-            <a:r>
-              <a:rPr lang="en-US" altLang="zh-CN" dirty="0"/>
-              <a:t>2</a:t>
-            </a:r>
-            <a:r>
-              <a:rPr lang="zh-CN" altLang="en-US" dirty="0"/>
-              <a:t>。</a:t>
-            </a:r>
-            <a:endParaRPr lang="en-US" altLang="zh-CN" dirty="0"/>
-          </a:p>
-          <a:p>
-            <a:endParaRPr kumimoji="1" lang="en-US" altLang="zh-CN" dirty="0"/>
-          </a:p>
-          <a:p>
-            <a:r>
-              <a:rPr lang="zh-CN" altLang="en-US" dirty="0"/>
-              <a:t>若隔离级别是“读提交”，则 </a:t>
-            </a:r>
-            <a:r>
-              <a:rPr lang="en" altLang="zh-CN" dirty="0"/>
-              <a:t>V1 </a:t>
-            </a:r>
-            <a:r>
-              <a:rPr lang="zh-CN" altLang="en-US" dirty="0"/>
-              <a:t>是 </a:t>
-            </a:r>
-            <a:r>
-              <a:rPr lang="en-US" altLang="zh-CN" dirty="0"/>
-              <a:t>1</a:t>
-            </a:r>
-            <a:r>
-              <a:rPr lang="zh-CN" altLang="en-US" dirty="0"/>
-              <a:t>，</a:t>
-            </a:r>
-            <a:r>
-              <a:rPr lang="en" altLang="zh-CN" dirty="0"/>
-              <a:t>V2 </a:t>
-            </a:r>
-            <a:r>
-              <a:rPr lang="zh-CN" altLang="en-US" dirty="0"/>
-              <a:t>的值是 </a:t>
-            </a:r>
-            <a:r>
-              <a:rPr lang="en-US" altLang="zh-CN" dirty="0"/>
-              <a:t>2</a:t>
-            </a:r>
-            <a:r>
-              <a:rPr lang="zh-CN" altLang="en-US" dirty="0"/>
-              <a:t>。事务 </a:t>
-            </a:r>
-            <a:r>
-              <a:rPr lang="en" altLang="zh-CN" dirty="0"/>
-              <a:t>B </a:t>
-            </a:r>
-            <a:r>
-              <a:rPr lang="zh-CN" altLang="en-US" dirty="0"/>
-              <a:t>的更新在提交后才能被 </a:t>
-            </a:r>
-            <a:r>
-              <a:rPr lang="en" altLang="zh-CN" dirty="0"/>
-              <a:t>A </a:t>
-            </a:r>
-            <a:r>
-              <a:rPr lang="zh-CN" altLang="en-US" dirty="0"/>
-              <a:t>看到。所以， </a:t>
-            </a:r>
-            <a:r>
-              <a:rPr lang="en" altLang="zh-CN" dirty="0"/>
-              <a:t>V3 </a:t>
-            </a:r>
-            <a:r>
-              <a:rPr lang="zh-CN" altLang="en-US" dirty="0"/>
-              <a:t>的值也是 </a:t>
-            </a:r>
-            <a:r>
-              <a:rPr lang="en-US" altLang="zh-CN" dirty="0"/>
-              <a:t>2</a:t>
-            </a:r>
-            <a:r>
-              <a:rPr lang="zh-CN" altLang="en-US" dirty="0"/>
-              <a:t>。</a:t>
-            </a:r>
-            <a:endParaRPr lang="en-US" altLang="zh-CN" dirty="0"/>
-          </a:p>
-          <a:p>
-            <a:endParaRPr kumimoji="1" lang="en-US" altLang="zh-CN" dirty="0"/>
-          </a:p>
-          <a:p>
-            <a:r>
-              <a:rPr lang="zh-CN" altLang="en-US" dirty="0"/>
-              <a:t>若隔离级别是“可重复读”，则 </a:t>
-            </a:r>
-            <a:r>
-              <a:rPr lang="en" altLang="zh-CN" dirty="0"/>
-              <a:t>V1</a:t>
-            </a:r>
-            <a:r>
-              <a:rPr lang="zh-CN" altLang="en" dirty="0"/>
-              <a:t>、</a:t>
-            </a:r>
-            <a:r>
-              <a:rPr lang="en" altLang="zh-CN" dirty="0"/>
-              <a:t>V2 </a:t>
-            </a:r>
-            <a:r>
-              <a:rPr lang="zh-CN" altLang="en-US" dirty="0"/>
-              <a:t>是 </a:t>
-            </a:r>
-            <a:r>
-              <a:rPr lang="en-US" altLang="zh-CN" dirty="0"/>
-              <a:t>1</a:t>
-            </a:r>
-            <a:r>
-              <a:rPr lang="zh-CN" altLang="en-US" dirty="0"/>
-              <a:t>，</a:t>
-            </a:r>
-            <a:r>
-              <a:rPr lang="en" altLang="zh-CN" dirty="0"/>
-              <a:t>V3 </a:t>
-            </a:r>
-            <a:r>
-              <a:rPr lang="zh-CN" altLang="en-US" dirty="0"/>
-              <a:t>是 </a:t>
-            </a:r>
-            <a:r>
-              <a:rPr lang="en-US" altLang="zh-CN" dirty="0"/>
-              <a:t>2</a:t>
-            </a:r>
-            <a:r>
-              <a:rPr lang="zh-CN" altLang="en-US" dirty="0"/>
-              <a:t>。之所以 </a:t>
-            </a:r>
-            <a:r>
-              <a:rPr lang="en" altLang="zh-CN" dirty="0"/>
-              <a:t>V2 </a:t>
-            </a:r>
-            <a:r>
-              <a:rPr lang="zh-CN" altLang="en-US" dirty="0"/>
-              <a:t>还是 </a:t>
-            </a:r>
-            <a:r>
-              <a:rPr lang="en-US" altLang="zh-CN" dirty="0"/>
-              <a:t>1</a:t>
-            </a:r>
-            <a:r>
-              <a:rPr lang="zh-CN" altLang="en-US" dirty="0"/>
-              <a:t>，遵循的就是这个要求：事务在执行期间看到的数据前后必须是一致的。</a:t>
-            </a:r>
-            <a:endParaRPr lang="en-US" altLang="zh-CN" dirty="0"/>
-          </a:p>
-          <a:p>
-            <a:endParaRPr kumimoji="1" lang="en-US" altLang="zh-CN" dirty="0"/>
-          </a:p>
-          <a:p>
-            <a:r>
-              <a:rPr lang="zh-CN" altLang="en-US" dirty="0"/>
-              <a:t>若隔离级别是“串行化”，则在事务 </a:t>
-            </a:r>
-            <a:r>
-              <a:rPr lang="en" altLang="zh-CN" dirty="0"/>
-              <a:t>B </a:t>
-            </a:r>
-            <a:r>
-              <a:rPr lang="zh-CN" altLang="en-US" dirty="0"/>
-              <a:t>执行“将 </a:t>
-            </a:r>
-            <a:r>
-              <a:rPr lang="en-US" altLang="zh-CN" dirty="0"/>
-              <a:t>1 </a:t>
-            </a:r>
-            <a:r>
-              <a:rPr lang="zh-CN" altLang="en-US" dirty="0"/>
-              <a:t>改成 </a:t>
-            </a:r>
-            <a:r>
-              <a:rPr lang="en-US" altLang="zh-CN" dirty="0"/>
-              <a:t>2”</a:t>
-            </a:r>
-            <a:r>
-              <a:rPr lang="zh-CN" altLang="en-US" dirty="0"/>
-              <a:t>的时候，会被锁住。直到事务 </a:t>
-            </a:r>
-            <a:r>
-              <a:rPr lang="en" altLang="zh-CN" dirty="0"/>
-              <a:t>A </a:t>
-            </a:r>
-            <a:r>
-              <a:rPr lang="zh-CN" altLang="en-US" dirty="0"/>
-              <a:t>提交后，事务 </a:t>
-            </a:r>
-            <a:r>
-              <a:rPr lang="en" altLang="zh-CN" dirty="0"/>
-              <a:t>B </a:t>
-            </a:r>
-            <a:r>
-              <a:rPr lang="zh-CN" altLang="en-US" dirty="0"/>
-              <a:t>才可以继续执行。所以从 </a:t>
-            </a:r>
-            <a:r>
-              <a:rPr lang="en" altLang="zh-CN" dirty="0"/>
-              <a:t>A </a:t>
-            </a:r>
-            <a:r>
-              <a:rPr lang="zh-CN" altLang="en-US" dirty="0"/>
-              <a:t>的角度看， </a:t>
-            </a:r>
-            <a:r>
-              <a:rPr lang="en" altLang="zh-CN" dirty="0"/>
-              <a:t>V1</a:t>
-            </a:r>
-            <a:r>
-              <a:rPr lang="zh-CN" altLang="en" dirty="0"/>
-              <a:t>、</a:t>
-            </a:r>
-            <a:r>
-              <a:rPr lang="en" altLang="zh-CN" dirty="0"/>
-              <a:t>V2 </a:t>
-            </a:r>
-            <a:r>
-              <a:rPr lang="zh-CN" altLang="en-US" dirty="0"/>
-              <a:t>值是 </a:t>
-            </a:r>
-            <a:r>
-              <a:rPr lang="en-US" altLang="zh-CN" dirty="0"/>
-              <a:t>1</a:t>
-            </a:r>
-            <a:r>
-              <a:rPr lang="zh-CN" altLang="en-US" dirty="0"/>
-              <a:t>，</a:t>
-            </a:r>
-            <a:r>
-              <a:rPr lang="en" altLang="zh-CN" dirty="0"/>
-              <a:t>V3 </a:t>
-            </a:r>
-            <a:r>
-              <a:rPr lang="zh-CN" altLang="en-US" dirty="0"/>
-              <a:t>的值是 </a:t>
-            </a:r>
-            <a:r>
-              <a:rPr lang="en-US" altLang="zh-CN" dirty="0"/>
-              <a:t>2</a:t>
-            </a:r>
-            <a:r>
-              <a:rPr lang="zh-CN" altLang="en-US" dirty="0"/>
-              <a:t>。</a:t>
-            </a:r>
-            <a:endParaRPr kumimoji="1" lang="zh-CN" altLang="en-US" dirty="0"/>
-          </a:p>
-        </p:txBody>
-      </p:sp>
-    </p:spTree>
-    <p:extLst>
-      <p:ext uri="{BB962C8B-B14F-4D97-AF65-F5344CB8AC3E}">
-        <p14:creationId xmlns:p14="http://schemas.microsoft.com/office/powerpoint/2010/main" val="2561026248"/>
-      </p:ext>
-    </p:extLst>
-  </p:cSld>
-  <p:clrMapOvr>
-    <a:masterClrMapping/>
-  </p:clrMapOvr>
-</p:sld>
-</file>
-
 <file path=ppt/slides/slide18.xml><?xml version="1.0" encoding="utf-8"?>
 <p:sld xmlns:a="http://schemas.openxmlformats.org/drawingml/2006/main" xmlns:r="http://schemas.openxmlformats.org/officeDocument/2006/relationships" xmlns:p="http://schemas.openxmlformats.org/presentationml/2006/main">
   <p:cSld>
@@ -9355,7 +9088,7 @@
           <p:cNvPr id="2" name="标题 1">
             <a:extLst>
               <a:ext uri="{FF2B5EF4-FFF2-40B4-BE49-F238E27FC236}">
-                <a16:creationId xmlns:a16="http://schemas.microsoft.com/office/drawing/2014/main" id="{CA391A5C-8D1F-5047-91A4-1C3070827842}"/>
+                <a16:creationId xmlns:a16="http://schemas.microsoft.com/office/drawing/2014/main" id="{4187C10C-B063-EE4D-B8F8-B06647A2CD83}"/>
               </a:ext>
             </a:extLst>
           </p:cNvPr>
@@ -9372,12 +9105,8 @@
           <a:lstStyle/>
           <a:p>
             <a:r>
-              <a:rPr kumimoji="1" lang="en" altLang="zh-CN" dirty="0"/>
-              <a:t>MVCC</a:t>
-            </a:r>
-            <a:r>
               <a:rPr kumimoji="1" lang="zh-CN" altLang="en-US" dirty="0"/>
-              <a:t>的原理</a:t>
+              <a:t>理解隔离级别的例子</a:t>
             </a:r>
           </a:p>
         </p:txBody>
@@ -9387,7 +9116,7 @@
           <p:cNvPr id="3" name="内容占位符 2">
             <a:extLst>
               <a:ext uri="{FF2B5EF4-FFF2-40B4-BE49-F238E27FC236}">
-                <a16:creationId xmlns:a16="http://schemas.microsoft.com/office/drawing/2014/main" id="{D108DBE6-97A4-CE40-BCB9-03C58327F93F}"/>
+                <a16:creationId xmlns:a16="http://schemas.microsoft.com/office/drawing/2014/main" id="{8F0928A8-96F7-8546-82FD-64567587725E}"/>
               </a:ext>
             </a:extLst>
           </p:cNvPr>
@@ -9400,9 +9129,309 @@
         </p:nvSpPr>
         <p:spPr/>
         <p:txBody>
-          <a:bodyPr/>
-          <a:lstStyle/>
-          <a:p>
+          <a:bodyPr>
+            <a:normAutofit fontScale="92500"/>
+          </a:bodyPr>
+          <a:lstStyle/>
+          <a:p>
+            <a:r>
+              <a:rPr lang="zh-CN" altLang="en-US" dirty="0"/>
+              <a:t>若隔离级别是“读未提交”， 则 </a:t>
+            </a:r>
+            <a:r>
+              <a:rPr lang="en" altLang="zh-CN" dirty="0"/>
+              <a:t>V1 </a:t>
+            </a:r>
+            <a:r>
+              <a:rPr lang="zh-CN" altLang="en-US" dirty="0"/>
+              <a:t>的值就是 </a:t>
+            </a:r>
+            <a:r>
+              <a:rPr lang="en-US" altLang="zh-CN" dirty="0"/>
+              <a:t>2</a:t>
+            </a:r>
+            <a:r>
+              <a:rPr lang="zh-CN" altLang="en-US" dirty="0"/>
+              <a:t>。这时候事务 </a:t>
+            </a:r>
+            <a:r>
+              <a:rPr lang="en" altLang="zh-CN" dirty="0"/>
+              <a:t>B </a:t>
+            </a:r>
+            <a:r>
+              <a:rPr lang="zh-CN" altLang="en-US" dirty="0"/>
+              <a:t>虽然还没有提交，但是结果已经被 </a:t>
+            </a:r>
+            <a:r>
+              <a:rPr lang="en" altLang="zh-CN" dirty="0"/>
+              <a:t>A </a:t>
+            </a:r>
+            <a:r>
+              <a:rPr lang="zh-CN" altLang="en-US" dirty="0"/>
+              <a:t>看到了。因此，</a:t>
+            </a:r>
+            <a:r>
+              <a:rPr lang="en" altLang="zh-CN" dirty="0"/>
+              <a:t>V2</a:t>
+            </a:r>
+            <a:r>
+              <a:rPr lang="zh-CN" altLang="en" dirty="0"/>
+              <a:t>、</a:t>
+            </a:r>
+            <a:r>
+              <a:rPr lang="en" altLang="zh-CN" dirty="0"/>
+              <a:t>V3 </a:t>
+            </a:r>
+            <a:r>
+              <a:rPr lang="zh-CN" altLang="en-US" dirty="0"/>
+              <a:t>也都是 </a:t>
+            </a:r>
+            <a:r>
+              <a:rPr lang="en-US" altLang="zh-CN" dirty="0"/>
+              <a:t>2</a:t>
+            </a:r>
+            <a:r>
+              <a:rPr lang="zh-CN" altLang="en-US" dirty="0"/>
+              <a:t>。</a:t>
+            </a:r>
+            <a:endParaRPr lang="en-US" altLang="zh-CN" dirty="0"/>
+          </a:p>
+          <a:p>
+            <a:endParaRPr kumimoji="1" lang="en-US" altLang="zh-CN" dirty="0"/>
+          </a:p>
+          <a:p>
+            <a:r>
+              <a:rPr lang="zh-CN" altLang="en-US" dirty="0"/>
+              <a:t>若隔离级别是“读提交”，则 </a:t>
+            </a:r>
+            <a:r>
+              <a:rPr lang="en" altLang="zh-CN" dirty="0"/>
+              <a:t>V1 </a:t>
+            </a:r>
+            <a:r>
+              <a:rPr lang="zh-CN" altLang="en-US" dirty="0"/>
+              <a:t>是 </a:t>
+            </a:r>
+            <a:r>
+              <a:rPr lang="en-US" altLang="zh-CN" dirty="0"/>
+              <a:t>1</a:t>
+            </a:r>
+            <a:r>
+              <a:rPr lang="zh-CN" altLang="en-US" dirty="0"/>
+              <a:t>，</a:t>
+            </a:r>
+            <a:r>
+              <a:rPr lang="en" altLang="zh-CN" dirty="0"/>
+              <a:t>V2 </a:t>
+            </a:r>
+            <a:r>
+              <a:rPr lang="zh-CN" altLang="en-US" dirty="0"/>
+              <a:t>的值是 </a:t>
+            </a:r>
+            <a:r>
+              <a:rPr lang="en-US" altLang="zh-CN" dirty="0"/>
+              <a:t>2</a:t>
+            </a:r>
+            <a:r>
+              <a:rPr lang="zh-CN" altLang="en-US" dirty="0"/>
+              <a:t>。事务 </a:t>
+            </a:r>
+            <a:r>
+              <a:rPr lang="en" altLang="zh-CN" dirty="0"/>
+              <a:t>B </a:t>
+            </a:r>
+            <a:r>
+              <a:rPr lang="zh-CN" altLang="en-US" dirty="0"/>
+              <a:t>的更新在提交后才能被 </a:t>
+            </a:r>
+            <a:r>
+              <a:rPr lang="en" altLang="zh-CN" dirty="0"/>
+              <a:t>A </a:t>
+            </a:r>
+            <a:r>
+              <a:rPr lang="zh-CN" altLang="en-US" dirty="0"/>
+              <a:t>看到。所以， </a:t>
+            </a:r>
+            <a:r>
+              <a:rPr lang="en" altLang="zh-CN" dirty="0"/>
+              <a:t>V3 </a:t>
+            </a:r>
+            <a:r>
+              <a:rPr lang="zh-CN" altLang="en-US" dirty="0"/>
+              <a:t>的值也是 </a:t>
+            </a:r>
+            <a:r>
+              <a:rPr lang="en-US" altLang="zh-CN" dirty="0"/>
+              <a:t>2</a:t>
+            </a:r>
+            <a:r>
+              <a:rPr lang="zh-CN" altLang="en-US" dirty="0"/>
+              <a:t>。</a:t>
+            </a:r>
+            <a:endParaRPr lang="en-US" altLang="zh-CN" dirty="0"/>
+          </a:p>
+          <a:p>
+            <a:endParaRPr kumimoji="1" lang="en-US" altLang="zh-CN" dirty="0"/>
+          </a:p>
+          <a:p>
+            <a:r>
+              <a:rPr lang="zh-CN" altLang="en-US" dirty="0"/>
+              <a:t>若隔离级别是“可重复读”，则 </a:t>
+            </a:r>
+            <a:r>
+              <a:rPr lang="en" altLang="zh-CN" dirty="0"/>
+              <a:t>V1</a:t>
+            </a:r>
+            <a:r>
+              <a:rPr lang="zh-CN" altLang="en" dirty="0"/>
+              <a:t>、</a:t>
+            </a:r>
+            <a:r>
+              <a:rPr lang="en" altLang="zh-CN" dirty="0"/>
+              <a:t>V2 </a:t>
+            </a:r>
+            <a:r>
+              <a:rPr lang="zh-CN" altLang="en-US" dirty="0"/>
+              <a:t>是 </a:t>
+            </a:r>
+            <a:r>
+              <a:rPr lang="en-US" altLang="zh-CN" dirty="0"/>
+              <a:t>1</a:t>
+            </a:r>
+            <a:r>
+              <a:rPr lang="zh-CN" altLang="en-US" dirty="0"/>
+              <a:t>，</a:t>
+            </a:r>
+            <a:r>
+              <a:rPr lang="en" altLang="zh-CN" dirty="0"/>
+              <a:t>V3 </a:t>
+            </a:r>
+            <a:r>
+              <a:rPr lang="zh-CN" altLang="en-US" dirty="0"/>
+              <a:t>是 </a:t>
+            </a:r>
+            <a:r>
+              <a:rPr lang="en-US" altLang="zh-CN" dirty="0"/>
+              <a:t>2</a:t>
+            </a:r>
+            <a:r>
+              <a:rPr lang="zh-CN" altLang="en-US" dirty="0"/>
+              <a:t>。之所以 </a:t>
+            </a:r>
+            <a:r>
+              <a:rPr lang="en" altLang="zh-CN" dirty="0"/>
+              <a:t>V2 </a:t>
+            </a:r>
+            <a:r>
+              <a:rPr lang="zh-CN" altLang="en-US" dirty="0"/>
+              <a:t>还是 </a:t>
+            </a:r>
+            <a:r>
+              <a:rPr lang="en-US" altLang="zh-CN" dirty="0"/>
+              <a:t>1</a:t>
+            </a:r>
+            <a:r>
+              <a:rPr lang="zh-CN" altLang="en-US" dirty="0"/>
+              <a:t>，遵循的就是这个要求：事务在执行期间看到的数据前后必须是一致的。</a:t>
+            </a:r>
+            <a:endParaRPr lang="en-US" altLang="zh-CN" dirty="0"/>
+          </a:p>
+          <a:p>
+            <a:endParaRPr kumimoji="1" lang="en-US" altLang="zh-CN" dirty="0"/>
+          </a:p>
+          <a:p>
+            <a:r>
+              <a:rPr lang="zh-CN" altLang="en-US" dirty="0"/>
+              <a:t>若隔离级别是“串行化”，则在事务 </a:t>
+            </a:r>
+            <a:r>
+              <a:rPr lang="en" altLang="zh-CN" dirty="0"/>
+              <a:t>B </a:t>
+            </a:r>
+            <a:r>
+              <a:rPr lang="zh-CN" altLang="en-US" dirty="0"/>
+              <a:t>执行“将 </a:t>
+            </a:r>
+            <a:r>
+              <a:rPr lang="en-US" altLang="zh-CN" dirty="0"/>
+              <a:t>1 </a:t>
+            </a:r>
+            <a:r>
+              <a:rPr lang="zh-CN" altLang="en-US" dirty="0"/>
+              <a:t>改成 </a:t>
+            </a:r>
+            <a:r>
+              <a:rPr lang="en-US" altLang="zh-CN" dirty="0"/>
+              <a:t>2”</a:t>
+            </a:r>
+            <a:r>
+              <a:rPr lang="zh-CN" altLang="en-US" dirty="0"/>
+              <a:t>的时候，会被锁住。直到事务 </a:t>
+            </a:r>
+            <a:r>
+              <a:rPr lang="en" altLang="zh-CN" dirty="0"/>
+              <a:t>A </a:t>
+            </a:r>
+            <a:r>
+              <a:rPr lang="zh-CN" altLang="en-US" dirty="0"/>
+              <a:t>提交后，事务 </a:t>
+            </a:r>
+            <a:r>
+              <a:rPr lang="en" altLang="zh-CN" dirty="0"/>
+              <a:t>B </a:t>
+            </a:r>
+            <a:r>
+              <a:rPr lang="zh-CN" altLang="en-US" dirty="0"/>
+              <a:t>才可以继续执行。所以从 </a:t>
+            </a:r>
+            <a:r>
+              <a:rPr lang="en" altLang="zh-CN" dirty="0"/>
+              <a:t>A </a:t>
+            </a:r>
+            <a:r>
+              <a:rPr lang="zh-CN" altLang="en-US" dirty="0"/>
+              <a:t>的角度看， </a:t>
+            </a:r>
+            <a:r>
+              <a:rPr lang="en" altLang="zh-CN" dirty="0"/>
+              <a:t>V1</a:t>
+            </a:r>
+            <a:r>
+              <a:rPr lang="zh-CN" altLang="en" dirty="0"/>
+              <a:t>、</a:t>
+            </a:r>
+            <a:r>
+              <a:rPr lang="en" altLang="zh-CN" dirty="0"/>
+              <a:t>V2 </a:t>
+            </a:r>
+            <a:r>
+              <a:rPr lang="zh-CN" altLang="en-US" dirty="0"/>
+              <a:t>值是 </a:t>
+            </a:r>
+            <a:r>
+              <a:rPr lang="en-US" altLang="zh-CN" dirty="0"/>
+              <a:t>1</a:t>
+            </a:r>
+            <a:r>
+              <a:rPr lang="zh-CN" altLang="en-US" dirty="0"/>
+              <a:t>，</a:t>
+            </a:r>
+            <a:r>
+              <a:rPr lang="en" altLang="zh-CN" dirty="0"/>
+              <a:t>V3 </a:t>
+            </a:r>
+            <a:r>
+              <a:rPr lang="zh-CN" altLang="en-US" dirty="0"/>
+              <a:t>的值是 </a:t>
+            </a:r>
+            <a:r>
+              <a:rPr lang="en-US" altLang="zh-CN" dirty="0"/>
+              <a:t>2</a:t>
+            </a:r>
+            <a:r>
+              <a:rPr lang="zh-CN" altLang="en-US" dirty="0"/>
+              <a:t>。</a:t>
+            </a:r>
             <a:endParaRPr kumimoji="1" lang="zh-CN" altLang="en-US" dirty="0"/>
           </a:p>
         </p:txBody>
@@ -9410,7 +9439,7 @@
     </p:spTree>
     <p:extLst>
       <p:ext uri="{BB962C8B-B14F-4D97-AF65-F5344CB8AC3E}">
-        <p14:creationId xmlns:p14="http://schemas.microsoft.com/office/powerpoint/2010/main" val="1338761229"/>
+        <p14:creationId xmlns:p14="http://schemas.microsoft.com/office/powerpoint/2010/main" val="2561026248"/>
       </p:ext>
     </p:extLst>
   </p:cSld>
@@ -9442,7 +9471,7 @@
           <p:cNvPr id="2" name="标题 1">
             <a:extLst>
               <a:ext uri="{FF2B5EF4-FFF2-40B4-BE49-F238E27FC236}">
-                <a16:creationId xmlns:a16="http://schemas.microsoft.com/office/drawing/2014/main" id="{6FBD9951-5FDB-3045-BBB8-493C7E77C45E}"/>
+                <a16:creationId xmlns:a16="http://schemas.microsoft.com/office/drawing/2014/main" id="{CA391A5C-8D1F-5047-91A4-1C3070827842}"/>
               </a:ext>
             </a:extLst>
           </p:cNvPr>
@@ -9458,46 +9487,137 @@
           <a:bodyPr/>
           <a:lstStyle/>
           <a:p>
-            <a:endParaRPr kumimoji="1" lang="zh-CN" altLang="en-US"/>
+            <a:r>
+              <a:rPr kumimoji="1" lang="en" altLang="zh-CN" dirty="0"/>
+              <a:t>MVCC</a:t>
+            </a:r>
+            <a:endParaRPr kumimoji="1" lang="zh-CN" altLang="en-US" dirty="0"/>
+          </a:p>
+        </p:txBody>
+      </p:sp>
+      <p:sp>
+        <p:nvSpPr>
+          <p:cNvPr id="3" name="内容占位符 2">
+            <a:extLst>
+              <a:ext uri="{FF2B5EF4-FFF2-40B4-BE49-F238E27FC236}">
+                <a16:creationId xmlns:a16="http://schemas.microsoft.com/office/drawing/2014/main" id="{D108DBE6-97A4-CE40-BCB9-03C58327F93F}"/>
+              </a:ext>
+            </a:extLst>
+          </p:cNvPr>
+          <p:cNvSpPr>
+            <a:spLocks noGrp="1"/>
+          </p:cNvSpPr>
+          <p:nvPr>
+            <p:ph idx="1"/>
+          </p:nvPr>
+        </p:nvSpPr>
+        <p:spPr/>
+        <p:txBody>
+          <a:bodyPr/>
+          <a:lstStyle/>
+          <a:p>
+            <a:r>
+              <a:rPr kumimoji="1" lang="en-US" altLang="zh-CN" dirty="0"/>
+              <a:t>MVCC</a:t>
+            </a:r>
+            <a:r>
+              <a:rPr kumimoji="1" lang="zh-CN" altLang="en-US" dirty="0"/>
+              <a:t>就是</a:t>
+            </a:r>
+            <a:r>
+              <a:rPr lang="zh-CN" altLang="en-US" dirty="0"/>
+              <a:t>多版本并发控制</a:t>
+            </a:r>
+            <a:endParaRPr lang="en-US" altLang="zh-CN" dirty="0"/>
+          </a:p>
+          <a:p>
+            <a:endParaRPr kumimoji="1" lang="en-US" altLang="zh-CN" dirty="0"/>
+          </a:p>
+          <a:p>
+            <a:r>
+              <a:rPr kumimoji="1" lang="zh-CN" altLang="en-US" dirty="0"/>
+              <a:t>版本链在</a:t>
+            </a:r>
+            <a:r>
+              <a:rPr kumimoji="1" lang="en-US" altLang="zh-CN" dirty="0"/>
+              <a:t>undo</a:t>
+            </a:r>
+            <a:r>
+              <a:rPr kumimoji="1" lang="zh-CN" altLang="en-US" dirty="0"/>
+              <a:t> </a:t>
+            </a:r>
+            <a:r>
+              <a:rPr kumimoji="1" lang="en-US" altLang="zh-CN" dirty="0"/>
+              <a:t>log</a:t>
+            </a:r>
+            <a:r>
+              <a:rPr kumimoji="1" lang="zh-CN" altLang="en-US" dirty="0"/>
+              <a:t>里记录了，所以获取记录的多个版本</a:t>
+            </a:r>
+            <a:endParaRPr kumimoji="1" lang="en-US" altLang="zh-CN" dirty="0"/>
+          </a:p>
+          <a:p>
+            <a:endParaRPr kumimoji="1" lang="en-US" altLang="zh-CN" dirty="0"/>
+          </a:p>
+          <a:p>
+            <a:r>
+              <a:rPr kumimoji="1" lang="zh-CN" altLang="en-US" dirty="0"/>
+              <a:t>并发控制使用一致性读视图和锁来控制</a:t>
+            </a:r>
           </a:p>
         </p:txBody>
       </p:sp>
       <p:pic>
         <p:nvPicPr>
-          <p:cNvPr id="4" name="内容占位符 3">
+          <p:cNvPr id="1028" name="Picture 4">
             <a:extLst>
               <a:ext uri="{FF2B5EF4-FFF2-40B4-BE49-F238E27FC236}">
-                <a16:creationId xmlns:a16="http://schemas.microsoft.com/office/drawing/2014/main" id="{0D0EEF63-69AE-874E-ADEA-6BF1E08A71CD}"/>
+                <a16:creationId xmlns:a16="http://schemas.microsoft.com/office/drawing/2014/main" id="{280238EF-E03F-D64C-A477-046D04178757}"/>
               </a:ext>
             </a:extLst>
           </p:cNvPr>
           <p:cNvPicPr>
-            <a:picLocks noGrp="1" noChangeAspect="1"/>
+            <a:picLocks noChangeAspect="1" noChangeArrowheads="1"/>
           </p:cNvPicPr>
-          <p:nvPr>
-            <p:ph idx="1"/>
-          </p:nvPr>
+          <p:nvPr/>
         </p:nvPicPr>
         <p:blipFill>
-          <a:blip r:embed="rId2"/>
+          <a:blip r:embed="rId2">
+            <a:extLst>
+              <a:ext uri="{28A0092B-C50C-407E-A947-70E740481C1C}">
+                <a14:useLocalDpi xmlns:a14="http://schemas.microsoft.com/office/drawing/2010/main" val="0"/>
+              </a:ext>
+            </a:extLst>
+          </a:blip>
+          <a:srcRect/>
           <a:stretch>
             <a:fillRect/>
           </a:stretch>
         </p:blipFill>
-        <p:spPr>
+        <p:spPr bwMode="auto">
           <a:xfrm>
-            <a:off x="3253051" y="2141552"/>
-            <a:ext cx="5965657" cy="3778250"/>
+            <a:off x="7525227" y="3450272"/>
+            <a:ext cx="4163190" cy="2686732"/>
           </a:xfrm>
           <a:prstGeom prst="rect">
             <a:avLst/>
           </a:prstGeom>
+          <a:noFill/>
+          <a:extLst>
+            <a:ext uri="{909E8E84-426E-40DD-AFC4-6F175D3DCCD1}">
+              <a14:hiddenFill xmlns:a14="http://schemas.microsoft.com/office/drawing/2010/main">
+                <a:solidFill>
+                  <a:srgbClr val="FFFFFF"/>
+                </a:solidFill>
+              </a14:hiddenFill>
+            </a:ext>
+          </a:extLst>
         </p:spPr>
       </p:pic>
     </p:spTree>
     <p:extLst>
       <p:ext uri="{BB962C8B-B14F-4D97-AF65-F5344CB8AC3E}">
-        <p14:creationId xmlns:p14="http://schemas.microsoft.com/office/powerpoint/2010/main" val="3014900432"/>
+        <p14:creationId xmlns:p14="http://schemas.microsoft.com/office/powerpoint/2010/main" val="1338761229"/>
       </p:ext>
     </p:extLst>
   </p:cSld>
@@ -9598,6 +9718,2250 @@
 </p:sld>
 </file>
 
+<file path=ppt/slides/slide20.xml><?xml version="1.0" encoding="utf-8"?>
+<p:sld xmlns:a="http://schemas.openxmlformats.org/drawingml/2006/main" xmlns:r="http://schemas.openxmlformats.org/officeDocument/2006/relationships" xmlns:p="http://schemas.openxmlformats.org/presentationml/2006/main">
+  <p:cSld>
+    <p:spTree>
+      <p:nvGrpSpPr>
+        <p:cNvPr id="1" name=""/>
+        <p:cNvGrpSpPr/>
+        <p:nvPr/>
+      </p:nvGrpSpPr>
+      <p:grpSpPr>
+        <a:xfrm>
+          <a:off x="0" y="0"/>
+          <a:ext cx="0" cy="0"/>
+          <a:chOff x="0" y="0"/>
+          <a:chExt cx="0" cy="0"/>
+        </a:xfrm>
+      </p:grpSpPr>
+      <p:sp>
+        <p:nvSpPr>
+          <p:cNvPr id="2" name="标题 1">
+            <a:extLst>
+              <a:ext uri="{FF2B5EF4-FFF2-40B4-BE49-F238E27FC236}">
+                <a16:creationId xmlns:a16="http://schemas.microsoft.com/office/drawing/2014/main" id="{9D6FF2F8-BA57-9546-90DB-99CD9E15BBCD}"/>
+              </a:ext>
+            </a:extLst>
+          </p:cNvPr>
+          <p:cNvSpPr>
+            <a:spLocks noGrp="1"/>
+          </p:cNvSpPr>
+          <p:nvPr>
+            <p:ph type="title"/>
+          </p:nvPr>
+        </p:nvSpPr>
+        <p:spPr/>
+        <p:txBody>
+          <a:bodyPr/>
+          <a:lstStyle/>
+          <a:p>
+            <a:r>
+              <a:rPr lang="zh-CN" altLang="en" b="1" dirty="0"/>
+              <a:t>隔离</a:t>
+            </a:r>
+            <a:r>
+              <a:rPr lang="zh-CN" altLang="en-US" b="1" dirty="0"/>
+              <a:t>级别与一致性视图</a:t>
+            </a:r>
+            <a:br>
+              <a:rPr lang="en" altLang="zh-CN" b="1" dirty="0"/>
+            </a:br>
+            <a:endParaRPr kumimoji="1" lang="zh-CN" altLang="en-US" dirty="0"/>
+          </a:p>
+        </p:txBody>
+      </p:sp>
+      <p:sp>
+        <p:nvSpPr>
+          <p:cNvPr id="3" name="内容占位符 2">
+            <a:extLst>
+              <a:ext uri="{FF2B5EF4-FFF2-40B4-BE49-F238E27FC236}">
+                <a16:creationId xmlns:a16="http://schemas.microsoft.com/office/drawing/2014/main" id="{88568E71-4E19-E941-BEB1-717CC13B4C94}"/>
+              </a:ext>
+            </a:extLst>
+          </p:cNvPr>
+          <p:cNvSpPr>
+            <a:spLocks noGrp="1"/>
+          </p:cNvSpPr>
+          <p:nvPr>
+            <p:ph idx="1"/>
+          </p:nvPr>
+        </p:nvSpPr>
+        <p:spPr/>
+        <p:txBody>
+          <a:bodyPr>
+            <a:normAutofit fontScale="92500" lnSpcReduction="10000"/>
+          </a:bodyPr>
+          <a:lstStyle/>
+          <a:p>
+            <a:r>
+              <a:rPr lang="en" altLang="zh-CN" dirty="0"/>
+              <a:t>READ UNCOMMITTED</a:t>
+            </a:r>
+            <a:r>
+              <a:rPr lang="zh-CN" altLang="en-US" dirty="0"/>
+              <a:t>（读未提交）</a:t>
+            </a:r>
+            <a:endParaRPr kumimoji="1" lang="en-US" altLang="zh-CN" dirty="0"/>
+          </a:p>
+          <a:p>
+            <a:pPr lvl="1"/>
+            <a:r>
+              <a:rPr lang="zh-CN" altLang="en-US" dirty="0"/>
+              <a:t>由于可以读到未提交事务修改过的记录，</a:t>
+            </a:r>
+            <a:r>
+              <a:rPr kumimoji="1" lang="zh-CN" altLang="en-US" dirty="0"/>
+              <a:t>直接读最新版本的记录</a:t>
+            </a:r>
+            <a:endParaRPr kumimoji="1" lang="en-US" altLang="zh-CN" dirty="0"/>
+          </a:p>
+          <a:p>
+            <a:pPr lvl="1"/>
+            <a:endParaRPr kumimoji="1" lang="zh-CN" altLang="en-US" dirty="0"/>
+          </a:p>
+          <a:p>
+            <a:r>
+              <a:rPr lang="en" altLang="zh-CN" dirty="0"/>
+              <a:t>SERIALIZABLE</a:t>
+            </a:r>
+          </a:p>
+          <a:p>
+            <a:pPr lvl="1"/>
+            <a:r>
+              <a:rPr lang="zh-CN" altLang="en-US" dirty="0"/>
+              <a:t>使用加锁的方式来访问记录</a:t>
+            </a:r>
+            <a:endParaRPr lang="en-US" altLang="zh-CN" dirty="0"/>
+          </a:p>
+          <a:p>
+            <a:pPr lvl="1"/>
+            <a:endParaRPr kumimoji="1" lang="en-US" altLang="zh-CN" dirty="0"/>
+          </a:p>
+          <a:p>
+            <a:r>
+              <a:rPr lang="en" altLang="zh-CN" dirty="0"/>
+              <a:t>READ COMMITTED</a:t>
+            </a:r>
+          </a:p>
+          <a:p>
+            <a:pPr lvl="1"/>
+            <a:r>
+              <a:rPr lang="zh-CN" altLang="en-US" b="1" dirty="0"/>
+              <a:t>每次读取数据前都生成一个</a:t>
+            </a:r>
+            <a:r>
+              <a:rPr lang="en" altLang="zh-CN" b="1" dirty="0" err="1"/>
+              <a:t>ReadView</a:t>
+            </a:r>
+            <a:endParaRPr lang="en" altLang="zh-CN" b="1" dirty="0"/>
+          </a:p>
+          <a:p>
+            <a:pPr lvl="1"/>
+            <a:endParaRPr lang="en-US" altLang="zh-CN" dirty="0"/>
+          </a:p>
+          <a:p>
+            <a:r>
+              <a:rPr lang="en" altLang="zh-CN" dirty="0"/>
+              <a:t>REPEATABLE READ</a:t>
+            </a:r>
+          </a:p>
+          <a:p>
+            <a:pPr lvl="1"/>
+            <a:r>
+              <a:rPr lang="zh-CN" altLang="en-US" b="1" dirty="0">
+                <a:solidFill>
+                  <a:srgbClr val="FF0000"/>
+                </a:solidFill>
+              </a:rPr>
+              <a:t>在第一次读取数据时生成一个</a:t>
+            </a:r>
+            <a:r>
+              <a:rPr lang="en" altLang="zh-CN" b="1" dirty="0" err="1">
+                <a:solidFill>
+                  <a:srgbClr val="FF0000"/>
+                </a:solidFill>
+              </a:rPr>
+              <a:t>ReadView</a:t>
+            </a:r>
+            <a:endParaRPr lang="en" altLang="zh-CN" b="1" dirty="0">
+              <a:solidFill>
+                <a:srgbClr val="FF0000"/>
+              </a:solidFill>
+            </a:endParaRPr>
+          </a:p>
+        </p:txBody>
+      </p:sp>
+    </p:spTree>
+    <p:extLst>
+      <p:ext uri="{BB962C8B-B14F-4D97-AF65-F5344CB8AC3E}">
+        <p14:creationId xmlns:p14="http://schemas.microsoft.com/office/powerpoint/2010/main" val="512111753"/>
+      </p:ext>
+    </p:extLst>
+  </p:cSld>
+  <p:clrMapOvr>
+    <a:masterClrMapping/>
+  </p:clrMapOvr>
+</p:sld>
+</file>
+
+<file path=ppt/slides/slide21.xml><?xml version="1.0" encoding="utf-8"?>
+<p:sld xmlns:a="http://schemas.openxmlformats.org/drawingml/2006/main" xmlns:r="http://schemas.openxmlformats.org/officeDocument/2006/relationships" xmlns:p="http://schemas.openxmlformats.org/presentationml/2006/main">
+  <p:cSld>
+    <p:spTree>
+      <p:nvGrpSpPr>
+        <p:cNvPr id="1" name=""/>
+        <p:cNvGrpSpPr/>
+        <p:nvPr/>
+      </p:nvGrpSpPr>
+      <p:grpSpPr>
+        <a:xfrm>
+          <a:off x="0" y="0"/>
+          <a:ext cx="0" cy="0"/>
+          <a:chOff x="0" y="0"/>
+          <a:chExt cx="0" cy="0"/>
+        </a:xfrm>
+      </p:grpSpPr>
+      <p:sp>
+        <p:nvSpPr>
+          <p:cNvPr id="2" name="标题 1">
+            <a:extLst>
+              <a:ext uri="{FF2B5EF4-FFF2-40B4-BE49-F238E27FC236}">
+                <a16:creationId xmlns:a16="http://schemas.microsoft.com/office/drawing/2014/main" id="{02CD0D3F-872B-2841-A98C-04F8736A578A}"/>
+              </a:ext>
+            </a:extLst>
+          </p:cNvPr>
+          <p:cNvSpPr>
+            <a:spLocks noGrp="1"/>
+          </p:cNvSpPr>
+          <p:nvPr>
+            <p:ph type="title"/>
+          </p:nvPr>
+        </p:nvSpPr>
+        <p:spPr/>
+        <p:txBody>
+          <a:bodyPr/>
+          <a:lstStyle/>
+          <a:p>
+            <a:r>
+              <a:rPr kumimoji="1" lang="zh-CN" altLang="en-US" dirty="0"/>
+              <a:t>一致性视图的实现</a:t>
+            </a:r>
+          </a:p>
+        </p:txBody>
+      </p:sp>
+      <p:sp>
+        <p:nvSpPr>
+          <p:cNvPr id="3" name="内容占位符 2">
+            <a:extLst>
+              <a:ext uri="{FF2B5EF4-FFF2-40B4-BE49-F238E27FC236}">
+                <a16:creationId xmlns:a16="http://schemas.microsoft.com/office/drawing/2014/main" id="{F9B284B5-79AC-3946-ADD5-DFD081D549C5}"/>
+              </a:ext>
+            </a:extLst>
+          </p:cNvPr>
+          <p:cNvSpPr>
+            <a:spLocks noGrp="1"/>
+          </p:cNvSpPr>
+          <p:nvPr>
+            <p:ph idx="1"/>
+          </p:nvPr>
+        </p:nvSpPr>
+        <p:spPr/>
+        <p:txBody>
+          <a:bodyPr/>
+          <a:lstStyle/>
+          <a:p>
+            <a:r>
+              <a:rPr lang="zh-CN" altLang="en-US" dirty="0"/>
+              <a:t>活跃</a:t>
+            </a:r>
+            <a:r>
+              <a:rPr lang="zh-CN" altLang="en" dirty="0"/>
+              <a:t>事务</a:t>
+            </a:r>
+            <a:r>
+              <a:rPr lang="zh-CN" altLang="en-US" dirty="0"/>
+              <a:t>数组</a:t>
+            </a:r>
+            <a:endParaRPr lang="en" altLang="zh-CN" dirty="0"/>
+          </a:p>
+          <a:p>
+            <a:r>
+              <a:rPr lang="en" altLang="zh-CN" dirty="0" err="1"/>
+              <a:t>InnoDB</a:t>
+            </a:r>
+            <a:r>
+              <a:rPr lang="en" altLang="zh-CN" dirty="0"/>
+              <a:t> </a:t>
+            </a:r>
+            <a:r>
+              <a:rPr lang="zh-CN" altLang="en-US" dirty="0"/>
+              <a:t>为每个事务构造了一个数组，用来保存这个事务启动瞬间，当前正在“活跃”的所有事务 </a:t>
+            </a:r>
+            <a:r>
+              <a:rPr lang="en" altLang="zh-CN" dirty="0"/>
+              <a:t>ID</a:t>
+            </a:r>
+            <a:r>
+              <a:rPr lang="zh-CN" altLang="en" dirty="0"/>
+              <a:t>。“</a:t>
+            </a:r>
+            <a:r>
+              <a:rPr lang="zh-CN" altLang="en-US" dirty="0"/>
+              <a:t>活跃”指的就是，</a:t>
+            </a:r>
+            <a:r>
+              <a:rPr lang="zh-CN" altLang="en-US" dirty="0">
+                <a:solidFill>
+                  <a:srgbClr val="00B050"/>
+                </a:solidFill>
+              </a:rPr>
+              <a:t>启动了但还没提交</a:t>
+            </a:r>
+            <a:r>
+              <a:rPr lang="zh-CN" altLang="en-US" dirty="0"/>
+              <a:t>。</a:t>
+            </a:r>
+            <a:endParaRPr kumimoji="1" lang="zh-CN" altLang="en-US" dirty="0"/>
+          </a:p>
+          <a:p>
+            <a:endParaRPr kumimoji="1" lang="en-US" altLang="zh-CN" dirty="0"/>
+          </a:p>
+          <a:p>
+            <a:r>
+              <a:rPr lang="zh-CN" altLang="en-US" dirty="0"/>
+              <a:t>低水位</a:t>
+            </a:r>
+            <a:endParaRPr lang="en-US" altLang="zh-CN" dirty="0"/>
+          </a:p>
+          <a:p>
+            <a:pPr lvl="1"/>
+            <a:r>
+              <a:rPr lang="zh-CN" altLang="en-US" dirty="0"/>
+              <a:t>数组里面事务 </a:t>
+            </a:r>
+            <a:r>
+              <a:rPr lang="en" altLang="zh-CN" dirty="0"/>
+              <a:t>ID </a:t>
+            </a:r>
+            <a:r>
+              <a:rPr lang="zh-CN" altLang="en-US" dirty="0"/>
+              <a:t>的最小值</a:t>
+            </a:r>
+            <a:endParaRPr lang="en-US" altLang="zh-CN" dirty="0"/>
+          </a:p>
+          <a:p>
+            <a:endParaRPr lang="en-US" altLang="zh-CN" dirty="0"/>
+          </a:p>
+          <a:p>
+            <a:r>
+              <a:rPr lang="zh-CN" altLang="en-US" dirty="0"/>
+              <a:t>高水位</a:t>
+            </a:r>
+            <a:endParaRPr lang="en-US" altLang="zh-CN" dirty="0"/>
+          </a:p>
+          <a:p>
+            <a:pPr lvl="1"/>
+            <a:r>
+              <a:rPr lang="zh-CN" altLang="en-US" dirty="0"/>
+              <a:t>当前系统里面已经创建过的事务 </a:t>
+            </a:r>
+            <a:r>
+              <a:rPr lang="en" altLang="zh-CN" dirty="0"/>
+              <a:t>ID </a:t>
+            </a:r>
+            <a:r>
+              <a:rPr lang="zh-CN" altLang="en-US" dirty="0"/>
+              <a:t>的</a:t>
+            </a:r>
+            <a:r>
+              <a:rPr lang="zh-CN" altLang="en-US" dirty="0">
+                <a:solidFill>
+                  <a:srgbClr val="00B0F0"/>
+                </a:solidFill>
+              </a:rPr>
+              <a:t>最大值加 </a:t>
+            </a:r>
+            <a:r>
+              <a:rPr lang="en-US" altLang="zh-CN" dirty="0">
+                <a:solidFill>
+                  <a:srgbClr val="00B0F0"/>
+                </a:solidFill>
+              </a:rPr>
+              <a:t>1</a:t>
+            </a:r>
+          </a:p>
+          <a:p>
+            <a:pPr marL="457200" lvl="1" indent="0">
+              <a:buNone/>
+            </a:pPr>
+            <a:endParaRPr kumimoji="1" lang="zh-CN" altLang="en-US" dirty="0"/>
+          </a:p>
+        </p:txBody>
+      </p:sp>
+    </p:spTree>
+    <p:extLst>
+      <p:ext uri="{BB962C8B-B14F-4D97-AF65-F5344CB8AC3E}">
+        <p14:creationId xmlns:p14="http://schemas.microsoft.com/office/powerpoint/2010/main" val="3303613923"/>
+      </p:ext>
+    </p:extLst>
+  </p:cSld>
+  <p:clrMapOvr>
+    <a:masterClrMapping/>
+  </p:clrMapOvr>
+</p:sld>
+</file>
+
+<file path=ppt/slides/slide22.xml><?xml version="1.0" encoding="utf-8"?>
+<p:sld xmlns:a="http://schemas.openxmlformats.org/drawingml/2006/main" xmlns:r="http://schemas.openxmlformats.org/officeDocument/2006/relationships" xmlns:p="http://schemas.openxmlformats.org/presentationml/2006/main">
+  <p:cSld>
+    <p:spTree>
+      <p:nvGrpSpPr>
+        <p:cNvPr id="1" name=""/>
+        <p:cNvGrpSpPr/>
+        <p:nvPr/>
+      </p:nvGrpSpPr>
+      <p:grpSpPr>
+        <a:xfrm>
+          <a:off x="0" y="0"/>
+          <a:ext cx="0" cy="0"/>
+          <a:chOff x="0" y="0"/>
+          <a:chExt cx="0" cy="0"/>
+        </a:xfrm>
+      </p:grpSpPr>
+      <p:sp>
+        <p:nvSpPr>
+          <p:cNvPr id="2" name="标题 1">
+            <a:extLst>
+              <a:ext uri="{FF2B5EF4-FFF2-40B4-BE49-F238E27FC236}">
+                <a16:creationId xmlns:a16="http://schemas.microsoft.com/office/drawing/2014/main" id="{58AAAA76-5DD0-0244-862A-50C2BCEAC37B}"/>
+              </a:ext>
+            </a:extLst>
+          </p:cNvPr>
+          <p:cNvSpPr>
+            <a:spLocks noGrp="1"/>
+          </p:cNvSpPr>
+          <p:nvPr>
+            <p:ph type="title"/>
+          </p:nvPr>
+        </p:nvSpPr>
+        <p:spPr/>
+        <p:txBody>
+          <a:bodyPr/>
+          <a:lstStyle/>
+          <a:p>
+            <a:r>
+              <a:rPr kumimoji="1" lang="zh-CN" altLang="en-US" dirty="0"/>
+              <a:t>一致性视图的实现</a:t>
+            </a:r>
+          </a:p>
+        </p:txBody>
+      </p:sp>
+      <p:pic>
+        <p:nvPicPr>
+          <p:cNvPr id="2050" name="Picture 2">
+            <a:extLst>
+              <a:ext uri="{FF2B5EF4-FFF2-40B4-BE49-F238E27FC236}">
+                <a16:creationId xmlns:a16="http://schemas.microsoft.com/office/drawing/2014/main" id="{F412D312-C774-0C45-99FD-611636C9674C}"/>
+              </a:ext>
+            </a:extLst>
+          </p:cNvPr>
+          <p:cNvPicPr>
+            <a:picLocks noGrp="1" noChangeAspect="1" noChangeArrowheads="1"/>
+          </p:cNvPicPr>
+          <p:nvPr>
+            <p:ph idx="1"/>
+          </p:nvPr>
+        </p:nvPicPr>
+        <p:blipFill>
+          <a:blip r:embed="rId2">
+            <a:extLst>
+              <a:ext uri="{28A0092B-C50C-407E-A947-70E740481C1C}">
+                <a14:useLocalDpi xmlns:a14="http://schemas.microsoft.com/office/drawing/2010/main" val="0"/>
+              </a:ext>
+            </a:extLst>
+          </a:blip>
+          <a:srcRect/>
+          <a:stretch>
+            <a:fillRect/>
+          </a:stretch>
+        </p:blipFill>
+        <p:spPr bwMode="auto">
+          <a:xfrm>
+            <a:off x="899298" y="1905000"/>
+            <a:ext cx="5040609" cy="3778250"/>
+          </a:xfrm>
+          <a:prstGeom prst="rect">
+            <a:avLst/>
+          </a:prstGeom>
+          <a:noFill/>
+          <a:extLst>
+            <a:ext uri="{909E8E84-426E-40DD-AFC4-6F175D3DCCD1}">
+              <a14:hiddenFill xmlns:a14="http://schemas.microsoft.com/office/drawing/2010/main">
+                <a:solidFill>
+                  <a:srgbClr val="FFFFFF"/>
+                </a:solidFill>
+              </a14:hiddenFill>
+            </a:ext>
+          </a:extLst>
+        </p:spPr>
+      </p:pic>
+      <p:sp>
+        <p:nvSpPr>
+          <p:cNvPr id="4" name="文本框 3">
+            <a:extLst>
+              <a:ext uri="{FF2B5EF4-FFF2-40B4-BE49-F238E27FC236}">
+                <a16:creationId xmlns:a16="http://schemas.microsoft.com/office/drawing/2014/main" id="{71791EAC-356A-594C-ABA0-E8725746F2B0}"/>
+              </a:ext>
+            </a:extLst>
+          </p:cNvPr>
+          <p:cNvSpPr txBox="1"/>
+          <p:nvPr/>
+        </p:nvSpPr>
+        <p:spPr>
+          <a:xfrm>
+            <a:off x="6196436" y="2915017"/>
+            <a:ext cx="5420420" cy="369332"/>
+          </a:xfrm>
+          <a:prstGeom prst="rect">
+            <a:avLst/>
+          </a:prstGeom>
+          <a:noFill/>
+        </p:spPr>
+        <p:txBody>
+          <a:bodyPr wrap="square" rtlCol="0">
+            <a:spAutoFit/>
+          </a:bodyPr>
+          <a:lstStyle/>
+          <a:p>
+            <a:r>
+              <a:rPr kumimoji="1" lang="zh-CN" altLang="en-US" dirty="0">
+                <a:solidFill>
+                  <a:srgbClr val="00B050"/>
+                </a:solidFill>
+              </a:rPr>
+              <a:t>绿色部分</a:t>
+            </a:r>
+            <a:r>
+              <a:rPr kumimoji="1" lang="zh-CN" altLang="en-US" dirty="0"/>
+              <a:t>：已提交或者自己生成的事务，数据可见</a:t>
+            </a:r>
+          </a:p>
+        </p:txBody>
+      </p:sp>
+      <p:sp>
+        <p:nvSpPr>
+          <p:cNvPr id="5" name="文本框 4">
+            <a:extLst>
+              <a:ext uri="{FF2B5EF4-FFF2-40B4-BE49-F238E27FC236}">
+                <a16:creationId xmlns:a16="http://schemas.microsoft.com/office/drawing/2014/main" id="{FE766430-B972-8145-9BC4-A79D74E5CAE4}"/>
+              </a:ext>
+            </a:extLst>
+          </p:cNvPr>
+          <p:cNvSpPr txBox="1"/>
+          <p:nvPr/>
+        </p:nvSpPr>
+        <p:spPr>
+          <a:xfrm>
+            <a:off x="6196436" y="3451068"/>
+            <a:ext cx="4108817" cy="369332"/>
+          </a:xfrm>
+          <a:prstGeom prst="rect">
+            <a:avLst/>
+          </a:prstGeom>
+          <a:noFill/>
+        </p:spPr>
+        <p:txBody>
+          <a:bodyPr wrap="none" rtlCol="0">
+            <a:spAutoFit/>
+          </a:bodyPr>
+          <a:lstStyle/>
+          <a:p>
+            <a:r>
+              <a:rPr kumimoji="1" lang="zh-CN" altLang="en-US" dirty="0">
+                <a:solidFill>
+                  <a:srgbClr val="FF0000"/>
+                </a:solidFill>
+              </a:rPr>
+              <a:t>红色部分</a:t>
+            </a:r>
+            <a:r>
+              <a:rPr kumimoji="1" lang="zh-CN" altLang="en-US" dirty="0"/>
+              <a:t>：未启动的事务，数据不可见</a:t>
+            </a:r>
+          </a:p>
+        </p:txBody>
+      </p:sp>
+      <p:sp>
+        <p:nvSpPr>
+          <p:cNvPr id="6" name="文本框 5">
+            <a:extLst>
+              <a:ext uri="{FF2B5EF4-FFF2-40B4-BE49-F238E27FC236}">
+                <a16:creationId xmlns:a16="http://schemas.microsoft.com/office/drawing/2014/main" id="{BF6F8400-B7B1-DF4E-AB09-3DC7F1CFAFB3}"/>
+              </a:ext>
+            </a:extLst>
+          </p:cNvPr>
+          <p:cNvSpPr txBox="1"/>
+          <p:nvPr/>
+        </p:nvSpPr>
+        <p:spPr>
+          <a:xfrm>
+            <a:off x="6196436" y="4011241"/>
+            <a:ext cx="5078634" cy="830997"/>
+          </a:xfrm>
+          <a:prstGeom prst="rect">
+            <a:avLst/>
+          </a:prstGeom>
+          <a:noFill/>
+        </p:spPr>
+        <p:txBody>
+          <a:bodyPr wrap="none" rtlCol="0">
+            <a:spAutoFit/>
+          </a:bodyPr>
+          <a:lstStyle/>
+          <a:p>
+            <a:r>
+              <a:rPr kumimoji="1" lang="zh-CN" altLang="en-US" dirty="0">
+                <a:solidFill>
+                  <a:srgbClr val="FFC000"/>
+                </a:solidFill>
+              </a:rPr>
+              <a:t>黄色部分</a:t>
+            </a:r>
+            <a:r>
+              <a:rPr kumimoji="1" lang="zh-CN" altLang="en-US" dirty="0"/>
+              <a:t>：</a:t>
+            </a:r>
+            <a:endParaRPr kumimoji="1" lang="en-US" altLang="zh-CN" dirty="0"/>
+          </a:p>
+          <a:p>
+            <a:r>
+              <a:rPr kumimoji="1" lang="en-US" altLang="zh-CN" dirty="0"/>
+              <a:t>	</a:t>
+            </a:r>
+            <a:r>
+              <a:rPr kumimoji="1" lang="en-US" altLang="zh-CN" sz="1200" dirty="0"/>
+              <a:t>a:</a:t>
+            </a:r>
+            <a:r>
+              <a:rPr kumimoji="1" lang="zh-CN" altLang="en-US" sz="1200" dirty="0"/>
+              <a:t> 若记录的</a:t>
+            </a:r>
+            <a:r>
+              <a:rPr kumimoji="1" lang="en-US" altLang="zh-CN" sz="1200" dirty="0" err="1"/>
+              <a:t>trx_id</a:t>
+            </a:r>
+            <a:r>
+              <a:rPr kumimoji="1" lang="zh-CN" altLang="en-US" sz="1200" dirty="0"/>
+              <a:t>在数组中，表示事务还没有提交，不可见</a:t>
+            </a:r>
+            <a:endParaRPr kumimoji="1" lang="en-US" altLang="zh-CN" sz="1200" dirty="0"/>
+          </a:p>
+          <a:p>
+            <a:r>
+              <a:rPr kumimoji="1" lang="en-US" altLang="zh-CN" sz="1200" dirty="0"/>
+              <a:t>	b:</a:t>
+            </a:r>
+            <a:r>
+              <a:rPr kumimoji="1" lang="zh-CN" altLang="en-US" sz="1200" dirty="0"/>
+              <a:t> 若记录的</a:t>
+            </a:r>
+            <a:r>
+              <a:rPr kumimoji="1" lang="en-US" altLang="zh-CN" sz="1200" dirty="0" err="1"/>
+              <a:t>trx_id</a:t>
+            </a:r>
+            <a:r>
+              <a:rPr kumimoji="1" lang="zh-CN" altLang="en-US" sz="1200" dirty="0"/>
+              <a:t>不在数组中，表示事务已经提交了，数据可见</a:t>
+            </a:r>
+          </a:p>
+        </p:txBody>
+      </p:sp>
+      <p:sp>
+        <p:nvSpPr>
+          <p:cNvPr id="8" name="文本框 7">
+            <a:extLst>
+              <a:ext uri="{FF2B5EF4-FFF2-40B4-BE49-F238E27FC236}">
+                <a16:creationId xmlns:a16="http://schemas.microsoft.com/office/drawing/2014/main" id="{0147FE8A-AEFE-BA40-BFC2-0627DAD8634C}"/>
+              </a:ext>
+            </a:extLst>
+          </p:cNvPr>
+          <p:cNvSpPr txBox="1"/>
+          <p:nvPr/>
+        </p:nvSpPr>
+        <p:spPr>
+          <a:xfrm>
+            <a:off x="6167895" y="2095841"/>
+            <a:ext cx="5336717" cy="615553"/>
+          </a:xfrm>
+          <a:prstGeom prst="rect">
+            <a:avLst/>
+          </a:prstGeom>
+          <a:noFill/>
+        </p:spPr>
+        <p:txBody>
+          <a:bodyPr wrap="none" rtlCol="0">
+            <a:spAutoFit/>
+          </a:bodyPr>
+          <a:lstStyle/>
+          <a:p>
+            <a:r>
+              <a:rPr lang="zh-CN" altLang="en-US" dirty="0"/>
+              <a:t>数据版本的可见性规则：</a:t>
+            </a:r>
+            <a:endParaRPr lang="en-US" altLang="zh-CN" dirty="0"/>
+          </a:p>
+          <a:p>
+            <a:r>
+              <a:rPr lang="en-US" altLang="zh-CN" sz="1600" dirty="0">
+                <a:solidFill>
+                  <a:srgbClr val="0070C0"/>
+                </a:solidFill>
+              </a:rPr>
+              <a:t>	</a:t>
+            </a:r>
+            <a:r>
+              <a:rPr lang="zh-CN" altLang="en-US" sz="1400" dirty="0">
+                <a:solidFill>
+                  <a:srgbClr val="0070C0"/>
+                </a:solidFill>
+              </a:rPr>
+              <a:t>基于数据的 </a:t>
+            </a:r>
+            <a:r>
+              <a:rPr lang="en" altLang="zh-CN" sz="1400" dirty="0">
+                <a:solidFill>
+                  <a:srgbClr val="0070C0"/>
+                </a:solidFill>
+              </a:rPr>
+              <a:t>row </a:t>
+            </a:r>
+            <a:r>
+              <a:rPr lang="en" altLang="zh-CN" sz="1400" dirty="0" err="1">
+                <a:solidFill>
+                  <a:srgbClr val="0070C0"/>
+                </a:solidFill>
+              </a:rPr>
+              <a:t>trx_id</a:t>
+            </a:r>
+            <a:r>
+              <a:rPr lang="en" altLang="zh-CN" sz="1400" dirty="0">
+                <a:solidFill>
+                  <a:srgbClr val="0070C0"/>
+                </a:solidFill>
+              </a:rPr>
+              <a:t> </a:t>
+            </a:r>
+            <a:r>
+              <a:rPr lang="zh-CN" altLang="en-US" sz="1400" dirty="0">
+                <a:solidFill>
+                  <a:srgbClr val="0070C0"/>
+                </a:solidFill>
+              </a:rPr>
+              <a:t>和这个一致性视图的对比结果得到的</a:t>
+            </a:r>
+            <a:endParaRPr lang="en-US" altLang="zh-CN" sz="1400" dirty="0">
+              <a:solidFill>
+                <a:srgbClr val="0070C0"/>
+              </a:solidFill>
+            </a:endParaRPr>
+          </a:p>
+        </p:txBody>
+      </p:sp>
+    </p:spTree>
+    <p:extLst>
+      <p:ext uri="{BB962C8B-B14F-4D97-AF65-F5344CB8AC3E}">
+        <p14:creationId xmlns:p14="http://schemas.microsoft.com/office/powerpoint/2010/main" val="3046799673"/>
+      </p:ext>
+    </p:extLst>
+  </p:cSld>
+  <p:clrMapOvr>
+    <a:masterClrMapping/>
+  </p:clrMapOvr>
+</p:sld>
+</file>
+
+<file path=ppt/slides/slide23.xml><?xml version="1.0" encoding="utf-8"?>
+<p:sld xmlns:a="http://schemas.openxmlformats.org/drawingml/2006/main" xmlns:r="http://schemas.openxmlformats.org/officeDocument/2006/relationships" xmlns:p="http://schemas.openxmlformats.org/presentationml/2006/main">
+  <p:cSld>
+    <p:spTree>
+      <p:nvGrpSpPr>
+        <p:cNvPr id="1" name=""/>
+        <p:cNvGrpSpPr/>
+        <p:nvPr/>
+      </p:nvGrpSpPr>
+      <p:grpSpPr>
+        <a:xfrm>
+          <a:off x="0" y="0"/>
+          <a:ext cx="0" cy="0"/>
+          <a:chOff x="0" y="0"/>
+          <a:chExt cx="0" cy="0"/>
+        </a:xfrm>
+      </p:grpSpPr>
+      <p:sp>
+        <p:nvSpPr>
+          <p:cNvPr id="2" name="标题 1">
+            <a:extLst>
+              <a:ext uri="{FF2B5EF4-FFF2-40B4-BE49-F238E27FC236}">
+                <a16:creationId xmlns:a16="http://schemas.microsoft.com/office/drawing/2014/main" id="{71D49EF1-DBFB-6242-8672-E3660230D300}"/>
+              </a:ext>
+            </a:extLst>
+          </p:cNvPr>
+          <p:cNvSpPr>
+            <a:spLocks noGrp="1"/>
+          </p:cNvSpPr>
+          <p:nvPr>
+            <p:ph type="title"/>
+          </p:nvPr>
+        </p:nvSpPr>
+        <p:spPr/>
+        <p:txBody>
+          <a:bodyPr/>
+          <a:lstStyle/>
+          <a:p>
+            <a:r>
+              <a:rPr lang="zh-CN" altLang="en-US" dirty="0"/>
+              <a:t>数据版本的可见性规则</a:t>
+            </a:r>
+            <a:endParaRPr kumimoji="1" lang="zh-CN" altLang="en-US" dirty="0"/>
+          </a:p>
+        </p:txBody>
+      </p:sp>
+      <p:sp>
+        <p:nvSpPr>
+          <p:cNvPr id="3" name="内容占位符 2">
+            <a:extLst>
+              <a:ext uri="{FF2B5EF4-FFF2-40B4-BE49-F238E27FC236}">
+                <a16:creationId xmlns:a16="http://schemas.microsoft.com/office/drawing/2014/main" id="{B0B8C8A8-66AA-1846-955F-7BEFC402F4DA}"/>
+              </a:ext>
+            </a:extLst>
+          </p:cNvPr>
+          <p:cNvSpPr>
+            <a:spLocks noGrp="1"/>
+          </p:cNvSpPr>
+          <p:nvPr>
+            <p:ph idx="1"/>
+          </p:nvPr>
+        </p:nvSpPr>
+        <p:spPr/>
+        <p:txBody>
+          <a:bodyPr/>
+          <a:lstStyle/>
+          <a:p>
+            <a:r>
+              <a:rPr lang="zh-CN" altLang="en-US" dirty="0"/>
+              <a:t>基于数据的 </a:t>
+            </a:r>
+            <a:r>
+              <a:rPr lang="en" altLang="zh-CN" dirty="0"/>
+              <a:t>row </a:t>
+            </a:r>
+            <a:r>
+              <a:rPr lang="en" altLang="zh-CN" dirty="0" err="1"/>
+              <a:t>trx_id</a:t>
+            </a:r>
+            <a:r>
+              <a:rPr lang="en" altLang="zh-CN" dirty="0"/>
+              <a:t> </a:t>
+            </a:r>
+            <a:r>
+              <a:rPr lang="zh-CN" altLang="en-US" dirty="0"/>
+              <a:t>和这个一致性视图的对比结果得到的</a:t>
+            </a:r>
+            <a:endParaRPr lang="en-US" altLang="zh-CN" dirty="0"/>
+          </a:p>
+          <a:p>
+            <a:endParaRPr kumimoji="1" lang="en-US" altLang="zh-CN" dirty="0"/>
+          </a:p>
+        </p:txBody>
+      </p:sp>
+      <p:pic>
+        <p:nvPicPr>
+          <p:cNvPr id="3074" name="Picture 2">
+            <a:extLst>
+              <a:ext uri="{FF2B5EF4-FFF2-40B4-BE49-F238E27FC236}">
+                <a16:creationId xmlns:a16="http://schemas.microsoft.com/office/drawing/2014/main" id="{BAE9DCFA-1F0B-D441-97A9-D8E9D1067A2E}"/>
+              </a:ext>
+            </a:extLst>
+          </p:cNvPr>
+          <p:cNvPicPr>
+            <a:picLocks noChangeAspect="1" noChangeArrowheads="1"/>
+          </p:cNvPicPr>
+          <p:nvPr/>
+        </p:nvPicPr>
+        <p:blipFill>
+          <a:blip r:embed="rId2">
+            <a:extLst>
+              <a:ext uri="{28A0092B-C50C-407E-A947-70E740481C1C}">
+                <a14:useLocalDpi xmlns:a14="http://schemas.microsoft.com/office/drawing/2010/main" val="0"/>
+              </a:ext>
+            </a:extLst>
+          </a:blip>
+          <a:srcRect/>
+          <a:stretch>
+            <a:fillRect/>
+          </a:stretch>
+        </p:blipFill>
+        <p:spPr bwMode="auto">
+          <a:xfrm>
+            <a:off x="687388" y="2814229"/>
+            <a:ext cx="4561923" cy="3419661"/>
+          </a:xfrm>
+          <a:prstGeom prst="rect">
+            <a:avLst/>
+          </a:prstGeom>
+          <a:noFill/>
+          <a:extLst>
+            <a:ext uri="{909E8E84-426E-40DD-AFC4-6F175D3DCCD1}">
+              <a14:hiddenFill xmlns:a14="http://schemas.microsoft.com/office/drawing/2010/main">
+                <a:solidFill>
+                  <a:srgbClr val="FFFFFF"/>
+                </a:solidFill>
+              </a14:hiddenFill>
+            </a:ext>
+          </a:extLst>
+        </p:spPr>
+      </p:pic>
+      <p:sp>
+        <p:nvSpPr>
+          <p:cNvPr id="5" name="文本框 4">
+            <a:extLst>
+              <a:ext uri="{FF2B5EF4-FFF2-40B4-BE49-F238E27FC236}">
+                <a16:creationId xmlns:a16="http://schemas.microsoft.com/office/drawing/2014/main" id="{FA1ADBCE-3C2C-7845-B35B-FC4CCB91656E}"/>
+              </a:ext>
+            </a:extLst>
+          </p:cNvPr>
+          <p:cNvSpPr txBox="1"/>
+          <p:nvPr/>
+        </p:nvSpPr>
+        <p:spPr>
+          <a:xfrm>
+            <a:off x="5304970" y="2921168"/>
+            <a:ext cx="6721503" cy="1015663"/>
+          </a:xfrm>
+          <a:prstGeom prst="rect">
+            <a:avLst/>
+          </a:prstGeom>
+          <a:noFill/>
+        </p:spPr>
+        <p:txBody>
+          <a:bodyPr wrap="square" rtlCol="0">
+            <a:spAutoFit/>
+          </a:bodyPr>
+          <a:lstStyle/>
+          <a:p>
+            <a:r>
+              <a:rPr kumimoji="1" lang="zh-CN" altLang="en-US" dirty="0"/>
+              <a:t>假设：</a:t>
+            </a:r>
+            <a:endParaRPr kumimoji="1" lang="en-US" altLang="zh-CN" dirty="0"/>
+          </a:p>
+          <a:p>
+            <a:r>
+              <a:rPr lang="en-US" altLang="zh-CN" sz="1400" dirty="0"/>
+              <a:t>1</a:t>
+            </a:r>
+            <a:r>
+              <a:rPr lang="zh-CN" altLang="en-US" sz="1400" dirty="0"/>
+              <a:t>、事务 </a:t>
+            </a:r>
+            <a:r>
+              <a:rPr lang="en" altLang="zh-CN" sz="1400" dirty="0"/>
+              <a:t>A </a:t>
+            </a:r>
+            <a:r>
+              <a:rPr lang="zh-CN" altLang="en-US" sz="1400" dirty="0"/>
+              <a:t>开始前，系统里面只有一个活跃事务 </a:t>
+            </a:r>
+            <a:r>
+              <a:rPr lang="en" altLang="zh-CN" sz="1400" dirty="0"/>
+              <a:t>ID </a:t>
+            </a:r>
+            <a:r>
+              <a:rPr lang="zh-CN" altLang="en-US" sz="1400" dirty="0"/>
+              <a:t>是 </a:t>
+            </a:r>
+            <a:r>
+              <a:rPr lang="en-US" altLang="zh-CN" sz="1400" dirty="0"/>
+              <a:t>99</a:t>
+            </a:r>
+            <a:r>
+              <a:rPr lang="zh-CN" altLang="en-US" sz="1400" dirty="0"/>
+              <a:t>；</a:t>
+            </a:r>
+            <a:endParaRPr lang="en-US" altLang="zh-CN" sz="1400" dirty="0"/>
+          </a:p>
+          <a:p>
+            <a:r>
+              <a:rPr kumimoji="1" lang="en-US" altLang="zh-CN" sz="1400" dirty="0"/>
+              <a:t>2</a:t>
+            </a:r>
+            <a:r>
+              <a:rPr kumimoji="1" lang="zh-CN" altLang="en-US" sz="1400" dirty="0"/>
+              <a:t>、</a:t>
+            </a:r>
+            <a:r>
+              <a:rPr lang="zh-CN" altLang="en-US" sz="1400" dirty="0"/>
+              <a:t>事务 </a:t>
+            </a:r>
+            <a:r>
+              <a:rPr lang="en" altLang="zh-CN" sz="1400" dirty="0"/>
+              <a:t>A</a:t>
+            </a:r>
+            <a:r>
+              <a:rPr lang="zh-CN" altLang="en" sz="1400" dirty="0"/>
+              <a:t>、</a:t>
+            </a:r>
+            <a:r>
+              <a:rPr lang="en" altLang="zh-CN" sz="1400" dirty="0"/>
+              <a:t>B</a:t>
+            </a:r>
+            <a:r>
+              <a:rPr lang="zh-CN" altLang="en" sz="1400" dirty="0"/>
+              <a:t>、</a:t>
+            </a:r>
+            <a:r>
+              <a:rPr lang="en" altLang="zh-CN" sz="1400" dirty="0"/>
+              <a:t>C </a:t>
+            </a:r>
+            <a:r>
+              <a:rPr lang="zh-CN" altLang="en-US" sz="1400" dirty="0"/>
+              <a:t>的版本号分别是 </a:t>
+            </a:r>
+            <a:r>
+              <a:rPr lang="en-US" altLang="zh-CN" sz="1400" dirty="0"/>
+              <a:t>100</a:t>
+            </a:r>
+            <a:r>
+              <a:rPr lang="zh-CN" altLang="en-US" sz="1400" dirty="0"/>
+              <a:t>、</a:t>
+            </a:r>
+            <a:r>
+              <a:rPr lang="en-US" altLang="zh-CN" sz="1400" dirty="0"/>
+              <a:t>101</a:t>
+            </a:r>
+            <a:r>
+              <a:rPr lang="zh-CN" altLang="en-US" sz="1400" dirty="0"/>
+              <a:t>、</a:t>
+            </a:r>
+            <a:r>
+              <a:rPr lang="en-US" altLang="zh-CN" sz="1400" dirty="0"/>
+              <a:t>102</a:t>
+            </a:r>
+            <a:r>
+              <a:rPr lang="zh-CN" altLang="en-US" sz="1400" dirty="0"/>
+              <a:t>，且当前系统里只有这四个事务；</a:t>
+            </a:r>
+            <a:endParaRPr lang="en-US" altLang="zh-CN" sz="1400" dirty="0"/>
+          </a:p>
+          <a:p>
+            <a:r>
+              <a:rPr kumimoji="1" lang="en-US" altLang="zh-CN" sz="1400" dirty="0"/>
+              <a:t>3</a:t>
+            </a:r>
+            <a:r>
+              <a:rPr kumimoji="1" lang="zh-CN" altLang="en-US" sz="1400" dirty="0"/>
+              <a:t>、</a:t>
+            </a:r>
+            <a:r>
+              <a:rPr lang="zh-CN" altLang="en-US" sz="1400" dirty="0"/>
+              <a:t>三个事务开始前，</a:t>
+            </a:r>
+            <a:r>
+              <a:rPr lang="en-US" altLang="zh-CN" sz="1400" dirty="0"/>
+              <a:t>(1,1</a:t>
+            </a:r>
+            <a:r>
+              <a:rPr lang="zh-CN" altLang="en-US" sz="1400" dirty="0"/>
+              <a:t>）这一行数据的 </a:t>
+            </a:r>
+            <a:r>
+              <a:rPr lang="en" altLang="zh-CN" sz="1400" dirty="0"/>
+              <a:t>row </a:t>
+            </a:r>
+            <a:r>
+              <a:rPr lang="en" altLang="zh-CN" sz="1400" dirty="0" err="1"/>
+              <a:t>trx_id</a:t>
+            </a:r>
+            <a:r>
+              <a:rPr lang="en" altLang="zh-CN" sz="1400" dirty="0"/>
+              <a:t> </a:t>
+            </a:r>
+            <a:r>
+              <a:rPr lang="zh-CN" altLang="en-US" sz="1400" dirty="0"/>
+              <a:t>是 </a:t>
+            </a:r>
+            <a:r>
+              <a:rPr lang="en-US" altLang="zh-CN" sz="1400" dirty="0"/>
+              <a:t>90</a:t>
+            </a:r>
+            <a:r>
+              <a:rPr lang="zh-CN" altLang="en-US" sz="1400" dirty="0"/>
+              <a:t>。</a:t>
+            </a:r>
+            <a:endParaRPr kumimoji="1" lang="zh-CN" altLang="en-US" sz="1400" dirty="0"/>
+          </a:p>
+        </p:txBody>
+      </p:sp>
+      <p:pic>
+        <p:nvPicPr>
+          <p:cNvPr id="7" name="Picture 2">
+            <a:extLst>
+              <a:ext uri="{FF2B5EF4-FFF2-40B4-BE49-F238E27FC236}">
+                <a16:creationId xmlns:a16="http://schemas.microsoft.com/office/drawing/2014/main" id="{A61AA98F-1744-7740-8137-222C704A5323}"/>
+              </a:ext>
+            </a:extLst>
+          </p:cNvPr>
+          <p:cNvPicPr>
+            <a:picLocks noChangeAspect="1" noChangeArrowheads="1"/>
+          </p:cNvPicPr>
+          <p:nvPr/>
+        </p:nvPicPr>
+        <p:blipFill>
+          <a:blip r:embed="rId3">
+            <a:extLst>
+              <a:ext uri="{28A0092B-C50C-407E-A947-70E740481C1C}">
+                <a14:useLocalDpi xmlns:a14="http://schemas.microsoft.com/office/drawing/2010/main" val="0"/>
+              </a:ext>
+            </a:extLst>
+          </a:blip>
+          <a:srcRect/>
+          <a:stretch>
+            <a:fillRect/>
+          </a:stretch>
+        </p:blipFill>
+        <p:spPr bwMode="auto">
+          <a:xfrm>
+            <a:off x="5420139" y="4044584"/>
+            <a:ext cx="2920779" cy="2189306"/>
+          </a:xfrm>
+          <a:prstGeom prst="rect">
+            <a:avLst/>
+          </a:prstGeom>
+          <a:noFill/>
+          <a:extLst>
+            <a:ext uri="{909E8E84-426E-40DD-AFC4-6F175D3DCCD1}">
+              <a14:hiddenFill xmlns:a14="http://schemas.microsoft.com/office/drawing/2010/main">
+                <a:solidFill>
+                  <a:srgbClr val="FFFFFF"/>
+                </a:solidFill>
+              </a14:hiddenFill>
+            </a:ext>
+          </a:extLst>
+        </p:spPr>
+      </p:pic>
+    </p:spTree>
+    <p:extLst>
+      <p:ext uri="{BB962C8B-B14F-4D97-AF65-F5344CB8AC3E}">
+        <p14:creationId xmlns:p14="http://schemas.microsoft.com/office/powerpoint/2010/main" val="3906731263"/>
+      </p:ext>
+    </p:extLst>
+  </p:cSld>
+  <p:clrMapOvr>
+    <a:masterClrMapping/>
+  </p:clrMapOvr>
+</p:sld>
+</file>
+
+<file path=ppt/slides/slide24.xml><?xml version="1.0" encoding="utf-8"?>
+<p:sld xmlns:a="http://schemas.openxmlformats.org/drawingml/2006/main" xmlns:r="http://schemas.openxmlformats.org/officeDocument/2006/relationships" xmlns:p="http://schemas.openxmlformats.org/presentationml/2006/main">
+  <p:cSld>
+    <p:spTree>
+      <p:nvGrpSpPr>
+        <p:cNvPr id="1" name=""/>
+        <p:cNvGrpSpPr/>
+        <p:nvPr/>
+      </p:nvGrpSpPr>
+      <p:grpSpPr>
+        <a:xfrm>
+          <a:off x="0" y="0"/>
+          <a:ext cx="0" cy="0"/>
+          <a:chOff x="0" y="0"/>
+          <a:chExt cx="0" cy="0"/>
+        </a:xfrm>
+      </p:grpSpPr>
+      <p:sp>
+        <p:nvSpPr>
+          <p:cNvPr id="2" name="标题 1">
+            <a:extLst>
+              <a:ext uri="{FF2B5EF4-FFF2-40B4-BE49-F238E27FC236}">
+                <a16:creationId xmlns:a16="http://schemas.microsoft.com/office/drawing/2014/main" id="{B0BEEBBE-058D-9644-80CF-D5124E141849}"/>
+              </a:ext>
+            </a:extLst>
+          </p:cNvPr>
+          <p:cNvSpPr>
+            <a:spLocks noGrp="1"/>
+          </p:cNvSpPr>
+          <p:nvPr>
+            <p:ph type="title"/>
+          </p:nvPr>
+        </p:nvSpPr>
+        <p:spPr/>
+        <p:txBody>
+          <a:bodyPr/>
+          <a:lstStyle/>
+          <a:p>
+            <a:r>
+              <a:rPr lang="zh-CN" altLang="en-US" dirty="0"/>
+              <a:t>数据版本的可见性规则</a:t>
+            </a:r>
+            <a:endParaRPr kumimoji="1" lang="zh-CN" altLang="en-US" dirty="0"/>
+          </a:p>
+        </p:txBody>
+      </p:sp>
+      <p:sp>
+        <p:nvSpPr>
+          <p:cNvPr id="3" name="内容占位符 2">
+            <a:extLst>
+              <a:ext uri="{FF2B5EF4-FFF2-40B4-BE49-F238E27FC236}">
+                <a16:creationId xmlns:a16="http://schemas.microsoft.com/office/drawing/2014/main" id="{EA44F31D-B23E-CA45-B690-42DED2B19375}"/>
+              </a:ext>
+            </a:extLst>
+          </p:cNvPr>
+          <p:cNvSpPr>
+            <a:spLocks noGrp="1"/>
+          </p:cNvSpPr>
+          <p:nvPr>
+            <p:ph idx="1"/>
+          </p:nvPr>
+        </p:nvSpPr>
+        <p:spPr/>
+        <p:txBody>
+          <a:bodyPr/>
+          <a:lstStyle/>
+          <a:p>
+            <a:r>
+              <a:rPr lang="zh-CN" altLang="en-US" dirty="0"/>
+              <a:t>版本未提交，不可见；</a:t>
+            </a:r>
+            <a:endParaRPr lang="en-US" altLang="zh-CN" dirty="0"/>
+          </a:p>
+          <a:p>
+            <a:endParaRPr kumimoji="1" lang="en-US" altLang="zh-CN" dirty="0"/>
+          </a:p>
+          <a:p>
+            <a:r>
+              <a:rPr lang="zh-CN" altLang="en-US" dirty="0"/>
+              <a:t>版本已提交，但是是在视图创建后提交的，不可见；</a:t>
+            </a:r>
+            <a:endParaRPr lang="en-US" altLang="zh-CN" dirty="0"/>
+          </a:p>
+          <a:p>
+            <a:endParaRPr kumimoji="1" lang="en-US" altLang="zh-CN" dirty="0"/>
+          </a:p>
+          <a:p>
+            <a:r>
+              <a:rPr lang="zh-CN" altLang="en-US" dirty="0"/>
+              <a:t>版本已提交，而且是在视图创建前提交的，可见</a:t>
+            </a:r>
+            <a:endParaRPr kumimoji="1" lang="zh-CN" altLang="en-US" dirty="0"/>
+          </a:p>
+        </p:txBody>
+      </p:sp>
+    </p:spTree>
+    <p:extLst>
+      <p:ext uri="{BB962C8B-B14F-4D97-AF65-F5344CB8AC3E}">
+        <p14:creationId xmlns:p14="http://schemas.microsoft.com/office/powerpoint/2010/main" val="1455928782"/>
+      </p:ext>
+    </p:extLst>
+  </p:cSld>
+  <p:clrMapOvr>
+    <a:masterClrMapping/>
+  </p:clrMapOvr>
+</p:sld>
+</file>
+
+<file path=ppt/slides/slide25.xml><?xml version="1.0" encoding="utf-8"?>
+<p:sld xmlns:a="http://schemas.openxmlformats.org/drawingml/2006/main" xmlns:r="http://schemas.openxmlformats.org/officeDocument/2006/relationships" xmlns:p="http://schemas.openxmlformats.org/presentationml/2006/main">
+  <p:cSld>
+    <p:spTree>
+      <p:nvGrpSpPr>
+        <p:cNvPr id="1" name=""/>
+        <p:cNvGrpSpPr/>
+        <p:nvPr/>
+      </p:nvGrpSpPr>
+      <p:grpSpPr>
+        <a:xfrm>
+          <a:off x="0" y="0"/>
+          <a:ext cx="0" cy="0"/>
+          <a:chOff x="0" y="0"/>
+          <a:chExt cx="0" cy="0"/>
+        </a:xfrm>
+      </p:grpSpPr>
+      <p:sp>
+        <p:nvSpPr>
+          <p:cNvPr id="2" name="标题 1">
+            <a:extLst>
+              <a:ext uri="{FF2B5EF4-FFF2-40B4-BE49-F238E27FC236}">
+                <a16:creationId xmlns:a16="http://schemas.microsoft.com/office/drawing/2014/main" id="{43D45224-3015-1149-AB3E-3ED666538AEF}"/>
+              </a:ext>
+            </a:extLst>
+          </p:cNvPr>
+          <p:cNvSpPr>
+            <a:spLocks noGrp="1"/>
+          </p:cNvSpPr>
+          <p:nvPr>
+            <p:ph type="title"/>
+          </p:nvPr>
+        </p:nvSpPr>
+        <p:spPr/>
+        <p:txBody>
+          <a:bodyPr/>
+          <a:lstStyle/>
+          <a:p>
+            <a:r>
+              <a:rPr lang="zh-CN" altLang="en-US" dirty="0"/>
+              <a:t>更新逻辑</a:t>
+            </a:r>
+            <a:endParaRPr kumimoji="1" lang="zh-CN" altLang="en-US" dirty="0"/>
+          </a:p>
+        </p:txBody>
+      </p:sp>
+      <p:pic>
+        <p:nvPicPr>
+          <p:cNvPr id="4098" name="Picture 2">
+            <a:extLst>
+              <a:ext uri="{FF2B5EF4-FFF2-40B4-BE49-F238E27FC236}">
+                <a16:creationId xmlns:a16="http://schemas.microsoft.com/office/drawing/2014/main" id="{E26BD9B9-CBD7-9C44-8438-91EC4EA4FE5A}"/>
+              </a:ext>
+            </a:extLst>
+          </p:cNvPr>
+          <p:cNvPicPr>
+            <a:picLocks noGrp="1" noChangeAspect="1" noChangeArrowheads="1"/>
+          </p:cNvPicPr>
+          <p:nvPr>
+            <p:ph idx="1"/>
+          </p:nvPr>
+        </p:nvPicPr>
+        <p:blipFill>
+          <a:blip r:embed="rId2">
+            <a:extLst>
+              <a:ext uri="{28A0092B-C50C-407E-A947-70E740481C1C}">
+                <a14:useLocalDpi xmlns:a14="http://schemas.microsoft.com/office/drawing/2010/main" val="0"/>
+              </a:ext>
+            </a:extLst>
+          </a:blip>
+          <a:srcRect/>
+          <a:stretch>
+            <a:fillRect/>
+          </a:stretch>
+        </p:blipFill>
+        <p:spPr bwMode="auto">
+          <a:xfrm>
+            <a:off x="1831116" y="1905000"/>
+            <a:ext cx="4066375" cy="3048001"/>
+          </a:xfrm>
+          <a:prstGeom prst="rect">
+            <a:avLst/>
+          </a:prstGeom>
+          <a:noFill/>
+          <a:extLst>
+            <a:ext uri="{909E8E84-426E-40DD-AFC4-6F175D3DCCD1}">
+              <a14:hiddenFill xmlns:a14="http://schemas.microsoft.com/office/drawing/2010/main">
+                <a:solidFill>
+                  <a:srgbClr val="FFFFFF"/>
+                </a:solidFill>
+              </a14:hiddenFill>
+            </a:ext>
+          </a:extLst>
+        </p:spPr>
+      </p:pic>
+      <p:sp>
+        <p:nvSpPr>
+          <p:cNvPr id="4" name="文本框 3">
+            <a:extLst>
+              <a:ext uri="{FF2B5EF4-FFF2-40B4-BE49-F238E27FC236}">
+                <a16:creationId xmlns:a16="http://schemas.microsoft.com/office/drawing/2014/main" id="{A9A45437-5B82-B746-B583-FD93DBD8AFE1}"/>
+              </a:ext>
+            </a:extLst>
+          </p:cNvPr>
+          <p:cNvSpPr txBox="1"/>
+          <p:nvPr/>
+        </p:nvSpPr>
+        <p:spPr>
+          <a:xfrm>
+            <a:off x="6294511" y="2409246"/>
+            <a:ext cx="5688105" cy="646331"/>
+          </a:xfrm>
+          <a:prstGeom prst="rect">
+            <a:avLst/>
+          </a:prstGeom>
+          <a:noFill/>
+        </p:spPr>
+        <p:txBody>
+          <a:bodyPr wrap="square" rtlCol="0">
+            <a:spAutoFit/>
+          </a:bodyPr>
+          <a:lstStyle/>
+          <a:p>
+            <a:r>
+              <a:rPr lang="zh-CN" altLang="en-US" dirty="0">
+                <a:solidFill>
+                  <a:srgbClr val="00B050"/>
+                </a:solidFill>
+              </a:rPr>
+              <a:t>更新数据都是先读后写的，而这个读，只能读当前的值，称为“当前读”（</a:t>
+            </a:r>
+            <a:r>
+              <a:rPr lang="en" altLang="zh-CN" dirty="0">
+                <a:solidFill>
+                  <a:srgbClr val="00B050"/>
+                </a:solidFill>
+              </a:rPr>
+              <a:t>current read</a:t>
+            </a:r>
+            <a:r>
+              <a:rPr lang="zh-CN" altLang="en" dirty="0">
+                <a:solidFill>
+                  <a:srgbClr val="00B050"/>
+                </a:solidFill>
+              </a:rPr>
+              <a:t>）</a:t>
+            </a:r>
+            <a:endParaRPr kumimoji="1" lang="zh-CN" altLang="en-US" dirty="0">
+              <a:solidFill>
+                <a:srgbClr val="00B050"/>
+              </a:solidFill>
+            </a:endParaRPr>
+          </a:p>
+        </p:txBody>
+      </p:sp>
+      <p:sp>
+        <p:nvSpPr>
+          <p:cNvPr id="5" name="文本框 4">
+            <a:extLst>
+              <a:ext uri="{FF2B5EF4-FFF2-40B4-BE49-F238E27FC236}">
+                <a16:creationId xmlns:a16="http://schemas.microsoft.com/office/drawing/2014/main" id="{415C8782-F3EC-D844-860E-7191DD7102D0}"/>
+              </a:ext>
+            </a:extLst>
+          </p:cNvPr>
+          <p:cNvSpPr txBox="1"/>
+          <p:nvPr/>
+        </p:nvSpPr>
+        <p:spPr>
+          <a:xfrm>
+            <a:off x="6294511" y="3429000"/>
+            <a:ext cx="5998206" cy="646331"/>
+          </a:xfrm>
+          <a:prstGeom prst="rect">
+            <a:avLst/>
+          </a:prstGeom>
+          <a:noFill/>
+        </p:spPr>
+        <p:txBody>
+          <a:bodyPr wrap="square" rtlCol="0">
+            <a:spAutoFit/>
+          </a:bodyPr>
+          <a:lstStyle/>
+          <a:p>
+            <a:r>
+              <a:rPr lang="zh-CN" altLang="en-US" dirty="0"/>
+              <a:t>事务 </a:t>
+            </a:r>
+            <a:r>
+              <a:rPr lang="en" altLang="zh-CN" dirty="0"/>
+              <a:t>B </a:t>
+            </a:r>
+            <a:r>
+              <a:rPr lang="zh-CN" altLang="en-US" dirty="0"/>
+              <a:t>此时的 </a:t>
+            </a:r>
+            <a:r>
+              <a:rPr lang="en" altLang="zh-CN" dirty="0"/>
+              <a:t>set k=k+1 </a:t>
+            </a:r>
+            <a:r>
+              <a:rPr lang="zh-CN" altLang="en-US" dirty="0"/>
+              <a:t>是在（</a:t>
+            </a:r>
+            <a:r>
+              <a:rPr lang="en-US" altLang="zh-CN" dirty="0"/>
+              <a:t>1,2</a:t>
+            </a:r>
+            <a:r>
+              <a:rPr lang="zh-CN" altLang="en-US" dirty="0"/>
+              <a:t>）的基础上进行的操作，所以事务</a:t>
+            </a:r>
+            <a:r>
+              <a:rPr lang="en-US" altLang="zh-CN" dirty="0"/>
+              <a:t>B</a:t>
+            </a:r>
+            <a:r>
+              <a:rPr lang="zh-CN" altLang="en-US" dirty="0"/>
+              <a:t> </a:t>
+            </a:r>
+            <a:r>
+              <a:rPr lang="en-US" altLang="zh-CN" dirty="0"/>
+              <a:t>get</a:t>
+            </a:r>
+            <a:r>
+              <a:rPr lang="zh-CN" altLang="en-US" dirty="0"/>
+              <a:t> </a:t>
+            </a:r>
+            <a:r>
+              <a:rPr lang="en-US" altLang="zh-CN" dirty="0"/>
+              <a:t>k</a:t>
+            </a:r>
+            <a:r>
+              <a:rPr lang="zh-CN" altLang="en-US" dirty="0"/>
+              <a:t> 的结果为</a:t>
+            </a:r>
+            <a:r>
+              <a:rPr lang="en-US" altLang="zh-CN" dirty="0"/>
+              <a:t>(1, 3)</a:t>
+            </a:r>
+            <a:endParaRPr kumimoji="1" lang="zh-CN" altLang="en-US" dirty="0"/>
+          </a:p>
+        </p:txBody>
+      </p:sp>
+    </p:spTree>
+    <p:extLst>
+      <p:ext uri="{BB962C8B-B14F-4D97-AF65-F5344CB8AC3E}">
+        <p14:creationId xmlns:p14="http://schemas.microsoft.com/office/powerpoint/2010/main" val="1035097666"/>
+      </p:ext>
+    </p:extLst>
+  </p:cSld>
+  <p:clrMapOvr>
+    <a:masterClrMapping/>
+  </p:clrMapOvr>
+</p:sld>
+</file>
+
+<file path=ppt/slides/slide26.xml><?xml version="1.0" encoding="utf-8"?>
+<p:sld xmlns:a="http://schemas.openxmlformats.org/drawingml/2006/main" xmlns:r="http://schemas.openxmlformats.org/officeDocument/2006/relationships" xmlns:p="http://schemas.openxmlformats.org/presentationml/2006/main">
+  <p:cSld>
+    <p:spTree>
+      <p:nvGrpSpPr>
+        <p:cNvPr id="1" name=""/>
+        <p:cNvGrpSpPr/>
+        <p:nvPr/>
+      </p:nvGrpSpPr>
+      <p:grpSpPr>
+        <a:xfrm>
+          <a:off x="0" y="0"/>
+          <a:ext cx="0" cy="0"/>
+          <a:chOff x="0" y="0"/>
+          <a:chExt cx="0" cy="0"/>
+        </a:xfrm>
+      </p:grpSpPr>
+      <p:sp>
+        <p:nvSpPr>
+          <p:cNvPr id="2" name="标题 1">
+            <a:extLst>
+              <a:ext uri="{FF2B5EF4-FFF2-40B4-BE49-F238E27FC236}">
+                <a16:creationId xmlns:a16="http://schemas.microsoft.com/office/drawing/2014/main" id="{44AE0DBD-6155-E048-A114-D10C6BE8BE2F}"/>
+              </a:ext>
+            </a:extLst>
+          </p:cNvPr>
+          <p:cNvSpPr>
+            <a:spLocks noGrp="1"/>
+          </p:cNvSpPr>
+          <p:nvPr>
+            <p:ph type="title"/>
+          </p:nvPr>
+        </p:nvSpPr>
+        <p:spPr/>
+        <p:txBody>
+          <a:bodyPr/>
+          <a:lstStyle/>
+          <a:p>
+            <a:r>
+              <a:rPr kumimoji="1" lang="zh-CN" altLang="en-US" dirty="0"/>
+              <a:t>启用当前读</a:t>
+            </a:r>
+          </a:p>
+        </p:txBody>
+      </p:sp>
+      <p:sp>
+        <p:nvSpPr>
+          <p:cNvPr id="3" name="内容占位符 2">
+            <a:extLst>
+              <a:ext uri="{FF2B5EF4-FFF2-40B4-BE49-F238E27FC236}">
+                <a16:creationId xmlns:a16="http://schemas.microsoft.com/office/drawing/2014/main" id="{05296BE9-29CA-AD40-84A0-DDED545B8C4B}"/>
+              </a:ext>
+            </a:extLst>
+          </p:cNvPr>
+          <p:cNvSpPr>
+            <a:spLocks noGrp="1"/>
+          </p:cNvSpPr>
+          <p:nvPr>
+            <p:ph idx="1"/>
+          </p:nvPr>
+        </p:nvSpPr>
+        <p:spPr/>
+        <p:txBody>
+          <a:bodyPr/>
+          <a:lstStyle/>
+          <a:p>
+            <a:r>
+              <a:rPr lang="en" altLang="zh-CN" dirty="0"/>
+              <a:t>select k from t where id=1 lock in share mode;</a:t>
+            </a:r>
+          </a:p>
+          <a:p>
+            <a:r>
+              <a:rPr lang="en" altLang="zh-CN" dirty="0"/>
+              <a:t>select k from t where id=1 for update;</a:t>
+            </a:r>
+            <a:endParaRPr kumimoji="1" lang="zh-CN" altLang="en-US" dirty="0"/>
+          </a:p>
+        </p:txBody>
+      </p:sp>
+    </p:spTree>
+    <p:extLst>
+      <p:ext uri="{BB962C8B-B14F-4D97-AF65-F5344CB8AC3E}">
+        <p14:creationId xmlns:p14="http://schemas.microsoft.com/office/powerpoint/2010/main" val="3083645298"/>
+      </p:ext>
+    </p:extLst>
+  </p:cSld>
+  <p:clrMapOvr>
+    <a:masterClrMapping/>
+  </p:clrMapOvr>
+</p:sld>
+</file>
+
+<file path=ppt/slides/slide27.xml><?xml version="1.0" encoding="utf-8"?>
+<p:sld xmlns:a="http://schemas.openxmlformats.org/drawingml/2006/main" xmlns:r="http://schemas.openxmlformats.org/officeDocument/2006/relationships" xmlns:p="http://schemas.openxmlformats.org/presentationml/2006/main">
+  <p:cSld>
+    <p:spTree>
+      <p:nvGrpSpPr>
+        <p:cNvPr id="1" name=""/>
+        <p:cNvGrpSpPr/>
+        <p:nvPr/>
+      </p:nvGrpSpPr>
+      <p:grpSpPr>
+        <a:xfrm>
+          <a:off x="0" y="0"/>
+          <a:ext cx="0" cy="0"/>
+          <a:chOff x="0" y="0"/>
+          <a:chExt cx="0" cy="0"/>
+        </a:xfrm>
+      </p:grpSpPr>
+      <p:sp>
+        <p:nvSpPr>
+          <p:cNvPr id="2" name="标题 1">
+            <a:extLst>
+              <a:ext uri="{FF2B5EF4-FFF2-40B4-BE49-F238E27FC236}">
+                <a16:creationId xmlns:a16="http://schemas.microsoft.com/office/drawing/2014/main" id="{3988A097-0042-F640-ABFD-21AD437E118A}"/>
+              </a:ext>
+            </a:extLst>
+          </p:cNvPr>
+          <p:cNvSpPr>
+            <a:spLocks noGrp="1"/>
+          </p:cNvSpPr>
+          <p:nvPr>
+            <p:ph type="title"/>
+          </p:nvPr>
+        </p:nvSpPr>
+        <p:spPr/>
+        <p:txBody>
+          <a:bodyPr/>
+          <a:lstStyle/>
+          <a:p>
+            <a:r>
+              <a:rPr kumimoji="1" lang="zh-CN" altLang="en-US" dirty="0"/>
+              <a:t>两阶段协议锁</a:t>
+            </a:r>
+          </a:p>
+        </p:txBody>
+      </p:sp>
+      <p:pic>
+        <p:nvPicPr>
+          <p:cNvPr id="5122" name="Picture 2">
+            <a:extLst>
+              <a:ext uri="{FF2B5EF4-FFF2-40B4-BE49-F238E27FC236}">
+                <a16:creationId xmlns:a16="http://schemas.microsoft.com/office/drawing/2014/main" id="{3378D4FE-3F3F-924C-B46C-C1F9ACFD713D}"/>
+              </a:ext>
+            </a:extLst>
+          </p:cNvPr>
+          <p:cNvPicPr>
+            <a:picLocks noGrp="1" noChangeAspect="1" noChangeArrowheads="1"/>
+          </p:cNvPicPr>
+          <p:nvPr>
+            <p:ph idx="1"/>
+          </p:nvPr>
+        </p:nvPicPr>
+        <p:blipFill>
+          <a:blip r:embed="rId2">
+            <a:extLst>
+              <a:ext uri="{28A0092B-C50C-407E-A947-70E740481C1C}">
+                <a14:useLocalDpi xmlns:a14="http://schemas.microsoft.com/office/drawing/2010/main" val="0"/>
+              </a:ext>
+            </a:extLst>
+          </a:blip>
+          <a:srcRect/>
+          <a:stretch>
+            <a:fillRect/>
+          </a:stretch>
+        </p:blipFill>
+        <p:spPr bwMode="auto">
+          <a:xfrm>
+            <a:off x="883395" y="1977584"/>
+            <a:ext cx="5612821" cy="3494074"/>
+          </a:xfrm>
+          <a:prstGeom prst="rect">
+            <a:avLst/>
+          </a:prstGeom>
+          <a:noFill/>
+          <a:extLst>
+            <a:ext uri="{909E8E84-426E-40DD-AFC4-6F175D3DCCD1}">
+              <a14:hiddenFill xmlns:a14="http://schemas.microsoft.com/office/drawing/2010/main">
+                <a:solidFill>
+                  <a:srgbClr val="FFFFFF"/>
+                </a:solidFill>
+              </a14:hiddenFill>
+            </a:ext>
+          </a:extLst>
+        </p:spPr>
+      </p:pic>
+      <p:sp>
+        <p:nvSpPr>
+          <p:cNvPr id="4" name="文本框 3">
+            <a:extLst>
+              <a:ext uri="{FF2B5EF4-FFF2-40B4-BE49-F238E27FC236}">
+                <a16:creationId xmlns:a16="http://schemas.microsoft.com/office/drawing/2014/main" id="{9C05CEFD-033E-9B4F-A156-306C3E31B886}"/>
+              </a:ext>
+            </a:extLst>
+          </p:cNvPr>
+          <p:cNvSpPr txBox="1"/>
+          <p:nvPr/>
+        </p:nvSpPr>
+        <p:spPr>
+          <a:xfrm>
+            <a:off x="6869927" y="2313830"/>
+            <a:ext cx="4445448" cy="307777"/>
+          </a:xfrm>
+          <a:prstGeom prst="rect">
+            <a:avLst/>
+          </a:prstGeom>
+          <a:noFill/>
+        </p:spPr>
+        <p:txBody>
+          <a:bodyPr wrap="none" rtlCol="0">
+            <a:spAutoFit/>
+          </a:bodyPr>
+          <a:lstStyle/>
+          <a:p>
+            <a:r>
+              <a:rPr kumimoji="1" lang="zh-CN" altLang="en-US" sz="1400" dirty="0"/>
+              <a:t>在</a:t>
+            </a:r>
+            <a:r>
+              <a:rPr kumimoji="1" lang="en-US" altLang="zh-CN" sz="1400" dirty="0"/>
+              <a:t>C’</a:t>
+            </a:r>
+            <a:r>
+              <a:rPr kumimoji="1" lang="zh-CN" altLang="en-US" sz="1400" dirty="0"/>
+              <a:t>提交前，事务</a:t>
+            </a:r>
+            <a:r>
+              <a:rPr kumimoji="1" lang="en-US" altLang="zh-CN" sz="1400" dirty="0"/>
+              <a:t>B</a:t>
+            </a:r>
+            <a:r>
+              <a:rPr kumimoji="1" lang="zh-CN" altLang="en-US" sz="1400" dirty="0"/>
+              <a:t>发起了更新语句，事务如何处理？</a:t>
+            </a:r>
+          </a:p>
+        </p:txBody>
+      </p:sp>
+    </p:spTree>
+    <p:extLst>
+      <p:ext uri="{BB962C8B-B14F-4D97-AF65-F5344CB8AC3E}">
+        <p14:creationId xmlns:p14="http://schemas.microsoft.com/office/powerpoint/2010/main" val="1989650078"/>
+      </p:ext>
+    </p:extLst>
+  </p:cSld>
+  <p:clrMapOvr>
+    <a:masterClrMapping/>
+  </p:clrMapOvr>
+</p:sld>
+</file>
+
+<file path=ppt/slides/slide28.xml><?xml version="1.0" encoding="utf-8"?>
+<p:sld xmlns:a="http://schemas.openxmlformats.org/drawingml/2006/main" xmlns:r="http://schemas.openxmlformats.org/officeDocument/2006/relationships" xmlns:p="http://schemas.openxmlformats.org/presentationml/2006/main">
+  <p:cSld>
+    <p:spTree>
+      <p:nvGrpSpPr>
+        <p:cNvPr id="1" name=""/>
+        <p:cNvGrpSpPr/>
+        <p:nvPr/>
+      </p:nvGrpSpPr>
+      <p:grpSpPr>
+        <a:xfrm>
+          <a:off x="0" y="0"/>
+          <a:ext cx="0" cy="0"/>
+          <a:chOff x="0" y="0"/>
+          <a:chExt cx="0" cy="0"/>
+        </a:xfrm>
+      </p:grpSpPr>
+      <p:sp>
+        <p:nvSpPr>
+          <p:cNvPr id="2" name="标题 1">
+            <a:extLst>
+              <a:ext uri="{FF2B5EF4-FFF2-40B4-BE49-F238E27FC236}">
+                <a16:creationId xmlns:a16="http://schemas.microsoft.com/office/drawing/2014/main" id="{8F311C8A-3A25-3742-8B8B-DDBCDDF9556F}"/>
+              </a:ext>
+            </a:extLst>
+          </p:cNvPr>
+          <p:cNvSpPr>
+            <a:spLocks noGrp="1"/>
+          </p:cNvSpPr>
+          <p:nvPr>
+            <p:ph type="title"/>
+          </p:nvPr>
+        </p:nvSpPr>
+        <p:spPr/>
+        <p:txBody>
+          <a:bodyPr/>
+          <a:lstStyle/>
+          <a:p>
+            <a:r>
+              <a:rPr kumimoji="1" lang="zh-CN" altLang="en-US" dirty="0"/>
+              <a:t>两阶段协议锁</a:t>
+            </a:r>
+          </a:p>
+        </p:txBody>
+      </p:sp>
+      <p:pic>
+        <p:nvPicPr>
+          <p:cNvPr id="6146" name="Picture 2">
+            <a:extLst>
+              <a:ext uri="{FF2B5EF4-FFF2-40B4-BE49-F238E27FC236}">
+                <a16:creationId xmlns:a16="http://schemas.microsoft.com/office/drawing/2014/main" id="{673FA776-347F-1743-AE74-A81926A8822F}"/>
+              </a:ext>
+            </a:extLst>
+          </p:cNvPr>
+          <p:cNvPicPr>
+            <a:picLocks noGrp="1" noChangeAspect="1" noChangeArrowheads="1"/>
+          </p:cNvPicPr>
+          <p:nvPr>
+            <p:ph idx="1"/>
+          </p:nvPr>
+        </p:nvPicPr>
+        <p:blipFill>
+          <a:blip r:embed="rId2">
+            <a:extLst>
+              <a:ext uri="{28A0092B-C50C-407E-A947-70E740481C1C}">
+                <a14:useLocalDpi xmlns:a14="http://schemas.microsoft.com/office/drawing/2010/main" val="0"/>
+              </a:ext>
+            </a:extLst>
+          </a:blip>
+          <a:srcRect/>
+          <a:stretch>
+            <a:fillRect/>
+          </a:stretch>
+        </p:blipFill>
+        <p:spPr bwMode="auto">
+          <a:xfrm>
+            <a:off x="1608479" y="1905000"/>
+            <a:ext cx="5040609" cy="3778250"/>
+          </a:xfrm>
+          <a:prstGeom prst="rect">
+            <a:avLst/>
+          </a:prstGeom>
+          <a:noFill/>
+          <a:extLst>
+            <a:ext uri="{909E8E84-426E-40DD-AFC4-6F175D3DCCD1}">
+              <a14:hiddenFill xmlns:a14="http://schemas.microsoft.com/office/drawing/2010/main">
+                <a:solidFill>
+                  <a:srgbClr val="FFFFFF"/>
+                </a:solidFill>
+              </a14:hiddenFill>
+            </a:ext>
+          </a:extLst>
+        </p:spPr>
+      </p:pic>
+      <p:sp>
+        <p:nvSpPr>
+          <p:cNvPr id="4" name="文本框 3">
+            <a:extLst>
+              <a:ext uri="{FF2B5EF4-FFF2-40B4-BE49-F238E27FC236}">
+                <a16:creationId xmlns:a16="http://schemas.microsoft.com/office/drawing/2014/main" id="{6F589325-1A46-FD4E-8BFA-276E882D4D98}"/>
+              </a:ext>
+            </a:extLst>
+          </p:cNvPr>
+          <p:cNvSpPr txBox="1"/>
+          <p:nvPr/>
+        </p:nvSpPr>
+        <p:spPr>
+          <a:xfrm>
+            <a:off x="6933539" y="1905000"/>
+            <a:ext cx="3888186" cy="1754326"/>
+          </a:xfrm>
+          <a:prstGeom prst="rect">
+            <a:avLst/>
+          </a:prstGeom>
+          <a:noFill/>
+        </p:spPr>
+        <p:txBody>
+          <a:bodyPr wrap="square" rtlCol="0">
+            <a:spAutoFit/>
+          </a:bodyPr>
+          <a:lstStyle/>
+          <a:p>
+            <a:r>
+              <a:rPr lang="zh-CN" altLang="en-US" dirty="0"/>
+              <a:t>事务 </a:t>
+            </a:r>
+            <a:r>
+              <a:rPr lang="en" altLang="zh-CN" dirty="0"/>
+              <a:t>C’</a:t>
+            </a:r>
+            <a:r>
+              <a:rPr lang="zh-CN" altLang="en-US" dirty="0"/>
+              <a:t>没提交，也就是说 </a:t>
+            </a:r>
+            <a:r>
+              <a:rPr lang="en-US" altLang="zh-CN" dirty="0"/>
+              <a:t>(1,2) </a:t>
+            </a:r>
+            <a:r>
+              <a:rPr lang="zh-CN" altLang="en-US" dirty="0"/>
+              <a:t>这个版本上的</a:t>
+            </a:r>
+            <a:r>
+              <a:rPr lang="zh-CN" altLang="en-US" dirty="0">
+                <a:solidFill>
+                  <a:srgbClr val="FF0000"/>
+                </a:solidFill>
+              </a:rPr>
+              <a:t>写锁还没释放</a:t>
+            </a:r>
+            <a:r>
+              <a:rPr lang="zh-CN" altLang="en-US" dirty="0"/>
+              <a:t>。而事务 </a:t>
+            </a:r>
+            <a:r>
+              <a:rPr lang="en" altLang="zh-CN" dirty="0"/>
+              <a:t>B </a:t>
+            </a:r>
+            <a:r>
+              <a:rPr lang="zh-CN" altLang="en-US" dirty="0"/>
+              <a:t>是当前读，必须要读最新版本，而且必须加锁，因此就被锁住了，必须等到事务 </a:t>
+            </a:r>
+            <a:r>
+              <a:rPr lang="en" altLang="zh-CN" dirty="0"/>
+              <a:t>C’</a:t>
+            </a:r>
+            <a:r>
+              <a:rPr lang="zh-CN" altLang="en-US" dirty="0"/>
+              <a:t>释放这个锁，才能继续它的当前读。</a:t>
+            </a:r>
+            <a:endParaRPr kumimoji="1" lang="zh-CN" altLang="en-US" dirty="0"/>
+          </a:p>
+        </p:txBody>
+      </p:sp>
+    </p:spTree>
+    <p:extLst>
+      <p:ext uri="{BB962C8B-B14F-4D97-AF65-F5344CB8AC3E}">
+        <p14:creationId xmlns:p14="http://schemas.microsoft.com/office/powerpoint/2010/main" val="1657673181"/>
+      </p:ext>
+    </p:extLst>
+  </p:cSld>
+  <p:clrMapOvr>
+    <a:masterClrMapping/>
+  </p:clrMapOvr>
+</p:sld>
+</file>
+
+<file path=ppt/slides/slide29.xml><?xml version="1.0" encoding="utf-8"?>
+<p:sld xmlns:a="http://schemas.openxmlformats.org/drawingml/2006/main" xmlns:r="http://schemas.openxmlformats.org/officeDocument/2006/relationships" xmlns:p="http://schemas.openxmlformats.org/presentationml/2006/main">
+  <p:cSld>
+    <p:spTree>
+      <p:nvGrpSpPr>
+        <p:cNvPr id="1" name=""/>
+        <p:cNvGrpSpPr/>
+        <p:nvPr/>
+      </p:nvGrpSpPr>
+      <p:grpSpPr>
+        <a:xfrm>
+          <a:off x="0" y="0"/>
+          <a:ext cx="0" cy="0"/>
+          <a:chOff x="0" y="0"/>
+          <a:chExt cx="0" cy="0"/>
+        </a:xfrm>
+      </p:grpSpPr>
+      <p:sp>
+        <p:nvSpPr>
+          <p:cNvPr id="2" name="标题 1">
+            <a:extLst>
+              <a:ext uri="{FF2B5EF4-FFF2-40B4-BE49-F238E27FC236}">
+                <a16:creationId xmlns:a16="http://schemas.microsoft.com/office/drawing/2014/main" id="{D91429C4-F80A-0A47-8F31-C31B7EAA2894}"/>
+              </a:ext>
+            </a:extLst>
+          </p:cNvPr>
+          <p:cNvSpPr>
+            <a:spLocks noGrp="1"/>
+          </p:cNvSpPr>
+          <p:nvPr>
+            <p:ph type="title"/>
+          </p:nvPr>
+        </p:nvSpPr>
+        <p:spPr/>
+        <p:txBody>
+          <a:bodyPr/>
+          <a:lstStyle/>
+          <a:p>
+            <a:r>
+              <a:rPr kumimoji="1" lang="zh-CN" altLang="en-US" dirty="0"/>
+              <a:t>两阶段协议锁</a:t>
+            </a:r>
+          </a:p>
+        </p:txBody>
+      </p:sp>
+      <p:pic>
+        <p:nvPicPr>
+          <p:cNvPr id="7170" name="Picture 2">
+            <a:extLst>
+              <a:ext uri="{FF2B5EF4-FFF2-40B4-BE49-F238E27FC236}">
+                <a16:creationId xmlns:a16="http://schemas.microsoft.com/office/drawing/2014/main" id="{699900C4-2230-9547-90E3-A9FD2A3E58ED}"/>
+              </a:ext>
+            </a:extLst>
+          </p:cNvPr>
+          <p:cNvPicPr>
+            <a:picLocks noChangeAspect="1" noChangeArrowheads="1"/>
+          </p:cNvPicPr>
+          <p:nvPr/>
+        </p:nvPicPr>
+        <p:blipFill>
+          <a:blip r:embed="rId2">
+            <a:extLst>
+              <a:ext uri="{28A0092B-C50C-407E-A947-70E740481C1C}">
+                <a14:useLocalDpi xmlns:a14="http://schemas.microsoft.com/office/drawing/2010/main" val="0"/>
+              </a:ext>
+            </a:extLst>
+          </a:blip>
+          <a:srcRect/>
+          <a:stretch>
+            <a:fillRect/>
+          </a:stretch>
+        </p:blipFill>
+        <p:spPr bwMode="auto">
+          <a:xfrm>
+            <a:off x="1027844" y="2111192"/>
+            <a:ext cx="4156406" cy="3115682"/>
+          </a:xfrm>
+          <a:prstGeom prst="rect">
+            <a:avLst/>
+          </a:prstGeom>
+          <a:noFill/>
+          <a:extLst>
+            <a:ext uri="{909E8E84-426E-40DD-AFC4-6F175D3DCCD1}">
+              <a14:hiddenFill xmlns:a14="http://schemas.microsoft.com/office/drawing/2010/main">
+                <a:solidFill>
+                  <a:srgbClr val="FFFFFF"/>
+                </a:solidFill>
+              </a14:hiddenFill>
+            </a:ext>
+          </a:extLst>
+        </p:spPr>
+      </p:pic>
+      <p:sp>
+        <p:nvSpPr>
+          <p:cNvPr id="4" name="文本框 3">
+            <a:extLst>
+              <a:ext uri="{FF2B5EF4-FFF2-40B4-BE49-F238E27FC236}">
+                <a16:creationId xmlns:a16="http://schemas.microsoft.com/office/drawing/2014/main" id="{5ACE7F59-B522-D849-A648-324476253547}"/>
+              </a:ext>
+            </a:extLst>
+          </p:cNvPr>
+          <p:cNvSpPr txBox="1"/>
+          <p:nvPr/>
+        </p:nvSpPr>
+        <p:spPr>
+          <a:xfrm>
+            <a:off x="5271714" y="2983098"/>
+            <a:ext cx="6806317" cy="523220"/>
+          </a:xfrm>
+          <a:prstGeom prst="rect">
+            <a:avLst/>
+          </a:prstGeom>
+          <a:noFill/>
+        </p:spPr>
+        <p:txBody>
+          <a:bodyPr wrap="square" rtlCol="0">
+            <a:spAutoFit/>
+          </a:bodyPr>
+          <a:lstStyle/>
+          <a:p>
+            <a:r>
+              <a:rPr lang="zh-CN" altLang="en-US" sz="1400" dirty="0"/>
+              <a:t>事实上，事务 </a:t>
+            </a:r>
+            <a:r>
+              <a:rPr lang="en" altLang="zh-CN" sz="1400" dirty="0"/>
+              <a:t>B </a:t>
+            </a:r>
+            <a:r>
+              <a:rPr lang="zh-CN" altLang="en-US" sz="1400" dirty="0"/>
+              <a:t>的 </a:t>
+            </a:r>
+            <a:r>
+              <a:rPr lang="en" altLang="zh-CN" sz="1400" dirty="0"/>
+              <a:t>update </a:t>
+            </a:r>
+            <a:r>
+              <a:rPr lang="zh-CN" altLang="en-US" sz="1400" dirty="0"/>
+              <a:t>语句会被阻塞，直到事务 </a:t>
+            </a:r>
+            <a:r>
+              <a:rPr lang="en" altLang="zh-CN" sz="1400" dirty="0"/>
+              <a:t>A </a:t>
+            </a:r>
+            <a:r>
+              <a:rPr lang="zh-CN" altLang="en-US" sz="1400" dirty="0"/>
+              <a:t>执行 </a:t>
+            </a:r>
+            <a:r>
+              <a:rPr lang="en" altLang="zh-CN" sz="1400" dirty="0"/>
+              <a:t>commit </a:t>
+            </a:r>
+            <a:r>
+              <a:rPr lang="zh-CN" altLang="en-US" sz="1400" dirty="0"/>
+              <a:t>之后，事务 </a:t>
+            </a:r>
+            <a:r>
+              <a:rPr lang="en" altLang="zh-CN" sz="1400" dirty="0"/>
+              <a:t>B </a:t>
+            </a:r>
+            <a:r>
+              <a:rPr lang="zh-CN" altLang="en-US" sz="1400" dirty="0"/>
+              <a:t>才能继续执行</a:t>
+            </a:r>
+            <a:endParaRPr kumimoji="1" lang="zh-CN" altLang="en-US" sz="1400" dirty="0"/>
+          </a:p>
+        </p:txBody>
+      </p:sp>
+      <p:sp>
+        <p:nvSpPr>
+          <p:cNvPr id="5" name="文本框 4">
+            <a:extLst>
+              <a:ext uri="{FF2B5EF4-FFF2-40B4-BE49-F238E27FC236}">
+                <a16:creationId xmlns:a16="http://schemas.microsoft.com/office/drawing/2014/main" id="{441589E7-2F84-1E4D-BF48-079573B3D933}"/>
+              </a:ext>
+            </a:extLst>
+          </p:cNvPr>
+          <p:cNvSpPr txBox="1"/>
+          <p:nvPr/>
+        </p:nvSpPr>
+        <p:spPr>
+          <a:xfrm>
+            <a:off x="5271714" y="2182439"/>
+            <a:ext cx="6806317" cy="523220"/>
+          </a:xfrm>
+          <a:prstGeom prst="rect">
+            <a:avLst/>
+          </a:prstGeom>
+          <a:noFill/>
+        </p:spPr>
+        <p:txBody>
+          <a:bodyPr wrap="square" rtlCol="0">
+            <a:spAutoFit/>
+          </a:bodyPr>
+          <a:lstStyle/>
+          <a:p>
+            <a:r>
+              <a:rPr lang="zh-CN" altLang="en-US" sz="1400" dirty="0"/>
+              <a:t>在 </a:t>
+            </a:r>
+            <a:r>
+              <a:rPr lang="en" altLang="zh-CN" sz="1400" dirty="0" err="1"/>
+              <a:t>InnoDB</a:t>
+            </a:r>
+            <a:r>
+              <a:rPr lang="en" altLang="zh-CN" sz="1400" dirty="0"/>
+              <a:t> </a:t>
+            </a:r>
+            <a:r>
+              <a:rPr lang="zh-CN" altLang="en-US" sz="1400" dirty="0"/>
+              <a:t>事务中，行锁是在</a:t>
+            </a:r>
+            <a:r>
+              <a:rPr lang="zh-CN" altLang="en-US" sz="1400" dirty="0">
+                <a:solidFill>
+                  <a:srgbClr val="FF0000"/>
+                </a:solidFill>
+              </a:rPr>
+              <a:t>需要的时候才加上的</a:t>
+            </a:r>
+            <a:r>
+              <a:rPr lang="zh-CN" altLang="en-US" sz="1400" dirty="0"/>
+              <a:t>，但并不是不需要了就立刻释放，而是要等到</a:t>
+            </a:r>
+            <a:r>
+              <a:rPr lang="zh-CN" altLang="en-US" sz="1400" dirty="0">
+                <a:solidFill>
+                  <a:srgbClr val="00B050"/>
+                </a:solidFill>
+              </a:rPr>
+              <a:t>事务结束时才释放</a:t>
+            </a:r>
+            <a:r>
+              <a:rPr lang="zh-CN" altLang="en-US" sz="1400" dirty="0"/>
+              <a:t>。这个就是两阶段锁协议。</a:t>
+            </a:r>
+            <a:endParaRPr kumimoji="1" lang="zh-CN" altLang="en-US" sz="1400" dirty="0"/>
+          </a:p>
+        </p:txBody>
+      </p:sp>
+      <p:sp>
+        <p:nvSpPr>
+          <p:cNvPr id="7" name="文本框 6">
+            <a:extLst>
+              <a:ext uri="{FF2B5EF4-FFF2-40B4-BE49-F238E27FC236}">
+                <a16:creationId xmlns:a16="http://schemas.microsoft.com/office/drawing/2014/main" id="{06AC9704-BA64-4540-9494-22EBAEB77032}"/>
+              </a:ext>
+            </a:extLst>
+          </p:cNvPr>
+          <p:cNvSpPr txBox="1"/>
+          <p:nvPr/>
+        </p:nvSpPr>
+        <p:spPr>
+          <a:xfrm>
+            <a:off x="5315445" y="3783757"/>
+            <a:ext cx="6718853" cy="523220"/>
+          </a:xfrm>
+          <a:prstGeom prst="rect">
+            <a:avLst/>
+          </a:prstGeom>
+          <a:noFill/>
+        </p:spPr>
+        <p:txBody>
+          <a:bodyPr wrap="square" rtlCol="0">
+            <a:spAutoFit/>
+          </a:bodyPr>
+          <a:lstStyle/>
+          <a:p>
+            <a:r>
+              <a:rPr lang="zh-CN" altLang="en-US" sz="1400" dirty="0">
+                <a:solidFill>
+                  <a:srgbClr val="FF0000"/>
+                </a:solidFill>
+              </a:rPr>
+              <a:t>如果你的事务中需要锁多个行，要把最可能造成锁冲突、最可能影响并发度的锁尽量往后放。</a:t>
+            </a:r>
+            <a:endParaRPr kumimoji="1" lang="zh-CN" altLang="en-US" sz="1400" dirty="0">
+              <a:solidFill>
+                <a:srgbClr val="FF0000"/>
+              </a:solidFill>
+            </a:endParaRPr>
+          </a:p>
+        </p:txBody>
+      </p:sp>
+    </p:spTree>
+    <p:extLst>
+      <p:ext uri="{BB962C8B-B14F-4D97-AF65-F5344CB8AC3E}">
+        <p14:creationId xmlns:p14="http://schemas.microsoft.com/office/powerpoint/2010/main" val="1802675683"/>
+      </p:ext>
+    </p:extLst>
+  </p:cSld>
+  <p:clrMapOvr>
+    <a:masterClrMapping/>
+  </p:clrMapOvr>
+</p:sld>
+</file>
+
 <file path=ppt/slides/slide3.xml><?xml version="1.0" encoding="utf-8"?>
 <p:sld xmlns:a="http://schemas.openxmlformats.org/drawingml/2006/main" xmlns:r="http://schemas.openxmlformats.org/officeDocument/2006/relationships" xmlns:p="http://schemas.openxmlformats.org/presentationml/2006/main">
   <p:cSld>
@@ -9751,6 +12115,1588 @@
     <p:extLst>
       <p:ext uri="{BB962C8B-B14F-4D97-AF65-F5344CB8AC3E}">
         <p14:creationId xmlns:p14="http://schemas.microsoft.com/office/powerpoint/2010/main" val="2266667344"/>
+      </p:ext>
+    </p:extLst>
+  </p:cSld>
+  <p:clrMapOvr>
+    <a:masterClrMapping/>
+  </p:clrMapOvr>
+</p:sld>
+</file>
+
+<file path=ppt/slides/slide30.xml><?xml version="1.0" encoding="utf-8"?>
+<p:sld xmlns:a="http://schemas.openxmlformats.org/drawingml/2006/main" xmlns:r="http://schemas.openxmlformats.org/officeDocument/2006/relationships" xmlns:p="http://schemas.openxmlformats.org/presentationml/2006/main">
+  <p:cSld>
+    <p:spTree>
+      <p:nvGrpSpPr>
+        <p:cNvPr id="1" name=""/>
+        <p:cNvGrpSpPr/>
+        <p:nvPr/>
+      </p:nvGrpSpPr>
+      <p:grpSpPr>
+        <a:xfrm>
+          <a:off x="0" y="0"/>
+          <a:ext cx="0" cy="0"/>
+          <a:chOff x="0" y="0"/>
+          <a:chExt cx="0" cy="0"/>
+        </a:xfrm>
+      </p:grpSpPr>
+      <p:sp>
+        <p:nvSpPr>
+          <p:cNvPr id="2" name="标题 1">
+            <a:extLst>
+              <a:ext uri="{FF2B5EF4-FFF2-40B4-BE49-F238E27FC236}">
+                <a16:creationId xmlns:a16="http://schemas.microsoft.com/office/drawing/2014/main" id="{A0B84909-5407-5944-A9CE-C0F78E96036D}"/>
+              </a:ext>
+            </a:extLst>
+          </p:cNvPr>
+          <p:cNvSpPr>
+            <a:spLocks noGrp="1"/>
+          </p:cNvSpPr>
+          <p:nvPr>
+            <p:ph type="title"/>
+          </p:nvPr>
+        </p:nvSpPr>
+        <p:spPr/>
+        <p:txBody>
+          <a:bodyPr/>
+          <a:lstStyle/>
+          <a:p>
+            <a:r>
+              <a:rPr kumimoji="1" lang="zh-CN" altLang="en-US" dirty="0"/>
+              <a:t>两阶段协议锁</a:t>
+            </a:r>
+          </a:p>
+        </p:txBody>
+      </p:sp>
+      <p:pic>
+        <p:nvPicPr>
+          <p:cNvPr id="4" name="内容占位符 3">
+            <a:extLst>
+              <a:ext uri="{FF2B5EF4-FFF2-40B4-BE49-F238E27FC236}">
+                <a16:creationId xmlns:a16="http://schemas.microsoft.com/office/drawing/2014/main" id="{0E05850C-AAAC-E546-9B0F-22AB97A09F29}"/>
+              </a:ext>
+            </a:extLst>
+          </p:cNvPr>
+          <p:cNvPicPr>
+            <a:picLocks noGrp="1" noChangeAspect="1"/>
+          </p:cNvPicPr>
+          <p:nvPr>
+            <p:ph idx="1"/>
+          </p:nvPr>
+        </p:nvPicPr>
+        <p:blipFill>
+          <a:blip r:embed="rId2"/>
+          <a:stretch>
+            <a:fillRect/>
+          </a:stretch>
+        </p:blipFill>
+        <p:spPr>
+          <a:xfrm>
+            <a:off x="2592925" y="2229015"/>
+            <a:ext cx="8391098" cy="3778250"/>
+          </a:xfrm>
+          <a:prstGeom prst="rect">
+            <a:avLst/>
+          </a:prstGeom>
+        </p:spPr>
+      </p:pic>
+    </p:spTree>
+    <p:extLst>
+      <p:ext uri="{BB962C8B-B14F-4D97-AF65-F5344CB8AC3E}">
+        <p14:creationId xmlns:p14="http://schemas.microsoft.com/office/powerpoint/2010/main" val="3888903219"/>
+      </p:ext>
+    </p:extLst>
+  </p:cSld>
+  <p:clrMapOvr>
+    <a:masterClrMapping/>
+  </p:clrMapOvr>
+</p:sld>
+</file>
+
+<file path=ppt/slides/slide31.xml><?xml version="1.0" encoding="utf-8"?>
+<p:sld xmlns:a="http://schemas.openxmlformats.org/drawingml/2006/main" xmlns:r="http://schemas.openxmlformats.org/officeDocument/2006/relationships" xmlns:p="http://schemas.openxmlformats.org/presentationml/2006/main">
+  <p:cSld>
+    <p:spTree>
+      <p:nvGrpSpPr>
+        <p:cNvPr id="1" name=""/>
+        <p:cNvGrpSpPr/>
+        <p:nvPr/>
+      </p:nvGrpSpPr>
+      <p:grpSpPr>
+        <a:xfrm>
+          <a:off x="0" y="0"/>
+          <a:ext cx="0" cy="0"/>
+          <a:chOff x="0" y="0"/>
+          <a:chExt cx="0" cy="0"/>
+        </a:xfrm>
+      </p:grpSpPr>
+      <p:sp>
+        <p:nvSpPr>
+          <p:cNvPr id="2" name="标题 1">
+            <a:extLst>
+              <a:ext uri="{FF2B5EF4-FFF2-40B4-BE49-F238E27FC236}">
+                <a16:creationId xmlns:a16="http://schemas.microsoft.com/office/drawing/2014/main" id="{16C1A03A-FEBB-0441-803B-E5DA49D15BB8}"/>
+              </a:ext>
+            </a:extLst>
+          </p:cNvPr>
+          <p:cNvSpPr>
+            <a:spLocks noGrp="1"/>
+          </p:cNvSpPr>
+          <p:nvPr>
+            <p:ph type="title"/>
+          </p:nvPr>
+        </p:nvSpPr>
+        <p:spPr/>
+        <p:txBody>
+          <a:bodyPr/>
+          <a:lstStyle/>
+          <a:p>
+            <a:r>
+              <a:rPr lang="zh-CN" altLang="en-US" dirty="0"/>
+              <a:t>事务可重复读的能力实现总结</a:t>
+            </a:r>
+            <a:endParaRPr kumimoji="1" lang="zh-CN" altLang="en-US" dirty="0"/>
+          </a:p>
+        </p:txBody>
+      </p:sp>
+      <p:sp>
+        <p:nvSpPr>
+          <p:cNvPr id="3" name="内容占位符 2">
+            <a:extLst>
+              <a:ext uri="{FF2B5EF4-FFF2-40B4-BE49-F238E27FC236}">
+                <a16:creationId xmlns:a16="http://schemas.microsoft.com/office/drawing/2014/main" id="{CEBE206B-240D-D54A-A156-19019A8C6DE4}"/>
+              </a:ext>
+            </a:extLst>
+          </p:cNvPr>
+          <p:cNvSpPr>
+            <a:spLocks noGrp="1"/>
+          </p:cNvSpPr>
+          <p:nvPr>
+            <p:ph idx="1"/>
+          </p:nvPr>
+        </p:nvSpPr>
+        <p:spPr/>
+        <p:txBody>
+          <a:bodyPr/>
+          <a:lstStyle/>
+          <a:p>
+            <a:r>
+              <a:rPr lang="zh-CN" altLang="en-US" dirty="0"/>
+              <a:t>可重复读的</a:t>
+            </a:r>
+            <a:r>
+              <a:rPr lang="zh-CN" altLang="en-US" dirty="0">
+                <a:solidFill>
+                  <a:srgbClr val="FF0000"/>
+                </a:solidFill>
+              </a:rPr>
+              <a:t>核心就是一致性读</a:t>
+            </a:r>
+            <a:r>
+              <a:rPr lang="zh-CN" altLang="en-US" dirty="0"/>
+              <a:t>（</a:t>
+            </a:r>
+            <a:r>
+              <a:rPr lang="en" altLang="zh-CN" dirty="0"/>
+              <a:t>consistent read</a:t>
+            </a:r>
+            <a:r>
+              <a:rPr lang="zh-CN" altLang="en" dirty="0"/>
+              <a:t>）</a:t>
+            </a:r>
+            <a:r>
+              <a:rPr lang="zh-CN" altLang="en-US" dirty="0"/>
+              <a:t>。</a:t>
+            </a:r>
+            <a:endParaRPr lang="en-US" altLang="zh-CN" dirty="0"/>
+          </a:p>
+          <a:p>
+            <a:r>
+              <a:rPr lang="zh-CN" altLang="en-US" dirty="0"/>
+              <a:t>事务更新数据的时候，</a:t>
+            </a:r>
+            <a:r>
+              <a:rPr lang="zh-CN" altLang="en-US" dirty="0">
+                <a:solidFill>
+                  <a:srgbClr val="FF0000"/>
+                </a:solidFill>
+              </a:rPr>
+              <a:t>只能用当前读</a:t>
+            </a:r>
+            <a:r>
+              <a:rPr lang="zh-CN" altLang="en-US" dirty="0"/>
+              <a:t>。</a:t>
+            </a:r>
+            <a:endParaRPr lang="en-US" altLang="zh-CN" dirty="0"/>
+          </a:p>
+          <a:p>
+            <a:r>
+              <a:rPr lang="zh-CN" altLang="en-US" dirty="0"/>
+              <a:t>如果当前的记录的行锁被其他事务占用的话，就</a:t>
+            </a:r>
+            <a:r>
+              <a:rPr lang="zh-CN" altLang="en-US" dirty="0">
+                <a:solidFill>
+                  <a:srgbClr val="FF0000"/>
+                </a:solidFill>
+              </a:rPr>
+              <a:t>需要进入锁等待</a:t>
+            </a:r>
+            <a:r>
+              <a:rPr lang="zh-CN" altLang="en-US" dirty="0"/>
+              <a:t>。</a:t>
+            </a:r>
+            <a:endParaRPr lang="en-US" altLang="zh-CN" dirty="0"/>
+          </a:p>
+          <a:p>
+            <a:r>
+              <a:rPr lang="zh-CN" altLang="en-US" dirty="0"/>
+              <a:t>到这里，我们把一致性读、当前读和行锁就串起来了。</a:t>
+            </a:r>
+            <a:endParaRPr kumimoji="1" lang="zh-CN" altLang="en-US" dirty="0"/>
+          </a:p>
+        </p:txBody>
+      </p:sp>
+    </p:spTree>
+    <p:extLst>
+      <p:ext uri="{BB962C8B-B14F-4D97-AF65-F5344CB8AC3E}">
+        <p14:creationId xmlns:p14="http://schemas.microsoft.com/office/powerpoint/2010/main" val="585596064"/>
+      </p:ext>
+    </p:extLst>
+  </p:cSld>
+  <p:clrMapOvr>
+    <a:masterClrMapping/>
+  </p:clrMapOvr>
+</p:sld>
+</file>
+
+<file path=ppt/slides/slide32.xml><?xml version="1.0" encoding="utf-8"?>
+<p:sld xmlns:a="http://schemas.openxmlformats.org/drawingml/2006/main" xmlns:r="http://schemas.openxmlformats.org/officeDocument/2006/relationships" xmlns:p="http://schemas.openxmlformats.org/presentationml/2006/main">
+  <p:cSld>
+    <p:spTree>
+      <p:nvGrpSpPr>
+        <p:cNvPr id="1" name=""/>
+        <p:cNvGrpSpPr/>
+        <p:nvPr/>
+      </p:nvGrpSpPr>
+      <p:grpSpPr>
+        <a:xfrm>
+          <a:off x="0" y="0"/>
+          <a:ext cx="0" cy="0"/>
+          <a:chOff x="0" y="0"/>
+          <a:chExt cx="0" cy="0"/>
+        </a:xfrm>
+      </p:grpSpPr>
+      <p:sp>
+        <p:nvSpPr>
+          <p:cNvPr id="2" name="标题 1">
+            <a:extLst>
+              <a:ext uri="{FF2B5EF4-FFF2-40B4-BE49-F238E27FC236}">
+                <a16:creationId xmlns:a16="http://schemas.microsoft.com/office/drawing/2014/main" id="{4A8C3C41-C25E-1745-B20B-7D2A688FF282}"/>
+              </a:ext>
+            </a:extLst>
+          </p:cNvPr>
+          <p:cNvSpPr>
+            <a:spLocks noGrp="1"/>
+          </p:cNvSpPr>
+          <p:nvPr>
+            <p:ph type="title"/>
+          </p:nvPr>
+        </p:nvSpPr>
+        <p:spPr/>
+        <p:txBody>
+          <a:bodyPr/>
+          <a:lstStyle/>
+          <a:p>
+            <a:r>
+              <a:rPr lang="zh-CN" altLang="en-US" dirty="0"/>
+              <a:t>读提交和可重复读的区别</a:t>
+            </a:r>
+            <a:endParaRPr kumimoji="1" lang="zh-CN" altLang="en-US" dirty="0"/>
+          </a:p>
+        </p:txBody>
+      </p:sp>
+      <p:sp>
+        <p:nvSpPr>
+          <p:cNvPr id="3" name="内容占位符 2">
+            <a:extLst>
+              <a:ext uri="{FF2B5EF4-FFF2-40B4-BE49-F238E27FC236}">
+                <a16:creationId xmlns:a16="http://schemas.microsoft.com/office/drawing/2014/main" id="{BE437365-0230-0B48-984D-7821D0F83B82}"/>
+              </a:ext>
+            </a:extLst>
+          </p:cNvPr>
+          <p:cNvSpPr>
+            <a:spLocks noGrp="1"/>
+          </p:cNvSpPr>
+          <p:nvPr>
+            <p:ph idx="1"/>
+          </p:nvPr>
+        </p:nvSpPr>
+        <p:spPr/>
+        <p:txBody>
+          <a:bodyPr/>
+          <a:lstStyle/>
+          <a:p>
+            <a:r>
+              <a:rPr lang="zh-CN" altLang="en-US" dirty="0"/>
+              <a:t>在可重复读隔离级别下，只需要在事务开始的时候创建一致性视图，之后事务里的其他查询都共用这个一致性视图；</a:t>
+            </a:r>
+            <a:endParaRPr lang="en-US" altLang="zh-CN" dirty="0"/>
+          </a:p>
+          <a:p>
+            <a:endParaRPr kumimoji="1" lang="en-US" altLang="zh-CN" dirty="0"/>
+          </a:p>
+          <a:p>
+            <a:r>
+              <a:rPr lang="zh-CN" altLang="en-US" dirty="0"/>
+              <a:t>在读提交隔离级别下，每一个语句执行前都会重新算出一个新的视图。</a:t>
+            </a:r>
+            <a:endParaRPr kumimoji="1" lang="zh-CN" altLang="en-US" dirty="0"/>
+          </a:p>
+        </p:txBody>
+      </p:sp>
+    </p:spTree>
+    <p:extLst>
+      <p:ext uri="{BB962C8B-B14F-4D97-AF65-F5344CB8AC3E}">
+        <p14:creationId xmlns:p14="http://schemas.microsoft.com/office/powerpoint/2010/main" val="3817363659"/>
+      </p:ext>
+    </p:extLst>
+  </p:cSld>
+  <p:clrMapOvr>
+    <a:masterClrMapping/>
+  </p:clrMapOvr>
+</p:sld>
+</file>
+
+<file path=ppt/slides/slide33.xml><?xml version="1.0" encoding="utf-8"?>
+<p:sld xmlns:a="http://schemas.openxmlformats.org/drawingml/2006/main" xmlns:r="http://schemas.openxmlformats.org/officeDocument/2006/relationships" xmlns:p="http://schemas.openxmlformats.org/presentationml/2006/main">
+  <p:cSld>
+    <p:spTree>
+      <p:nvGrpSpPr>
+        <p:cNvPr id="1" name=""/>
+        <p:cNvGrpSpPr/>
+        <p:nvPr/>
+      </p:nvGrpSpPr>
+      <p:grpSpPr>
+        <a:xfrm>
+          <a:off x="0" y="0"/>
+          <a:ext cx="0" cy="0"/>
+          <a:chOff x="0" y="0"/>
+          <a:chExt cx="0" cy="0"/>
+        </a:xfrm>
+      </p:grpSpPr>
+      <p:sp>
+        <p:nvSpPr>
+          <p:cNvPr id="2" name="标题 1">
+            <a:extLst>
+              <a:ext uri="{FF2B5EF4-FFF2-40B4-BE49-F238E27FC236}">
+                <a16:creationId xmlns:a16="http://schemas.microsoft.com/office/drawing/2014/main" id="{1A20DF53-0E18-2647-9257-3BBB26E3DBCE}"/>
+              </a:ext>
+            </a:extLst>
+          </p:cNvPr>
+          <p:cNvSpPr>
+            <a:spLocks noGrp="1"/>
+          </p:cNvSpPr>
+          <p:nvPr>
+            <p:ph type="title"/>
+          </p:nvPr>
+        </p:nvSpPr>
+        <p:spPr/>
+        <p:txBody>
+          <a:bodyPr/>
+          <a:lstStyle/>
+          <a:p>
+            <a:r>
+              <a:rPr lang="zh-CN" altLang="en-US" dirty="0"/>
+              <a:t>幻读</a:t>
+            </a:r>
+            <a:endParaRPr kumimoji="1" lang="zh-CN" altLang="en-US" dirty="0"/>
+          </a:p>
+        </p:txBody>
+      </p:sp>
+      <p:pic>
+        <p:nvPicPr>
+          <p:cNvPr id="8194" name="Picture 2">
+            <a:extLst>
+              <a:ext uri="{FF2B5EF4-FFF2-40B4-BE49-F238E27FC236}">
+                <a16:creationId xmlns:a16="http://schemas.microsoft.com/office/drawing/2014/main" id="{18F61206-9193-3241-9B62-A38DB51E4AC7}"/>
+              </a:ext>
+            </a:extLst>
+          </p:cNvPr>
+          <p:cNvPicPr>
+            <a:picLocks noChangeAspect="1" noChangeArrowheads="1"/>
+          </p:cNvPicPr>
+          <p:nvPr/>
+        </p:nvPicPr>
+        <p:blipFill>
+          <a:blip r:embed="rId2">
+            <a:extLst>
+              <a:ext uri="{28A0092B-C50C-407E-A947-70E740481C1C}">
+                <a14:useLocalDpi xmlns:a14="http://schemas.microsoft.com/office/drawing/2010/main" val="0"/>
+              </a:ext>
+            </a:extLst>
+          </a:blip>
+          <a:srcRect/>
+          <a:stretch>
+            <a:fillRect/>
+          </a:stretch>
+        </p:blipFill>
+        <p:spPr bwMode="auto">
+          <a:xfrm>
+            <a:off x="1124710" y="1905000"/>
+            <a:ext cx="4783109" cy="2303740"/>
+          </a:xfrm>
+          <a:prstGeom prst="rect">
+            <a:avLst/>
+          </a:prstGeom>
+          <a:noFill/>
+          <a:extLst>
+            <a:ext uri="{909E8E84-426E-40DD-AFC4-6F175D3DCCD1}">
+              <a14:hiddenFill xmlns:a14="http://schemas.microsoft.com/office/drawing/2010/main">
+                <a:solidFill>
+                  <a:srgbClr val="FFFFFF"/>
+                </a:solidFill>
+              </a14:hiddenFill>
+            </a:ext>
+          </a:extLst>
+        </p:spPr>
+      </p:pic>
+      <p:sp>
+        <p:nvSpPr>
+          <p:cNvPr id="4" name="文本框 3">
+            <a:extLst>
+              <a:ext uri="{FF2B5EF4-FFF2-40B4-BE49-F238E27FC236}">
+                <a16:creationId xmlns:a16="http://schemas.microsoft.com/office/drawing/2014/main" id="{DE8A0130-57A0-3243-9D87-7BEA6E92FFAF}"/>
+              </a:ext>
+            </a:extLst>
+          </p:cNvPr>
+          <p:cNvSpPr txBox="1"/>
+          <p:nvPr/>
+        </p:nvSpPr>
+        <p:spPr>
+          <a:xfrm>
+            <a:off x="6096000" y="1905000"/>
+            <a:ext cx="5997934" cy="1015663"/>
+          </a:xfrm>
+          <a:prstGeom prst="rect">
+            <a:avLst/>
+          </a:prstGeom>
+          <a:noFill/>
+        </p:spPr>
+        <p:txBody>
+          <a:bodyPr wrap="square" rtlCol="0">
+            <a:spAutoFit/>
+          </a:bodyPr>
+          <a:lstStyle/>
+          <a:p>
+            <a:r>
+              <a:rPr lang="zh-CN" altLang="en-US" sz="1400" dirty="0"/>
+              <a:t>如果一个事务先根据某些条件查询出一些记录，之后另一个事务又向表中</a:t>
+            </a:r>
+            <a:r>
+              <a:rPr lang="zh-CN" altLang="en-US" sz="1400" dirty="0">
+                <a:solidFill>
+                  <a:srgbClr val="FF0000"/>
+                </a:solidFill>
+              </a:rPr>
+              <a:t>插入了符合这些条件的记录</a:t>
+            </a:r>
+            <a:r>
+              <a:rPr lang="zh-CN" altLang="en-US" sz="1400" dirty="0"/>
+              <a:t>，原先的事务再次按照该条件查询时，能把另一个事务插入的记录也读出来，那就意味着发生了幻读</a:t>
+            </a:r>
+            <a:endParaRPr kumimoji="1" lang="zh-CN" altLang="en-US" sz="1400" dirty="0"/>
+          </a:p>
+          <a:p>
+            <a:endParaRPr kumimoji="1" lang="zh-CN" altLang="en-US" dirty="0"/>
+          </a:p>
+        </p:txBody>
+      </p:sp>
+      <p:sp>
+        <p:nvSpPr>
+          <p:cNvPr id="5" name="文本框 4">
+            <a:extLst>
+              <a:ext uri="{FF2B5EF4-FFF2-40B4-BE49-F238E27FC236}">
+                <a16:creationId xmlns:a16="http://schemas.microsoft.com/office/drawing/2014/main" id="{0CB3AC03-7D2D-5B48-8159-F3F23DFC6634}"/>
+              </a:ext>
+            </a:extLst>
+          </p:cNvPr>
+          <p:cNvSpPr txBox="1"/>
+          <p:nvPr/>
+        </p:nvSpPr>
+        <p:spPr>
+          <a:xfrm>
+            <a:off x="6096000" y="3056870"/>
+            <a:ext cx="5997934" cy="523220"/>
+          </a:xfrm>
+          <a:prstGeom prst="rect">
+            <a:avLst/>
+          </a:prstGeom>
+          <a:noFill/>
+        </p:spPr>
+        <p:txBody>
+          <a:bodyPr wrap="square" rtlCol="0">
+            <a:spAutoFit/>
+          </a:bodyPr>
+          <a:lstStyle/>
+          <a:p>
+            <a:r>
+              <a:rPr lang="zh-CN" altLang="en-US" sz="1400" dirty="0"/>
+              <a:t>产生幻读的原因：行锁只能锁住行，但是新插入记录这个动作，</a:t>
+            </a:r>
+            <a:r>
+              <a:rPr lang="zh-CN" altLang="en-US" sz="1400" dirty="0">
+                <a:solidFill>
+                  <a:srgbClr val="FF0000"/>
+                </a:solidFill>
+              </a:rPr>
+              <a:t>要更新的是记录之间的“间隙”</a:t>
+            </a:r>
+            <a:r>
+              <a:rPr lang="zh-CN" altLang="en-US" sz="1400" dirty="0"/>
+              <a:t>。</a:t>
+            </a:r>
+            <a:endParaRPr kumimoji="1" lang="zh-CN" altLang="en-US" sz="1400" dirty="0"/>
+          </a:p>
+        </p:txBody>
+      </p:sp>
+    </p:spTree>
+    <p:extLst>
+      <p:ext uri="{BB962C8B-B14F-4D97-AF65-F5344CB8AC3E}">
+        <p14:creationId xmlns:p14="http://schemas.microsoft.com/office/powerpoint/2010/main" val="1130317086"/>
+      </p:ext>
+    </p:extLst>
+  </p:cSld>
+  <p:clrMapOvr>
+    <a:masterClrMapping/>
+  </p:clrMapOvr>
+</p:sld>
+</file>
+
+<file path=ppt/slides/slide34.xml><?xml version="1.0" encoding="utf-8"?>
+<p:sld xmlns:a="http://schemas.openxmlformats.org/drawingml/2006/main" xmlns:r="http://schemas.openxmlformats.org/officeDocument/2006/relationships" xmlns:p="http://schemas.openxmlformats.org/presentationml/2006/main">
+  <p:cSld>
+    <p:spTree>
+      <p:nvGrpSpPr>
+        <p:cNvPr id="1" name=""/>
+        <p:cNvGrpSpPr/>
+        <p:nvPr/>
+      </p:nvGrpSpPr>
+      <p:grpSpPr>
+        <a:xfrm>
+          <a:off x="0" y="0"/>
+          <a:ext cx="0" cy="0"/>
+          <a:chOff x="0" y="0"/>
+          <a:chExt cx="0" cy="0"/>
+        </a:xfrm>
+      </p:grpSpPr>
+      <p:sp>
+        <p:nvSpPr>
+          <p:cNvPr id="2" name="标题 1">
+            <a:extLst>
+              <a:ext uri="{FF2B5EF4-FFF2-40B4-BE49-F238E27FC236}">
+                <a16:creationId xmlns:a16="http://schemas.microsoft.com/office/drawing/2014/main" id="{C11BF180-5F4A-7548-A9B7-301819C2CAA5}"/>
+              </a:ext>
+            </a:extLst>
+          </p:cNvPr>
+          <p:cNvSpPr>
+            <a:spLocks noGrp="1"/>
+          </p:cNvSpPr>
+          <p:nvPr>
+            <p:ph type="title"/>
+          </p:nvPr>
+        </p:nvSpPr>
+        <p:spPr/>
+        <p:txBody>
+          <a:bodyPr/>
+          <a:lstStyle/>
+          <a:p>
+            <a:r>
+              <a:rPr lang="zh-CN" altLang="en-US" dirty="0"/>
+              <a:t>间隙锁 </a:t>
+            </a:r>
+            <a:r>
+              <a:rPr lang="en-US" altLang="zh-CN" dirty="0"/>
+              <a:t>(</a:t>
+            </a:r>
+            <a:r>
+              <a:rPr lang="en" altLang="zh-CN" dirty="0"/>
+              <a:t>Gap Lock)</a:t>
+            </a:r>
+            <a:endParaRPr kumimoji="1" lang="zh-CN" altLang="en-US" dirty="0"/>
+          </a:p>
+        </p:txBody>
+      </p:sp>
+      <p:sp>
+        <p:nvSpPr>
+          <p:cNvPr id="3" name="内容占位符 2">
+            <a:extLst>
+              <a:ext uri="{FF2B5EF4-FFF2-40B4-BE49-F238E27FC236}">
+                <a16:creationId xmlns:a16="http://schemas.microsoft.com/office/drawing/2014/main" id="{B3920E81-699A-1D4E-9D23-B2443EC9E8AE}"/>
+              </a:ext>
+            </a:extLst>
+          </p:cNvPr>
+          <p:cNvSpPr>
+            <a:spLocks noGrp="1"/>
+          </p:cNvSpPr>
+          <p:nvPr>
+            <p:ph idx="1"/>
+          </p:nvPr>
+        </p:nvSpPr>
+        <p:spPr/>
+        <p:txBody>
+          <a:bodyPr/>
+          <a:lstStyle/>
+          <a:p>
+            <a:r>
+              <a:rPr kumimoji="1" lang="zh-CN" altLang="en-US" dirty="0"/>
+              <a:t>为了解决幻读，</a:t>
+            </a:r>
+            <a:r>
+              <a:rPr kumimoji="1" lang="en-US" altLang="zh-CN" dirty="0" err="1"/>
+              <a:t>InnoDB</a:t>
+            </a:r>
+            <a:r>
+              <a:rPr kumimoji="1" lang="zh-CN" altLang="en-US" dirty="0"/>
+              <a:t>引入了间隙锁。</a:t>
+            </a:r>
+            <a:endParaRPr kumimoji="1" lang="en-US" altLang="zh-CN" dirty="0"/>
+          </a:p>
+          <a:p>
+            <a:r>
+              <a:rPr lang="zh-CN" altLang="en-US" dirty="0"/>
+              <a:t>顾名思义，间隙锁，锁的就是两个值之间的空隙。</a:t>
+            </a:r>
+            <a:endParaRPr lang="en-US" altLang="zh-CN" dirty="0"/>
+          </a:p>
+          <a:p>
+            <a:r>
+              <a:rPr lang="zh-CN" altLang="en-US" dirty="0"/>
+              <a:t>在一行行扫描的过程中，不仅将给行</a:t>
+            </a:r>
+            <a:r>
+              <a:rPr lang="zh-CN" altLang="en-US" dirty="0">
+                <a:solidFill>
+                  <a:srgbClr val="FF0000"/>
+                </a:solidFill>
+              </a:rPr>
+              <a:t>加上了行锁</a:t>
+            </a:r>
+            <a:r>
+              <a:rPr lang="zh-CN" altLang="en-US" dirty="0"/>
+              <a:t>，还给行两边的空隙，也</a:t>
+            </a:r>
+            <a:r>
+              <a:rPr lang="zh-CN" altLang="en-US" dirty="0">
+                <a:solidFill>
+                  <a:srgbClr val="FF0000"/>
+                </a:solidFill>
+              </a:rPr>
+              <a:t>加上了间隙锁</a:t>
+            </a:r>
+            <a:r>
+              <a:rPr lang="zh-CN" altLang="en-US" dirty="0"/>
+              <a:t>。</a:t>
+            </a:r>
+            <a:endParaRPr lang="en-US" altLang="zh-CN" dirty="0"/>
+          </a:p>
+          <a:p>
+            <a:r>
+              <a:rPr lang="zh-CN" altLang="en-US" dirty="0"/>
+              <a:t>跟间隙锁存在冲突关系的，是“往这个间隙中插入一个记录”这个操作。</a:t>
+            </a:r>
+            <a:r>
+              <a:rPr lang="zh-CN" altLang="en-US" dirty="0">
+                <a:solidFill>
+                  <a:srgbClr val="FF0000"/>
+                </a:solidFill>
+              </a:rPr>
+              <a:t>间隙锁之间都不存在冲突关系。</a:t>
+            </a:r>
+            <a:endParaRPr kumimoji="1" lang="zh-CN" altLang="en-US" dirty="0">
+              <a:solidFill>
+                <a:srgbClr val="FF0000"/>
+              </a:solidFill>
+            </a:endParaRPr>
+          </a:p>
+        </p:txBody>
+      </p:sp>
+    </p:spTree>
+    <p:extLst>
+      <p:ext uri="{BB962C8B-B14F-4D97-AF65-F5344CB8AC3E}">
+        <p14:creationId xmlns:p14="http://schemas.microsoft.com/office/powerpoint/2010/main" val="3511582229"/>
+      </p:ext>
+    </p:extLst>
+  </p:cSld>
+  <p:clrMapOvr>
+    <a:masterClrMapping/>
+  </p:clrMapOvr>
+</p:sld>
+</file>
+
+<file path=ppt/slides/slide35.xml><?xml version="1.0" encoding="utf-8"?>
+<p:sld xmlns:a="http://schemas.openxmlformats.org/drawingml/2006/main" xmlns:r="http://schemas.openxmlformats.org/officeDocument/2006/relationships" xmlns:p="http://schemas.openxmlformats.org/presentationml/2006/main">
+  <p:cSld>
+    <p:spTree>
+      <p:nvGrpSpPr>
+        <p:cNvPr id="1" name=""/>
+        <p:cNvGrpSpPr/>
+        <p:nvPr/>
+      </p:nvGrpSpPr>
+      <p:grpSpPr>
+        <a:xfrm>
+          <a:off x="0" y="0"/>
+          <a:ext cx="0" cy="0"/>
+          <a:chOff x="0" y="0"/>
+          <a:chExt cx="0" cy="0"/>
+        </a:xfrm>
+      </p:grpSpPr>
+      <p:sp>
+        <p:nvSpPr>
+          <p:cNvPr id="2" name="标题 1">
+            <a:extLst>
+              <a:ext uri="{FF2B5EF4-FFF2-40B4-BE49-F238E27FC236}">
+                <a16:creationId xmlns:a16="http://schemas.microsoft.com/office/drawing/2014/main" id="{90CA234C-F3F2-4447-9167-3218330525E9}"/>
+              </a:ext>
+            </a:extLst>
+          </p:cNvPr>
+          <p:cNvSpPr>
+            <a:spLocks noGrp="1"/>
+          </p:cNvSpPr>
+          <p:nvPr>
+            <p:ph type="title"/>
+          </p:nvPr>
+        </p:nvSpPr>
+        <p:spPr/>
+        <p:txBody>
+          <a:bodyPr/>
+          <a:lstStyle/>
+          <a:p>
+            <a:r>
+              <a:rPr lang="en" altLang="zh-CN" dirty="0"/>
+              <a:t>next-key lock</a:t>
+            </a:r>
+            <a:endParaRPr kumimoji="1" lang="zh-CN" altLang="en-US" dirty="0"/>
+          </a:p>
+        </p:txBody>
+      </p:sp>
+      <p:sp>
+        <p:nvSpPr>
+          <p:cNvPr id="3" name="内容占位符 2">
+            <a:extLst>
+              <a:ext uri="{FF2B5EF4-FFF2-40B4-BE49-F238E27FC236}">
+                <a16:creationId xmlns:a16="http://schemas.microsoft.com/office/drawing/2014/main" id="{AA9630BA-5093-194D-BAC5-FD50B6C98054}"/>
+              </a:ext>
+            </a:extLst>
+          </p:cNvPr>
+          <p:cNvSpPr>
+            <a:spLocks noGrp="1"/>
+          </p:cNvSpPr>
+          <p:nvPr>
+            <p:ph idx="1"/>
+          </p:nvPr>
+        </p:nvSpPr>
+        <p:spPr/>
+        <p:txBody>
+          <a:bodyPr/>
+          <a:lstStyle/>
+          <a:p>
+            <a:r>
+              <a:rPr lang="zh-CN" altLang="en-US" dirty="0"/>
+              <a:t>间隙锁和行锁合称 </a:t>
+            </a:r>
+            <a:r>
+              <a:rPr lang="en" altLang="zh-CN" dirty="0"/>
+              <a:t>next-key lock</a:t>
+            </a:r>
+            <a:r>
+              <a:rPr lang="zh-CN" altLang="en" dirty="0"/>
+              <a:t>，</a:t>
+            </a:r>
+            <a:r>
+              <a:rPr lang="zh-CN" altLang="en-US" dirty="0"/>
+              <a:t>每个 </a:t>
+            </a:r>
+            <a:r>
+              <a:rPr lang="en" altLang="zh-CN" dirty="0"/>
+              <a:t>next-key lock </a:t>
+            </a:r>
+            <a:r>
+              <a:rPr lang="zh-CN" altLang="en-US" dirty="0"/>
+              <a:t>是前开后闭区间。</a:t>
+            </a:r>
+            <a:endParaRPr lang="en-US" altLang="zh-CN" dirty="0"/>
+          </a:p>
+          <a:p>
+            <a:r>
+              <a:rPr kumimoji="1" lang="zh-CN" altLang="en-US" dirty="0"/>
+              <a:t>类似于：</a:t>
+            </a:r>
+            <a:r>
+              <a:rPr lang="en" altLang="zh-CN" dirty="0"/>
+              <a:t>(-∞,0]</a:t>
+            </a:r>
+            <a:r>
+              <a:rPr lang="zh-CN" altLang="en" dirty="0"/>
+              <a:t>、</a:t>
+            </a:r>
+            <a:r>
+              <a:rPr lang="en" altLang="zh-CN" dirty="0"/>
+              <a:t>(0,5]</a:t>
+            </a:r>
+            <a:r>
+              <a:rPr lang="zh-CN" altLang="en" dirty="0"/>
+              <a:t>、</a:t>
+            </a:r>
+            <a:r>
+              <a:rPr lang="en" altLang="zh-CN" dirty="0"/>
+              <a:t>(5,10]</a:t>
+            </a:r>
+            <a:r>
+              <a:rPr lang="zh-CN" altLang="en" dirty="0"/>
+              <a:t>、</a:t>
+            </a:r>
+            <a:r>
+              <a:rPr lang="en" altLang="zh-CN" dirty="0"/>
+              <a:t>(10,15]</a:t>
+            </a:r>
+            <a:r>
+              <a:rPr lang="zh-CN" altLang="en" dirty="0"/>
+              <a:t>、</a:t>
+            </a:r>
+            <a:r>
+              <a:rPr lang="en" altLang="zh-CN" dirty="0"/>
+              <a:t>(15,20]</a:t>
+            </a:r>
+            <a:r>
+              <a:rPr lang="zh-CN" altLang="en" dirty="0"/>
+              <a:t>、</a:t>
+            </a:r>
+            <a:r>
+              <a:rPr lang="en" altLang="zh-CN" dirty="0"/>
+              <a:t>(20, 25]</a:t>
+            </a:r>
+            <a:r>
+              <a:rPr lang="zh-CN" altLang="en" dirty="0"/>
+              <a:t>、</a:t>
+            </a:r>
+            <a:r>
+              <a:rPr lang="en" altLang="zh-CN" dirty="0"/>
+              <a:t>(25, +supremum]</a:t>
+            </a:r>
+            <a:endParaRPr kumimoji="1" lang="zh-CN" altLang="en-US" dirty="0"/>
+          </a:p>
+        </p:txBody>
+      </p:sp>
+    </p:spTree>
+    <p:extLst>
+      <p:ext uri="{BB962C8B-B14F-4D97-AF65-F5344CB8AC3E}">
+        <p14:creationId xmlns:p14="http://schemas.microsoft.com/office/powerpoint/2010/main" val="4233684025"/>
+      </p:ext>
+    </p:extLst>
+  </p:cSld>
+  <p:clrMapOvr>
+    <a:masterClrMapping/>
+  </p:clrMapOvr>
+</p:sld>
+</file>
+
+<file path=ppt/slides/slide36.xml><?xml version="1.0" encoding="utf-8"?>
+<p:sld xmlns:a="http://schemas.openxmlformats.org/drawingml/2006/main" xmlns:r="http://schemas.openxmlformats.org/officeDocument/2006/relationships" xmlns:p="http://schemas.openxmlformats.org/presentationml/2006/main">
+  <p:cSld>
+    <p:spTree>
+      <p:nvGrpSpPr>
+        <p:cNvPr id="1" name=""/>
+        <p:cNvGrpSpPr/>
+        <p:nvPr/>
+      </p:nvGrpSpPr>
+      <p:grpSpPr>
+        <a:xfrm>
+          <a:off x="0" y="0"/>
+          <a:ext cx="0" cy="0"/>
+          <a:chOff x="0" y="0"/>
+          <a:chExt cx="0" cy="0"/>
+        </a:xfrm>
+      </p:grpSpPr>
+      <p:sp>
+        <p:nvSpPr>
+          <p:cNvPr id="2" name="标题 1">
+            <a:extLst>
+              <a:ext uri="{FF2B5EF4-FFF2-40B4-BE49-F238E27FC236}">
+                <a16:creationId xmlns:a16="http://schemas.microsoft.com/office/drawing/2014/main" id="{FFFE6B08-290E-524B-B13A-67C59AE3DB93}"/>
+              </a:ext>
+            </a:extLst>
+          </p:cNvPr>
+          <p:cNvSpPr>
+            <a:spLocks noGrp="1"/>
+          </p:cNvSpPr>
+          <p:nvPr>
+            <p:ph type="title"/>
+          </p:nvPr>
+        </p:nvSpPr>
+        <p:spPr/>
+        <p:txBody>
+          <a:bodyPr/>
+          <a:lstStyle/>
+          <a:p>
+            <a:r>
+              <a:rPr lang="zh-CN" altLang="en-US" dirty="0"/>
+              <a:t>间隙锁和 </a:t>
+            </a:r>
+            <a:r>
+              <a:rPr lang="en" altLang="zh-CN" dirty="0"/>
+              <a:t>next-key lock</a:t>
+            </a:r>
+            <a:r>
+              <a:rPr lang="zh-CN" altLang="en" dirty="0"/>
+              <a:t>产生</a:t>
+            </a:r>
+            <a:r>
+              <a:rPr lang="zh-CN" altLang="en-US" dirty="0"/>
+              <a:t>的问题</a:t>
+            </a:r>
+            <a:endParaRPr kumimoji="1" lang="zh-CN" altLang="en-US" dirty="0"/>
+          </a:p>
+        </p:txBody>
+      </p:sp>
+      <p:pic>
+        <p:nvPicPr>
+          <p:cNvPr id="4" name="图片 3">
+            <a:extLst>
+              <a:ext uri="{FF2B5EF4-FFF2-40B4-BE49-F238E27FC236}">
+                <a16:creationId xmlns:a16="http://schemas.microsoft.com/office/drawing/2014/main" id="{FEF9A12C-BC5B-2C43-8F07-9266BFF22B1A}"/>
+              </a:ext>
+            </a:extLst>
+          </p:cNvPr>
+          <p:cNvPicPr>
+            <a:picLocks noChangeAspect="1"/>
+          </p:cNvPicPr>
+          <p:nvPr/>
+        </p:nvPicPr>
+        <p:blipFill>
+          <a:blip r:embed="rId2"/>
+          <a:stretch>
+            <a:fillRect/>
+          </a:stretch>
+        </p:blipFill>
+        <p:spPr>
+          <a:xfrm>
+            <a:off x="592096" y="1905000"/>
+            <a:ext cx="6484565" cy="2356998"/>
+          </a:xfrm>
+          <a:prstGeom prst="rect">
+            <a:avLst/>
+          </a:prstGeom>
+        </p:spPr>
+      </p:pic>
+      <p:pic>
+        <p:nvPicPr>
+          <p:cNvPr id="9218" name="Picture 2">
+            <a:extLst>
+              <a:ext uri="{FF2B5EF4-FFF2-40B4-BE49-F238E27FC236}">
+                <a16:creationId xmlns:a16="http://schemas.microsoft.com/office/drawing/2014/main" id="{092E186B-F77D-D648-AE48-8D3791566CF9}"/>
+              </a:ext>
+            </a:extLst>
+          </p:cNvPr>
+          <p:cNvPicPr>
+            <a:picLocks noChangeAspect="1" noChangeArrowheads="1"/>
+          </p:cNvPicPr>
+          <p:nvPr/>
+        </p:nvPicPr>
+        <p:blipFill>
+          <a:blip r:embed="rId3">
+            <a:extLst>
+              <a:ext uri="{28A0092B-C50C-407E-A947-70E740481C1C}">
+                <a14:useLocalDpi xmlns:a14="http://schemas.microsoft.com/office/drawing/2010/main" val="0"/>
+              </a:ext>
+            </a:extLst>
+          </a:blip>
+          <a:srcRect/>
+          <a:stretch>
+            <a:fillRect/>
+          </a:stretch>
+        </p:blipFill>
+        <p:spPr bwMode="auto">
+          <a:xfrm>
+            <a:off x="592095" y="4261998"/>
+            <a:ext cx="6548175" cy="2497186"/>
+          </a:xfrm>
+          <a:prstGeom prst="rect">
+            <a:avLst/>
+          </a:prstGeom>
+          <a:noFill/>
+          <a:extLst>
+            <a:ext uri="{909E8E84-426E-40DD-AFC4-6F175D3DCCD1}">
+              <a14:hiddenFill xmlns:a14="http://schemas.microsoft.com/office/drawing/2010/main">
+                <a:solidFill>
+                  <a:srgbClr val="FFFFFF"/>
+                </a:solidFill>
+              </a14:hiddenFill>
+            </a:ext>
+          </a:extLst>
+        </p:spPr>
+      </p:pic>
+      <p:sp>
+        <p:nvSpPr>
+          <p:cNvPr id="6" name="文本框 5">
+            <a:extLst>
+              <a:ext uri="{FF2B5EF4-FFF2-40B4-BE49-F238E27FC236}">
+                <a16:creationId xmlns:a16="http://schemas.microsoft.com/office/drawing/2014/main" id="{165C3EE4-1325-6047-92DE-2F1EC36A2B39}"/>
+              </a:ext>
+            </a:extLst>
+          </p:cNvPr>
+          <p:cNvSpPr txBox="1"/>
+          <p:nvPr/>
+        </p:nvSpPr>
+        <p:spPr>
+          <a:xfrm>
+            <a:off x="7398568" y="3855142"/>
+            <a:ext cx="4713150" cy="2092881"/>
+          </a:xfrm>
+          <a:prstGeom prst="rect">
+            <a:avLst/>
+          </a:prstGeom>
+          <a:noFill/>
+        </p:spPr>
+        <p:txBody>
+          <a:bodyPr wrap="none" rtlCol="0">
+            <a:spAutoFit/>
+          </a:bodyPr>
+          <a:lstStyle/>
+          <a:p>
+            <a:r>
+              <a:rPr lang="zh-CN" altLang="en-US" sz="1600" dirty="0"/>
+              <a:t>用两个 </a:t>
+            </a:r>
+            <a:r>
+              <a:rPr lang="en" altLang="zh-CN" sz="1600" dirty="0"/>
+              <a:t>session </a:t>
+            </a:r>
+            <a:r>
+              <a:rPr lang="zh-CN" altLang="en-US" sz="1600" dirty="0"/>
+              <a:t>来模拟并发，并假设 </a:t>
+            </a:r>
+            <a:r>
+              <a:rPr lang="en" altLang="zh-CN" sz="1600" dirty="0"/>
+              <a:t>N=9</a:t>
+            </a:r>
+            <a:endParaRPr lang="en-US" altLang="zh-CN" sz="1600" dirty="0"/>
+          </a:p>
+          <a:p>
+            <a:r>
+              <a:rPr kumimoji="1" lang="zh-CN" altLang="en-US" sz="1600" dirty="0"/>
+              <a:t>因为</a:t>
+            </a:r>
+            <a:r>
+              <a:rPr kumimoji="1" lang="en-US" altLang="zh-CN" sz="1600" dirty="0"/>
+              <a:t>N=9</a:t>
+            </a:r>
+            <a:r>
+              <a:rPr kumimoji="1" lang="zh-CN" altLang="en-US" sz="1600" dirty="0"/>
+              <a:t>的记录不存在，</a:t>
+            </a:r>
+            <a:endParaRPr kumimoji="1" lang="en-US" altLang="zh-CN" sz="1600" dirty="0"/>
+          </a:p>
+          <a:p>
+            <a:r>
+              <a:rPr kumimoji="1" lang="en-US" altLang="zh-CN" sz="1600" dirty="0"/>
+              <a:t>1</a:t>
+            </a:r>
+            <a:r>
+              <a:rPr kumimoji="1" lang="zh-CN" altLang="en-US" sz="1600" dirty="0"/>
+              <a:t>、</a:t>
+            </a:r>
+            <a:r>
+              <a:rPr kumimoji="1" lang="en-US" altLang="zh-CN" sz="1600" dirty="0"/>
+              <a:t>A</a:t>
+            </a:r>
+            <a:r>
+              <a:rPr kumimoji="1" lang="zh-CN" altLang="en-US" sz="1600" dirty="0"/>
+              <a:t>：加上（</a:t>
+            </a:r>
+            <a:r>
+              <a:rPr kumimoji="1" lang="en-US" altLang="zh-CN" sz="1600" dirty="0"/>
+              <a:t>5</a:t>
+            </a:r>
+            <a:r>
+              <a:rPr kumimoji="1" lang="zh-CN" altLang="en-US" sz="1600" dirty="0"/>
+              <a:t>，</a:t>
+            </a:r>
+            <a:r>
+              <a:rPr kumimoji="1" lang="en-US" altLang="zh-CN" sz="1600" dirty="0"/>
+              <a:t>10</a:t>
+            </a:r>
+            <a:r>
+              <a:rPr kumimoji="1" lang="zh-CN" altLang="en-US" sz="1600" dirty="0"/>
+              <a:t>）的间隙锁</a:t>
+            </a:r>
+            <a:endParaRPr kumimoji="1" lang="en-US" altLang="zh-CN" sz="1600" dirty="0"/>
+          </a:p>
+          <a:p>
+            <a:r>
+              <a:rPr kumimoji="1" lang="en-US" altLang="zh-CN" sz="1600" dirty="0"/>
+              <a:t>2</a:t>
+            </a:r>
+            <a:r>
+              <a:rPr kumimoji="1" lang="zh-CN" altLang="en-US" sz="1600" dirty="0"/>
+              <a:t>、</a:t>
+            </a:r>
+            <a:r>
+              <a:rPr kumimoji="1" lang="en-US" altLang="zh-CN" sz="1600" dirty="0"/>
+              <a:t>B</a:t>
+            </a:r>
+            <a:r>
+              <a:rPr kumimoji="1" lang="zh-CN" altLang="en-US" sz="1600" dirty="0"/>
+              <a:t>：加上（</a:t>
+            </a:r>
+            <a:r>
+              <a:rPr kumimoji="1" lang="en-US" altLang="zh-CN" sz="1600" dirty="0"/>
+              <a:t>5</a:t>
+            </a:r>
+            <a:r>
+              <a:rPr kumimoji="1" lang="zh-CN" altLang="en-US" sz="1600" dirty="0"/>
+              <a:t>， </a:t>
+            </a:r>
+            <a:r>
+              <a:rPr kumimoji="1" lang="en-US" altLang="zh-CN" sz="1600" dirty="0"/>
+              <a:t>10</a:t>
+            </a:r>
+            <a:r>
+              <a:rPr kumimoji="1" lang="zh-CN" altLang="en-US" sz="1600" dirty="0"/>
+              <a:t>）的间隙锁（</a:t>
+            </a:r>
+            <a:r>
+              <a:rPr kumimoji="1" lang="zh-CN" altLang="en-US" sz="1600" dirty="0">
+                <a:solidFill>
+                  <a:srgbClr val="FF0000"/>
+                </a:solidFill>
+              </a:rPr>
+              <a:t>间隙锁不冲突</a:t>
+            </a:r>
+            <a:r>
+              <a:rPr kumimoji="1" lang="zh-CN" altLang="en-US" sz="1600" dirty="0"/>
+              <a:t>）</a:t>
+            </a:r>
+            <a:endParaRPr kumimoji="1" lang="en-US" altLang="zh-CN" sz="1600" dirty="0"/>
+          </a:p>
+          <a:p>
+            <a:r>
+              <a:rPr kumimoji="1" lang="en-US" altLang="zh-CN" sz="1600" dirty="0"/>
+              <a:t>3</a:t>
+            </a:r>
+            <a:r>
+              <a:rPr kumimoji="1" lang="zh-CN" altLang="en-US" sz="1600" dirty="0"/>
+              <a:t>、</a:t>
+            </a:r>
+            <a:r>
+              <a:rPr kumimoji="1" lang="en-US" altLang="zh-CN" sz="1600" dirty="0"/>
+              <a:t>B</a:t>
+            </a:r>
+            <a:r>
+              <a:rPr kumimoji="1" lang="zh-CN" altLang="en-US" sz="1600" dirty="0"/>
+              <a:t>：插入（</a:t>
+            </a:r>
+            <a:r>
+              <a:rPr kumimoji="1" lang="en-US" altLang="zh-CN" sz="1600" dirty="0"/>
+              <a:t>9</a:t>
+            </a:r>
+            <a:r>
+              <a:rPr kumimoji="1" lang="zh-CN" altLang="en-US" sz="1600" dirty="0"/>
+              <a:t>，</a:t>
+            </a:r>
+            <a:r>
+              <a:rPr kumimoji="1" lang="en-US" altLang="zh-CN" sz="1600" dirty="0"/>
+              <a:t>9</a:t>
+            </a:r>
+            <a:r>
+              <a:rPr kumimoji="1" lang="zh-CN" altLang="en-US" sz="1600" dirty="0"/>
+              <a:t>，</a:t>
+            </a:r>
+            <a:r>
+              <a:rPr kumimoji="1" lang="en-US" altLang="zh-CN" sz="1600" dirty="0"/>
+              <a:t>9</a:t>
+            </a:r>
+            <a:r>
+              <a:rPr kumimoji="1" lang="zh-CN" altLang="en-US" sz="1600" dirty="0"/>
+              <a:t>）被</a:t>
+            </a:r>
+            <a:r>
+              <a:rPr kumimoji="1" lang="en-US" altLang="zh-CN" sz="1600" dirty="0"/>
+              <a:t>A</a:t>
+            </a:r>
+            <a:r>
+              <a:rPr kumimoji="1" lang="zh-CN" altLang="en-US" sz="1600" dirty="0"/>
+              <a:t>的间隙锁挡住了</a:t>
+            </a:r>
+            <a:endParaRPr kumimoji="1" lang="en-US" altLang="zh-CN" sz="1600" dirty="0"/>
+          </a:p>
+          <a:p>
+            <a:r>
+              <a:rPr kumimoji="1" lang="en-US" altLang="zh-CN" sz="1600" dirty="0"/>
+              <a:t>4</a:t>
+            </a:r>
+            <a:r>
+              <a:rPr kumimoji="1" lang="zh-CN" altLang="en-US" sz="1600" dirty="0"/>
+              <a:t>、</a:t>
+            </a:r>
+            <a:r>
+              <a:rPr kumimoji="1" lang="en-US" altLang="zh-CN" sz="1600" dirty="0"/>
+              <a:t>A</a:t>
+            </a:r>
+            <a:r>
+              <a:rPr kumimoji="1" lang="zh-CN" altLang="en-US" sz="1600" dirty="0"/>
+              <a:t>：插入（</a:t>
+            </a:r>
+            <a:r>
+              <a:rPr kumimoji="1" lang="en-US" altLang="zh-CN" sz="1600" dirty="0"/>
+              <a:t>9</a:t>
+            </a:r>
+            <a:r>
+              <a:rPr kumimoji="1" lang="zh-CN" altLang="en-US" sz="1600" dirty="0"/>
+              <a:t>，</a:t>
+            </a:r>
+            <a:r>
+              <a:rPr kumimoji="1" lang="en-US" altLang="zh-CN" sz="1600" dirty="0"/>
+              <a:t>9</a:t>
+            </a:r>
+            <a:r>
+              <a:rPr kumimoji="1" lang="zh-CN" altLang="en-US" sz="1600" dirty="0"/>
+              <a:t>，</a:t>
+            </a:r>
+            <a:r>
+              <a:rPr kumimoji="1" lang="en-US" altLang="zh-CN" sz="1600" dirty="0"/>
+              <a:t>9</a:t>
+            </a:r>
+            <a:r>
+              <a:rPr kumimoji="1" lang="zh-CN" altLang="en-US" sz="1600" dirty="0"/>
+              <a:t>）被</a:t>
+            </a:r>
+            <a:r>
+              <a:rPr kumimoji="1" lang="en-US" altLang="zh-CN" sz="1600" dirty="0"/>
+              <a:t>B</a:t>
+            </a:r>
+            <a:r>
+              <a:rPr kumimoji="1" lang="zh-CN" altLang="en-US" sz="1600" dirty="0"/>
+              <a:t>的间隙锁挡住了</a:t>
+            </a:r>
+            <a:endParaRPr kumimoji="1" lang="en-US" altLang="zh-CN" sz="1600" dirty="0"/>
+          </a:p>
+          <a:p>
+            <a:r>
+              <a:rPr kumimoji="1" lang="en-US" altLang="zh-CN" sz="1600" dirty="0"/>
+              <a:t>5</a:t>
+            </a:r>
+            <a:r>
+              <a:rPr kumimoji="1" lang="zh-CN" altLang="en-US" sz="1600" dirty="0"/>
+              <a:t>、死锁</a:t>
+            </a:r>
+            <a:endParaRPr kumimoji="1" lang="en-US" altLang="zh-CN" sz="1600" dirty="0"/>
+          </a:p>
+          <a:p>
+            <a:endParaRPr kumimoji="1" lang="zh-CN" altLang="en-US" dirty="0"/>
+          </a:p>
+        </p:txBody>
+      </p:sp>
+      <p:pic>
+        <p:nvPicPr>
+          <p:cNvPr id="8" name="Picture 2">
+            <a:extLst>
+              <a:ext uri="{FF2B5EF4-FFF2-40B4-BE49-F238E27FC236}">
+                <a16:creationId xmlns:a16="http://schemas.microsoft.com/office/drawing/2014/main" id="{E4D576E5-771B-0E49-BB45-C8309913E822}"/>
+              </a:ext>
+            </a:extLst>
+          </p:cNvPr>
+          <p:cNvPicPr>
+            <a:picLocks noChangeAspect="1" noChangeArrowheads="1"/>
+          </p:cNvPicPr>
+          <p:nvPr/>
+        </p:nvPicPr>
+        <p:blipFill>
+          <a:blip r:embed="rId4">
+            <a:extLst>
+              <a:ext uri="{28A0092B-C50C-407E-A947-70E740481C1C}">
+                <a14:useLocalDpi xmlns:a14="http://schemas.microsoft.com/office/drawing/2010/main" val="0"/>
+              </a:ext>
+            </a:extLst>
+          </a:blip>
+          <a:srcRect/>
+          <a:stretch>
+            <a:fillRect/>
+          </a:stretch>
+        </p:blipFill>
+        <p:spPr bwMode="auto">
+          <a:xfrm>
+            <a:off x="7509544" y="1905000"/>
+            <a:ext cx="3562184" cy="1715693"/>
+          </a:xfrm>
+          <a:prstGeom prst="rect">
+            <a:avLst/>
+          </a:prstGeom>
+          <a:noFill/>
+          <a:extLst>
+            <a:ext uri="{909E8E84-426E-40DD-AFC4-6F175D3DCCD1}">
+              <a14:hiddenFill xmlns:a14="http://schemas.microsoft.com/office/drawing/2010/main">
+                <a:solidFill>
+                  <a:srgbClr val="FFFFFF"/>
+                </a:solidFill>
+              </a14:hiddenFill>
+            </a:ext>
+          </a:extLst>
+        </p:spPr>
+      </p:pic>
+    </p:spTree>
+    <p:extLst>
+      <p:ext uri="{BB962C8B-B14F-4D97-AF65-F5344CB8AC3E}">
+        <p14:creationId xmlns:p14="http://schemas.microsoft.com/office/powerpoint/2010/main" val="2628211240"/>
+      </p:ext>
+    </p:extLst>
+  </p:cSld>
+  <p:clrMapOvr>
+    <a:masterClrMapping/>
+  </p:clrMapOvr>
+</p:sld>
+</file>
+
+<file path=ppt/slides/slide37.xml><?xml version="1.0" encoding="utf-8"?>
+<p:sld xmlns:a="http://schemas.openxmlformats.org/drawingml/2006/main" xmlns:r="http://schemas.openxmlformats.org/officeDocument/2006/relationships" xmlns:p="http://schemas.openxmlformats.org/presentationml/2006/main">
+  <p:cSld>
+    <p:spTree>
+      <p:nvGrpSpPr>
+        <p:cNvPr id="1" name=""/>
+        <p:cNvGrpSpPr/>
+        <p:nvPr/>
+      </p:nvGrpSpPr>
+      <p:grpSpPr>
+        <a:xfrm>
+          <a:off x="0" y="0"/>
+          <a:ext cx="0" cy="0"/>
+          <a:chOff x="0" y="0"/>
+          <a:chExt cx="0" cy="0"/>
+        </a:xfrm>
+      </p:grpSpPr>
+      <p:sp>
+        <p:nvSpPr>
+          <p:cNvPr id="2" name="标题 1">
+            <a:extLst>
+              <a:ext uri="{FF2B5EF4-FFF2-40B4-BE49-F238E27FC236}">
+                <a16:creationId xmlns:a16="http://schemas.microsoft.com/office/drawing/2014/main" id="{34CC2298-85EC-8E4E-930F-1D6211F914AD}"/>
+              </a:ext>
+            </a:extLst>
+          </p:cNvPr>
+          <p:cNvSpPr>
+            <a:spLocks noGrp="1"/>
+          </p:cNvSpPr>
+          <p:nvPr>
+            <p:ph type="title"/>
+          </p:nvPr>
+        </p:nvSpPr>
+        <p:spPr/>
+        <p:txBody>
+          <a:bodyPr/>
+          <a:lstStyle/>
+          <a:p>
+            <a:r>
+              <a:rPr lang="zh-CN" altLang="en-US" dirty="0"/>
+              <a:t>间隙锁和 </a:t>
+            </a:r>
+            <a:r>
+              <a:rPr lang="en" altLang="zh-CN" dirty="0"/>
+              <a:t>next-key lock</a:t>
+            </a:r>
+            <a:r>
+              <a:rPr lang="zh-CN" altLang="en" dirty="0"/>
+              <a:t>产生</a:t>
+            </a:r>
+            <a:r>
+              <a:rPr lang="zh-CN" altLang="en-US" dirty="0"/>
+              <a:t>的问题</a:t>
+            </a:r>
+            <a:endParaRPr kumimoji="1" lang="zh-CN" altLang="en-US" dirty="0"/>
+          </a:p>
+        </p:txBody>
+      </p:sp>
+      <p:sp>
+        <p:nvSpPr>
+          <p:cNvPr id="3" name="内容占位符 2">
+            <a:extLst>
+              <a:ext uri="{FF2B5EF4-FFF2-40B4-BE49-F238E27FC236}">
+                <a16:creationId xmlns:a16="http://schemas.microsoft.com/office/drawing/2014/main" id="{AFC9D7C4-3903-A64F-8FBD-31A3CF76D8F1}"/>
+              </a:ext>
+            </a:extLst>
+          </p:cNvPr>
+          <p:cNvSpPr>
+            <a:spLocks noGrp="1"/>
+          </p:cNvSpPr>
+          <p:nvPr>
+            <p:ph idx="1"/>
+          </p:nvPr>
+        </p:nvSpPr>
+        <p:spPr/>
+        <p:txBody>
+          <a:bodyPr/>
+          <a:lstStyle/>
+          <a:p>
+            <a:r>
+              <a:rPr lang="zh-CN" altLang="en-US" dirty="0"/>
+              <a:t>间隙锁的引入，可能会导致同样的语句锁住更大的范围，这其实是影响了并发度的。</a:t>
+            </a:r>
+            <a:endParaRPr kumimoji="1" lang="zh-CN" altLang="en-US" dirty="0"/>
+          </a:p>
+        </p:txBody>
+      </p:sp>
+    </p:spTree>
+    <p:extLst>
+      <p:ext uri="{BB962C8B-B14F-4D97-AF65-F5344CB8AC3E}">
+        <p14:creationId xmlns:p14="http://schemas.microsoft.com/office/powerpoint/2010/main" val="3549547646"/>
+      </p:ext>
+    </p:extLst>
+  </p:cSld>
+  <p:clrMapOvr>
+    <a:masterClrMapping/>
+  </p:clrMapOvr>
+</p:sld>
+</file>
+
+<file path=ppt/slides/slide38.xml><?xml version="1.0" encoding="utf-8"?>
+<p:sld xmlns:a="http://schemas.openxmlformats.org/drawingml/2006/main" xmlns:r="http://schemas.openxmlformats.org/officeDocument/2006/relationships" xmlns:p="http://schemas.openxmlformats.org/presentationml/2006/main">
+  <p:cSld>
+    <p:spTree>
+      <p:nvGrpSpPr>
+        <p:cNvPr id="1" name=""/>
+        <p:cNvGrpSpPr/>
+        <p:nvPr/>
+      </p:nvGrpSpPr>
+      <p:grpSpPr>
+        <a:xfrm>
+          <a:off x="0" y="0"/>
+          <a:ext cx="0" cy="0"/>
+          <a:chOff x="0" y="0"/>
+          <a:chExt cx="0" cy="0"/>
+        </a:xfrm>
+      </p:grpSpPr>
+      <p:sp>
+        <p:nvSpPr>
+          <p:cNvPr id="2" name="标题 1">
+            <a:extLst>
+              <a:ext uri="{FF2B5EF4-FFF2-40B4-BE49-F238E27FC236}">
+                <a16:creationId xmlns:a16="http://schemas.microsoft.com/office/drawing/2014/main" id="{2F1B6F63-D84A-C44E-A94F-96BC99AF0E90}"/>
+              </a:ext>
+            </a:extLst>
+          </p:cNvPr>
+          <p:cNvSpPr>
+            <a:spLocks noGrp="1"/>
+          </p:cNvSpPr>
+          <p:nvPr>
+            <p:ph type="title"/>
+          </p:nvPr>
+        </p:nvSpPr>
+        <p:spPr/>
+        <p:txBody>
+          <a:bodyPr/>
+          <a:lstStyle/>
+          <a:p>
+            <a:r>
+              <a:rPr kumimoji="1" lang="zh-CN" altLang="en-US" dirty="0"/>
+              <a:t>思考</a:t>
+            </a:r>
+          </a:p>
+        </p:txBody>
+      </p:sp>
+      <p:sp>
+        <p:nvSpPr>
+          <p:cNvPr id="3" name="内容占位符 2">
+            <a:extLst>
+              <a:ext uri="{FF2B5EF4-FFF2-40B4-BE49-F238E27FC236}">
+                <a16:creationId xmlns:a16="http://schemas.microsoft.com/office/drawing/2014/main" id="{4E45CCA5-3101-E442-AEC3-98E171DB3B8F}"/>
+              </a:ext>
+            </a:extLst>
+          </p:cNvPr>
+          <p:cNvSpPr>
+            <a:spLocks noGrp="1"/>
+          </p:cNvSpPr>
+          <p:nvPr>
+            <p:ph idx="1"/>
+          </p:nvPr>
+        </p:nvSpPr>
+        <p:spPr/>
+        <p:txBody>
+          <a:bodyPr/>
+          <a:lstStyle/>
+          <a:p>
+            <a:endParaRPr kumimoji="1" lang="zh-CN" altLang="en-US"/>
+          </a:p>
+        </p:txBody>
+      </p:sp>
+    </p:spTree>
+    <p:extLst>
+      <p:ext uri="{BB962C8B-B14F-4D97-AF65-F5344CB8AC3E}">
+        <p14:creationId xmlns:p14="http://schemas.microsoft.com/office/powerpoint/2010/main" val="2818973848"/>
+      </p:ext>
+    </p:extLst>
+  </p:cSld>
+  <p:clrMapOvr>
+    <a:masterClrMapping/>
+  </p:clrMapOvr>
+</p:sld>
+</file>
+
+<file path=ppt/slides/slide39.xml><?xml version="1.0" encoding="utf-8"?>
+<p:sld xmlns:a="http://schemas.openxmlformats.org/drawingml/2006/main" xmlns:r="http://schemas.openxmlformats.org/officeDocument/2006/relationships" xmlns:p="http://schemas.openxmlformats.org/presentationml/2006/main">
+  <p:cSld>
+    <p:spTree>
+      <p:nvGrpSpPr>
+        <p:cNvPr id="1" name=""/>
+        <p:cNvGrpSpPr/>
+        <p:nvPr/>
+      </p:nvGrpSpPr>
+      <p:grpSpPr>
+        <a:xfrm>
+          <a:off x="0" y="0"/>
+          <a:ext cx="0" cy="0"/>
+          <a:chOff x="0" y="0"/>
+          <a:chExt cx="0" cy="0"/>
+        </a:xfrm>
+      </p:grpSpPr>
+      <p:sp>
+        <p:nvSpPr>
+          <p:cNvPr id="2" name="标题 1">
+            <a:extLst>
+              <a:ext uri="{FF2B5EF4-FFF2-40B4-BE49-F238E27FC236}">
+                <a16:creationId xmlns:a16="http://schemas.microsoft.com/office/drawing/2014/main" id="{BC84080A-8DDA-5D4B-A4B2-5936DDA01C25}"/>
+              </a:ext>
+            </a:extLst>
+          </p:cNvPr>
+          <p:cNvSpPr>
+            <a:spLocks noGrp="1"/>
+          </p:cNvSpPr>
+          <p:nvPr>
+            <p:ph type="title"/>
+          </p:nvPr>
+        </p:nvSpPr>
+        <p:spPr>
+          <a:xfrm>
+            <a:off x="1640156" y="2788555"/>
+            <a:ext cx="8911687" cy="1280890"/>
+          </a:xfrm>
+        </p:spPr>
+        <p:txBody>
+          <a:bodyPr/>
+          <a:lstStyle/>
+          <a:p>
+            <a:pPr algn="ctr"/>
+            <a:r>
+              <a:rPr kumimoji="1" lang="en-US" altLang="zh-CN" dirty="0"/>
+              <a:t>thanks</a:t>
+            </a:r>
+            <a:endParaRPr kumimoji="1" lang="zh-CN" altLang="en-US" dirty="0"/>
+          </a:p>
+        </p:txBody>
+      </p:sp>
+    </p:spTree>
+    <p:extLst>
+      <p:ext uri="{BB962C8B-B14F-4D97-AF65-F5344CB8AC3E}">
+        <p14:creationId xmlns:p14="http://schemas.microsoft.com/office/powerpoint/2010/main" val="1799514821"/>
       </p:ext>
     </p:extLst>
   </p:cSld>
@@ -9907,6 +13853,93 @@
     <p:extLst>
       <p:ext uri="{BB962C8B-B14F-4D97-AF65-F5344CB8AC3E}">
         <p14:creationId xmlns:p14="http://schemas.microsoft.com/office/powerpoint/2010/main" val="2501506227"/>
+      </p:ext>
+    </p:extLst>
+  </p:cSld>
+  <p:clrMapOvr>
+    <a:masterClrMapping/>
+  </p:clrMapOvr>
+</p:sld>
+</file>
+
+<file path=ppt/slides/slide40.xml><?xml version="1.0" encoding="utf-8"?>
+<p:sld xmlns:a="http://schemas.openxmlformats.org/drawingml/2006/main" xmlns:r="http://schemas.openxmlformats.org/officeDocument/2006/relationships" xmlns:p="http://schemas.openxmlformats.org/presentationml/2006/main">
+  <p:cSld>
+    <p:spTree>
+      <p:nvGrpSpPr>
+        <p:cNvPr id="1" name=""/>
+        <p:cNvGrpSpPr/>
+        <p:nvPr/>
+      </p:nvGrpSpPr>
+      <p:grpSpPr>
+        <a:xfrm>
+          <a:off x="0" y="0"/>
+          <a:ext cx="0" cy="0"/>
+          <a:chOff x="0" y="0"/>
+          <a:chExt cx="0" cy="0"/>
+        </a:xfrm>
+      </p:grpSpPr>
+      <p:sp>
+        <p:nvSpPr>
+          <p:cNvPr id="2" name="标题 1">
+            <a:extLst>
+              <a:ext uri="{FF2B5EF4-FFF2-40B4-BE49-F238E27FC236}">
+                <a16:creationId xmlns:a16="http://schemas.microsoft.com/office/drawing/2014/main" id="{6FBD9951-5FDB-3045-BBB8-493C7E77C45E}"/>
+              </a:ext>
+            </a:extLst>
+          </p:cNvPr>
+          <p:cNvSpPr>
+            <a:spLocks noGrp="1"/>
+          </p:cNvSpPr>
+          <p:nvPr>
+            <p:ph type="title"/>
+          </p:nvPr>
+        </p:nvSpPr>
+        <p:spPr/>
+        <p:txBody>
+          <a:bodyPr/>
+          <a:lstStyle/>
+          <a:p>
+            <a:endParaRPr kumimoji="1" lang="zh-CN" altLang="en-US"/>
+          </a:p>
+        </p:txBody>
+      </p:sp>
+      <p:pic>
+        <p:nvPicPr>
+          <p:cNvPr id="4" name="内容占位符 3">
+            <a:extLst>
+              <a:ext uri="{FF2B5EF4-FFF2-40B4-BE49-F238E27FC236}">
+                <a16:creationId xmlns:a16="http://schemas.microsoft.com/office/drawing/2014/main" id="{0D0EEF63-69AE-874E-ADEA-6BF1E08A71CD}"/>
+              </a:ext>
+            </a:extLst>
+          </p:cNvPr>
+          <p:cNvPicPr>
+            <a:picLocks noGrp="1" noChangeAspect="1"/>
+          </p:cNvPicPr>
+          <p:nvPr>
+            <p:ph idx="1"/>
+          </p:nvPr>
+        </p:nvPicPr>
+        <p:blipFill>
+          <a:blip r:embed="rId2"/>
+          <a:stretch>
+            <a:fillRect/>
+          </a:stretch>
+        </p:blipFill>
+        <p:spPr>
+          <a:xfrm>
+            <a:off x="3253051" y="2141552"/>
+            <a:ext cx="5965657" cy="3778250"/>
+          </a:xfrm>
+          <a:prstGeom prst="rect">
+            <a:avLst/>
+          </a:prstGeom>
+        </p:spPr>
+      </p:pic>
+    </p:spTree>
+    <p:extLst>
+      <p:ext uri="{BB962C8B-B14F-4D97-AF65-F5344CB8AC3E}">
+        <p14:creationId xmlns:p14="http://schemas.microsoft.com/office/powerpoint/2010/main" val="3014900432"/>
       </p:ext>
     </p:extLst>
   </p:cSld>

--- a/mysql/mysql的事务实现.pptx
+++ b/mysql/mysql的事务实现.pptx
@@ -34,15 +34,15 @@
     <p:sldId id="281" r:id="rId28"/>
     <p:sldId id="283" r:id="rId29"/>
     <p:sldId id="284" r:id="rId30"/>
-    <p:sldId id="285" r:id="rId31"/>
-    <p:sldId id="287" r:id="rId32"/>
-    <p:sldId id="288" r:id="rId33"/>
-    <p:sldId id="289" r:id="rId34"/>
-    <p:sldId id="290" r:id="rId35"/>
-    <p:sldId id="291" r:id="rId36"/>
-    <p:sldId id="292" r:id="rId37"/>
-    <p:sldId id="293" r:id="rId38"/>
-    <p:sldId id="294" r:id="rId39"/>
+    <p:sldId id="287" r:id="rId31"/>
+    <p:sldId id="288" r:id="rId32"/>
+    <p:sldId id="289" r:id="rId33"/>
+    <p:sldId id="290" r:id="rId34"/>
+    <p:sldId id="291" r:id="rId35"/>
+    <p:sldId id="292" r:id="rId36"/>
+    <p:sldId id="293" r:id="rId37"/>
+    <p:sldId id="294" r:id="rId38"/>
+    <p:sldId id="285" r:id="rId39"/>
     <p:sldId id="295" r:id="rId40"/>
     <p:sldId id="266" r:id="rId41"/>
   </p:sldIdLst>
@@ -340,7 +340,7 @@
             <a:fld id="{B61BEF0D-F0BB-DE4B-95CE-6DB70DBA9567}" type="datetimeFigureOut">
               <a:rPr lang="en-US" dirty="0"/>
               <a:pPr/>
-              <a:t>4/26/21</a:t>
+              <a:t>5/10/21</a:t>
             </a:fld>
             <a:endParaRPr lang="en-US" dirty="0"/>
           </a:p>
@@ -675,7 +675,7 @@
             <a:fld id="{B61BEF0D-F0BB-DE4B-95CE-6DB70DBA9567}" type="datetimeFigureOut">
               <a:rPr lang="en-US" dirty="0"/>
               <a:pPr/>
-              <a:t>4/26/21</a:t>
+              <a:t>5/10/21</a:t>
             </a:fld>
             <a:endParaRPr lang="en-US" dirty="0"/>
           </a:p>
@@ -1073,7 +1073,7 @@
             <a:fld id="{B61BEF0D-F0BB-DE4B-95CE-6DB70DBA9567}" type="datetimeFigureOut">
               <a:rPr lang="en-US" dirty="0"/>
               <a:pPr/>
-              <a:t>4/26/21</a:t>
+              <a:t>5/10/21</a:t>
             </a:fld>
             <a:endParaRPr lang="en-US" dirty="0"/>
           </a:p>
@@ -1406,7 +1406,7 @@
             <a:fld id="{B61BEF0D-F0BB-DE4B-95CE-6DB70DBA9567}" type="datetimeFigureOut">
               <a:rPr lang="en-US" dirty="0"/>
               <a:pPr/>
-              <a:t>4/26/21</a:t>
+              <a:t>5/10/21</a:t>
             </a:fld>
             <a:endParaRPr lang="en-US" dirty="0"/>
           </a:p>
@@ -1723,7 +1723,7 @@
             <a:fld id="{B61BEF0D-F0BB-DE4B-95CE-6DB70DBA9567}" type="datetimeFigureOut">
               <a:rPr lang="en-US" dirty="0"/>
               <a:pPr/>
-              <a:t>4/26/21</a:t>
+              <a:t>5/10/21</a:t>
             </a:fld>
             <a:endParaRPr lang="en-US" dirty="0"/>
           </a:p>
@@ -2116,7 +2116,7 @@
             <a:fld id="{B61BEF0D-F0BB-DE4B-95CE-6DB70DBA9567}" type="datetimeFigureOut">
               <a:rPr lang="en-US" dirty="0"/>
               <a:pPr/>
-              <a:t>4/26/21</a:t>
+              <a:t>5/10/21</a:t>
             </a:fld>
             <a:endParaRPr lang="en-US" dirty="0"/>
           </a:p>
@@ -2370,7 +2370,7 @@
             <a:fld id="{B61BEF0D-F0BB-DE4B-95CE-6DB70DBA9567}" type="datetimeFigureOut">
               <a:rPr lang="en-US" dirty="0"/>
               <a:pPr/>
-              <a:t>4/26/21</a:t>
+              <a:t>5/10/21</a:t>
             </a:fld>
             <a:endParaRPr lang="en-US" dirty="0"/>
           </a:p>
@@ -2629,7 +2629,7 @@
             <a:fld id="{B61BEF0D-F0BB-DE4B-95CE-6DB70DBA9567}" type="datetimeFigureOut">
               <a:rPr lang="en-US" dirty="0"/>
               <a:pPr/>
-              <a:t>4/26/21</a:t>
+              <a:t>5/10/21</a:t>
             </a:fld>
             <a:endParaRPr lang="en-US" dirty="0"/>
           </a:p>
@@ -2888,7 +2888,7 @@
             <a:fld id="{B61BEF0D-F0BB-DE4B-95CE-6DB70DBA9567}" type="datetimeFigureOut">
               <a:rPr lang="en-US" dirty="0"/>
               <a:pPr/>
-              <a:t>4/26/21</a:t>
+              <a:t>5/10/21</a:t>
             </a:fld>
             <a:endParaRPr lang="en-US" dirty="0"/>
           </a:p>
@@ -3214,7 +3214,7 @@
             <a:fld id="{B61BEF0D-F0BB-DE4B-95CE-6DB70DBA9567}" type="datetimeFigureOut">
               <a:rPr lang="en-US" dirty="0"/>
               <a:pPr/>
-              <a:t>4/26/21</a:t>
+              <a:t>5/10/21</a:t>
             </a:fld>
             <a:endParaRPr lang="en-US" dirty="0"/>
           </a:p>
@@ -3534,7 +3534,7 @@
             <a:fld id="{B61BEF0D-F0BB-DE4B-95CE-6DB70DBA9567}" type="datetimeFigureOut">
               <a:rPr lang="en-US" dirty="0"/>
               <a:pPr/>
-              <a:t>4/26/21</a:t>
+              <a:t>5/10/21</a:t>
             </a:fld>
             <a:endParaRPr lang="en-US" dirty="0"/>
           </a:p>
@@ -3988,7 +3988,7 @@
             <a:fld id="{B61BEF0D-F0BB-DE4B-95CE-6DB70DBA9567}" type="datetimeFigureOut">
               <a:rPr lang="en-US" dirty="0"/>
               <a:pPr/>
-              <a:t>4/26/21</a:t>
+              <a:t>5/10/21</a:t>
             </a:fld>
             <a:endParaRPr lang="en-US" dirty="0"/>
           </a:p>
@@ -4190,7 +4190,7 @@
             <a:fld id="{B61BEF0D-F0BB-DE4B-95CE-6DB70DBA9567}" type="datetimeFigureOut">
               <a:rPr lang="en-US" dirty="0"/>
               <a:pPr/>
-              <a:t>4/26/21</a:t>
+              <a:t>5/10/21</a:t>
             </a:fld>
             <a:endParaRPr lang="en-US" dirty="0"/>
           </a:p>
@@ -4364,7 +4364,7 @@
             <a:fld id="{B61BEF0D-F0BB-DE4B-95CE-6DB70DBA9567}" type="datetimeFigureOut">
               <a:rPr lang="en-US" dirty="0"/>
               <a:pPr/>
-              <a:t>4/26/21</a:t>
+              <a:t>5/10/21</a:t>
             </a:fld>
             <a:endParaRPr lang="en-US" dirty="0"/>
           </a:p>
@@ -4694,7 +4694,7 @@
             <a:fld id="{B61BEF0D-F0BB-DE4B-95CE-6DB70DBA9567}" type="datetimeFigureOut">
               <a:rPr lang="en-US" dirty="0"/>
               <a:pPr/>
-              <a:t>4/26/21</a:t>
+              <a:t>5/10/21</a:t>
             </a:fld>
             <a:endParaRPr lang="en-US" dirty="0"/>
           </a:p>
@@ -5036,7 +5036,7 @@
             <a:fld id="{B61BEF0D-F0BB-DE4B-95CE-6DB70DBA9567}" type="datetimeFigureOut">
               <a:rPr lang="en-US" dirty="0"/>
               <a:pPr/>
-              <a:t>4/26/21</a:t>
+              <a:t>5/10/21</a:t>
             </a:fld>
             <a:endParaRPr lang="en-US" dirty="0"/>
           </a:p>
@@ -7150,7 +7150,7 @@
             <a:fld id="{B61BEF0D-F0BB-DE4B-95CE-6DB70DBA9567}" type="datetimeFigureOut">
               <a:rPr lang="en-US" dirty="0"/>
               <a:pPr/>
-              <a:t>4/26/21</a:t>
+              <a:t>5/10/21</a:t>
             </a:fld>
             <a:endParaRPr lang="en-US" dirty="0"/>
           </a:p>
@@ -7700,6 +7700,10 @@
               <a:t> </a:t>
             </a:r>
             <a:r>
+              <a:rPr kumimoji="1" lang="en-US" altLang="zh-CN" dirty="0" err="1"/>
+              <a:t>InnoDB</a:t>
+            </a:r>
+            <a:r>
               <a:rPr kumimoji="1" lang="zh-CN" altLang="en-US" dirty="0"/>
               <a:t>事务的实现</a:t>
             </a:r>
@@ -8138,7 +8142,29 @@
           <a:bodyPr/>
           <a:lstStyle/>
           <a:p>
-            <a:endParaRPr kumimoji="1" lang="zh-CN" altLang="en-US"/>
+            <a:r>
+              <a:rPr lang="zh-CN" altLang="en-US" dirty="0"/>
+              <a:t>在不需要的时候才删除。系统会判断，当没有事务再需要用到这些回滚日志时，回滚日志会被删除。</a:t>
+            </a:r>
+            <a:endParaRPr lang="en-US" altLang="zh-CN" dirty="0"/>
+          </a:p>
+          <a:p>
+            <a:endParaRPr kumimoji="1" lang="en-US" altLang="zh-CN" dirty="0"/>
+          </a:p>
+          <a:p>
+            <a:r>
+              <a:rPr lang="zh-CN" altLang="en-US" dirty="0"/>
+              <a:t>不需要的条件：当系统里没有比这个回滚日志更早的 </a:t>
+            </a:r>
+            <a:r>
+              <a:rPr lang="en" altLang="zh-CN" dirty="0"/>
+              <a:t>read-view </a:t>
+            </a:r>
+            <a:r>
+              <a:rPr lang="zh-CN" altLang="en-US" dirty="0"/>
+              <a:t>的时候。</a:t>
+            </a:r>
+            <a:endParaRPr kumimoji="1" lang="zh-CN" altLang="en-US" dirty="0"/>
           </a:p>
         </p:txBody>
       </p:sp>
@@ -12146,7 +12172,7 @@
           <p:cNvPr id="2" name="标题 1">
             <a:extLst>
               <a:ext uri="{FF2B5EF4-FFF2-40B4-BE49-F238E27FC236}">
-                <a16:creationId xmlns:a16="http://schemas.microsoft.com/office/drawing/2014/main" id="{A0B84909-5407-5944-A9CE-C0F78E96036D}"/>
+                <a16:creationId xmlns:a16="http://schemas.microsoft.com/office/drawing/2014/main" id="{16C1A03A-FEBB-0441-803B-E5DA49D15BB8}"/>
               </a:ext>
             </a:extLst>
           </p:cNvPr>
@@ -12163,48 +12189,115 @@
           <a:lstStyle/>
           <a:p>
             <a:r>
-              <a:rPr kumimoji="1" lang="zh-CN" altLang="en-US" dirty="0"/>
-              <a:t>两阶段协议锁</a:t>
-            </a:r>
-          </a:p>
-        </p:txBody>
-      </p:sp>
-      <p:pic>
-        <p:nvPicPr>
-          <p:cNvPr id="4" name="内容占位符 3">
+              <a:rPr lang="zh-CN" altLang="en-US" dirty="0"/>
+              <a:t>事务可重复读的能力实现总结</a:t>
+            </a:r>
+            <a:endParaRPr kumimoji="1" lang="zh-CN" altLang="en-US" dirty="0"/>
+          </a:p>
+        </p:txBody>
+      </p:sp>
+      <p:sp>
+        <p:nvSpPr>
+          <p:cNvPr id="3" name="内容占位符 2">
             <a:extLst>
               <a:ext uri="{FF2B5EF4-FFF2-40B4-BE49-F238E27FC236}">
-                <a16:creationId xmlns:a16="http://schemas.microsoft.com/office/drawing/2014/main" id="{0E05850C-AAAC-E546-9B0F-22AB97A09F29}"/>
+                <a16:creationId xmlns:a16="http://schemas.microsoft.com/office/drawing/2014/main" id="{CEBE206B-240D-D54A-A156-19019A8C6DE4}"/>
               </a:ext>
             </a:extLst>
           </p:cNvPr>
-          <p:cNvPicPr>
-            <a:picLocks noGrp="1" noChangeAspect="1"/>
-          </p:cNvPicPr>
+          <p:cNvSpPr>
+            <a:spLocks noGrp="1"/>
+          </p:cNvSpPr>
           <p:nvPr>
             <p:ph idx="1"/>
           </p:nvPr>
-        </p:nvPicPr>
-        <p:blipFill>
-          <a:blip r:embed="rId2"/>
-          <a:stretch>
-            <a:fillRect/>
-          </a:stretch>
-        </p:blipFill>
-        <p:spPr>
-          <a:xfrm>
-            <a:off x="2592925" y="2229015"/>
-            <a:ext cx="8391098" cy="3778250"/>
-          </a:xfrm>
-          <a:prstGeom prst="rect">
-            <a:avLst/>
-          </a:prstGeom>
-        </p:spPr>
-      </p:pic>
+        </p:nvSpPr>
+        <p:spPr/>
+        <p:txBody>
+          <a:bodyPr/>
+          <a:lstStyle/>
+          <a:p>
+            <a:r>
+              <a:rPr lang="zh-CN" altLang="en-US" dirty="0"/>
+              <a:t>可重复读的</a:t>
+            </a:r>
+            <a:r>
+              <a:rPr lang="zh-CN" altLang="en-US" dirty="0">
+                <a:solidFill>
+                  <a:srgbClr val="FF0000"/>
+                </a:solidFill>
+              </a:rPr>
+              <a:t>核心就是一致性读</a:t>
+            </a:r>
+            <a:r>
+              <a:rPr lang="zh-CN" altLang="en-US" dirty="0"/>
+              <a:t>（</a:t>
+            </a:r>
+            <a:r>
+              <a:rPr lang="en" altLang="zh-CN" dirty="0"/>
+              <a:t>consistent read</a:t>
+            </a:r>
+            <a:r>
+              <a:rPr lang="zh-CN" altLang="en" dirty="0"/>
+              <a:t>）</a:t>
+            </a:r>
+            <a:r>
+              <a:rPr lang="zh-CN" altLang="en-US" dirty="0"/>
+              <a:t>。</a:t>
+            </a:r>
+            <a:endParaRPr lang="en-US" altLang="zh-CN" dirty="0"/>
+          </a:p>
+          <a:p>
+            <a:r>
+              <a:rPr lang="zh-CN" altLang="en-US" dirty="0"/>
+              <a:t>事务更新数据的时候，</a:t>
+            </a:r>
+            <a:r>
+              <a:rPr lang="zh-CN" altLang="en-US" dirty="0">
+                <a:solidFill>
+                  <a:srgbClr val="FF0000"/>
+                </a:solidFill>
+              </a:rPr>
+              <a:t>只能用当前读</a:t>
+            </a:r>
+            <a:r>
+              <a:rPr lang="zh-CN" altLang="en-US" dirty="0"/>
+              <a:t>。</a:t>
+            </a:r>
+            <a:endParaRPr lang="en-US" altLang="zh-CN" dirty="0"/>
+          </a:p>
+          <a:p>
+            <a:r>
+              <a:rPr lang="zh-CN" altLang="en-US" dirty="0"/>
+              <a:t>如果当前的记录的行锁被其他事务占用的话，就</a:t>
+            </a:r>
+            <a:r>
+              <a:rPr lang="zh-CN" altLang="en-US" dirty="0">
+                <a:solidFill>
+                  <a:srgbClr val="FF0000"/>
+                </a:solidFill>
+              </a:rPr>
+              <a:t>需要进入锁等待</a:t>
+            </a:r>
+            <a:r>
+              <a:rPr lang="zh-CN" altLang="en-US" dirty="0"/>
+              <a:t>。</a:t>
+            </a:r>
+            <a:endParaRPr lang="en-US" altLang="zh-CN" dirty="0"/>
+          </a:p>
+          <a:p>
+            <a:r>
+              <a:rPr lang="zh-CN" altLang="en-US" dirty="0"/>
+              <a:t>到这里，我们把一致性读、当前读和行锁就串起来了。</a:t>
+            </a:r>
+            <a:endParaRPr kumimoji="1" lang="zh-CN" altLang="en-US" dirty="0"/>
+          </a:p>
+        </p:txBody>
+      </p:sp>
     </p:spTree>
     <p:extLst>
       <p:ext uri="{BB962C8B-B14F-4D97-AF65-F5344CB8AC3E}">
-        <p14:creationId xmlns:p14="http://schemas.microsoft.com/office/powerpoint/2010/main" val="3888903219"/>
+        <p14:creationId xmlns:p14="http://schemas.microsoft.com/office/powerpoint/2010/main" val="585596064"/>
       </p:ext>
     </p:extLst>
   </p:cSld>
@@ -12236,163 +12329,6 @@
           <p:cNvPr id="2" name="标题 1">
             <a:extLst>
               <a:ext uri="{FF2B5EF4-FFF2-40B4-BE49-F238E27FC236}">
-                <a16:creationId xmlns:a16="http://schemas.microsoft.com/office/drawing/2014/main" id="{16C1A03A-FEBB-0441-803B-E5DA49D15BB8}"/>
-              </a:ext>
-            </a:extLst>
-          </p:cNvPr>
-          <p:cNvSpPr>
-            <a:spLocks noGrp="1"/>
-          </p:cNvSpPr>
-          <p:nvPr>
-            <p:ph type="title"/>
-          </p:nvPr>
-        </p:nvSpPr>
-        <p:spPr/>
-        <p:txBody>
-          <a:bodyPr/>
-          <a:lstStyle/>
-          <a:p>
-            <a:r>
-              <a:rPr lang="zh-CN" altLang="en-US" dirty="0"/>
-              <a:t>事务可重复读的能力实现总结</a:t>
-            </a:r>
-            <a:endParaRPr kumimoji="1" lang="zh-CN" altLang="en-US" dirty="0"/>
-          </a:p>
-        </p:txBody>
-      </p:sp>
-      <p:sp>
-        <p:nvSpPr>
-          <p:cNvPr id="3" name="内容占位符 2">
-            <a:extLst>
-              <a:ext uri="{FF2B5EF4-FFF2-40B4-BE49-F238E27FC236}">
-                <a16:creationId xmlns:a16="http://schemas.microsoft.com/office/drawing/2014/main" id="{CEBE206B-240D-D54A-A156-19019A8C6DE4}"/>
-              </a:ext>
-            </a:extLst>
-          </p:cNvPr>
-          <p:cNvSpPr>
-            <a:spLocks noGrp="1"/>
-          </p:cNvSpPr>
-          <p:nvPr>
-            <p:ph idx="1"/>
-          </p:nvPr>
-        </p:nvSpPr>
-        <p:spPr/>
-        <p:txBody>
-          <a:bodyPr/>
-          <a:lstStyle/>
-          <a:p>
-            <a:r>
-              <a:rPr lang="zh-CN" altLang="en-US" dirty="0"/>
-              <a:t>可重复读的</a:t>
-            </a:r>
-            <a:r>
-              <a:rPr lang="zh-CN" altLang="en-US" dirty="0">
-                <a:solidFill>
-                  <a:srgbClr val="FF0000"/>
-                </a:solidFill>
-              </a:rPr>
-              <a:t>核心就是一致性读</a:t>
-            </a:r>
-            <a:r>
-              <a:rPr lang="zh-CN" altLang="en-US" dirty="0"/>
-              <a:t>（</a:t>
-            </a:r>
-            <a:r>
-              <a:rPr lang="en" altLang="zh-CN" dirty="0"/>
-              <a:t>consistent read</a:t>
-            </a:r>
-            <a:r>
-              <a:rPr lang="zh-CN" altLang="en" dirty="0"/>
-              <a:t>）</a:t>
-            </a:r>
-            <a:r>
-              <a:rPr lang="zh-CN" altLang="en-US" dirty="0"/>
-              <a:t>。</a:t>
-            </a:r>
-            <a:endParaRPr lang="en-US" altLang="zh-CN" dirty="0"/>
-          </a:p>
-          <a:p>
-            <a:r>
-              <a:rPr lang="zh-CN" altLang="en-US" dirty="0"/>
-              <a:t>事务更新数据的时候，</a:t>
-            </a:r>
-            <a:r>
-              <a:rPr lang="zh-CN" altLang="en-US" dirty="0">
-                <a:solidFill>
-                  <a:srgbClr val="FF0000"/>
-                </a:solidFill>
-              </a:rPr>
-              <a:t>只能用当前读</a:t>
-            </a:r>
-            <a:r>
-              <a:rPr lang="zh-CN" altLang="en-US" dirty="0"/>
-              <a:t>。</a:t>
-            </a:r>
-            <a:endParaRPr lang="en-US" altLang="zh-CN" dirty="0"/>
-          </a:p>
-          <a:p>
-            <a:r>
-              <a:rPr lang="zh-CN" altLang="en-US" dirty="0"/>
-              <a:t>如果当前的记录的行锁被其他事务占用的话，就</a:t>
-            </a:r>
-            <a:r>
-              <a:rPr lang="zh-CN" altLang="en-US" dirty="0">
-                <a:solidFill>
-                  <a:srgbClr val="FF0000"/>
-                </a:solidFill>
-              </a:rPr>
-              <a:t>需要进入锁等待</a:t>
-            </a:r>
-            <a:r>
-              <a:rPr lang="zh-CN" altLang="en-US" dirty="0"/>
-              <a:t>。</a:t>
-            </a:r>
-            <a:endParaRPr lang="en-US" altLang="zh-CN" dirty="0"/>
-          </a:p>
-          <a:p>
-            <a:r>
-              <a:rPr lang="zh-CN" altLang="en-US" dirty="0"/>
-              <a:t>到这里，我们把一致性读、当前读和行锁就串起来了。</a:t>
-            </a:r>
-            <a:endParaRPr kumimoji="1" lang="zh-CN" altLang="en-US" dirty="0"/>
-          </a:p>
-        </p:txBody>
-      </p:sp>
-    </p:spTree>
-    <p:extLst>
-      <p:ext uri="{BB962C8B-B14F-4D97-AF65-F5344CB8AC3E}">
-        <p14:creationId xmlns:p14="http://schemas.microsoft.com/office/powerpoint/2010/main" val="585596064"/>
-      </p:ext>
-    </p:extLst>
-  </p:cSld>
-  <p:clrMapOvr>
-    <a:masterClrMapping/>
-  </p:clrMapOvr>
-</p:sld>
-</file>
-
-<file path=ppt/slides/slide32.xml><?xml version="1.0" encoding="utf-8"?>
-<p:sld xmlns:a="http://schemas.openxmlformats.org/drawingml/2006/main" xmlns:r="http://schemas.openxmlformats.org/officeDocument/2006/relationships" xmlns:p="http://schemas.openxmlformats.org/presentationml/2006/main">
-  <p:cSld>
-    <p:spTree>
-      <p:nvGrpSpPr>
-        <p:cNvPr id="1" name=""/>
-        <p:cNvGrpSpPr/>
-        <p:nvPr/>
-      </p:nvGrpSpPr>
-      <p:grpSpPr>
-        <a:xfrm>
-          <a:off x="0" y="0"/>
-          <a:ext cx="0" cy="0"/>
-          <a:chOff x="0" y="0"/>
-          <a:chExt cx="0" cy="0"/>
-        </a:xfrm>
-      </p:grpSpPr>
-      <p:sp>
-        <p:nvSpPr>
-          <p:cNvPr id="2" name="标题 1">
-            <a:extLst>
-              <a:ext uri="{FF2B5EF4-FFF2-40B4-BE49-F238E27FC236}">
                 <a16:creationId xmlns:a16="http://schemas.microsoft.com/office/drawing/2014/main" id="{4A8C3C41-C25E-1745-B20B-7D2A688FF282}"/>
               </a:ext>
             </a:extLst>
@@ -12469,7 +12405,7 @@
 </p:sld>
 </file>
 
-<file path=ppt/slides/slide33.xml><?xml version="1.0" encoding="utf-8"?>
+<file path=ppt/slides/slide32.xml><?xml version="1.0" encoding="utf-8"?>
 <p:sld xmlns:a="http://schemas.openxmlformats.org/drawingml/2006/main" xmlns:r="http://schemas.openxmlformats.org/officeDocument/2006/relationships" xmlns:p="http://schemas.openxmlformats.org/presentationml/2006/main">
   <p:cSld>
     <p:spTree>
@@ -12661,10 +12597,201 @@
           </a:p>
         </p:txBody>
       </p:sp>
+      <p:pic>
+        <p:nvPicPr>
+          <p:cNvPr id="7" name="图片 6">
+            <a:extLst>
+              <a:ext uri="{FF2B5EF4-FFF2-40B4-BE49-F238E27FC236}">
+                <a16:creationId xmlns:a16="http://schemas.microsoft.com/office/drawing/2014/main" id="{41281832-1377-974A-87A2-8B94757CD84C}"/>
+              </a:ext>
+            </a:extLst>
+          </p:cNvPr>
+          <p:cNvPicPr>
+            <a:picLocks noChangeAspect="1"/>
+          </p:cNvPicPr>
+          <p:nvPr/>
+        </p:nvPicPr>
+        <p:blipFill>
+          <a:blip r:embed="rId3"/>
+          <a:stretch>
+            <a:fillRect/>
+          </a:stretch>
+        </p:blipFill>
+        <p:spPr>
+          <a:xfrm>
+            <a:off x="1124711" y="4220244"/>
+            <a:ext cx="6457568" cy="2371387"/>
+          </a:xfrm>
+          <a:prstGeom prst="rect">
+            <a:avLst/>
+          </a:prstGeom>
+        </p:spPr>
+      </p:pic>
     </p:spTree>
     <p:extLst>
       <p:ext uri="{BB962C8B-B14F-4D97-AF65-F5344CB8AC3E}">
         <p14:creationId xmlns:p14="http://schemas.microsoft.com/office/powerpoint/2010/main" val="1130317086"/>
+      </p:ext>
+    </p:extLst>
+  </p:cSld>
+  <p:clrMapOvr>
+    <a:masterClrMapping/>
+  </p:clrMapOvr>
+</p:sld>
+</file>
+
+<file path=ppt/slides/slide33.xml><?xml version="1.0" encoding="utf-8"?>
+<p:sld xmlns:a="http://schemas.openxmlformats.org/drawingml/2006/main" xmlns:r="http://schemas.openxmlformats.org/officeDocument/2006/relationships" xmlns:p="http://schemas.openxmlformats.org/presentationml/2006/main">
+  <p:cSld>
+    <p:spTree>
+      <p:nvGrpSpPr>
+        <p:cNvPr id="1" name=""/>
+        <p:cNvGrpSpPr/>
+        <p:nvPr/>
+      </p:nvGrpSpPr>
+      <p:grpSpPr>
+        <a:xfrm>
+          <a:off x="0" y="0"/>
+          <a:ext cx="0" cy="0"/>
+          <a:chOff x="0" y="0"/>
+          <a:chExt cx="0" cy="0"/>
+        </a:xfrm>
+      </p:grpSpPr>
+      <p:sp>
+        <p:nvSpPr>
+          <p:cNvPr id="2" name="标题 1">
+            <a:extLst>
+              <a:ext uri="{FF2B5EF4-FFF2-40B4-BE49-F238E27FC236}">
+                <a16:creationId xmlns:a16="http://schemas.microsoft.com/office/drawing/2014/main" id="{C11BF180-5F4A-7548-A9B7-301819C2CAA5}"/>
+              </a:ext>
+            </a:extLst>
+          </p:cNvPr>
+          <p:cNvSpPr>
+            <a:spLocks noGrp="1"/>
+          </p:cNvSpPr>
+          <p:nvPr>
+            <p:ph type="title"/>
+          </p:nvPr>
+        </p:nvSpPr>
+        <p:spPr/>
+        <p:txBody>
+          <a:bodyPr/>
+          <a:lstStyle/>
+          <a:p>
+            <a:r>
+              <a:rPr lang="zh-CN" altLang="en-US" dirty="0"/>
+              <a:t>间隙锁 </a:t>
+            </a:r>
+            <a:r>
+              <a:rPr lang="en-US" altLang="zh-CN" dirty="0"/>
+              <a:t>(</a:t>
+            </a:r>
+            <a:r>
+              <a:rPr lang="en" altLang="zh-CN" dirty="0"/>
+              <a:t>Gap Lock)</a:t>
+            </a:r>
+            <a:endParaRPr kumimoji="1" lang="zh-CN" altLang="en-US" dirty="0"/>
+          </a:p>
+        </p:txBody>
+      </p:sp>
+      <p:sp>
+        <p:nvSpPr>
+          <p:cNvPr id="3" name="内容占位符 2">
+            <a:extLst>
+              <a:ext uri="{FF2B5EF4-FFF2-40B4-BE49-F238E27FC236}">
+                <a16:creationId xmlns:a16="http://schemas.microsoft.com/office/drawing/2014/main" id="{B3920E81-699A-1D4E-9D23-B2443EC9E8AE}"/>
+              </a:ext>
+            </a:extLst>
+          </p:cNvPr>
+          <p:cNvSpPr>
+            <a:spLocks noGrp="1"/>
+          </p:cNvSpPr>
+          <p:nvPr>
+            <p:ph idx="1"/>
+          </p:nvPr>
+        </p:nvSpPr>
+        <p:spPr/>
+        <p:txBody>
+          <a:bodyPr/>
+          <a:lstStyle/>
+          <a:p>
+            <a:r>
+              <a:rPr kumimoji="1" lang="zh-CN" altLang="en-US" dirty="0"/>
+              <a:t>为了解决幻读，</a:t>
+            </a:r>
+            <a:r>
+              <a:rPr kumimoji="1" lang="en-US" altLang="zh-CN" dirty="0" err="1"/>
+              <a:t>InnoDB</a:t>
+            </a:r>
+            <a:r>
+              <a:rPr kumimoji="1" lang="zh-CN" altLang="en-US" dirty="0"/>
+              <a:t>引入了间隙锁。</a:t>
+            </a:r>
+            <a:endParaRPr kumimoji="1" lang="en-US" altLang="zh-CN" dirty="0"/>
+          </a:p>
+          <a:p>
+            <a:r>
+              <a:rPr lang="zh-CN" altLang="en-US" dirty="0"/>
+              <a:t>顾名思义，间隙锁，锁的就是两个值之间的空隙。</a:t>
+            </a:r>
+            <a:endParaRPr lang="en-US" altLang="zh-CN" dirty="0"/>
+          </a:p>
+          <a:p>
+            <a:r>
+              <a:rPr lang="zh-CN" altLang="en-US" dirty="0"/>
+              <a:t>在一行行扫描的过程中，不仅将给行</a:t>
+            </a:r>
+            <a:r>
+              <a:rPr lang="zh-CN" altLang="en-US" dirty="0">
+                <a:solidFill>
+                  <a:srgbClr val="FF0000"/>
+                </a:solidFill>
+              </a:rPr>
+              <a:t>加上了行锁</a:t>
+            </a:r>
+            <a:r>
+              <a:rPr lang="zh-CN" altLang="en-US" dirty="0"/>
+              <a:t>，还给行两边的空隙，也</a:t>
+            </a:r>
+            <a:r>
+              <a:rPr lang="zh-CN" altLang="en-US" dirty="0">
+                <a:solidFill>
+                  <a:srgbClr val="FF0000"/>
+                </a:solidFill>
+              </a:rPr>
+              <a:t>加上了间隙锁</a:t>
+            </a:r>
+            <a:r>
+              <a:rPr lang="zh-CN" altLang="en-US" dirty="0"/>
+              <a:t>。</a:t>
+            </a:r>
+            <a:endParaRPr lang="en-US" altLang="zh-CN" dirty="0"/>
+          </a:p>
+          <a:p>
+            <a:r>
+              <a:rPr lang="zh-CN" altLang="en-US" dirty="0"/>
+              <a:t>跟间隙锁存在冲突关系的，是“往这个间隙中插入一个记录”这个操作。</a:t>
+            </a:r>
+            <a:r>
+              <a:rPr lang="zh-CN" altLang="en-US" dirty="0">
+                <a:solidFill>
+                  <a:srgbClr val="FF0000"/>
+                </a:solidFill>
+              </a:rPr>
+              <a:t>间隙锁之间都不存在冲突关系。</a:t>
+            </a:r>
+            <a:endParaRPr kumimoji="1" lang="zh-CN" altLang="en-US" dirty="0">
+              <a:solidFill>
+                <a:srgbClr val="FF0000"/>
+              </a:solidFill>
+            </a:endParaRPr>
+          </a:p>
+        </p:txBody>
+      </p:sp>
+    </p:spTree>
+    <p:extLst>
+      <p:ext uri="{BB962C8B-B14F-4D97-AF65-F5344CB8AC3E}">
+        <p14:creationId xmlns:p14="http://schemas.microsoft.com/office/powerpoint/2010/main" val="3511582229"/>
       </p:ext>
     </p:extLst>
   </p:cSld>
@@ -12696,167 +12823,6 @@
           <p:cNvPr id="2" name="标题 1">
             <a:extLst>
               <a:ext uri="{FF2B5EF4-FFF2-40B4-BE49-F238E27FC236}">
-                <a16:creationId xmlns:a16="http://schemas.microsoft.com/office/drawing/2014/main" id="{C11BF180-5F4A-7548-A9B7-301819C2CAA5}"/>
-              </a:ext>
-            </a:extLst>
-          </p:cNvPr>
-          <p:cNvSpPr>
-            <a:spLocks noGrp="1"/>
-          </p:cNvSpPr>
-          <p:nvPr>
-            <p:ph type="title"/>
-          </p:nvPr>
-        </p:nvSpPr>
-        <p:spPr/>
-        <p:txBody>
-          <a:bodyPr/>
-          <a:lstStyle/>
-          <a:p>
-            <a:r>
-              <a:rPr lang="zh-CN" altLang="en-US" dirty="0"/>
-              <a:t>间隙锁 </a:t>
-            </a:r>
-            <a:r>
-              <a:rPr lang="en-US" altLang="zh-CN" dirty="0"/>
-              <a:t>(</a:t>
-            </a:r>
-            <a:r>
-              <a:rPr lang="en" altLang="zh-CN" dirty="0"/>
-              <a:t>Gap Lock)</a:t>
-            </a:r>
-            <a:endParaRPr kumimoji="1" lang="zh-CN" altLang="en-US" dirty="0"/>
-          </a:p>
-        </p:txBody>
-      </p:sp>
-      <p:sp>
-        <p:nvSpPr>
-          <p:cNvPr id="3" name="内容占位符 2">
-            <a:extLst>
-              <a:ext uri="{FF2B5EF4-FFF2-40B4-BE49-F238E27FC236}">
-                <a16:creationId xmlns:a16="http://schemas.microsoft.com/office/drawing/2014/main" id="{B3920E81-699A-1D4E-9D23-B2443EC9E8AE}"/>
-              </a:ext>
-            </a:extLst>
-          </p:cNvPr>
-          <p:cNvSpPr>
-            <a:spLocks noGrp="1"/>
-          </p:cNvSpPr>
-          <p:nvPr>
-            <p:ph idx="1"/>
-          </p:nvPr>
-        </p:nvSpPr>
-        <p:spPr/>
-        <p:txBody>
-          <a:bodyPr/>
-          <a:lstStyle/>
-          <a:p>
-            <a:r>
-              <a:rPr kumimoji="1" lang="zh-CN" altLang="en-US" dirty="0"/>
-              <a:t>为了解决幻读，</a:t>
-            </a:r>
-            <a:r>
-              <a:rPr kumimoji="1" lang="en-US" altLang="zh-CN" dirty="0" err="1"/>
-              <a:t>InnoDB</a:t>
-            </a:r>
-            <a:r>
-              <a:rPr kumimoji="1" lang="zh-CN" altLang="en-US" dirty="0"/>
-              <a:t>引入了间隙锁。</a:t>
-            </a:r>
-            <a:endParaRPr kumimoji="1" lang="en-US" altLang="zh-CN" dirty="0"/>
-          </a:p>
-          <a:p>
-            <a:r>
-              <a:rPr lang="zh-CN" altLang="en-US" dirty="0"/>
-              <a:t>顾名思义，间隙锁，锁的就是两个值之间的空隙。</a:t>
-            </a:r>
-            <a:endParaRPr lang="en-US" altLang="zh-CN" dirty="0"/>
-          </a:p>
-          <a:p>
-            <a:r>
-              <a:rPr lang="zh-CN" altLang="en-US" dirty="0"/>
-              <a:t>在一行行扫描的过程中，不仅将给行</a:t>
-            </a:r>
-            <a:r>
-              <a:rPr lang="zh-CN" altLang="en-US" dirty="0">
-                <a:solidFill>
-                  <a:srgbClr val="FF0000"/>
-                </a:solidFill>
-              </a:rPr>
-              <a:t>加上了行锁</a:t>
-            </a:r>
-            <a:r>
-              <a:rPr lang="zh-CN" altLang="en-US" dirty="0"/>
-              <a:t>，还给行两边的空隙，也</a:t>
-            </a:r>
-            <a:r>
-              <a:rPr lang="zh-CN" altLang="en-US" dirty="0">
-                <a:solidFill>
-                  <a:srgbClr val="FF0000"/>
-                </a:solidFill>
-              </a:rPr>
-              <a:t>加上了间隙锁</a:t>
-            </a:r>
-            <a:r>
-              <a:rPr lang="zh-CN" altLang="en-US" dirty="0"/>
-              <a:t>。</a:t>
-            </a:r>
-            <a:endParaRPr lang="en-US" altLang="zh-CN" dirty="0"/>
-          </a:p>
-          <a:p>
-            <a:r>
-              <a:rPr lang="zh-CN" altLang="en-US" dirty="0"/>
-              <a:t>跟间隙锁存在冲突关系的，是“往这个间隙中插入一个记录”这个操作。</a:t>
-            </a:r>
-            <a:r>
-              <a:rPr lang="zh-CN" altLang="en-US" dirty="0">
-                <a:solidFill>
-                  <a:srgbClr val="FF0000"/>
-                </a:solidFill>
-              </a:rPr>
-              <a:t>间隙锁之间都不存在冲突关系。</a:t>
-            </a:r>
-            <a:endParaRPr kumimoji="1" lang="zh-CN" altLang="en-US" dirty="0">
-              <a:solidFill>
-                <a:srgbClr val="FF0000"/>
-              </a:solidFill>
-            </a:endParaRPr>
-          </a:p>
-        </p:txBody>
-      </p:sp>
-    </p:spTree>
-    <p:extLst>
-      <p:ext uri="{BB962C8B-B14F-4D97-AF65-F5344CB8AC3E}">
-        <p14:creationId xmlns:p14="http://schemas.microsoft.com/office/powerpoint/2010/main" val="3511582229"/>
-      </p:ext>
-    </p:extLst>
-  </p:cSld>
-  <p:clrMapOvr>
-    <a:masterClrMapping/>
-  </p:clrMapOvr>
-</p:sld>
-</file>
-
-<file path=ppt/slides/slide35.xml><?xml version="1.0" encoding="utf-8"?>
-<p:sld xmlns:a="http://schemas.openxmlformats.org/drawingml/2006/main" xmlns:r="http://schemas.openxmlformats.org/officeDocument/2006/relationships" xmlns:p="http://schemas.openxmlformats.org/presentationml/2006/main">
-  <p:cSld>
-    <p:spTree>
-      <p:nvGrpSpPr>
-        <p:cNvPr id="1" name=""/>
-        <p:cNvGrpSpPr/>
-        <p:nvPr/>
-      </p:nvGrpSpPr>
-      <p:grpSpPr>
-        <a:xfrm>
-          <a:off x="0" y="0"/>
-          <a:ext cx="0" cy="0"/>
-          <a:chOff x="0" y="0"/>
-          <a:chExt cx="0" cy="0"/>
-        </a:xfrm>
-      </p:grpSpPr>
-      <p:sp>
-        <p:nvSpPr>
-          <p:cNvPr id="2" name="标题 1">
-            <a:extLst>
-              <a:ext uri="{FF2B5EF4-FFF2-40B4-BE49-F238E27FC236}">
                 <a16:creationId xmlns:a16="http://schemas.microsoft.com/office/drawing/2014/main" id="{90CA234C-F3F2-4447-9167-3218330525E9}"/>
               </a:ext>
             </a:extLst>
@@ -12989,6 +12955,53 @@
           </a:p>
         </p:txBody>
       </p:sp>
+      <p:pic>
+        <p:nvPicPr>
+          <p:cNvPr id="4" name="Picture 2">
+            <a:extLst>
+              <a:ext uri="{FF2B5EF4-FFF2-40B4-BE49-F238E27FC236}">
+                <a16:creationId xmlns:a16="http://schemas.microsoft.com/office/drawing/2014/main" id="{2C0D2D20-6E0F-704C-A0F5-D9AFF2921770}"/>
+              </a:ext>
+            </a:extLst>
+          </p:cNvPr>
+          <p:cNvPicPr>
+            <a:picLocks noChangeAspect="1" noChangeArrowheads="1"/>
+          </p:cNvPicPr>
+          <p:nvPr/>
+        </p:nvPicPr>
+        <p:blipFill>
+          <a:blip r:embed="rId2">
+            <a:extLst>
+              <a:ext uri="{28A0092B-C50C-407E-A947-70E740481C1C}">
+                <a14:useLocalDpi xmlns:a14="http://schemas.microsoft.com/office/drawing/2010/main" val="0"/>
+              </a:ext>
+            </a:extLst>
+          </a:blip>
+          <a:srcRect/>
+          <a:stretch>
+            <a:fillRect/>
+          </a:stretch>
+        </p:blipFill>
+        <p:spPr bwMode="auto">
+          <a:xfrm>
+            <a:off x="3541906" y="3177208"/>
+            <a:ext cx="4783109" cy="2303740"/>
+          </a:xfrm>
+          <a:prstGeom prst="rect">
+            <a:avLst/>
+          </a:prstGeom>
+          <a:noFill/>
+          <a:extLst>
+            <a:ext uri="{909E8E84-426E-40DD-AFC4-6F175D3DCCD1}">
+              <a14:hiddenFill xmlns:a14="http://schemas.microsoft.com/office/drawing/2010/main">
+                <a:solidFill>
+                  <a:srgbClr val="FFFFFF"/>
+                </a:solidFill>
+              </a14:hiddenFill>
+            </a:ext>
+          </a:extLst>
+        </p:spPr>
+      </p:pic>
     </p:spTree>
     <p:extLst>
       <p:ext uri="{BB962C8B-B14F-4D97-AF65-F5344CB8AC3E}">
@@ -13002,7 +13015,7 @@
 </p:sld>
 </file>
 
-<file path=ppt/slides/slide36.xml><?xml version="1.0" encoding="utf-8"?>
+<file path=ppt/slides/slide35.xml><?xml version="1.0" encoding="utf-8"?>
 <p:sld xmlns:a="http://schemas.openxmlformats.org/drawingml/2006/main" xmlns:r="http://schemas.openxmlformats.org/officeDocument/2006/relationships" xmlns:p="http://schemas.openxmlformats.org/presentationml/2006/main">
   <p:cSld>
     <p:spTree>
@@ -13458,6 +13471,106 @@
 </p:sld>
 </file>
 
+<file path=ppt/slides/slide36.xml><?xml version="1.0" encoding="utf-8"?>
+<p:sld xmlns:a="http://schemas.openxmlformats.org/drawingml/2006/main" xmlns:r="http://schemas.openxmlformats.org/officeDocument/2006/relationships" xmlns:p="http://schemas.openxmlformats.org/presentationml/2006/main">
+  <p:cSld>
+    <p:spTree>
+      <p:nvGrpSpPr>
+        <p:cNvPr id="1" name=""/>
+        <p:cNvGrpSpPr/>
+        <p:nvPr/>
+      </p:nvGrpSpPr>
+      <p:grpSpPr>
+        <a:xfrm>
+          <a:off x="0" y="0"/>
+          <a:ext cx="0" cy="0"/>
+          <a:chOff x="0" y="0"/>
+          <a:chExt cx="0" cy="0"/>
+        </a:xfrm>
+      </p:grpSpPr>
+      <p:sp>
+        <p:nvSpPr>
+          <p:cNvPr id="2" name="标题 1">
+            <a:extLst>
+              <a:ext uri="{FF2B5EF4-FFF2-40B4-BE49-F238E27FC236}">
+                <a16:creationId xmlns:a16="http://schemas.microsoft.com/office/drawing/2014/main" id="{34CC2298-85EC-8E4E-930F-1D6211F914AD}"/>
+              </a:ext>
+            </a:extLst>
+          </p:cNvPr>
+          <p:cNvSpPr>
+            <a:spLocks noGrp="1"/>
+          </p:cNvSpPr>
+          <p:nvPr>
+            <p:ph type="title"/>
+          </p:nvPr>
+        </p:nvSpPr>
+        <p:spPr/>
+        <p:txBody>
+          <a:bodyPr/>
+          <a:lstStyle/>
+          <a:p>
+            <a:r>
+              <a:rPr lang="zh-CN" altLang="en-US" dirty="0"/>
+              <a:t>间隙锁和 </a:t>
+            </a:r>
+            <a:r>
+              <a:rPr lang="en" altLang="zh-CN" dirty="0"/>
+              <a:t>next-key lock</a:t>
+            </a:r>
+            <a:r>
+              <a:rPr lang="zh-CN" altLang="en" dirty="0"/>
+              <a:t>产生</a:t>
+            </a:r>
+            <a:r>
+              <a:rPr lang="zh-CN" altLang="en-US" dirty="0"/>
+              <a:t>的问题</a:t>
+            </a:r>
+            <a:endParaRPr kumimoji="1" lang="zh-CN" altLang="en-US" dirty="0"/>
+          </a:p>
+        </p:txBody>
+      </p:sp>
+      <p:sp>
+        <p:nvSpPr>
+          <p:cNvPr id="3" name="内容占位符 2">
+            <a:extLst>
+              <a:ext uri="{FF2B5EF4-FFF2-40B4-BE49-F238E27FC236}">
+                <a16:creationId xmlns:a16="http://schemas.microsoft.com/office/drawing/2014/main" id="{AFC9D7C4-3903-A64F-8FBD-31A3CF76D8F1}"/>
+              </a:ext>
+            </a:extLst>
+          </p:cNvPr>
+          <p:cNvSpPr>
+            <a:spLocks noGrp="1"/>
+          </p:cNvSpPr>
+          <p:nvPr>
+            <p:ph idx="1"/>
+          </p:nvPr>
+        </p:nvSpPr>
+        <p:spPr/>
+        <p:txBody>
+          <a:bodyPr/>
+          <a:lstStyle/>
+          <a:p>
+            <a:r>
+              <a:rPr lang="zh-CN" altLang="en-US" dirty="0"/>
+              <a:t>间隙锁的引入，可能会导致同样的语句锁住更大的范围，这其实是影响了并发度的。</a:t>
+            </a:r>
+            <a:endParaRPr kumimoji="1" lang="zh-CN" altLang="en-US" dirty="0"/>
+          </a:p>
+        </p:txBody>
+      </p:sp>
+    </p:spTree>
+    <p:extLst>
+      <p:ext uri="{BB962C8B-B14F-4D97-AF65-F5344CB8AC3E}">
+        <p14:creationId xmlns:p14="http://schemas.microsoft.com/office/powerpoint/2010/main" val="3549547646"/>
+      </p:ext>
+    </p:extLst>
+  </p:cSld>
+  <p:clrMapOvr>
+    <a:masterClrMapping/>
+  </p:clrMapOvr>
+</p:sld>
+</file>
+
 <file path=ppt/slides/slide37.xml><?xml version="1.0" encoding="utf-8"?>
 <p:sld xmlns:a="http://schemas.openxmlformats.org/drawingml/2006/main" xmlns:r="http://schemas.openxmlformats.org/officeDocument/2006/relationships" xmlns:p="http://schemas.openxmlformats.org/presentationml/2006/main">
   <p:cSld>
@@ -13480,7 +13593,7 @@
           <p:cNvPr id="2" name="标题 1">
             <a:extLst>
               <a:ext uri="{FF2B5EF4-FFF2-40B4-BE49-F238E27FC236}">
-                <a16:creationId xmlns:a16="http://schemas.microsoft.com/office/drawing/2014/main" id="{34CC2298-85EC-8E4E-930F-1D6211F914AD}"/>
+                <a16:creationId xmlns:a16="http://schemas.microsoft.com/office/drawing/2014/main" id="{2F1B6F63-D84A-C44E-A94F-96BC99AF0E90}"/>
               </a:ext>
             </a:extLst>
           </p:cNvPr>
@@ -13497,22 +13610,9 @@
           <a:lstStyle/>
           <a:p>
             <a:r>
-              <a:rPr lang="zh-CN" altLang="en-US" dirty="0"/>
-              <a:t>间隙锁和 </a:t>
-            </a:r>
-            <a:r>
-              <a:rPr lang="en" altLang="zh-CN" dirty="0"/>
-              <a:t>next-key lock</a:t>
-            </a:r>
-            <a:r>
-              <a:rPr lang="zh-CN" altLang="en" dirty="0"/>
-              <a:t>产生</a:t>
-            </a:r>
-            <a:r>
-              <a:rPr lang="zh-CN" altLang="en-US" dirty="0"/>
-              <a:t>的问题</a:t>
-            </a:r>
-            <a:endParaRPr kumimoji="1" lang="zh-CN" altLang="en-US" dirty="0"/>
+              <a:rPr kumimoji="1" lang="zh-CN" altLang="en-US" dirty="0"/>
+              <a:t>思考</a:t>
+            </a:r>
           </a:p>
         </p:txBody>
       </p:sp>
@@ -13521,7 +13621,7 @@
           <p:cNvPr id="3" name="内容占位符 2">
             <a:extLst>
               <a:ext uri="{FF2B5EF4-FFF2-40B4-BE49-F238E27FC236}">
-                <a16:creationId xmlns:a16="http://schemas.microsoft.com/office/drawing/2014/main" id="{AFC9D7C4-3903-A64F-8FBD-31A3CF76D8F1}"/>
+                <a16:creationId xmlns:a16="http://schemas.microsoft.com/office/drawing/2014/main" id="{4E45CCA5-3101-E442-AEC3-98E171DB3B8F}"/>
               </a:ext>
             </a:extLst>
           </p:cNvPr>
@@ -13538,17 +13638,103 @@
           <a:lstStyle/>
           <a:p>
             <a:r>
-              <a:rPr lang="zh-CN" altLang="en-US" dirty="0"/>
-              <a:t>间隙锁的引入，可能会导致同样的语句锁住更大的范围，这其实是影响了并发度的。</a:t>
-            </a:r>
-            <a:endParaRPr kumimoji="1" lang="zh-CN" altLang="en-US" dirty="0"/>
+              <a:rPr kumimoji="1" lang="zh-CN" altLang="en-US" dirty="0"/>
+              <a:t>基于</a:t>
+            </a:r>
+            <a:r>
+              <a:rPr kumimoji="1" lang="en-US" altLang="zh-CN" dirty="0"/>
+              <a:t>undo</a:t>
+            </a:r>
+            <a:r>
+              <a:rPr kumimoji="1" lang="zh-CN" altLang="en-US" dirty="0"/>
+              <a:t> </a:t>
+            </a:r>
+            <a:r>
+              <a:rPr kumimoji="1" lang="en-US" altLang="zh-CN" dirty="0"/>
+              <a:t>log</a:t>
+            </a:r>
+            <a:r>
+              <a:rPr kumimoji="1" lang="zh-CN" altLang="en-US" dirty="0"/>
+              <a:t>的删除机制，讨论一下为什么不要使用长事务。</a:t>
+            </a:r>
+            <a:endParaRPr kumimoji="1" lang="en-US" altLang="zh-CN" dirty="0"/>
+          </a:p>
+          <a:p>
+            <a:r>
+              <a:rPr kumimoji="1" lang="zh-CN" altLang="en-US" dirty="0"/>
+              <a:t>类似于下面的操作有没有问题？</a:t>
+            </a:r>
+            <a:endParaRPr kumimoji="1" lang="en-US" altLang="zh-CN" dirty="0"/>
+          </a:p>
+          <a:p>
+            <a:pPr lvl="1"/>
+            <a:r>
+              <a:rPr kumimoji="1" lang="zh-CN" altLang="en-US" dirty="0"/>
+              <a:t>事务开始，</a:t>
+            </a:r>
+            <a:r>
+              <a:rPr kumimoji="1" lang="en-US" altLang="zh-CN" dirty="0" err="1"/>
+              <a:t>val</a:t>
+            </a:r>
+            <a:r>
+              <a:rPr kumimoji="1" lang="zh-CN" altLang="en-US" dirty="0"/>
+              <a:t> </a:t>
+            </a:r>
+            <a:r>
+              <a:rPr kumimoji="1" lang="en-US" altLang="zh-CN" dirty="0"/>
+              <a:t>A</a:t>
+            </a:r>
+            <a:r>
+              <a:rPr kumimoji="1" lang="zh-CN" altLang="en-US" dirty="0"/>
+              <a:t> </a:t>
+            </a:r>
+            <a:r>
+              <a:rPr kumimoji="1" lang="en-US" altLang="zh-CN" dirty="0"/>
+              <a:t>=</a:t>
+            </a:r>
+            <a:r>
+              <a:rPr kumimoji="1" lang="zh-CN" altLang="en-US" dirty="0"/>
+              <a:t> </a:t>
+            </a:r>
+            <a:r>
+              <a:rPr kumimoji="1" lang="en-US" altLang="zh-CN" dirty="0" err="1"/>
+              <a:t>getValueInDB</a:t>
+            </a:r>
+            <a:r>
+              <a:rPr kumimoji="1" lang="en-US" altLang="zh-CN" dirty="0"/>
+              <a:t>, if (A </a:t>
+            </a:r>
+            <a:r>
+              <a:rPr kumimoji="1" lang="en-US" altLang="zh-CN" dirty="0" err="1"/>
+              <a:t>xxxx</a:t>
+            </a:r>
+            <a:r>
+              <a:rPr kumimoji="1" lang="en-US" altLang="zh-CN" dirty="0"/>
+              <a:t>) </a:t>
+            </a:r>
+            <a:r>
+              <a:rPr kumimoji="1" lang="en-US" altLang="zh-CN" dirty="0" err="1"/>
+              <a:t>UpdateValueInDB</a:t>
+            </a:r>
+            <a:r>
+              <a:rPr kumimoji="1" lang="zh-CN" altLang="en-US" dirty="0"/>
+              <a:t>（</a:t>
+            </a:r>
+            <a:r>
+              <a:rPr kumimoji="1" lang="en-US" altLang="zh-CN" dirty="0" err="1"/>
+              <a:t>xxxx</a:t>
+            </a:r>
+            <a:r>
+              <a:rPr kumimoji="1" lang="zh-CN" altLang="en-US" dirty="0"/>
+              <a:t>），事务结束。</a:t>
+            </a:r>
           </a:p>
         </p:txBody>
       </p:sp>
     </p:spTree>
     <p:extLst>
       <p:ext uri="{BB962C8B-B14F-4D97-AF65-F5344CB8AC3E}">
-        <p14:creationId xmlns:p14="http://schemas.microsoft.com/office/powerpoint/2010/main" val="3549547646"/>
+        <p14:creationId xmlns:p14="http://schemas.microsoft.com/office/powerpoint/2010/main" val="2818973848"/>
       </p:ext>
     </p:extLst>
   </p:cSld>
@@ -13580,7 +13766,7 @@
           <p:cNvPr id="2" name="标题 1">
             <a:extLst>
               <a:ext uri="{FF2B5EF4-FFF2-40B4-BE49-F238E27FC236}">
-                <a16:creationId xmlns:a16="http://schemas.microsoft.com/office/drawing/2014/main" id="{2F1B6F63-D84A-C44E-A94F-96BC99AF0E90}"/>
+                <a16:creationId xmlns:a16="http://schemas.microsoft.com/office/drawing/2014/main" id="{A0B84909-5407-5944-A9CE-C0F78E96036D}"/>
               </a:ext>
             </a:extLst>
           </p:cNvPr>
@@ -13603,35 +13789,42 @@
           </a:p>
         </p:txBody>
       </p:sp>
-      <p:sp>
-        <p:nvSpPr>
-          <p:cNvPr id="3" name="内容占位符 2">
+      <p:pic>
+        <p:nvPicPr>
+          <p:cNvPr id="4" name="内容占位符 3">
             <a:extLst>
               <a:ext uri="{FF2B5EF4-FFF2-40B4-BE49-F238E27FC236}">
-                <a16:creationId xmlns:a16="http://schemas.microsoft.com/office/drawing/2014/main" id="{4E45CCA5-3101-E442-AEC3-98E171DB3B8F}"/>
+                <a16:creationId xmlns:a16="http://schemas.microsoft.com/office/drawing/2014/main" id="{0E05850C-AAAC-E546-9B0F-22AB97A09F29}"/>
               </a:ext>
             </a:extLst>
           </p:cNvPr>
-          <p:cNvSpPr>
-            <a:spLocks noGrp="1"/>
-          </p:cNvSpPr>
+          <p:cNvPicPr>
+            <a:picLocks noGrp="1" noChangeAspect="1"/>
+          </p:cNvPicPr>
           <p:nvPr>
             <p:ph idx="1"/>
           </p:nvPr>
-        </p:nvSpPr>
-        <p:spPr/>
-        <p:txBody>
-          <a:bodyPr/>
-          <a:lstStyle/>
-          <a:p>
-            <a:endParaRPr kumimoji="1" lang="zh-CN" altLang="en-US"/>
-          </a:p>
-        </p:txBody>
-      </p:sp>
+        </p:nvPicPr>
+        <p:blipFill>
+          <a:blip r:embed="rId2"/>
+          <a:stretch>
+            <a:fillRect/>
+          </a:stretch>
+        </p:blipFill>
+        <p:spPr>
+          <a:xfrm>
+            <a:off x="2592925" y="2229015"/>
+            <a:ext cx="8391098" cy="3778250"/>
+          </a:xfrm>
+          <a:prstGeom prst="rect">
+            <a:avLst/>
+          </a:prstGeom>
+        </p:spPr>
+      </p:pic>
     </p:spTree>
     <p:extLst>
       <p:ext uri="{BB962C8B-B14F-4D97-AF65-F5344CB8AC3E}">
-        <p14:creationId xmlns:p14="http://schemas.microsoft.com/office/powerpoint/2010/main" val="2818973848"/>
+        <p14:creationId xmlns:p14="http://schemas.microsoft.com/office/powerpoint/2010/main" val="3888903219"/>
       </p:ext>
     </p:extLst>
   </p:cSld>
@@ -13746,7 +13939,7 @@
           <a:p>
             <a:r>
               <a:rPr lang="zh-CN" altLang="en-US" b="1" dirty="0"/>
-              <a:t>事务的概念</a:t>
+              <a:t>数据库事务的概念</a:t>
             </a:r>
             <a:br>
               <a:rPr lang="zh-CN" altLang="en-US" b="1" dirty="0"/>

--- a/mysql/mysql的事务实现.pptx
+++ b/mysql/mysql的事务实现.pptx
@@ -15,36 +15,37 @@
     <p:sldId id="265" r:id="rId9"/>
     <p:sldId id="261" r:id="rId10"/>
     <p:sldId id="269" r:id="rId11"/>
-    <p:sldId id="286" r:id="rId12"/>
-    <p:sldId id="270" r:id="rId13"/>
-    <p:sldId id="262" r:id="rId14"/>
-    <p:sldId id="263" r:id="rId15"/>
-    <p:sldId id="271" r:id="rId16"/>
-    <p:sldId id="272" r:id="rId17"/>
-    <p:sldId id="273" r:id="rId18"/>
-    <p:sldId id="274" r:id="rId19"/>
-    <p:sldId id="264" r:id="rId20"/>
-    <p:sldId id="275" r:id="rId21"/>
-    <p:sldId id="277" r:id="rId22"/>
-    <p:sldId id="278" r:id="rId23"/>
-    <p:sldId id="276" r:id="rId24"/>
-    <p:sldId id="279" r:id="rId25"/>
-    <p:sldId id="280" r:id="rId26"/>
-    <p:sldId id="282" r:id="rId27"/>
-    <p:sldId id="281" r:id="rId28"/>
-    <p:sldId id="283" r:id="rId29"/>
-    <p:sldId id="284" r:id="rId30"/>
-    <p:sldId id="287" r:id="rId31"/>
-    <p:sldId id="288" r:id="rId32"/>
-    <p:sldId id="289" r:id="rId33"/>
-    <p:sldId id="290" r:id="rId34"/>
-    <p:sldId id="291" r:id="rId35"/>
-    <p:sldId id="292" r:id="rId36"/>
-    <p:sldId id="293" r:id="rId37"/>
-    <p:sldId id="294" r:id="rId38"/>
-    <p:sldId id="285" r:id="rId39"/>
-    <p:sldId id="295" r:id="rId40"/>
-    <p:sldId id="266" r:id="rId41"/>
+    <p:sldId id="296" r:id="rId12"/>
+    <p:sldId id="286" r:id="rId13"/>
+    <p:sldId id="270" r:id="rId14"/>
+    <p:sldId id="262" r:id="rId15"/>
+    <p:sldId id="263" r:id="rId16"/>
+    <p:sldId id="271" r:id="rId17"/>
+    <p:sldId id="272" r:id="rId18"/>
+    <p:sldId id="273" r:id="rId19"/>
+    <p:sldId id="274" r:id="rId20"/>
+    <p:sldId id="264" r:id="rId21"/>
+    <p:sldId id="275" r:id="rId22"/>
+    <p:sldId id="277" r:id="rId23"/>
+    <p:sldId id="278" r:id="rId24"/>
+    <p:sldId id="276" r:id="rId25"/>
+    <p:sldId id="279" r:id="rId26"/>
+    <p:sldId id="280" r:id="rId27"/>
+    <p:sldId id="282" r:id="rId28"/>
+    <p:sldId id="281" r:id="rId29"/>
+    <p:sldId id="283" r:id="rId30"/>
+    <p:sldId id="284" r:id="rId31"/>
+    <p:sldId id="287" r:id="rId32"/>
+    <p:sldId id="288" r:id="rId33"/>
+    <p:sldId id="289" r:id="rId34"/>
+    <p:sldId id="290" r:id="rId35"/>
+    <p:sldId id="291" r:id="rId36"/>
+    <p:sldId id="292" r:id="rId37"/>
+    <p:sldId id="293" r:id="rId38"/>
+    <p:sldId id="294" r:id="rId39"/>
+    <p:sldId id="285" r:id="rId40"/>
+    <p:sldId id="295" r:id="rId41"/>
+    <p:sldId id="266" r:id="rId42"/>
   </p:sldIdLst>
   <p:sldSz cx="12192000" cy="6858000"/>
   <p:notesSz cx="6858000" cy="9144000"/>
@@ -340,7 +341,7 @@
             <a:fld id="{B61BEF0D-F0BB-DE4B-95CE-6DB70DBA9567}" type="datetimeFigureOut">
               <a:rPr lang="en-US" dirty="0"/>
               <a:pPr/>
-              <a:t>5/10/21</a:t>
+              <a:t>5/10/2021</a:t>
             </a:fld>
             <a:endParaRPr lang="en-US" dirty="0"/>
           </a:p>
@@ -675,7 +676,7 @@
             <a:fld id="{B61BEF0D-F0BB-DE4B-95CE-6DB70DBA9567}" type="datetimeFigureOut">
               <a:rPr lang="en-US" dirty="0"/>
               <a:pPr/>
-              <a:t>5/10/21</a:t>
+              <a:t>5/10/2021</a:t>
             </a:fld>
             <a:endParaRPr lang="en-US" dirty="0"/>
           </a:p>
@@ -1073,7 +1074,7 @@
             <a:fld id="{B61BEF0D-F0BB-DE4B-95CE-6DB70DBA9567}" type="datetimeFigureOut">
               <a:rPr lang="en-US" dirty="0"/>
               <a:pPr/>
-              <a:t>5/10/21</a:t>
+              <a:t>5/10/2021</a:t>
             </a:fld>
             <a:endParaRPr lang="en-US" dirty="0"/>
           </a:p>
@@ -1406,7 +1407,7 @@
             <a:fld id="{B61BEF0D-F0BB-DE4B-95CE-6DB70DBA9567}" type="datetimeFigureOut">
               <a:rPr lang="en-US" dirty="0"/>
               <a:pPr/>
-              <a:t>5/10/21</a:t>
+              <a:t>5/10/2021</a:t>
             </a:fld>
             <a:endParaRPr lang="en-US" dirty="0"/>
           </a:p>
@@ -1723,7 +1724,7 @@
             <a:fld id="{B61BEF0D-F0BB-DE4B-95CE-6DB70DBA9567}" type="datetimeFigureOut">
               <a:rPr lang="en-US" dirty="0"/>
               <a:pPr/>
-              <a:t>5/10/21</a:t>
+              <a:t>5/10/2021</a:t>
             </a:fld>
             <a:endParaRPr lang="en-US" dirty="0"/>
           </a:p>
@@ -2116,7 +2117,7 @@
             <a:fld id="{B61BEF0D-F0BB-DE4B-95CE-6DB70DBA9567}" type="datetimeFigureOut">
               <a:rPr lang="en-US" dirty="0"/>
               <a:pPr/>
-              <a:t>5/10/21</a:t>
+              <a:t>5/10/2021</a:t>
             </a:fld>
             <a:endParaRPr lang="en-US" dirty="0"/>
           </a:p>
@@ -2370,7 +2371,7 @@
             <a:fld id="{B61BEF0D-F0BB-DE4B-95CE-6DB70DBA9567}" type="datetimeFigureOut">
               <a:rPr lang="en-US" dirty="0"/>
               <a:pPr/>
-              <a:t>5/10/21</a:t>
+              <a:t>5/10/2021</a:t>
             </a:fld>
             <a:endParaRPr lang="en-US" dirty="0"/>
           </a:p>
@@ -2629,7 +2630,7 @@
             <a:fld id="{B61BEF0D-F0BB-DE4B-95CE-6DB70DBA9567}" type="datetimeFigureOut">
               <a:rPr lang="en-US" dirty="0"/>
               <a:pPr/>
-              <a:t>5/10/21</a:t>
+              <a:t>5/10/2021</a:t>
             </a:fld>
             <a:endParaRPr lang="en-US" dirty="0"/>
           </a:p>
@@ -2888,7 +2889,7 @@
             <a:fld id="{B61BEF0D-F0BB-DE4B-95CE-6DB70DBA9567}" type="datetimeFigureOut">
               <a:rPr lang="en-US" dirty="0"/>
               <a:pPr/>
-              <a:t>5/10/21</a:t>
+              <a:t>5/10/2021</a:t>
             </a:fld>
             <a:endParaRPr lang="en-US" dirty="0"/>
           </a:p>
@@ -3214,7 +3215,7 @@
             <a:fld id="{B61BEF0D-F0BB-DE4B-95CE-6DB70DBA9567}" type="datetimeFigureOut">
               <a:rPr lang="en-US" dirty="0"/>
               <a:pPr/>
-              <a:t>5/10/21</a:t>
+              <a:t>5/10/2021</a:t>
             </a:fld>
             <a:endParaRPr lang="en-US" dirty="0"/>
           </a:p>
@@ -3534,7 +3535,7 @@
             <a:fld id="{B61BEF0D-F0BB-DE4B-95CE-6DB70DBA9567}" type="datetimeFigureOut">
               <a:rPr lang="en-US" dirty="0"/>
               <a:pPr/>
-              <a:t>5/10/21</a:t>
+              <a:t>5/10/2021</a:t>
             </a:fld>
             <a:endParaRPr lang="en-US" dirty="0"/>
           </a:p>
@@ -3988,7 +3989,7 @@
             <a:fld id="{B61BEF0D-F0BB-DE4B-95CE-6DB70DBA9567}" type="datetimeFigureOut">
               <a:rPr lang="en-US" dirty="0"/>
               <a:pPr/>
-              <a:t>5/10/21</a:t>
+              <a:t>5/10/2021</a:t>
             </a:fld>
             <a:endParaRPr lang="en-US" dirty="0"/>
           </a:p>
@@ -4190,7 +4191,7 @@
             <a:fld id="{B61BEF0D-F0BB-DE4B-95CE-6DB70DBA9567}" type="datetimeFigureOut">
               <a:rPr lang="en-US" dirty="0"/>
               <a:pPr/>
-              <a:t>5/10/21</a:t>
+              <a:t>5/10/2021</a:t>
             </a:fld>
             <a:endParaRPr lang="en-US" dirty="0"/>
           </a:p>
@@ -4364,7 +4365,7 @@
             <a:fld id="{B61BEF0D-F0BB-DE4B-95CE-6DB70DBA9567}" type="datetimeFigureOut">
               <a:rPr lang="en-US" dirty="0"/>
               <a:pPr/>
-              <a:t>5/10/21</a:t>
+              <a:t>5/10/2021</a:t>
             </a:fld>
             <a:endParaRPr lang="en-US" dirty="0"/>
           </a:p>
@@ -4694,7 +4695,7 @@
             <a:fld id="{B61BEF0D-F0BB-DE4B-95CE-6DB70DBA9567}" type="datetimeFigureOut">
               <a:rPr lang="en-US" dirty="0"/>
               <a:pPr/>
-              <a:t>5/10/21</a:t>
+              <a:t>5/10/2021</a:t>
             </a:fld>
             <a:endParaRPr lang="en-US" dirty="0"/>
           </a:p>
@@ -5036,7 +5037,7 @@
             <a:fld id="{B61BEF0D-F0BB-DE4B-95CE-6DB70DBA9567}" type="datetimeFigureOut">
               <a:rPr lang="en-US" dirty="0"/>
               <a:pPr/>
-              <a:t>5/10/21</a:t>
+              <a:t>5/10/2021</a:t>
             </a:fld>
             <a:endParaRPr lang="en-US" dirty="0"/>
           </a:p>
@@ -7150,7 +7151,7 @@
             <a:fld id="{B61BEF0D-F0BB-DE4B-95CE-6DB70DBA9567}" type="datetimeFigureOut">
               <a:rPr lang="en-US" dirty="0"/>
               <a:pPr/>
-              <a:t>5/10/21</a:t>
+              <a:t>5/10/2021</a:t>
             </a:fld>
             <a:endParaRPr lang="en-US" dirty="0"/>
           </a:p>
@@ -8086,7 +8087,7 @@
           <p:cNvPr id="2" name="标题 1">
             <a:extLst>
               <a:ext uri="{FF2B5EF4-FFF2-40B4-BE49-F238E27FC236}">
-                <a16:creationId xmlns:a16="http://schemas.microsoft.com/office/drawing/2014/main" id="{91ED9D87-41EC-194E-8C2E-AEECD34864DB}"/>
+                <a16:creationId xmlns:a16="http://schemas.microsoft.com/office/drawing/2014/main" id="{FB6D05EF-7A3D-418A-9D6F-5C5AD9918C3F}"/>
               </a:ext>
             </a:extLst>
           </p:cNvPr>
@@ -8103,75 +8104,53 @@
           <a:lstStyle/>
           <a:p>
             <a:r>
-              <a:rPr kumimoji="1" lang="en-US" altLang="zh-CN" dirty="0"/>
-              <a:t>Undo</a:t>
-            </a:r>
-            <a:r>
-              <a:rPr kumimoji="1" lang="zh-CN" altLang="en-US" dirty="0"/>
+              <a:rPr lang="en-US" altLang="zh-CN" dirty="0" err="1"/>
+              <a:t>roll_pointer</a:t>
+            </a:r>
+            <a:r>
+              <a:rPr lang="en-US" altLang="zh-CN" dirty="0"/>
               <a:t> </a:t>
             </a:r>
             <a:r>
-              <a:rPr kumimoji="1" lang="en-US" altLang="zh-CN" dirty="0"/>
-              <a:t>log</a:t>
-            </a:r>
-            <a:r>
-              <a:rPr kumimoji="1" lang="zh-CN" altLang="en-US" dirty="0"/>
-              <a:t> 删除的时机</a:t>
-            </a:r>
-          </a:p>
-        </p:txBody>
-      </p:sp>
-      <p:sp>
-        <p:nvSpPr>
-          <p:cNvPr id="3" name="内容占位符 2">
+              <a:rPr lang="zh-CN" altLang="en-US" dirty="0"/>
+              <a:t>的作用</a:t>
+            </a:r>
+          </a:p>
+        </p:txBody>
+      </p:sp>
+      <p:pic>
+        <p:nvPicPr>
+          <p:cNvPr id="5" name="内容占位符 4">
             <a:extLst>
               <a:ext uri="{FF2B5EF4-FFF2-40B4-BE49-F238E27FC236}">
-                <a16:creationId xmlns:a16="http://schemas.microsoft.com/office/drawing/2014/main" id="{E115E42B-78FF-0849-BCE7-DBE13C21CC53}"/>
+                <a16:creationId xmlns:a16="http://schemas.microsoft.com/office/drawing/2014/main" id="{4D4A4F08-85FD-4D5C-968A-1987606B485F}"/>
               </a:ext>
             </a:extLst>
           </p:cNvPr>
-          <p:cNvSpPr>
-            <a:spLocks noGrp="1"/>
-          </p:cNvSpPr>
+          <p:cNvPicPr>
+            <a:picLocks noGrp="1" noChangeAspect="1"/>
+          </p:cNvPicPr>
           <p:nvPr>
             <p:ph idx="1"/>
           </p:nvPr>
-        </p:nvSpPr>
-        <p:spPr/>
-        <p:txBody>
-          <a:bodyPr/>
-          <a:lstStyle/>
-          <a:p>
-            <a:r>
-              <a:rPr lang="zh-CN" altLang="en-US" dirty="0"/>
-              <a:t>在不需要的时候才删除。系统会判断，当没有事务再需要用到这些回滚日志时，回滚日志会被删除。</a:t>
-            </a:r>
-            <a:endParaRPr lang="en-US" altLang="zh-CN" dirty="0"/>
-          </a:p>
-          <a:p>
-            <a:endParaRPr kumimoji="1" lang="en-US" altLang="zh-CN" dirty="0"/>
-          </a:p>
-          <a:p>
-            <a:r>
-              <a:rPr lang="zh-CN" altLang="en-US" dirty="0"/>
-              <a:t>不需要的条件：当系统里没有比这个回滚日志更早的 </a:t>
-            </a:r>
-            <a:r>
-              <a:rPr lang="en" altLang="zh-CN" dirty="0"/>
-              <a:t>read-view </a:t>
-            </a:r>
-            <a:r>
-              <a:rPr lang="zh-CN" altLang="en-US" dirty="0"/>
-              <a:t>的时候。</a:t>
-            </a:r>
-            <a:endParaRPr kumimoji="1" lang="zh-CN" altLang="en-US" dirty="0"/>
-          </a:p>
-        </p:txBody>
-      </p:sp>
+        </p:nvPicPr>
+        <p:blipFill>
+          <a:blip r:embed="rId2"/>
+          <a:stretch>
+            <a:fillRect/>
+          </a:stretch>
+        </p:blipFill>
+        <p:spPr>
+          <a:xfrm>
+            <a:off x="2606126" y="2133600"/>
+            <a:ext cx="8881573" cy="3778250"/>
+          </a:xfrm>
+        </p:spPr>
+      </p:pic>
     </p:spTree>
     <p:extLst>
       <p:ext uri="{BB962C8B-B14F-4D97-AF65-F5344CB8AC3E}">
-        <p14:creationId xmlns:p14="http://schemas.microsoft.com/office/powerpoint/2010/main" val="2057498338"/>
+        <p14:creationId xmlns:p14="http://schemas.microsoft.com/office/powerpoint/2010/main" val="3641923230"/>
       </p:ext>
     </p:extLst>
   </p:cSld>
@@ -8203,7 +8182,7 @@
           <p:cNvPr id="2" name="标题 1">
             <a:extLst>
               <a:ext uri="{FF2B5EF4-FFF2-40B4-BE49-F238E27FC236}">
-                <a16:creationId xmlns:a16="http://schemas.microsoft.com/office/drawing/2014/main" id="{FFAE47B9-05B8-3442-8C7E-FBCD3C43D258}"/>
+                <a16:creationId xmlns:a16="http://schemas.microsoft.com/office/drawing/2014/main" id="{91ED9D87-41EC-194E-8C2E-AEECD34864DB}"/>
               </a:ext>
             </a:extLst>
           </p:cNvPr>
@@ -8220,25 +8199,21 @@
           <a:lstStyle/>
           <a:p>
             <a:r>
-              <a:rPr lang="zh-CN" altLang="en-US" b="1" dirty="0"/>
-              <a:t>事务</a:t>
-            </a:r>
-            <a:r>
-              <a:rPr lang="en" altLang="zh-CN" b="1" dirty="0"/>
-              <a:t>id</a:t>
-            </a:r>
-            <a:r>
-              <a:rPr lang="zh-CN" altLang="en" b="1" dirty="0"/>
-              <a:t>的</a:t>
-            </a:r>
-            <a:r>
-              <a:rPr lang="zh-CN" altLang="en-US" b="1" dirty="0"/>
-              <a:t>生成</a:t>
-            </a:r>
-            <a:br>
-              <a:rPr lang="zh-CN" altLang="en-US" b="1" dirty="0"/>
-            </a:br>
-            <a:endParaRPr kumimoji="1" lang="zh-CN" altLang="en-US" dirty="0"/>
+              <a:rPr kumimoji="1" lang="en-US" altLang="zh-CN" dirty="0"/>
+              <a:t>Undo</a:t>
+            </a:r>
+            <a:r>
+              <a:rPr kumimoji="1" lang="zh-CN" altLang="en-US" dirty="0"/>
+              <a:t> </a:t>
+            </a:r>
+            <a:r>
+              <a:rPr kumimoji="1" lang="en-US" altLang="zh-CN" dirty="0"/>
+              <a:t>log</a:t>
+            </a:r>
+            <a:r>
+              <a:rPr kumimoji="1" lang="zh-CN" altLang="en-US" dirty="0"/>
+              <a:t> 删除的时机</a:t>
+            </a:r>
           </a:p>
         </p:txBody>
       </p:sp>
@@ -8247,7 +8222,7 @@
           <p:cNvPr id="3" name="内容占位符 2">
             <a:extLst>
               <a:ext uri="{FF2B5EF4-FFF2-40B4-BE49-F238E27FC236}">
-                <a16:creationId xmlns:a16="http://schemas.microsoft.com/office/drawing/2014/main" id="{E5D67DA6-C684-9B4B-8399-46AB354725C0}"/>
+                <a16:creationId xmlns:a16="http://schemas.microsoft.com/office/drawing/2014/main" id="{E115E42B-78FF-0849-BCE7-DBE13C21CC53}"/>
               </a:ext>
             </a:extLst>
           </p:cNvPr>
@@ -8265,131 +8240,25 @@
           <a:p>
             <a:r>
               <a:rPr lang="zh-CN" altLang="en-US" dirty="0"/>
-              <a:t>服务器会在内存中维护一个全局变量，每当需要为某个事务分配一个事务</a:t>
+              <a:t>在不需要的时候才删除。系统会判断，当没有事务再需要用到这些回滚日志时，回滚日志会被删除。</a:t>
+            </a:r>
+            <a:endParaRPr lang="en-US" altLang="zh-CN" dirty="0"/>
+          </a:p>
+          <a:p>
+            <a:endParaRPr kumimoji="1" lang="en-US" altLang="zh-CN" dirty="0"/>
+          </a:p>
+          <a:p>
+            <a:r>
+              <a:rPr lang="zh-CN" altLang="en-US" dirty="0"/>
+              <a:t>不需要的条件：当系统里没有比这个回滚日志更早的 </a:t>
             </a:r>
             <a:r>
               <a:rPr lang="en" altLang="zh-CN" dirty="0"/>
-              <a:t>id</a:t>
-            </a:r>
-            <a:r>
-              <a:rPr lang="zh-CN" altLang="en-US" dirty="0"/>
-              <a:t>时，就会把该变量的值当作事务</a:t>
-            </a:r>
-            <a:r>
-              <a:rPr lang="en" altLang="zh-CN" dirty="0"/>
-              <a:t>id</a:t>
-            </a:r>
-            <a:r>
-              <a:rPr lang="zh-CN" altLang="en-US" dirty="0"/>
-              <a:t>分配给该事务，并且把该变量自增</a:t>
-            </a:r>
-            <a:r>
-              <a:rPr lang="en-US" altLang="zh-CN" dirty="0"/>
-              <a:t>1</a:t>
-            </a:r>
-            <a:r>
-              <a:rPr lang="zh-CN" altLang="en-US" dirty="0"/>
-              <a:t>。</a:t>
-            </a:r>
-            <a:endParaRPr lang="en-US" altLang="zh-CN" dirty="0"/>
-          </a:p>
-          <a:p>
-            <a:endParaRPr kumimoji="1" lang="en-US" altLang="zh-CN" dirty="0"/>
-          </a:p>
-          <a:p>
-            <a:r>
-              <a:rPr lang="zh-CN" altLang="en-US" dirty="0"/>
-              <a:t>每当这个变量的值为</a:t>
-            </a:r>
-            <a:r>
-              <a:rPr lang="en-US" altLang="zh-CN" dirty="0"/>
-              <a:t>256</a:t>
-            </a:r>
-            <a:r>
-              <a:rPr lang="zh-CN" altLang="en-US" dirty="0"/>
-              <a:t>的倍数时，就会将该变量的值刷新到系统表空间的页号为</a:t>
-            </a:r>
-            <a:r>
-              <a:rPr lang="en-US" altLang="zh-CN" dirty="0"/>
-              <a:t>5</a:t>
-            </a:r>
-            <a:r>
-              <a:rPr lang="zh-CN" altLang="en-US" dirty="0"/>
-              <a:t>的页面中一个称之为</a:t>
-            </a:r>
-            <a:r>
-              <a:rPr lang="en" altLang="zh-CN" dirty="0"/>
-              <a:t>Max </a:t>
-            </a:r>
-            <a:r>
-              <a:rPr lang="en" altLang="zh-CN" dirty="0" err="1"/>
-              <a:t>Trx</a:t>
-            </a:r>
-            <a:r>
-              <a:rPr lang="en" altLang="zh-CN" dirty="0"/>
-              <a:t> ID</a:t>
-            </a:r>
-            <a:r>
-              <a:rPr lang="zh-CN" altLang="en-US" dirty="0"/>
-              <a:t>的属性处，这个属性占用</a:t>
-            </a:r>
-            <a:r>
-              <a:rPr lang="en-US" altLang="zh-CN" dirty="0"/>
-              <a:t>8</a:t>
-            </a:r>
-            <a:r>
-              <a:rPr lang="zh-CN" altLang="en-US" dirty="0"/>
-              <a:t>个字节的存储空间。</a:t>
-            </a:r>
-            <a:endParaRPr lang="en-US" altLang="zh-CN" dirty="0"/>
-          </a:p>
-          <a:p>
-            <a:endParaRPr kumimoji="1" lang="en-US" altLang="zh-CN" dirty="0"/>
-          </a:p>
-          <a:p>
-            <a:r>
-              <a:rPr lang="zh-CN" altLang="en-US" dirty="0"/>
-              <a:t>当系统下一次重新启动时，会将上边提到的</a:t>
-            </a:r>
-            <a:r>
-              <a:rPr lang="en" altLang="zh-CN" dirty="0"/>
-              <a:t>Max </a:t>
-            </a:r>
-            <a:r>
-              <a:rPr lang="en" altLang="zh-CN" dirty="0" err="1"/>
-              <a:t>Trx</a:t>
-            </a:r>
-            <a:r>
-              <a:rPr lang="en" altLang="zh-CN" dirty="0"/>
-              <a:t> ID</a:t>
-            </a:r>
-            <a:r>
-              <a:rPr lang="zh-CN" altLang="en-US" dirty="0"/>
-              <a:t>属性加载到内存中，将该值加上</a:t>
-            </a:r>
-            <a:r>
-              <a:rPr lang="en-US" altLang="zh-CN" dirty="0"/>
-              <a:t>256</a:t>
-            </a:r>
-            <a:r>
-              <a:rPr lang="zh-CN" altLang="en-US" dirty="0"/>
-              <a:t>之后赋值给我们前边提到的全局变量（因为在上次关机时该全局变量的值可能大于</a:t>
-            </a:r>
-            <a:r>
-              <a:rPr lang="en" altLang="zh-CN" dirty="0"/>
-              <a:t>Max </a:t>
-            </a:r>
-            <a:r>
-              <a:rPr lang="en" altLang="zh-CN" dirty="0" err="1"/>
-              <a:t>Trx</a:t>
-            </a:r>
-            <a:r>
-              <a:rPr lang="en" altLang="zh-CN" dirty="0"/>
-              <a:t> ID</a:t>
-            </a:r>
-            <a:r>
-              <a:rPr lang="zh-CN" altLang="en-US" dirty="0"/>
-              <a:t>属性值）。</a:t>
+              <a:t>read-view </a:t>
+            </a:r>
+            <a:r>
+              <a:rPr lang="zh-CN" altLang="en-US" dirty="0"/>
+              <a:t>的时候。</a:t>
             </a:r>
             <a:endParaRPr kumimoji="1" lang="zh-CN" altLang="en-US" dirty="0"/>
           </a:p>
@@ -8398,7 +8267,7 @@
     </p:spTree>
     <p:extLst>
       <p:ext uri="{BB962C8B-B14F-4D97-AF65-F5344CB8AC3E}">
-        <p14:creationId xmlns:p14="http://schemas.microsoft.com/office/powerpoint/2010/main" val="931754277"/>
+        <p14:creationId xmlns:p14="http://schemas.microsoft.com/office/powerpoint/2010/main" val="2057498338"/>
       </p:ext>
     </p:extLst>
   </p:cSld>
@@ -8430,7 +8299,7 @@
           <p:cNvPr id="2" name="标题 1">
             <a:extLst>
               <a:ext uri="{FF2B5EF4-FFF2-40B4-BE49-F238E27FC236}">
-                <a16:creationId xmlns:a16="http://schemas.microsoft.com/office/drawing/2014/main" id="{8F0E3373-0AD2-2944-AC18-832F18BE1E0C}"/>
+                <a16:creationId xmlns:a16="http://schemas.microsoft.com/office/drawing/2014/main" id="{FFAE47B9-05B8-3442-8C7E-FBCD3C43D258}"/>
               </a:ext>
             </a:extLst>
           </p:cNvPr>
@@ -8447,13 +8316,24 @@
           <a:lstStyle/>
           <a:p>
             <a:r>
-              <a:rPr kumimoji="1" lang="zh-CN" altLang="en-US" dirty="0"/>
-              <a:t>事务的</a:t>
-            </a:r>
-            <a:r>
-              <a:rPr lang="zh-CN" altLang="en-US" dirty="0"/>
-              <a:t>隔离性与隔离级别</a:t>
-            </a:r>
+              <a:rPr lang="zh-CN" altLang="en-US" b="1" dirty="0"/>
+              <a:t>事务</a:t>
+            </a:r>
+            <a:r>
+              <a:rPr lang="en" altLang="zh-CN" b="1" dirty="0"/>
+              <a:t>id</a:t>
+            </a:r>
+            <a:r>
+              <a:rPr lang="zh-CN" altLang="en" b="1" dirty="0"/>
+              <a:t>的</a:t>
+            </a:r>
+            <a:r>
+              <a:rPr lang="zh-CN" altLang="en-US" b="1" dirty="0"/>
+              <a:t>生成</a:t>
+            </a:r>
+            <a:br>
+              <a:rPr lang="zh-CN" altLang="en-US" b="1" dirty="0"/>
+            </a:br>
             <a:endParaRPr kumimoji="1" lang="zh-CN" altLang="en-US" dirty="0"/>
           </a:p>
         </p:txBody>
@@ -8463,7 +8343,7 @@
           <p:cNvPr id="3" name="内容占位符 2">
             <a:extLst>
               <a:ext uri="{FF2B5EF4-FFF2-40B4-BE49-F238E27FC236}">
-                <a16:creationId xmlns:a16="http://schemas.microsoft.com/office/drawing/2014/main" id="{27AE6C8B-7C66-7A4C-A842-58E2A84CC96E}"/>
+                <a16:creationId xmlns:a16="http://schemas.microsoft.com/office/drawing/2014/main" id="{E5D67DA6-C684-9B4B-8399-46AB354725C0}"/>
               </a:ext>
             </a:extLst>
           </p:cNvPr>
@@ -8481,7 +8361,31 @@
           <a:p>
             <a:r>
               <a:rPr lang="zh-CN" altLang="en-US" dirty="0"/>
-              <a:t>在谈隔离级别之前，我们要知道，隔离得越严实，效率就会越低。因此很多时候，我们都要在二者之间寻找一个平衡点。</a:t>
+              <a:t>服务器会在内存中维护一个全局变量，每当需要为某个事务分配一个事务</a:t>
+            </a:r>
+            <a:r>
+              <a:rPr lang="en" altLang="zh-CN" dirty="0"/>
+              <a:t>id</a:t>
+            </a:r>
+            <a:r>
+              <a:rPr lang="zh-CN" altLang="en-US" dirty="0"/>
+              <a:t>时，就会把该变量的值当作事务</a:t>
+            </a:r>
+            <a:r>
+              <a:rPr lang="en" altLang="zh-CN" dirty="0"/>
+              <a:t>id</a:t>
+            </a:r>
+            <a:r>
+              <a:rPr lang="zh-CN" altLang="en-US" dirty="0"/>
+              <a:t>分配给该事务，并且把该变量自增</a:t>
+            </a:r>
+            <a:r>
+              <a:rPr lang="en-US" altLang="zh-CN" dirty="0"/>
+              <a:t>1</a:t>
+            </a:r>
+            <a:r>
+              <a:rPr lang="zh-CN" altLang="en-US" dirty="0"/>
+              <a:t>。</a:t>
             </a:r>
             <a:endParaRPr lang="en-US" altLang="zh-CN" dirty="0"/>
           </a:p>
@@ -8490,76 +8394,98 @@
           </a:p>
           <a:p>
             <a:r>
+              <a:rPr lang="zh-CN" altLang="en-US" dirty="0"/>
+              <a:t>每当这个变量的值为</a:t>
+            </a:r>
+            <a:r>
+              <a:rPr lang="en-US" altLang="zh-CN" dirty="0"/>
+              <a:t>256</a:t>
+            </a:r>
+            <a:r>
+              <a:rPr lang="zh-CN" altLang="en-US" dirty="0"/>
+              <a:t>的倍数时，就会将该变量的值刷新到系统表空间的页号为</a:t>
+            </a:r>
+            <a:r>
+              <a:rPr lang="en-US" altLang="zh-CN" dirty="0"/>
+              <a:t>5</a:t>
+            </a:r>
+            <a:r>
+              <a:rPr lang="zh-CN" altLang="en-US" dirty="0"/>
+              <a:t>的页面中一个称之为</a:t>
+            </a:r>
+            <a:r>
               <a:rPr lang="en" altLang="zh-CN" dirty="0"/>
-              <a:t>SQL </a:t>
-            </a:r>
-            <a:r>
-              <a:rPr lang="zh-CN" altLang="en-US" dirty="0"/>
-              <a:t>标准的事务隔离级别包括：</a:t>
+              <a:t>Max </a:t>
+            </a:r>
+            <a:r>
+              <a:rPr lang="en" altLang="zh-CN" dirty="0" err="1"/>
+              <a:t>Trx</a:t>
+            </a:r>
+            <a:r>
+              <a:rPr lang="en" altLang="zh-CN" dirty="0"/>
+              <a:t> ID</a:t>
+            </a:r>
+            <a:r>
+              <a:rPr lang="zh-CN" altLang="en-US" dirty="0"/>
+              <a:t>的属性处，这个属性占用</a:t>
+            </a:r>
+            <a:r>
+              <a:rPr lang="en-US" altLang="zh-CN" dirty="0"/>
+              <a:t>8</a:t>
+            </a:r>
+            <a:r>
+              <a:rPr lang="zh-CN" altLang="en-US" dirty="0"/>
+              <a:t>个字节的存储空间。</a:t>
             </a:r>
             <a:endParaRPr lang="en-US" altLang="zh-CN" dirty="0"/>
           </a:p>
           <a:p>
-            <a:pPr lvl="1"/>
-            <a:r>
-              <a:rPr lang="zh-CN" altLang="en-US" dirty="0"/>
-              <a:t>读未提交（</a:t>
+            <a:endParaRPr kumimoji="1" lang="en-US" altLang="zh-CN" dirty="0"/>
+          </a:p>
+          <a:p>
+            <a:r>
+              <a:rPr lang="zh-CN" altLang="en-US" dirty="0"/>
+              <a:t>当系统下一次重新启动时，会将上边提到的</a:t>
             </a:r>
             <a:r>
               <a:rPr lang="en" altLang="zh-CN" dirty="0"/>
-              <a:t>read uncommitted</a:t>
-            </a:r>
-            <a:r>
-              <a:rPr lang="zh-CN" altLang="en" dirty="0"/>
-              <a:t>）</a:t>
-            </a:r>
-            <a:endParaRPr lang="en-US" altLang="zh-CN" dirty="0"/>
-          </a:p>
-          <a:p>
-            <a:pPr lvl="1"/>
-            <a:r>
-              <a:rPr lang="zh-CN" altLang="en-US" dirty="0"/>
-              <a:t>读提交（</a:t>
+              <a:t>Max </a:t>
+            </a:r>
+            <a:r>
+              <a:rPr lang="en" altLang="zh-CN" dirty="0" err="1"/>
+              <a:t>Trx</a:t>
             </a:r>
             <a:r>
               <a:rPr lang="en" altLang="zh-CN" dirty="0"/>
-              <a:t>read committed</a:t>
-            </a:r>
-            <a:r>
-              <a:rPr lang="zh-CN" altLang="en" dirty="0"/>
-              <a:t>）</a:t>
-            </a:r>
-            <a:endParaRPr lang="en-US" altLang="zh-CN" dirty="0"/>
-          </a:p>
-          <a:p>
-            <a:pPr lvl="1"/>
-            <a:r>
-              <a:rPr lang="zh-CN" altLang="en-US" dirty="0"/>
-              <a:t>可重复读（</a:t>
+              <a:t> ID</a:t>
+            </a:r>
+            <a:r>
+              <a:rPr lang="zh-CN" altLang="en-US" dirty="0"/>
+              <a:t>属性加载到内存中，将该值加上</a:t>
+            </a:r>
+            <a:r>
+              <a:rPr lang="en-US" altLang="zh-CN" dirty="0"/>
+              <a:t>256</a:t>
+            </a:r>
+            <a:r>
+              <a:rPr lang="zh-CN" altLang="en-US" dirty="0"/>
+              <a:t>之后赋值给我们前边提到的全局变量（因为在上次关机时该全局变量的值可能大于</a:t>
             </a:r>
             <a:r>
               <a:rPr lang="en" altLang="zh-CN" dirty="0"/>
-              <a:t>repeatable read</a:t>
-            </a:r>
-            <a:r>
-              <a:rPr lang="zh-CN" altLang="en" dirty="0"/>
-              <a:t>）</a:t>
-            </a:r>
-            <a:endParaRPr lang="en-US" altLang="zh-CN" dirty="0"/>
-          </a:p>
-          <a:p>
-            <a:pPr lvl="1"/>
-            <a:r>
-              <a:rPr lang="zh-CN" altLang="en-US" dirty="0"/>
-              <a:t>串行化（</a:t>
+              <a:t>Max </a:t>
+            </a:r>
+            <a:r>
+              <a:rPr lang="en" altLang="zh-CN" dirty="0" err="1"/>
+              <a:t>Trx</a:t>
             </a:r>
             <a:r>
               <a:rPr lang="en" altLang="zh-CN" dirty="0"/>
-              <a:t>serializable </a:t>
-            </a:r>
-            <a:r>
-              <a:rPr lang="zh-CN" altLang="en" dirty="0"/>
-              <a:t>）</a:t>
+              <a:t> ID</a:t>
+            </a:r>
+            <a:r>
+              <a:rPr lang="zh-CN" altLang="en-US" dirty="0"/>
+              <a:t>属性值）。</a:t>
             </a:r>
             <a:endParaRPr kumimoji="1" lang="zh-CN" altLang="en-US" dirty="0"/>
           </a:p>
@@ -8568,7 +8494,7 @@
     </p:spTree>
     <p:extLst>
       <p:ext uri="{BB962C8B-B14F-4D97-AF65-F5344CB8AC3E}">
-        <p14:creationId xmlns:p14="http://schemas.microsoft.com/office/powerpoint/2010/main" val="2583763916"/>
+        <p14:creationId xmlns:p14="http://schemas.microsoft.com/office/powerpoint/2010/main" val="931754277"/>
       </p:ext>
     </p:extLst>
   </p:cSld>
@@ -8600,7 +8526,7 @@
           <p:cNvPr id="2" name="标题 1">
             <a:extLst>
               <a:ext uri="{FF2B5EF4-FFF2-40B4-BE49-F238E27FC236}">
-                <a16:creationId xmlns:a16="http://schemas.microsoft.com/office/drawing/2014/main" id="{2BE8A3C5-C1FD-274A-90E4-83A783B01155}"/>
+                <a16:creationId xmlns:a16="http://schemas.microsoft.com/office/drawing/2014/main" id="{8F0E3373-0AD2-2944-AC18-832F18BE1E0C}"/>
               </a:ext>
             </a:extLst>
           </p:cNvPr>
@@ -8618,8 +8544,13 @@
           <a:p>
             <a:r>
               <a:rPr kumimoji="1" lang="zh-CN" altLang="en-US" dirty="0"/>
-              <a:t>并发事务引起的问题</a:t>
-            </a:r>
+              <a:t>事务的</a:t>
+            </a:r>
+            <a:r>
+              <a:rPr lang="zh-CN" altLang="en-US" dirty="0"/>
+              <a:t>隔离性与隔离级别</a:t>
+            </a:r>
+            <a:endParaRPr kumimoji="1" lang="zh-CN" altLang="en-US" dirty="0"/>
           </a:p>
         </p:txBody>
       </p:sp>
@@ -8628,7 +8559,7 @@
           <p:cNvPr id="3" name="内容占位符 2">
             <a:extLst>
               <a:ext uri="{FF2B5EF4-FFF2-40B4-BE49-F238E27FC236}">
-                <a16:creationId xmlns:a16="http://schemas.microsoft.com/office/drawing/2014/main" id="{55697925-C4F7-3E42-AF89-6386E60F2897}"/>
+                <a16:creationId xmlns:a16="http://schemas.microsoft.com/office/drawing/2014/main" id="{27AE6C8B-7C66-7A4C-A842-58E2A84CC96E}"/>
               </a:ext>
             </a:extLst>
           </p:cNvPr>
@@ -8641,77 +8572,106 @@
         </p:nvSpPr>
         <p:spPr/>
         <p:txBody>
-          <a:bodyPr>
-            <a:normAutofit fontScale="85000" lnSpcReduction="20000"/>
-          </a:bodyPr>
+          <a:bodyPr/>
           <a:lstStyle/>
           <a:p>
             <a:r>
-              <a:rPr kumimoji="1" lang="zh-CN" altLang="en-US" dirty="0"/>
-              <a:t>脏写</a:t>
-            </a:r>
+              <a:rPr lang="zh-CN" altLang="en-US" dirty="0"/>
+              <a:t>在谈隔离级别之前，我们要知道，隔离得越严实，效率就会越低。因此很多时候，我们都要在二者之间寻找一个平衡点。</a:t>
+            </a:r>
+            <a:endParaRPr lang="en-US" altLang="zh-CN" dirty="0"/>
+          </a:p>
+          <a:p>
             <a:endParaRPr kumimoji="1" lang="en-US" altLang="zh-CN" dirty="0"/>
           </a:p>
           <a:p>
+            <a:r>
+              <a:rPr lang="en" altLang="zh-CN" dirty="0"/>
+              <a:t>SQL </a:t>
+            </a:r>
+            <a:r>
+              <a:rPr lang="zh-CN" altLang="en-US" dirty="0"/>
+              <a:t>标准的事务隔离级别包括：</a:t>
+            </a:r>
+            <a:endParaRPr lang="en-US" altLang="zh-CN" dirty="0"/>
+          </a:p>
+          <a:p>
             <a:pPr lvl="1"/>
             <a:r>
               <a:rPr lang="zh-CN" altLang="en-US" dirty="0"/>
-              <a:t>如果一个事务修改了另一个未提交事务修改过的数据，那就意味着发生了脏写</a:t>
-            </a:r>
-            <a:endParaRPr kumimoji="1" lang="en-US" altLang="zh-CN" dirty="0"/>
-          </a:p>
-          <a:p>
-            <a:endParaRPr kumimoji="1" lang="en-US" altLang="zh-CN" dirty="0"/>
-          </a:p>
-          <a:p>
-            <a:r>
-              <a:rPr kumimoji="1" lang="zh-CN" altLang="en-US" dirty="0"/>
-              <a:t>脏读</a:t>
-            </a:r>
-            <a:endParaRPr kumimoji="1" lang="en-US" altLang="zh-CN" dirty="0"/>
+              <a:t>读未提交（</a:t>
+            </a:r>
+            <a:r>
+              <a:rPr lang="en" altLang="zh-CN" dirty="0"/>
+              <a:t>read uncommitted</a:t>
+            </a:r>
+            <a:r>
+              <a:rPr lang="zh-CN" altLang="en" dirty="0"/>
+              <a:t>）</a:t>
+            </a:r>
+            <a:endParaRPr lang="en-US" altLang="zh-CN" dirty="0"/>
           </a:p>
           <a:p>
             <a:pPr lvl="1"/>
             <a:r>
               <a:rPr lang="zh-CN" altLang="en-US" dirty="0"/>
-              <a:t>如果一个事务读到了另一个未提交事务修改过的数据，那就意味着发生了脏读</a:t>
+              <a:t>读提交（</a:t>
+            </a:r>
+            <a:r>
+              <a:rPr lang="en" altLang="zh-CN" dirty="0"/>
+              <a:t>read committed</a:t>
+            </a:r>
+            <a:r>
+              <a:rPr lang="zh-CN" altLang="en" dirty="0"/>
+              <a:t>）</a:t>
             </a:r>
             <a:endParaRPr lang="en-US" altLang="zh-CN" dirty="0"/>
           </a:p>
           <a:p>
             <a:pPr lvl="1"/>
-            <a:endParaRPr kumimoji="1" lang="en-US" altLang="zh-CN" dirty="0"/>
-          </a:p>
-          <a:p>
-            <a:r>
-              <a:rPr kumimoji="1" lang="zh-CN" altLang="en-US" dirty="0"/>
-              <a:t>不可重复读</a:t>
-            </a:r>
-            <a:endParaRPr kumimoji="1" lang="en-US" altLang="zh-CN" dirty="0"/>
+            <a:r>
+              <a:rPr lang="zh-CN" altLang="en-US" dirty="0"/>
+              <a:t>可重复读（</a:t>
+            </a:r>
+            <a:r>
+              <a:rPr lang="en" altLang="zh-CN" dirty="0"/>
+              <a:t>repeatable read</a:t>
+            </a:r>
+            <a:r>
+              <a:rPr lang="zh-CN" altLang="en" dirty="0"/>
+              <a:t>）</a:t>
+            </a:r>
+            <a:r>
+              <a:rPr lang="zh-CN" altLang="en-US" dirty="0"/>
+              <a:t>（</a:t>
+            </a:r>
+            <a:r>
+              <a:rPr lang="en-US" altLang="zh-CN" dirty="0"/>
+              <a:t> </a:t>
+            </a:r>
+            <a:r>
+              <a:rPr lang="en-US" altLang="zh-CN" dirty="0" err="1"/>
+              <a:t>mysql</a:t>
+            </a:r>
+            <a:r>
+              <a:rPr lang="zh-CN" altLang="en-US" dirty="0"/>
+              <a:t>默认级别）</a:t>
+            </a:r>
+            <a:endParaRPr lang="en-US" altLang="zh-CN" dirty="0"/>
           </a:p>
           <a:p>
             <a:pPr lvl="1"/>
             <a:r>
               <a:rPr lang="zh-CN" altLang="en-US" dirty="0"/>
-              <a:t>如果一个事务只能读到另一个已经提交的事务修改过的数据，并且其他事务每对该数据进行一次修改并提交后，该事务都能查询得到最新值，那就意味着发生了不可重复读</a:t>
-            </a:r>
-            <a:endParaRPr kumimoji="1" lang="en-US" altLang="zh-CN" dirty="0"/>
-          </a:p>
-          <a:p>
-            <a:endParaRPr kumimoji="1" lang="en-US" altLang="zh-CN" dirty="0"/>
-          </a:p>
-          <a:p>
-            <a:r>
-              <a:rPr kumimoji="1" lang="zh-CN" altLang="en-US" dirty="0"/>
-              <a:t>幻读</a:t>
-            </a:r>
-            <a:endParaRPr kumimoji="1" lang="en-US" altLang="zh-CN" dirty="0"/>
-          </a:p>
-          <a:p>
-            <a:pPr lvl="1"/>
-            <a:r>
-              <a:rPr lang="zh-CN" altLang="en-US" dirty="0"/>
-              <a:t>如果一个事务先根据某些条件查询出一些记录，之后另一个事务又向表中插入了符合这些条件的记录，原先的事务再次按照该条件查询时，能把另一个事务插入的记录也读出来，那就意味着发生了幻读</a:t>
+              <a:t>串行化（</a:t>
+            </a:r>
+            <a:r>
+              <a:rPr lang="en" altLang="zh-CN" dirty="0"/>
+              <a:t>serializable </a:t>
+            </a:r>
+            <a:r>
+              <a:rPr lang="zh-CN" altLang="en" dirty="0"/>
+              <a:t>）</a:t>
             </a:r>
             <a:endParaRPr kumimoji="1" lang="zh-CN" altLang="en-US" dirty="0"/>
           </a:p>
@@ -8720,7 +8680,7 @@
     </p:spTree>
     <p:extLst>
       <p:ext uri="{BB962C8B-B14F-4D97-AF65-F5344CB8AC3E}">
-        <p14:creationId xmlns:p14="http://schemas.microsoft.com/office/powerpoint/2010/main" val="1519584642"/>
+        <p14:creationId xmlns:p14="http://schemas.microsoft.com/office/powerpoint/2010/main" val="2583763916"/>
       </p:ext>
     </p:extLst>
   </p:cSld>
@@ -8752,6 +8712,158 @@
           <p:cNvPr id="2" name="标题 1">
             <a:extLst>
               <a:ext uri="{FF2B5EF4-FFF2-40B4-BE49-F238E27FC236}">
+                <a16:creationId xmlns:a16="http://schemas.microsoft.com/office/drawing/2014/main" id="{2BE8A3C5-C1FD-274A-90E4-83A783B01155}"/>
+              </a:ext>
+            </a:extLst>
+          </p:cNvPr>
+          <p:cNvSpPr>
+            <a:spLocks noGrp="1"/>
+          </p:cNvSpPr>
+          <p:nvPr>
+            <p:ph type="title"/>
+          </p:nvPr>
+        </p:nvSpPr>
+        <p:spPr/>
+        <p:txBody>
+          <a:bodyPr/>
+          <a:lstStyle/>
+          <a:p>
+            <a:r>
+              <a:rPr kumimoji="1" lang="zh-CN" altLang="en-US" dirty="0"/>
+              <a:t>并发事务引起的问题</a:t>
+            </a:r>
+          </a:p>
+        </p:txBody>
+      </p:sp>
+      <p:sp>
+        <p:nvSpPr>
+          <p:cNvPr id="3" name="内容占位符 2">
+            <a:extLst>
+              <a:ext uri="{FF2B5EF4-FFF2-40B4-BE49-F238E27FC236}">
+                <a16:creationId xmlns:a16="http://schemas.microsoft.com/office/drawing/2014/main" id="{55697925-C4F7-3E42-AF89-6386E60F2897}"/>
+              </a:ext>
+            </a:extLst>
+          </p:cNvPr>
+          <p:cNvSpPr>
+            <a:spLocks noGrp="1"/>
+          </p:cNvSpPr>
+          <p:nvPr>
+            <p:ph idx="1"/>
+          </p:nvPr>
+        </p:nvSpPr>
+        <p:spPr/>
+        <p:txBody>
+          <a:bodyPr>
+            <a:normAutofit fontScale="85000" lnSpcReduction="20000"/>
+          </a:bodyPr>
+          <a:lstStyle/>
+          <a:p>
+            <a:r>
+              <a:rPr kumimoji="1" lang="zh-CN" altLang="en-US" dirty="0"/>
+              <a:t>脏写</a:t>
+            </a:r>
+            <a:endParaRPr kumimoji="1" lang="en-US" altLang="zh-CN" dirty="0"/>
+          </a:p>
+          <a:p>
+            <a:pPr lvl="1"/>
+            <a:r>
+              <a:rPr lang="zh-CN" altLang="en-US" dirty="0"/>
+              <a:t>如果一个事务修改了另一个未提交事务修改过的数据，那就意味着发生了脏写</a:t>
+            </a:r>
+            <a:endParaRPr kumimoji="1" lang="en-US" altLang="zh-CN" dirty="0"/>
+          </a:p>
+          <a:p>
+            <a:endParaRPr kumimoji="1" lang="en-US" altLang="zh-CN" dirty="0"/>
+          </a:p>
+          <a:p>
+            <a:r>
+              <a:rPr kumimoji="1" lang="zh-CN" altLang="en-US" dirty="0"/>
+              <a:t>脏读</a:t>
+            </a:r>
+            <a:endParaRPr kumimoji="1" lang="en-US" altLang="zh-CN" dirty="0"/>
+          </a:p>
+          <a:p>
+            <a:pPr lvl="1"/>
+            <a:r>
+              <a:rPr lang="zh-CN" altLang="en-US" dirty="0"/>
+              <a:t>如果一个事务读到了另一个未提交事务修改过的数据，那就意味着发生了脏读</a:t>
+            </a:r>
+            <a:endParaRPr lang="en-US" altLang="zh-CN" dirty="0"/>
+          </a:p>
+          <a:p>
+            <a:pPr lvl="1"/>
+            <a:endParaRPr kumimoji="1" lang="en-US" altLang="zh-CN" dirty="0"/>
+          </a:p>
+          <a:p>
+            <a:r>
+              <a:rPr kumimoji="1" lang="zh-CN" altLang="en-US" dirty="0"/>
+              <a:t>不可重复读</a:t>
+            </a:r>
+            <a:endParaRPr kumimoji="1" lang="en-US" altLang="zh-CN" dirty="0"/>
+          </a:p>
+          <a:p>
+            <a:pPr lvl="1"/>
+            <a:r>
+              <a:rPr lang="zh-CN" altLang="en-US" dirty="0"/>
+              <a:t>如果一个事务只能读到另一个已经提交的事务修改过的数据，并且其他事务每对该数据进行一次修改并提交后，该事务都能查询得到最新值，那就意味着发生了不可重复读</a:t>
+            </a:r>
+            <a:endParaRPr kumimoji="1" lang="en-US" altLang="zh-CN" dirty="0"/>
+          </a:p>
+          <a:p>
+            <a:endParaRPr kumimoji="1" lang="en-US" altLang="zh-CN" dirty="0"/>
+          </a:p>
+          <a:p>
+            <a:r>
+              <a:rPr kumimoji="1" lang="zh-CN" altLang="en-US" dirty="0"/>
+              <a:t>幻读</a:t>
+            </a:r>
+            <a:endParaRPr kumimoji="1" lang="en-US" altLang="zh-CN" dirty="0"/>
+          </a:p>
+          <a:p>
+            <a:pPr lvl="1"/>
+            <a:r>
+              <a:rPr lang="zh-CN" altLang="en-US" dirty="0"/>
+              <a:t>如果一个事务先根据某些条件查询出一些记录，之后另一个事务又向表中插入了符合这些条件的记录，原先的事务再次按照该条件查询时，能把另一个事务插入的记录也读出来，那就意味着发生了幻读</a:t>
+            </a:r>
+            <a:endParaRPr kumimoji="1" lang="zh-CN" altLang="en-US" dirty="0"/>
+          </a:p>
+        </p:txBody>
+      </p:sp>
+    </p:spTree>
+    <p:extLst>
+      <p:ext uri="{BB962C8B-B14F-4D97-AF65-F5344CB8AC3E}">
+        <p14:creationId xmlns:p14="http://schemas.microsoft.com/office/powerpoint/2010/main" val="1519584642"/>
+      </p:ext>
+    </p:extLst>
+  </p:cSld>
+  <p:clrMapOvr>
+    <a:masterClrMapping/>
+  </p:clrMapOvr>
+</p:sld>
+</file>
+
+<file path=ppt/slides/slide16.xml><?xml version="1.0" encoding="utf-8"?>
+<p:sld xmlns:a="http://schemas.openxmlformats.org/drawingml/2006/main" xmlns:r="http://schemas.openxmlformats.org/officeDocument/2006/relationships" xmlns:p="http://schemas.openxmlformats.org/presentationml/2006/main">
+  <p:cSld>
+    <p:spTree>
+      <p:nvGrpSpPr>
+        <p:cNvPr id="1" name=""/>
+        <p:cNvGrpSpPr/>
+        <p:nvPr/>
+      </p:nvGrpSpPr>
+      <p:grpSpPr>
+        <a:xfrm>
+          <a:off x="0" y="0"/>
+          <a:ext cx="0" cy="0"/>
+          <a:chOff x="0" y="0"/>
+          <a:chExt cx="0" cy="0"/>
+        </a:xfrm>
+      </p:grpSpPr>
+      <p:sp>
+        <p:nvSpPr>
+          <p:cNvPr id="2" name="标题 1">
+            <a:extLst>
+              <a:ext uri="{FF2B5EF4-FFF2-40B4-BE49-F238E27FC236}">
                 <a16:creationId xmlns:a16="http://schemas.microsoft.com/office/drawing/2014/main" id="{D52C0487-B307-CD4C-92AB-1F2A1D2AC6D0}"/>
               </a:ext>
             </a:extLst>
@@ -8874,7 +8986,7 @@
 </p:sld>
 </file>
 
-<file path=ppt/slides/slide16.xml><?xml version="1.0" encoding="utf-8"?>
+<file path=ppt/slides/slide17.xml><?xml version="1.0" encoding="utf-8"?>
 <p:sld xmlns:a="http://schemas.openxmlformats.org/drawingml/2006/main" xmlns:r="http://schemas.openxmlformats.org/officeDocument/2006/relationships" xmlns:p="http://schemas.openxmlformats.org/presentationml/2006/main">
   <p:cSld>
     <p:spTree>
@@ -8964,7 +9076,7 @@
 </p:sld>
 </file>
 
-<file path=ppt/slides/slide17.xml><?xml version="1.0" encoding="utf-8"?>
+<file path=ppt/slides/slide18.xml><?xml version="1.0" encoding="utf-8"?>
 <p:sld xmlns:a="http://schemas.openxmlformats.org/drawingml/2006/main" xmlns:r="http://schemas.openxmlformats.org/officeDocument/2006/relationships" xmlns:p="http://schemas.openxmlformats.org/presentationml/2006/main">
   <p:cSld>
     <p:spTree>
@@ -9079,6 +9191,103 @@
           </a:prstGeom>
         </p:spPr>
       </p:pic>
+      <p:sp>
+        <p:nvSpPr>
+          <p:cNvPr id="3" name="文本框 2">
+            <a:extLst>
+              <a:ext uri="{FF2B5EF4-FFF2-40B4-BE49-F238E27FC236}">
+                <a16:creationId xmlns:a16="http://schemas.microsoft.com/office/drawing/2014/main" id="{6C0550AF-2729-4633-AA2D-DA56D797A559}"/>
+              </a:ext>
+            </a:extLst>
+          </p:cNvPr>
+          <p:cNvSpPr txBox="1"/>
+          <p:nvPr/>
+        </p:nvSpPr>
+        <p:spPr>
+          <a:xfrm>
+            <a:off x="6003235" y="2414337"/>
+            <a:ext cx="4414991" cy="369332"/>
+          </a:xfrm>
+          <a:prstGeom prst="rect">
+            <a:avLst/>
+          </a:prstGeom>
+          <a:noFill/>
+        </p:spPr>
+        <p:txBody>
+          <a:bodyPr wrap="none" rtlCol="0">
+            <a:spAutoFit/>
+          </a:bodyPr>
+          <a:lstStyle/>
+          <a:p>
+            <a:r>
+              <a:rPr lang="zh-CN" altLang="en-US" dirty="0"/>
+              <a:t>对于</a:t>
+            </a:r>
+            <a:r>
+              <a:rPr lang="en-US" altLang="zh-CN" dirty="0"/>
+              <a:t>4</a:t>
+            </a:r>
+            <a:r>
+              <a:rPr lang="zh-CN" altLang="en-US" dirty="0"/>
+              <a:t>种隔离级别，求</a:t>
+            </a:r>
+            <a:r>
+              <a:rPr lang="en-US" altLang="zh-CN" dirty="0"/>
+              <a:t>V1</a:t>
+            </a:r>
+            <a:r>
+              <a:rPr lang="zh-CN" altLang="en-US" dirty="0"/>
+              <a:t>、</a:t>
+            </a:r>
+            <a:r>
+              <a:rPr lang="en-US" altLang="zh-CN" dirty="0"/>
+              <a:t>V2</a:t>
+            </a:r>
+            <a:r>
+              <a:rPr lang="zh-CN" altLang="en-US" dirty="0"/>
+              <a:t>、</a:t>
+            </a:r>
+            <a:r>
+              <a:rPr lang="en-US" altLang="zh-CN" dirty="0"/>
+              <a:t>V3</a:t>
+            </a:r>
+            <a:r>
+              <a:rPr lang="zh-CN" altLang="en-US" dirty="0"/>
+              <a:t>的值。</a:t>
+            </a:r>
+          </a:p>
+        </p:txBody>
+      </p:sp>
+      <p:pic>
+        <p:nvPicPr>
+          <p:cNvPr id="5" name="图片 4">
+            <a:extLst>
+              <a:ext uri="{FF2B5EF4-FFF2-40B4-BE49-F238E27FC236}">
+                <a16:creationId xmlns:a16="http://schemas.microsoft.com/office/drawing/2014/main" id="{7BDD03C2-93AE-466D-8ED6-4899C255A7DA}"/>
+              </a:ext>
+            </a:extLst>
+          </p:cNvPr>
+          <p:cNvPicPr>
+            <a:picLocks noChangeAspect="1"/>
+          </p:cNvPicPr>
+          <p:nvPr/>
+        </p:nvPicPr>
+        <p:blipFill>
+          <a:blip r:embed="rId3"/>
+          <a:stretch>
+            <a:fillRect/>
+          </a:stretch>
+        </p:blipFill>
+        <p:spPr>
+          <a:xfrm>
+            <a:off x="5984477" y="3003513"/>
+            <a:ext cx="5860698" cy="2307362"/>
+          </a:xfrm>
+          <a:prstGeom prst="rect">
+            <a:avLst/>
+          </a:prstGeom>
+        </p:spPr>
+      </p:pic>
     </p:spTree>
     <p:extLst>
       <p:ext uri="{BB962C8B-B14F-4D97-AF65-F5344CB8AC3E}">
@@ -9092,7 +9301,7 @@
 </p:sld>
 </file>
 
-<file path=ppt/slides/slide18.xml><?xml version="1.0" encoding="utf-8"?>
+<file path=ppt/slides/slide19.xml><?xml version="1.0" encoding="utf-8"?>
 <p:sld xmlns:a="http://schemas.openxmlformats.org/drawingml/2006/main" xmlns:r="http://schemas.openxmlformats.org/officeDocument/2006/relationships" xmlns:p="http://schemas.openxmlformats.org/presentationml/2006/main">
   <p:cSld>
     <p:spTree>
@@ -9475,7 +9684,98 @@
 </p:sld>
 </file>
 
-<file path=ppt/slides/slide19.xml><?xml version="1.0" encoding="utf-8"?>
+<file path=ppt/slides/slide2.xml><?xml version="1.0" encoding="utf-8"?>
+<p:sld xmlns:a="http://schemas.openxmlformats.org/drawingml/2006/main" xmlns:r="http://schemas.openxmlformats.org/officeDocument/2006/relationships" xmlns:p="http://schemas.openxmlformats.org/presentationml/2006/main">
+  <p:cSld>
+    <p:spTree>
+      <p:nvGrpSpPr>
+        <p:cNvPr id="1" name=""/>
+        <p:cNvGrpSpPr/>
+        <p:nvPr/>
+      </p:nvGrpSpPr>
+      <p:grpSpPr>
+        <a:xfrm>
+          <a:off x="0" y="0"/>
+          <a:ext cx="0" cy="0"/>
+          <a:chOff x="0" y="0"/>
+          <a:chExt cx="0" cy="0"/>
+        </a:xfrm>
+      </p:grpSpPr>
+      <p:sp>
+        <p:nvSpPr>
+          <p:cNvPr id="2" name="标题 1">
+            <a:extLst>
+              <a:ext uri="{FF2B5EF4-FFF2-40B4-BE49-F238E27FC236}">
+                <a16:creationId xmlns:a16="http://schemas.microsoft.com/office/drawing/2014/main" id="{3BB4BCBF-430B-0348-B74B-077978019717}"/>
+              </a:ext>
+            </a:extLst>
+          </p:cNvPr>
+          <p:cNvSpPr>
+            <a:spLocks noGrp="1"/>
+          </p:cNvSpPr>
+          <p:nvPr>
+            <p:ph type="title"/>
+          </p:nvPr>
+        </p:nvSpPr>
+        <p:spPr/>
+        <p:txBody>
+          <a:bodyPr/>
+          <a:lstStyle/>
+          <a:p>
+            <a:r>
+              <a:rPr kumimoji="1" lang="zh-CN" altLang="en-US" dirty="0"/>
+              <a:t>事务的起源</a:t>
+            </a:r>
+          </a:p>
+        </p:txBody>
+      </p:sp>
+      <p:sp>
+        <p:nvSpPr>
+          <p:cNvPr id="3" name="内容占位符 2">
+            <a:extLst>
+              <a:ext uri="{FF2B5EF4-FFF2-40B4-BE49-F238E27FC236}">
+                <a16:creationId xmlns:a16="http://schemas.microsoft.com/office/drawing/2014/main" id="{859172E0-0060-E641-B656-086A9ABB7B3D}"/>
+              </a:ext>
+            </a:extLst>
+          </p:cNvPr>
+          <p:cNvSpPr>
+            <a:spLocks noGrp="1"/>
+          </p:cNvSpPr>
+          <p:nvPr>
+            <p:ph idx="1"/>
+          </p:nvPr>
+        </p:nvSpPr>
+        <p:spPr/>
+        <p:txBody>
+          <a:bodyPr/>
+          <a:lstStyle/>
+          <a:p>
+            <a:r>
+              <a:rPr kumimoji="1" lang="zh-CN" altLang="en-US" dirty="0"/>
+              <a:t>从一个转账的故事说起</a:t>
+            </a:r>
+            <a:r>
+              <a:rPr kumimoji="1" lang="en-US" altLang="zh-CN" dirty="0"/>
+              <a:t>……</a:t>
+            </a:r>
+            <a:endParaRPr kumimoji="1" lang="zh-CN" altLang="en-US" dirty="0"/>
+          </a:p>
+        </p:txBody>
+      </p:sp>
+    </p:spTree>
+    <p:extLst>
+      <p:ext uri="{BB962C8B-B14F-4D97-AF65-F5344CB8AC3E}">
+        <p14:creationId xmlns:p14="http://schemas.microsoft.com/office/powerpoint/2010/main" val="2906881341"/>
+      </p:ext>
+    </p:extLst>
+  </p:cSld>
+  <p:clrMapOvr>
+    <a:masterClrMapping/>
+  </p:clrMapOvr>
+</p:sld>
+</file>
+
+<file path=ppt/slides/slide20.xml><?xml version="1.0" encoding="utf-8"?>
 <p:sld xmlns:a="http://schemas.openxmlformats.org/drawingml/2006/main" xmlns:r="http://schemas.openxmlformats.org/officeDocument/2006/relationships" xmlns:p="http://schemas.openxmlformats.org/presentationml/2006/main">
   <p:cSld>
     <p:spTree>
@@ -9653,284 +9953,6 @@
 </p:sld>
 </file>
 
-<file path=ppt/slides/slide2.xml><?xml version="1.0" encoding="utf-8"?>
-<p:sld xmlns:a="http://schemas.openxmlformats.org/drawingml/2006/main" xmlns:r="http://schemas.openxmlformats.org/officeDocument/2006/relationships" xmlns:p="http://schemas.openxmlformats.org/presentationml/2006/main">
-  <p:cSld>
-    <p:spTree>
-      <p:nvGrpSpPr>
-        <p:cNvPr id="1" name=""/>
-        <p:cNvGrpSpPr/>
-        <p:nvPr/>
-      </p:nvGrpSpPr>
-      <p:grpSpPr>
-        <a:xfrm>
-          <a:off x="0" y="0"/>
-          <a:ext cx="0" cy="0"/>
-          <a:chOff x="0" y="0"/>
-          <a:chExt cx="0" cy="0"/>
-        </a:xfrm>
-      </p:grpSpPr>
-      <p:sp>
-        <p:nvSpPr>
-          <p:cNvPr id="2" name="标题 1">
-            <a:extLst>
-              <a:ext uri="{FF2B5EF4-FFF2-40B4-BE49-F238E27FC236}">
-                <a16:creationId xmlns:a16="http://schemas.microsoft.com/office/drawing/2014/main" id="{3BB4BCBF-430B-0348-B74B-077978019717}"/>
-              </a:ext>
-            </a:extLst>
-          </p:cNvPr>
-          <p:cNvSpPr>
-            <a:spLocks noGrp="1"/>
-          </p:cNvSpPr>
-          <p:nvPr>
-            <p:ph type="title"/>
-          </p:nvPr>
-        </p:nvSpPr>
-        <p:spPr/>
-        <p:txBody>
-          <a:bodyPr/>
-          <a:lstStyle/>
-          <a:p>
-            <a:r>
-              <a:rPr kumimoji="1" lang="zh-CN" altLang="en-US" dirty="0"/>
-              <a:t>事务的起源</a:t>
-            </a:r>
-          </a:p>
-        </p:txBody>
-      </p:sp>
-      <p:sp>
-        <p:nvSpPr>
-          <p:cNvPr id="3" name="内容占位符 2">
-            <a:extLst>
-              <a:ext uri="{FF2B5EF4-FFF2-40B4-BE49-F238E27FC236}">
-                <a16:creationId xmlns:a16="http://schemas.microsoft.com/office/drawing/2014/main" id="{859172E0-0060-E641-B656-086A9ABB7B3D}"/>
-              </a:ext>
-            </a:extLst>
-          </p:cNvPr>
-          <p:cNvSpPr>
-            <a:spLocks noGrp="1"/>
-          </p:cNvSpPr>
-          <p:nvPr>
-            <p:ph idx="1"/>
-          </p:nvPr>
-        </p:nvSpPr>
-        <p:spPr/>
-        <p:txBody>
-          <a:bodyPr/>
-          <a:lstStyle/>
-          <a:p>
-            <a:r>
-              <a:rPr kumimoji="1" lang="zh-CN" altLang="en-US" dirty="0"/>
-              <a:t>从一个转账的故事说起</a:t>
-            </a:r>
-            <a:r>
-              <a:rPr kumimoji="1" lang="en-US" altLang="zh-CN" dirty="0"/>
-              <a:t>……</a:t>
-            </a:r>
-            <a:endParaRPr kumimoji="1" lang="zh-CN" altLang="en-US" dirty="0"/>
-          </a:p>
-        </p:txBody>
-      </p:sp>
-    </p:spTree>
-    <p:extLst>
-      <p:ext uri="{BB962C8B-B14F-4D97-AF65-F5344CB8AC3E}">
-        <p14:creationId xmlns:p14="http://schemas.microsoft.com/office/powerpoint/2010/main" val="2906881341"/>
-      </p:ext>
-    </p:extLst>
-  </p:cSld>
-  <p:clrMapOvr>
-    <a:masterClrMapping/>
-  </p:clrMapOvr>
-</p:sld>
-</file>
-
-<file path=ppt/slides/slide20.xml><?xml version="1.0" encoding="utf-8"?>
-<p:sld xmlns:a="http://schemas.openxmlformats.org/drawingml/2006/main" xmlns:r="http://schemas.openxmlformats.org/officeDocument/2006/relationships" xmlns:p="http://schemas.openxmlformats.org/presentationml/2006/main">
-  <p:cSld>
-    <p:spTree>
-      <p:nvGrpSpPr>
-        <p:cNvPr id="1" name=""/>
-        <p:cNvGrpSpPr/>
-        <p:nvPr/>
-      </p:nvGrpSpPr>
-      <p:grpSpPr>
-        <a:xfrm>
-          <a:off x="0" y="0"/>
-          <a:ext cx="0" cy="0"/>
-          <a:chOff x="0" y="0"/>
-          <a:chExt cx="0" cy="0"/>
-        </a:xfrm>
-      </p:grpSpPr>
-      <p:sp>
-        <p:nvSpPr>
-          <p:cNvPr id="2" name="标题 1">
-            <a:extLst>
-              <a:ext uri="{FF2B5EF4-FFF2-40B4-BE49-F238E27FC236}">
-                <a16:creationId xmlns:a16="http://schemas.microsoft.com/office/drawing/2014/main" id="{9D6FF2F8-BA57-9546-90DB-99CD9E15BBCD}"/>
-              </a:ext>
-            </a:extLst>
-          </p:cNvPr>
-          <p:cNvSpPr>
-            <a:spLocks noGrp="1"/>
-          </p:cNvSpPr>
-          <p:nvPr>
-            <p:ph type="title"/>
-          </p:nvPr>
-        </p:nvSpPr>
-        <p:spPr/>
-        <p:txBody>
-          <a:bodyPr/>
-          <a:lstStyle/>
-          <a:p>
-            <a:r>
-              <a:rPr lang="zh-CN" altLang="en" b="1" dirty="0"/>
-              <a:t>隔离</a:t>
-            </a:r>
-            <a:r>
-              <a:rPr lang="zh-CN" altLang="en-US" b="1" dirty="0"/>
-              <a:t>级别与一致性视图</a:t>
-            </a:r>
-            <a:br>
-              <a:rPr lang="en" altLang="zh-CN" b="1" dirty="0"/>
-            </a:br>
-            <a:endParaRPr kumimoji="1" lang="zh-CN" altLang="en-US" dirty="0"/>
-          </a:p>
-        </p:txBody>
-      </p:sp>
-      <p:sp>
-        <p:nvSpPr>
-          <p:cNvPr id="3" name="内容占位符 2">
-            <a:extLst>
-              <a:ext uri="{FF2B5EF4-FFF2-40B4-BE49-F238E27FC236}">
-                <a16:creationId xmlns:a16="http://schemas.microsoft.com/office/drawing/2014/main" id="{88568E71-4E19-E941-BEB1-717CC13B4C94}"/>
-              </a:ext>
-            </a:extLst>
-          </p:cNvPr>
-          <p:cNvSpPr>
-            <a:spLocks noGrp="1"/>
-          </p:cNvSpPr>
-          <p:nvPr>
-            <p:ph idx="1"/>
-          </p:nvPr>
-        </p:nvSpPr>
-        <p:spPr/>
-        <p:txBody>
-          <a:bodyPr>
-            <a:normAutofit fontScale="92500" lnSpcReduction="10000"/>
-          </a:bodyPr>
-          <a:lstStyle/>
-          <a:p>
-            <a:r>
-              <a:rPr lang="en" altLang="zh-CN" dirty="0"/>
-              <a:t>READ UNCOMMITTED</a:t>
-            </a:r>
-            <a:r>
-              <a:rPr lang="zh-CN" altLang="en-US" dirty="0"/>
-              <a:t>（读未提交）</a:t>
-            </a:r>
-            <a:endParaRPr kumimoji="1" lang="en-US" altLang="zh-CN" dirty="0"/>
-          </a:p>
-          <a:p>
-            <a:pPr lvl="1"/>
-            <a:r>
-              <a:rPr lang="zh-CN" altLang="en-US" dirty="0"/>
-              <a:t>由于可以读到未提交事务修改过的记录，</a:t>
-            </a:r>
-            <a:r>
-              <a:rPr kumimoji="1" lang="zh-CN" altLang="en-US" dirty="0"/>
-              <a:t>直接读最新版本的记录</a:t>
-            </a:r>
-            <a:endParaRPr kumimoji="1" lang="en-US" altLang="zh-CN" dirty="0"/>
-          </a:p>
-          <a:p>
-            <a:pPr lvl="1"/>
-            <a:endParaRPr kumimoji="1" lang="zh-CN" altLang="en-US" dirty="0"/>
-          </a:p>
-          <a:p>
-            <a:r>
-              <a:rPr lang="en" altLang="zh-CN" dirty="0"/>
-              <a:t>SERIALIZABLE</a:t>
-            </a:r>
-          </a:p>
-          <a:p>
-            <a:pPr lvl="1"/>
-            <a:r>
-              <a:rPr lang="zh-CN" altLang="en-US" dirty="0"/>
-              <a:t>使用加锁的方式来访问记录</a:t>
-            </a:r>
-            <a:endParaRPr lang="en-US" altLang="zh-CN" dirty="0"/>
-          </a:p>
-          <a:p>
-            <a:pPr lvl="1"/>
-            <a:endParaRPr kumimoji="1" lang="en-US" altLang="zh-CN" dirty="0"/>
-          </a:p>
-          <a:p>
-            <a:r>
-              <a:rPr lang="en" altLang="zh-CN" dirty="0"/>
-              <a:t>READ COMMITTED</a:t>
-            </a:r>
-          </a:p>
-          <a:p>
-            <a:pPr lvl="1"/>
-            <a:r>
-              <a:rPr lang="zh-CN" altLang="en-US" b="1" dirty="0"/>
-              <a:t>每次读取数据前都生成一个</a:t>
-            </a:r>
-            <a:r>
-              <a:rPr lang="en" altLang="zh-CN" b="1" dirty="0" err="1"/>
-              <a:t>ReadView</a:t>
-            </a:r>
-            <a:endParaRPr lang="en" altLang="zh-CN" b="1" dirty="0"/>
-          </a:p>
-          <a:p>
-            <a:pPr lvl="1"/>
-            <a:endParaRPr lang="en-US" altLang="zh-CN" dirty="0"/>
-          </a:p>
-          <a:p>
-            <a:r>
-              <a:rPr lang="en" altLang="zh-CN" dirty="0"/>
-              <a:t>REPEATABLE READ</a:t>
-            </a:r>
-          </a:p>
-          <a:p>
-            <a:pPr lvl="1"/>
-            <a:r>
-              <a:rPr lang="zh-CN" altLang="en-US" b="1" dirty="0">
-                <a:solidFill>
-                  <a:srgbClr val="FF0000"/>
-                </a:solidFill>
-              </a:rPr>
-              <a:t>在第一次读取数据时生成一个</a:t>
-            </a:r>
-            <a:r>
-              <a:rPr lang="en" altLang="zh-CN" b="1" dirty="0" err="1">
-                <a:solidFill>
-                  <a:srgbClr val="FF0000"/>
-                </a:solidFill>
-              </a:rPr>
-              <a:t>ReadView</a:t>
-            </a:r>
-            <a:endParaRPr lang="en" altLang="zh-CN" b="1" dirty="0">
-              <a:solidFill>
-                <a:srgbClr val="FF0000"/>
-              </a:solidFill>
-            </a:endParaRPr>
-          </a:p>
-        </p:txBody>
-      </p:sp>
-    </p:spTree>
-    <p:extLst>
-      <p:ext uri="{BB962C8B-B14F-4D97-AF65-F5344CB8AC3E}">
-        <p14:creationId xmlns:p14="http://schemas.microsoft.com/office/powerpoint/2010/main" val="512111753"/>
-      </p:ext>
-    </p:extLst>
-  </p:cSld>
-  <p:clrMapOvr>
-    <a:masterClrMapping/>
-  </p:clrMapOvr>
-</p:sld>
-</file>
-
 <file path=ppt/slides/slide21.xml><?xml version="1.0" encoding="utf-8"?>
 <p:sld xmlns:a="http://schemas.openxmlformats.org/drawingml/2006/main" xmlns:r="http://schemas.openxmlformats.org/officeDocument/2006/relationships" xmlns:p="http://schemas.openxmlformats.org/presentationml/2006/main">
   <p:cSld>
@@ -9953,6 +9975,193 @@
           <p:cNvPr id="2" name="标题 1">
             <a:extLst>
               <a:ext uri="{FF2B5EF4-FFF2-40B4-BE49-F238E27FC236}">
+                <a16:creationId xmlns:a16="http://schemas.microsoft.com/office/drawing/2014/main" id="{9D6FF2F8-BA57-9546-90DB-99CD9E15BBCD}"/>
+              </a:ext>
+            </a:extLst>
+          </p:cNvPr>
+          <p:cNvSpPr>
+            <a:spLocks noGrp="1"/>
+          </p:cNvSpPr>
+          <p:nvPr>
+            <p:ph type="title"/>
+          </p:nvPr>
+        </p:nvSpPr>
+        <p:spPr/>
+        <p:txBody>
+          <a:bodyPr/>
+          <a:lstStyle/>
+          <a:p>
+            <a:r>
+              <a:rPr lang="zh-CN" altLang="en" b="1" dirty="0"/>
+              <a:t>隔离</a:t>
+            </a:r>
+            <a:r>
+              <a:rPr lang="zh-CN" altLang="en-US" b="1" dirty="0"/>
+              <a:t>级别与一致性视图</a:t>
+            </a:r>
+            <a:br>
+              <a:rPr lang="en" altLang="zh-CN" b="1" dirty="0"/>
+            </a:br>
+            <a:endParaRPr kumimoji="1" lang="zh-CN" altLang="en-US" dirty="0"/>
+          </a:p>
+        </p:txBody>
+      </p:sp>
+      <p:sp>
+        <p:nvSpPr>
+          <p:cNvPr id="3" name="内容占位符 2">
+            <a:extLst>
+              <a:ext uri="{FF2B5EF4-FFF2-40B4-BE49-F238E27FC236}">
+                <a16:creationId xmlns:a16="http://schemas.microsoft.com/office/drawing/2014/main" id="{88568E71-4E19-E941-BEB1-717CC13B4C94}"/>
+              </a:ext>
+            </a:extLst>
+          </p:cNvPr>
+          <p:cNvSpPr>
+            <a:spLocks noGrp="1"/>
+          </p:cNvSpPr>
+          <p:nvPr>
+            <p:ph idx="1"/>
+          </p:nvPr>
+        </p:nvSpPr>
+        <p:spPr/>
+        <p:txBody>
+          <a:bodyPr>
+            <a:normAutofit fontScale="92500" lnSpcReduction="10000"/>
+          </a:bodyPr>
+          <a:lstStyle/>
+          <a:p>
+            <a:r>
+              <a:rPr lang="en" altLang="zh-CN" dirty="0"/>
+              <a:t>READ UNCOMMITTED</a:t>
+            </a:r>
+            <a:r>
+              <a:rPr lang="zh-CN" altLang="en-US" dirty="0"/>
+              <a:t>（读未提交）</a:t>
+            </a:r>
+            <a:endParaRPr kumimoji="1" lang="en-US" altLang="zh-CN" dirty="0"/>
+          </a:p>
+          <a:p>
+            <a:pPr lvl="1"/>
+            <a:r>
+              <a:rPr lang="zh-CN" altLang="en-US" dirty="0"/>
+              <a:t>由于可以读到未提交事务修改过的记录，</a:t>
+            </a:r>
+            <a:r>
+              <a:rPr kumimoji="1" lang="zh-CN" altLang="en-US" dirty="0"/>
+              <a:t>直接读最新版本的记录</a:t>
+            </a:r>
+            <a:endParaRPr kumimoji="1" lang="en-US" altLang="zh-CN" dirty="0"/>
+          </a:p>
+          <a:p>
+            <a:pPr lvl="1"/>
+            <a:endParaRPr kumimoji="1" lang="zh-CN" altLang="en-US" dirty="0"/>
+          </a:p>
+          <a:p>
+            <a:r>
+              <a:rPr lang="en" altLang="zh-CN" dirty="0"/>
+              <a:t>SERIALIZABLE</a:t>
+            </a:r>
+          </a:p>
+          <a:p>
+            <a:pPr lvl="1"/>
+            <a:r>
+              <a:rPr lang="zh-CN" altLang="en-US" dirty="0"/>
+              <a:t>使用加锁的方式来访问记录</a:t>
+            </a:r>
+            <a:endParaRPr lang="en-US" altLang="zh-CN" dirty="0"/>
+          </a:p>
+          <a:p>
+            <a:pPr lvl="1"/>
+            <a:endParaRPr kumimoji="1" lang="en-US" altLang="zh-CN" dirty="0"/>
+          </a:p>
+          <a:p>
+            <a:r>
+              <a:rPr lang="en" altLang="zh-CN" dirty="0"/>
+              <a:t>READ COMMITTED</a:t>
+            </a:r>
+          </a:p>
+          <a:p>
+            <a:pPr lvl="1"/>
+            <a:r>
+              <a:rPr lang="zh-CN" altLang="en-US" b="1" dirty="0"/>
+              <a:t>每次读取数据前都生成一个</a:t>
+            </a:r>
+            <a:r>
+              <a:rPr lang="en" altLang="zh-CN" b="1" dirty="0" err="1"/>
+              <a:t>ReadView</a:t>
+            </a:r>
+            <a:endParaRPr lang="en" altLang="zh-CN" b="1" dirty="0"/>
+          </a:p>
+          <a:p>
+            <a:pPr lvl="1"/>
+            <a:endParaRPr lang="en-US" altLang="zh-CN" dirty="0"/>
+          </a:p>
+          <a:p>
+            <a:r>
+              <a:rPr lang="en" altLang="zh-CN" dirty="0"/>
+              <a:t>REPEATABLE READ</a:t>
+            </a:r>
+          </a:p>
+          <a:p>
+            <a:pPr lvl="1"/>
+            <a:r>
+              <a:rPr lang="zh-CN" altLang="en-US" b="1" dirty="0">
+                <a:solidFill>
+                  <a:srgbClr val="FF0000"/>
+                </a:solidFill>
+              </a:rPr>
+              <a:t>在第一次读取数据时生成一个</a:t>
+            </a:r>
+            <a:r>
+              <a:rPr lang="en" altLang="zh-CN" b="1" dirty="0" err="1">
+                <a:solidFill>
+                  <a:srgbClr val="FF0000"/>
+                </a:solidFill>
+              </a:rPr>
+              <a:t>ReadView</a:t>
+            </a:r>
+            <a:endParaRPr lang="en" altLang="zh-CN" b="1" dirty="0">
+              <a:solidFill>
+                <a:srgbClr val="FF0000"/>
+              </a:solidFill>
+            </a:endParaRPr>
+          </a:p>
+        </p:txBody>
+      </p:sp>
+    </p:spTree>
+    <p:extLst>
+      <p:ext uri="{BB962C8B-B14F-4D97-AF65-F5344CB8AC3E}">
+        <p14:creationId xmlns:p14="http://schemas.microsoft.com/office/powerpoint/2010/main" val="512111753"/>
+      </p:ext>
+    </p:extLst>
+  </p:cSld>
+  <p:clrMapOvr>
+    <a:masterClrMapping/>
+  </p:clrMapOvr>
+</p:sld>
+</file>
+
+<file path=ppt/slides/slide22.xml><?xml version="1.0" encoding="utf-8"?>
+<p:sld xmlns:a="http://schemas.openxmlformats.org/drawingml/2006/main" xmlns:r="http://schemas.openxmlformats.org/officeDocument/2006/relationships" xmlns:p="http://schemas.openxmlformats.org/presentationml/2006/main">
+  <p:cSld>
+    <p:spTree>
+      <p:nvGrpSpPr>
+        <p:cNvPr id="1" name=""/>
+        <p:cNvGrpSpPr/>
+        <p:nvPr/>
+      </p:nvGrpSpPr>
+      <p:grpSpPr>
+        <a:xfrm>
+          <a:off x="0" y="0"/>
+          <a:ext cx="0" cy="0"/>
+          <a:chOff x="0" y="0"/>
+          <a:chExt cx="0" cy="0"/>
+        </a:xfrm>
+      </p:grpSpPr>
+      <p:sp>
+        <p:nvSpPr>
+          <p:cNvPr id="2" name="标题 1">
+            <a:extLst>
+              <a:ext uri="{FF2B5EF4-FFF2-40B4-BE49-F238E27FC236}">
                 <a16:creationId xmlns:a16="http://schemas.microsoft.com/office/drawing/2014/main" id="{02CD0D3F-872B-2841-A98C-04F8736A578A}"/>
               </a:ext>
             </a:extLst>
@@ -10012,6 +10221,7 @@
             <a:endParaRPr lang="en" altLang="zh-CN" dirty="0"/>
           </a:p>
           <a:p>
+            <a:pPr lvl="1"/>
             <a:r>
               <a:rPr lang="en" altLang="zh-CN" dirty="0" err="1"/>
               <a:t>InnoDB</a:t>
@@ -10138,7 +10348,7 @@
 </p:sld>
 </file>
 
-<file path=ppt/slides/slide22.xml><?xml version="1.0" encoding="utf-8"?>
+<file path=ppt/slides/slide23.xml><?xml version="1.0" encoding="utf-8"?>
 <p:sld xmlns:a="http://schemas.openxmlformats.org/drawingml/2006/main" xmlns:r="http://schemas.openxmlformats.org/officeDocument/2006/relationships" xmlns:p="http://schemas.openxmlformats.org/presentationml/2006/main">
   <p:cSld>
     <p:spTree>
@@ -10507,7 +10717,7 @@
 </p:sld>
 </file>
 
-<file path=ppt/slides/slide23.xml><?xml version="1.0" encoding="utf-8"?>
+<file path=ppt/slides/slide24.xml><?xml version="1.0" encoding="utf-8"?>
 <p:sld xmlns:a="http://schemas.openxmlformats.org/drawingml/2006/main" xmlns:r="http://schemas.openxmlformats.org/officeDocument/2006/relationships" xmlns:p="http://schemas.openxmlformats.org/presentationml/2006/main">
   <p:cSld>
     <p:spTree>
@@ -10889,7 +11099,7 @@
 </p:sld>
 </file>
 
-<file path=ppt/slides/slide24.xml><?xml version="1.0" encoding="utf-8"?>
+<file path=ppt/slides/slide25.xml><?xml version="1.0" encoding="utf-8"?>
 <p:sld xmlns:a="http://schemas.openxmlformats.org/drawingml/2006/main" xmlns:r="http://schemas.openxmlformats.org/officeDocument/2006/relationships" xmlns:p="http://schemas.openxmlformats.org/presentationml/2006/main">
   <p:cSld>
     <p:spTree>
@@ -10997,7 +11207,7 @@
 </p:sld>
 </file>
 
-<file path=ppt/slides/slide25.xml><?xml version="1.0" encoding="utf-8"?>
+<file path=ppt/slides/slide26.xml><?xml version="1.0" encoding="utf-8"?>
 <p:sld xmlns:a="http://schemas.openxmlformats.org/drawingml/2006/main" xmlns:r="http://schemas.openxmlformats.org/officeDocument/2006/relationships" xmlns:p="http://schemas.openxmlformats.org/presentationml/2006/main">
   <p:cSld>
     <p:spTree>
@@ -11253,7 +11463,7 @@
 </p:sld>
 </file>
 
-<file path=ppt/slides/slide26.xml><?xml version="1.0" encoding="utf-8"?>
+<file path=ppt/slides/slide27.xml><?xml version="1.0" encoding="utf-8"?>
 <p:sld xmlns:a="http://schemas.openxmlformats.org/drawingml/2006/main" xmlns:r="http://schemas.openxmlformats.org/officeDocument/2006/relationships" xmlns:p="http://schemas.openxmlformats.org/presentationml/2006/main">
   <p:cSld>
     <p:spTree>
@@ -11346,7 +11556,7 @@
 </p:sld>
 </file>
 
-<file path=ppt/slides/slide27.xml><?xml version="1.0" encoding="utf-8"?>
+<file path=ppt/slides/slide28.xml><?xml version="1.0" encoding="utf-8"?>
 <p:sld xmlns:a="http://schemas.openxmlformats.org/drawingml/2006/main" xmlns:r="http://schemas.openxmlformats.org/officeDocument/2006/relationships" xmlns:p="http://schemas.openxmlformats.org/presentationml/2006/main">
   <p:cSld>
     <p:spTree>
@@ -11504,7 +11714,7 @@
 </p:sld>
 </file>
 
-<file path=ppt/slides/slide28.xml><?xml version="1.0" encoding="utf-8"?>
+<file path=ppt/slides/slide29.xml><?xml version="1.0" encoding="utf-8"?>
 <p:sld xmlns:a="http://schemas.openxmlformats.org/drawingml/2006/main" xmlns:r="http://schemas.openxmlformats.org/officeDocument/2006/relationships" xmlns:p="http://schemas.openxmlformats.org/presentationml/2006/main">
   <p:cSld>
     <p:spTree>
@@ -11691,7 +11901,169 @@
 </p:sld>
 </file>
 
-<file path=ppt/slides/slide29.xml><?xml version="1.0" encoding="utf-8"?>
+<file path=ppt/slides/slide3.xml><?xml version="1.0" encoding="utf-8"?>
+<p:sld xmlns:a="http://schemas.openxmlformats.org/drawingml/2006/main" xmlns:r="http://schemas.openxmlformats.org/officeDocument/2006/relationships" xmlns:p="http://schemas.openxmlformats.org/presentationml/2006/main">
+  <p:cSld>
+    <p:spTree>
+      <p:nvGrpSpPr>
+        <p:cNvPr id="1" name=""/>
+        <p:cNvGrpSpPr/>
+        <p:nvPr/>
+      </p:nvGrpSpPr>
+      <p:grpSpPr>
+        <a:xfrm>
+          <a:off x="0" y="0"/>
+          <a:ext cx="0" cy="0"/>
+          <a:chOff x="0" y="0"/>
+          <a:chExt cx="0" cy="0"/>
+        </a:xfrm>
+      </p:grpSpPr>
+      <p:sp>
+        <p:nvSpPr>
+          <p:cNvPr id="2" name="标题 1">
+            <a:extLst>
+              <a:ext uri="{FF2B5EF4-FFF2-40B4-BE49-F238E27FC236}">
+                <a16:creationId xmlns:a16="http://schemas.microsoft.com/office/drawing/2014/main" id="{AF8B52E1-EF88-1D40-9FCA-A29807F957AF}"/>
+              </a:ext>
+            </a:extLst>
+          </p:cNvPr>
+          <p:cNvSpPr>
+            <a:spLocks noGrp="1"/>
+          </p:cNvSpPr>
+          <p:nvPr>
+            <p:ph type="title"/>
+          </p:nvPr>
+        </p:nvSpPr>
+        <p:spPr/>
+        <p:txBody>
+          <a:bodyPr/>
+          <a:lstStyle/>
+          <a:p>
+            <a:r>
+              <a:rPr kumimoji="1" lang="zh-CN" altLang="en-US" dirty="0"/>
+              <a:t>事务的特性</a:t>
+            </a:r>
+          </a:p>
+        </p:txBody>
+      </p:sp>
+      <p:sp>
+        <p:nvSpPr>
+          <p:cNvPr id="3" name="内容占位符 2">
+            <a:extLst>
+              <a:ext uri="{FF2B5EF4-FFF2-40B4-BE49-F238E27FC236}">
+                <a16:creationId xmlns:a16="http://schemas.microsoft.com/office/drawing/2014/main" id="{302979FC-238B-4546-B46F-EA179272FE09}"/>
+              </a:ext>
+            </a:extLst>
+          </p:cNvPr>
+          <p:cNvSpPr>
+            <a:spLocks noGrp="1"/>
+          </p:cNvSpPr>
+          <p:nvPr>
+            <p:ph idx="1"/>
+          </p:nvPr>
+        </p:nvSpPr>
+        <p:spPr>
+          <a:xfrm>
+            <a:off x="2589212" y="2133600"/>
+            <a:ext cx="8915400" cy="4267200"/>
+          </a:xfrm>
+        </p:spPr>
+        <p:txBody>
+          <a:bodyPr>
+            <a:normAutofit/>
+          </a:bodyPr>
+          <a:lstStyle/>
+          <a:p>
+            <a:r>
+              <a:rPr kumimoji="1" lang="zh-CN" altLang="en-US" b="1" dirty="0"/>
+              <a:t>原子性</a:t>
+            </a:r>
+            <a:endParaRPr kumimoji="1" lang="en-US" altLang="zh-CN" b="1" dirty="0"/>
+          </a:p>
+          <a:p>
+            <a:pPr lvl="1"/>
+            <a:r>
+              <a:rPr kumimoji="1" lang="zh-CN" altLang="en-US" dirty="0"/>
+              <a:t>事务是一个不可分割的整体，要么全做，要么全不做</a:t>
+            </a:r>
+            <a:endParaRPr kumimoji="1" lang="en-US" altLang="zh-CN" dirty="0"/>
+          </a:p>
+          <a:p>
+            <a:pPr lvl="1"/>
+            <a:endParaRPr kumimoji="1" lang="en-US" altLang="zh-CN" dirty="0"/>
+          </a:p>
+          <a:p>
+            <a:r>
+              <a:rPr kumimoji="1" lang="zh-CN" altLang="en-US" b="1" dirty="0"/>
+              <a:t>隔离性</a:t>
+            </a:r>
+            <a:endParaRPr kumimoji="1" lang="en-US" altLang="zh-CN" b="1" dirty="0"/>
+          </a:p>
+          <a:p>
+            <a:pPr lvl="1"/>
+            <a:r>
+              <a:rPr kumimoji="1" lang="zh-CN" altLang="en-US" dirty="0"/>
+              <a:t>事务是隔离的，一个事务的执行不能影响其他事务的执行</a:t>
+            </a:r>
+            <a:endParaRPr kumimoji="1" lang="en-US" altLang="zh-CN" dirty="0"/>
+          </a:p>
+          <a:p>
+            <a:pPr lvl="1"/>
+            <a:endParaRPr kumimoji="1" lang="en-US" altLang="zh-CN" dirty="0"/>
+          </a:p>
+          <a:p>
+            <a:r>
+              <a:rPr kumimoji="1" lang="zh-CN" altLang="en-US" dirty="0"/>
+              <a:t>持久性</a:t>
+            </a:r>
+            <a:endParaRPr kumimoji="1" lang="en-US" altLang="zh-CN" dirty="0"/>
+          </a:p>
+          <a:p>
+            <a:pPr lvl="1"/>
+            <a:r>
+              <a:rPr kumimoji="1" lang="zh-CN" altLang="en-US" dirty="0"/>
+              <a:t>已经提交的事务不能再被修改，这个事务的结果是永久保留的</a:t>
+            </a:r>
+            <a:endParaRPr kumimoji="1" lang="en-US" altLang="zh-CN" dirty="0"/>
+          </a:p>
+          <a:p>
+            <a:pPr lvl="1"/>
+            <a:endParaRPr kumimoji="1" lang="en-US" altLang="zh-CN" dirty="0"/>
+          </a:p>
+          <a:p>
+            <a:r>
+              <a:rPr kumimoji="1" lang="zh-CN" altLang="en-US" dirty="0"/>
+              <a:t>一致性</a:t>
+            </a:r>
+            <a:endParaRPr kumimoji="1" lang="en-US" altLang="zh-CN" dirty="0"/>
+          </a:p>
+          <a:p>
+            <a:pPr lvl="1"/>
+            <a:r>
+              <a:rPr lang="zh-CN" altLang="en-US" dirty="0"/>
+              <a:t>数据库中的数据全部符合现实世界中的约束</a:t>
+            </a:r>
+            <a:endParaRPr kumimoji="1" lang="en-US" altLang="zh-CN" dirty="0"/>
+          </a:p>
+          <a:p>
+            <a:endParaRPr kumimoji="1" lang="zh-CN" altLang="en-US" dirty="0"/>
+          </a:p>
+        </p:txBody>
+      </p:sp>
+    </p:spTree>
+    <p:extLst>
+      <p:ext uri="{BB962C8B-B14F-4D97-AF65-F5344CB8AC3E}">
+        <p14:creationId xmlns:p14="http://schemas.microsoft.com/office/powerpoint/2010/main" val="2266667344"/>
+      </p:ext>
+    </p:extLst>
+  </p:cSld>
+  <p:clrMapOvr>
+    <a:masterClrMapping/>
+  </p:clrMapOvr>
+</p:sld>
+</file>
+
+<file path=ppt/slides/slide30.xml><?xml version="1.0" encoding="utf-8"?>
 <p:sld xmlns:a="http://schemas.openxmlformats.org/drawingml/2006/main" xmlns:r="http://schemas.openxmlformats.org/officeDocument/2006/relationships" xmlns:p="http://schemas.openxmlformats.org/presentationml/2006/main">
   <p:cSld>
     <p:spTree>
@@ -11988,325 +12360,6 @@
 </p:sld>
 </file>
 
-<file path=ppt/slides/slide3.xml><?xml version="1.0" encoding="utf-8"?>
-<p:sld xmlns:a="http://schemas.openxmlformats.org/drawingml/2006/main" xmlns:r="http://schemas.openxmlformats.org/officeDocument/2006/relationships" xmlns:p="http://schemas.openxmlformats.org/presentationml/2006/main">
-  <p:cSld>
-    <p:spTree>
-      <p:nvGrpSpPr>
-        <p:cNvPr id="1" name=""/>
-        <p:cNvGrpSpPr/>
-        <p:nvPr/>
-      </p:nvGrpSpPr>
-      <p:grpSpPr>
-        <a:xfrm>
-          <a:off x="0" y="0"/>
-          <a:ext cx="0" cy="0"/>
-          <a:chOff x="0" y="0"/>
-          <a:chExt cx="0" cy="0"/>
-        </a:xfrm>
-      </p:grpSpPr>
-      <p:sp>
-        <p:nvSpPr>
-          <p:cNvPr id="2" name="标题 1">
-            <a:extLst>
-              <a:ext uri="{FF2B5EF4-FFF2-40B4-BE49-F238E27FC236}">
-                <a16:creationId xmlns:a16="http://schemas.microsoft.com/office/drawing/2014/main" id="{AF8B52E1-EF88-1D40-9FCA-A29807F957AF}"/>
-              </a:ext>
-            </a:extLst>
-          </p:cNvPr>
-          <p:cNvSpPr>
-            <a:spLocks noGrp="1"/>
-          </p:cNvSpPr>
-          <p:nvPr>
-            <p:ph type="title"/>
-          </p:nvPr>
-        </p:nvSpPr>
-        <p:spPr/>
-        <p:txBody>
-          <a:bodyPr/>
-          <a:lstStyle/>
-          <a:p>
-            <a:r>
-              <a:rPr kumimoji="1" lang="zh-CN" altLang="en-US" dirty="0"/>
-              <a:t>事务的特性</a:t>
-            </a:r>
-          </a:p>
-        </p:txBody>
-      </p:sp>
-      <p:sp>
-        <p:nvSpPr>
-          <p:cNvPr id="3" name="内容占位符 2">
-            <a:extLst>
-              <a:ext uri="{FF2B5EF4-FFF2-40B4-BE49-F238E27FC236}">
-                <a16:creationId xmlns:a16="http://schemas.microsoft.com/office/drawing/2014/main" id="{302979FC-238B-4546-B46F-EA179272FE09}"/>
-              </a:ext>
-            </a:extLst>
-          </p:cNvPr>
-          <p:cNvSpPr>
-            <a:spLocks noGrp="1"/>
-          </p:cNvSpPr>
-          <p:nvPr>
-            <p:ph idx="1"/>
-          </p:nvPr>
-        </p:nvSpPr>
-        <p:spPr>
-          <a:xfrm>
-            <a:off x="2589212" y="2133600"/>
-            <a:ext cx="8915400" cy="4267200"/>
-          </a:xfrm>
-        </p:spPr>
-        <p:txBody>
-          <a:bodyPr>
-            <a:normAutofit/>
-          </a:bodyPr>
-          <a:lstStyle/>
-          <a:p>
-            <a:r>
-              <a:rPr kumimoji="1" lang="zh-CN" altLang="en-US" b="1" dirty="0"/>
-              <a:t>原子性</a:t>
-            </a:r>
-            <a:endParaRPr kumimoji="1" lang="en-US" altLang="zh-CN" b="1" dirty="0"/>
-          </a:p>
-          <a:p>
-            <a:pPr lvl="1"/>
-            <a:r>
-              <a:rPr kumimoji="1" lang="zh-CN" altLang="en-US" dirty="0"/>
-              <a:t>事务是一个不可分割的整体，要么全做，要么全不做</a:t>
-            </a:r>
-            <a:endParaRPr kumimoji="1" lang="en-US" altLang="zh-CN" dirty="0"/>
-          </a:p>
-          <a:p>
-            <a:pPr lvl="1"/>
-            <a:endParaRPr kumimoji="1" lang="en-US" altLang="zh-CN" dirty="0"/>
-          </a:p>
-          <a:p>
-            <a:r>
-              <a:rPr kumimoji="1" lang="zh-CN" altLang="en-US" b="1" dirty="0"/>
-              <a:t>隔离性</a:t>
-            </a:r>
-            <a:endParaRPr kumimoji="1" lang="en-US" altLang="zh-CN" b="1" dirty="0"/>
-          </a:p>
-          <a:p>
-            <a:pPr lvl="1"/>
-            <a:r>
-              <a:rPr kumimoji="1" lang="zh-CN" altLang="en-US" dirty="0"/>
-              <a:t>事务是隔离的，一个事务的执行不能影响其他事务的执行</a:t>
-            </a:r>
-            <a:endParaRPr kumimoji="1" lang="en-US" altLang="zh-CN" dirty="0"/>
-          </a:p>
-          <a:p>
-            <a:pPr lvl="1"/>
-            <a:endParaRPr kumimoji="1" lang="en-US" altLang="zh-CN" dirty="0"/>
-          </a:p>
-          <a:p>
-            <a:r>
-              <a:rPr kumimoji="1" lang="zh-CN" altLang="en-US" dirty="0"/>
-              <a:t>持久性</a:t>
-            </a:r>
-            <a:endParaRPr kumimoji="1" lang="en-US" altLang="zh-CN" dirty="0"/>
-          </a:p>
-          <a:p>
-            <a:pPr lvl="1"/>
-            <a:r>
-              <a:rPr kumimoji="1" lang="zh-CN" altLang="en-US" dirty="0"/>
-              <a:t>已经提交的事务不能再被修改，这个事务的结果是永久保留的</a:t>
-            </a:r>
-            <a:endParaRPr kumimoji="1" lang="en-US" altLang="zh-CN" dirty="0"/>
-          </a:p>
-          <a:p>
-            <a:pPr lvl="1"/>
-            <a:endParaRPr kumimoji="1" lang="en-US" altLang="zh-CN" dirty="0"/>
-          </a:p>
-          <a:p>
-            <a:r>
-              <a:rPr kumimoji="1" lang="zh-CN" altLang="en-US" dirty="0"/>
-              <a:t>一致性</a:t>
-            </a:r>
-            <a:endParaRPr kumimoji="1" lang="en-US" altLang="zh-CN" dirty="0"/>
-          </a:p>
-          <a:p>
-            <a:pPr lvl="1"/>
-            <a:r>
-              <a:rPr lang="zh-CN" altLang="en-US" dirty="0"/>
-              <a:t>数据库中的数据全部符合现实世界中的约束</a:t>
-            </a:r>
-            <a:endParaRPr kumimoji="1" lang="en-US" altLang="zh-CN" dirty="0"/>
-          </a:p>
-          <a:p>
-            <a:endParaRPr kumimoji="1" lang="zh-CN" altLang="en-US" dirty="0"/>
-          </a:p>
-        </p:txBody>
-      </p:sp>
-    </p:spTree>
-    <p:extLst>
-      <p:ext uri="{BB962C8B-B14F-4D97-AF65-F5344CB8AC3E}">
-        <p14:creationId xmlns:p14="http://schemas.microsoft.com/office/powerpoint/2010/main" val="2266667344"/>
-      </p:ext>
-    </p:extLst>
-  </p:cSld>
-  <p:clrMapOvr>
-    <a:masterClrMapping/>
-  </p:clrMapOvr>
-</p:sld>
-</file>
-
-<file path=ppt/slides/slide30.xml><?xml version="1.0" encoding="utf-8"?>
-<p:sld xmlns:a="http://schemas.openxmlformats.org/drawingml/2006/main" xmlns:r="http://schemas.openxmlformats.org/officeDocument/2006/relationships" xmlns:p="http://schemas.openxmlformats.org/presentationml/2006/main">
-  <p:cSld>
-    <p:spTree>
-      <p:nvGrpSpPr>
-        <p:cNvPr id="1" name=""/>
-        <p:cNvGrpSpPr/>
-        <p:nvPr/>
-      </p:nvGrpSpPr>
-      <p:grpSpPr>
-        <a:xfrm>
-          <a:off x="0" y="0"/>
-          <a:ext cx="0" cy="0"/>
-          <a:chOff x="0" y="0"/>
-          <a:chExt cx="0" cy="0"/>
-        </a:xfrm>
-      </p:grpSpPr>
-      <p:sp>
-        <p:nvSpPr>
-          <p:cNvPr id="2" name="标题 1">
-            <a:extLst>
-              <a:ext uri="{FF2B5EF4-FFF2-40B4-BE49-F238E27FC236}">
-                <a16:creationId xmlns:a16="http://schemas.microsoft.com/office/drawing/2014/main" id="{16C1A03A-FEBB-0441-803B-E5DA49D15BB8}"/>
-              </a:ext>
-            </a:extLst>
-          </p:cNvPr>
-          <p:cNvSpPr>
-            <a:spLocks noGrp="1"/>
-          </p:cNvSpPr>
-          <p:nvPr>
-            <p:ph type="title"/>
-          </p:nvPr>
-        </p:nvSpPr>
-        <p:spPr/>
-        <p:txBody>
-          <a:bodyPr/>
-          <a:lstStyle/>
-          <a:p>
-            <a:r>
-              <a:rPr lang="zh-CN" altLang="en-US" dirty="0"/>
-              <a:t>事务可重复读的能力实现总结</a:t>
-            </a:r>
-            <a:endParaRPr kumimoji="1" lang="zh-CN" altLang="en-US" dirty="0"/>
-          </a:p>
-        </p:txBody>
-      </p:sp>
-      <p:sp>
-        <p:nvSpPr>
-          <p:cNvPr id="3" name="内容占位符 2">
-            <a:extLst>
-              <a:ext uri="{FF2B5EF4-FFF2-40B4-BE49-F238E27FC236}">
-                <a16:creationId xmlns:a16="http://schemas.microsoft.com/office/drawing/2014/main" id="{CEBE206B-240D-D54A-A156-19019A8C6DE4}"/>
-              </a:ext>
-            </a:extLst>
-          </p:cNvPr>
-          <p:cNvSpPr>
-            <a:spLocks noGrp="1"/>
-          </p:cNvSpPr>
-          <p:nvPr>
-            <p:ph idx="1"/>
-          </p:nvPr>
-        </p:nvSpPr>
-        <p:spPr/>
-        <p:txBody>
-          <a:bodyPr/>
-          <a:lstStyle/>
-          <a:p>
-            <a:r>
-              <a:rPr lang="zh-CN" altLang="en-US" dirty="0"/>
-              <a:t>可重复读的</a:t>
-            </a:r>
-            <a:r>
-              <a:rPr lang="zh-CN" altLang="en-US" dirty="0">
-                <a:solidFill>
-                  <a:srgbClr val="FF0000"/>
-                </a:solidFill>
-              </a:rPr>
-              <a:t>核心就是一致性读</a:t>
-            </a:r>
-            <a:r>
-              <a:rPr lang="zh-CN" altLang="en-US" dirty="0"/>
-              <a:t>（</a:t>
-            </a:r>
-            <a:r>
-              <a:rPr lang="en" altLang="zh-CN" dirty="0"/>
-              <a:t>consistent read</a:t>
-            </a:r>
-            <a:r>
-              <a:rPr lang="zh-CN" altLang="en" dirty="0"/>
-              <a:t>）</a:t>
-            </a:r>
-            <a:r>
-              <a:rPr lang="zh-CN" altLang="en-US" dirty="0"/>
-              <a:t>。</a:t>
-            </a:r>
-            <a:endParaRPr lang="en-US" altLang="zh-CN" dirty="0"/>
-          </a:p>
-          <a:p>
-            <a:r>
-              <a:rPr lang="zh-CN" altLang="en-US" dirty="0"/>
-              <a:t>事务更新数据的时候，</a:t>
-            </a:r>
-            <a:r>
-              <a:rPr lang="zh-CN" altLang="en-US" dirty="0">
-                <a:solidFill>
-                  <a:srgbClr val="FF0000"/>
-                </a:solidFill>
-              </a:rPr>
-              <a:t>只能用当前读</a:t>
-            </a:r>
-            <a:r>
-              <a:rPr lang="zh-CN" altLang="en-US" dirty="0"/>
-              <a:t>。</a:t>
-            </a:r>
-            <a:endParaRPr lang="en-US" altLang="zh-CN" dirty="0"/>
-          </a:p>
-          <a:p>
-            <a:r>
-              <a:rPr lang="zh-CN" altLang="en-US" dirty="0"/>
-              <a:t>如果当前的记录的行锁被其他事务占用的话，就</a:t>
-            </a:r>
-            <a:r>
-              <a:rPr lang="zh-CN" altLang="en-US" dirty="0">
-                <a:solidFill>
-                  <a:srgbClr val="FF0000"/>
-                </a:solidFill>
-              </a:rPr>
-              <a:t>需要进入锁等待</a:t>
-            </a:r>
-            <a:r>
-              <a:rPr lang="zh-CN" altLang="en-US" dirty="0"/>
-              <a:t>。</a:t>
-            </a:r>
-            <a:endParaRPr lang="en-US" altLang="zh-CN" dirty="0"/>
-          </a:p>
-          <a:p>
-            <a:r>
-              <a:rPr lang="zh-CN" altLang="en-US" dirty="0"/>
-              <a:t>到这里，我们把一致性读、当前读和行锁就串起来了。</a:t>
-            </a:r>
-            <a:endParaRPr kumimoji="1" lang="zh-CN" altLang="en-US" dirty="0"/>
-          </a:p>
-        </p:txBody>
-      </p:sp>
-    </p:spTree>
-    <p:extLst>
-      <p:ext uri="{BB962C8B-B14F-4D97-AF65-F5344CB8AC3E}">
-        <p14:creationId xmlns:p14="http://schemas.microsoft.com/office/powerpoint/2010/main" val="585596064"/>
-      </p:ext>
-    </p:extLst>
-  </p:cSld>
-  <p:clrMapOvr>
-    <a:masterClrMapping/>
-  </p:clrMapOvr>
-</p:sld>
-</file>
-
 <file path=ppt/slides/slide31.xml><?xml version="1.0" encoding="utf-8"?>
 <p:sld xmlns:a="http://schemas.openxmlformats.org/drawingml/2006/main" xmlns:r="http://schemas.openxmlformats.org/officeDocument/2006/relationships" xmlns:p="http://schemas.openxmlformats.org/presentationml/2006/main">
   <p:cSld>
@@ -12329,6 +12382,163 @@
           <p:cNvPr id="2" name="标题 1">
             <a:extLst>
               <a:ext uri="{FF2B5EF4-FFF2-40B4-BE49-F238E27FC236}">
+                <a16:creationId xmlns:a16="http://schemas.microsoft.com/office/drawing/2014/main" id="{16C1A03A-FEBB-0441-803B-E5DA49D15BB8}"/>
+              </a:ext>
+            </a:extLst>
+          </p:cNvPr>
+          <p:cNvSpPr>
+            <a:spLocks noGrp="1"/>
+          </p:cNvSpPr>
+          <p:nvPr>
+            <p:ph type="title"/>
+          </p:nvPr>
+        </p:nvSpPr>
+        <p:spPr/>
+        <p:txBody>
+          <a:bodyPr/>
+          <a:lstStyle/>
+          <a:p>
+            <a:r>
+              <a:rPr lang="zh-CN" altLang="en-US" dirty="0"/>
+              <a:t>事务可重复读的能力实现总结</a:t>
+            </a:r>
+            <a:endParaRPr kumimoji="1" lang="zh-CN" altLang="en-US" dirty="0"/>
+          </a:p>
+        </p:txBody>
+      </p:sp>
+      <p:sp>
+        <p:nvSpPr>
+          <p:cNvPr id="3" name="内容占位符 2">
+            <a:extLst>
+              <a:ext uri="{FF2B5EF4-FFF2-40B4-BE49-F238E27FC236}">
+                <a16:creationId xmlns:a16="http://schemas.microsoft.com/office/drawing/2014/main" id="{CEBE206B-240D-D54A-A156-19019A8C6DE4}"/>
+              </a:ext>
+            </a:extLst>
+          </p:cNvPr>
+          <p:cNvSpPr>
+            <a:spLocks noGrp="1"/>
+          </p:cNvSpPr>
+          <p:nvPr>
+            <p:ph idx="1"/>
+          </p:nvPr>
+        </p:nvSpPr>
+        <p:spPr/>
+        <p:txBody>
+          <a:bodyPr/>
+          <a:lstStyle/>
+          <a:p>
+            <a:r>
+              <a:rPr lang="zh-CN" altLang="en-US" dirty="0"/>
+              <a:t>可重复读的</a:t>
+            </a:r>
+            <a:r>
+              <a:rPr lang="zh-CN" altLang="en-US" dirty="0">
+                <a:solidFill>
+                  <a:srgbClr val="FF0000"/>
+                </a:solidFill>
+              </a:rPr>
+              <a:t>核心就是一致性读</a:t>
+            </a:r>
+            <a:r>
+              <a:rPr lang="zh-CN" altLang="en-US" dirty="0"/>
+              <a:t>（</a:t>
+            </a:r>
+            <a:r>
+              <a:rPr lang="en" altLang="zh-CN" dirty="0"/>
+              <a:t>consistent read</a:t>
+            </a:r>
+            <a:r>
+              <a:rPr lang="zh-CN" altLang="en" dirty="0"/>
+              <a:t>）</a:t>
+            </a:r>
+            <a:r>
+              <a:rPr lang="zh-CN" altLang="en-US" dirty="0"/>
+              <a:t>。</a:t>
+            </a:r>
+            <a:endParaRPr lang="en-US" altLang="zh-CN" dirty="0"/>
+          </a:p>
+          <a:p>
+            <a:r>
+              <a:rPr lang="zh-CN" altLang="en-US" dirty="0"/>
+              <a:t>事务更新数据的时候，</a:t>
+            </a:r>
+            <a:r>
+              <a:rPr lang="zh-CN" altLang="en-US" dirty="0">
+                <a:solidFill>
+                  <a:srgbClr val="FF0000"/>
+                </a:solidFill>
+              </a:rPr>
+              <a:t>只能用当前读</a:t>
+            </a:r>
+            <a:r>
+              <a:rPr lang="zh-CN" altLang="en-US" dirty="0"/>
+              <a:t>。</a:t>
+            </a:r>
+            <a:endParaRPr lang="en-US" altLang="zh-CN" dirty="0"/>
+          </a:p>
+          <a:p>
+            <a:r>
+              <a:rPr lang="zh-CN" altLang="en-US" dirty="0"/>
+              <a:t>如果当前的记录的行锁被其他事务占用的话，就</a:t>
+            </a:r>
+            <a:r>
+              <a:rPr lang="zh-CN" altLang="en-US" dirty="0">
+                <a:solidFill>
+                  <a:srgbClr val="FF0000"/>
+                </a:solidFill>
+              </a:rPr>
+              <a:t>需要进入锁等待</a:t>
+            </a:r>
+            <a:r>
+              <a:rPr lang="zh-CN" altLang="en-US" dirty="0"/>
+              <a:t>。</a:t>
+            </a:r>
+            <a:endParaRPr lang="en-US" altLang="zh-CN" dirty="0"/>
+          </a:p>
+          <a:p>
+            <a:r>
+              <a:rPr lang="zh-CN" altLang="en-US" dirty="0"/>
+              <a:t>到这里，我们把一致性读、当前读和行锁就串起来了。</a:t>
+            </a:r>
+            <a:endParaRPr kumimoji="1" lang="zh-CN" altLang="en-US" dirty="0"/>
+          </a:p>
+        </p:txBody>
+      </p:sp>
+    </p:spTree>
+    <p:extLst>
+      <p:ext uri="{BB962C8B-B14F-4D97-AF65-F5344CB8AC3E}">
+        <p14:creationId xmlns:p14="http://schemas.microsoft.com/office/powerpoint/2010/main" val="585596064"/>
+      </p:ext>
+    </p:extLst>
+  </p:cSld>
+  <p:clrMapOvr>
+    <a:masterClrMapping/>
+  </p:clrMapOvr>
+</p:sld>
+</file>
+
+<file path=ppt/slides/slide32.xml><?xml version="1.0" encoding="utf-8"?>
+<p:sld xmlns:a="http://schemas.openxmlformats.org/drawingml/2006/main" xmlns:r="http://schemas.openxmlformats.org/officeDocument/2006/relationships" xmlns:p="http://schemas.openxmlformats.org/presentationml/2006/main">
+  <p:cSld>
+    <p:spTree>
+      <p:nvGrpSpPr>
+        <p:cNvPr id="1" name=""/>
+        <p:cNvGrpSpPr/>
+        <p:nvPr/>
+      </p:nvGrpSpPr>
+      <p:grpSpPr>
+        <a:xfrm>
+          <a:off x="0" y="0"/>
+          <a:ext cx="0" cy="0"/>
+          <a:chOff x="0" y="0"/>
+          <a:chExt cx="0" cy="0"/>
+        </a:xfrm>
+      </p:grpSpPr>
+      <p:sp>
+        <p:nvSpPr>
+          <p:cNvPr id="2" name="标题 1">
+            <a:extLst>
+              <a:ext uri="{FF2B5EF4-FFF2-40B4-BE49-F238E27FC236}">
                 <a16:creationId xmlns:a16="http://schemas.microsoft.com/office/drawing/2014/main" id="{4A8C3C41-C25E-1745-B20B-7D2A688FF282}"/>
               </a:ext>
             </a:extLst>
@@ -12405,7 +12615,7 @@
 </p:sld>
 </file>
 
-<file path=ppt/slides/slide32.xml><?xml version="1.0" encoding="utf-8"?>
+<file path=ppt/slides/slide33.xml><?xml version="1.0" encoding="utf-8"?>
 <p:sld xmlns:a="http://schemas.openxmlformats.org/drawingml/2006/main" xmlns:r="http://schemas.openxmlformats.org/officeDocument/2006/relationships" xmlns:p="http://schemas.openxmlformats.org/presentationml/2006/main">
   <p:cSld>
     <p:spTree>
@@ -12640,7 +12850,7 @@
 </p:sld>
 </file>
 
-<file path=ppt/slides/slide33.xml><?xml version="1.0" encoding="utf-8"?>
+<file path=ppt/slides/slide34.xml><?xml version="1.0" encoding="utf-8"?>
 <p:sld xmlns:a="http://schemas.openxmlformats.org/drawingml/2006/main" xmlns:r="http://schemas.openxmlformats.org/officeDocument/2006/relationships" xmlns:p="http://schemas.openxmlformats.org/presentationml/2006/main">
   <p:cSld>
     <p:spTree>
@@ -12801,7 +13011,7 @@
 </p:sld>
 </file>
 
-<file path=ppt/slides/slide34.xml><?xml version="1.0" encoding="utf-8"?>
+<file path=ppt/slides/slide35.xml><?xml version="1.0" encoding="utf-8"?>
 <p:sld xmlns:a="http://schemas.openxmlformats.org/drawingml/2006/main" xmlns:r="http://schemas.openxmlformats.org/officeDocument/2006/relationships" xmlns:p="http://schemas.openxmlformats.org/presentationml/2006/main">
   <p:cSld>
     <p:spTree>
@@ -13015,7 +13225,7 @@
 </p:sld>
 </file>
 
-<file path=ppt/slides/slide35.xml><?xml version="1.0" encoding="utf-8"?>
+<file path=ppt/slides/slide36.xml><?xml version="1.0" encoding="utf-8"?>
 <p:sld xmlns:a="http://schemas.openxmlformats.org/drawingml/2006/main" xmlns:r="http://schemas.openxmlformats.org/officeDocument/2006/relationships" xmlns:p="http://schemas.openxmlformats.org/presentationml/2006/main">
   <p:cSld>
     <p:spTree>
@@ -13471,106 +13681,6 @@
 </p:sld>
 </file>
 
-<file path=ppt/slides/slide36.xml><?xml version="1.0" encoding="utf-8"?>
-<p:sld xmlns:a="http://schemas.openxmlformats.org/drawingml/2006/main" xmlns:r="http://schemas.openxmlformats.org/officeDocument/2006/relationships" xmlns:p="http://schemas.openxmlformats.org/presentationml/2006/main">
-  <p:cSld>
-    <p:spTree>
-      <p:nvGrpSpPr>
-        <p:cNvPr id="1" name=""/>
-        <p:cNvGrpSpPr/>
-        <p:nvPr/>
-      </p:nvGrpSpPr>
-      <p:grpSpPr>
-        <a:xfrm>
-          <a:off x="0" y="0"/>
-          <a:ext cx="0" cy="0"/>
-          <a:chOff x="0" y="0"/>
-          <a:chExt cx="0" cy="0"/>
-        </a:xfrm>
-      </p:grpSpPr>
-      <p:sp>
-        <p:nvSpPr>
-          <p:cNvPr id="2" name="标题 1">
-            <a:extLst>
-              <a:ext uri="{FF2B5EF4-FFF2-40B4-BE49-F238E27FC236}">
-                <a16:creationId xmlns:a16="http://schemas.microsoft.com/office/drawing/2014/main" id="{34CC2298-85EC-8E4E-930F-1D6211F914AD}"/>
-              </a:ext>
-            </a:extLst>
-          </p:cNvPr>
-          <p:cNvSpPr>
-            <a:spLocks noGrp="1"/>
-          </p:cNvSpPr>
-          <p:nvPr>
-            <p:ph type="title"/>
-          </p:nvPr>
-        </p:nvSpPr>
-        <p:spPr/>
-        <p:txBody>
-          <a:bodyPr/>
-          <a:lstStyle/>
-          <a:p>
-            <a:r>
-              <a:rPr lang="zh-CN" altLang="en-US" dirty="0"/>
-              <a:t>间隙锁和 </a:t>
-            </a:r>
-            <a:r>
-              <a:rPr lang="en" altLang="zh-CN" dirty="0"/>
-              <a:t>next-key lock</a:t>
-            </a:r>
-            <a:r>
-              <a:rPr lang="zh-CN" altLang="en" dirty="0"/>
-              <a:t>产生</a:t>
-            </a:r>
-            <a:r>
-              <a:rPr lang="zh-CN" altLang="en-US" dirty="0"/>
-              <a:t>的问题</a:t>
-            </a:r>
-            <a:endParaRPr kumimoji="1" lang="zh-CN" altLang="en-US" dirty="0"/>
-          </a:p>
-        </p:txBody>
-      </p:sp>
-      <p:sp>
-        <p:nvSpPr>
-          <p:cNvPr id="3" name="内容占位符 2">
-            <a:extLst>
-              <a:ext uri="{FF2B5EF4-FFF2-40B4-BE49-F238E27FC236}">
-                <a16:creationId xmlns:a16="http://schemas.microsoft.com/office/drawing/2014/main" id="{AFC9D7C4-3903-A64F-8FBD-31A3CF76D8F1}"/>
-              </a:ext>
-            </a:extLst>
-          </p:cNvPr>
-          <p:cNvSpPr>
-            <a:spLocks noGrp="1"/>
-          </p:cNvSpPr>
-          <p:nvPr>
-            <p:ph idx="1"/>
-          </p:nvPr>
-        </p:nvSpPr>
-        <p:spPr/>
-        <p:txBody>
-          <a:bodyPr/>
-          <a:lstStyle/>
-          <a:p>
-            <a:r>
-              <a:rPr lang="zh-CN" altLang="en-US" dirty="0"/>
-              <a:t>间隙锁的引入，可能会导致同样的语句锁住更大的范围，这其实是影响了并发度的。</a:t>
-            </a:r>
-            <a:endParaRPr kumimoji="1" lang="zh-CN" altLang="en-US" dirty="0"/>
-          </a:p>
-        </p:txBody>
-      </p:sp>
-    </p:spTree>
-    <p:extLst>
-      <p:ext uri="{BB962C8B-B14F-4D97-AF65-F5344CB8AC3E}">
-        <p14:creationId xmlns:p14="http://schemas.microsoft.com/office/powerpoint/2010/main" val="3549547646"/>
-      </p:ext>
-    </p:extLst>
-  </p:cSld>
-  <p:clrMapOvr>
-    <a:masterClrMapping/>
-  </p:clrMapOvr>
-</p:sld>
-</file>
-
 <file path=ppt/slides/slide37.xml><?xml version="1.0" encoding="utf-8"?>
 <p:sld xmlns:a="http://schemas.openxmlformats.org/drawingml/2006/main" xmlns:r="http://schemas.openxmlformats.org/officeDocument/2006/relationships" xmlns:p="http://schemas.openxmlformats.org/presentationml/2006/main">
   <p:cSld>
@@ -13593,6 +13703,106 @@
           <p:cNvPr id="2" name="标题 1">
             <a:extLst>
               <a:ext uri="{FF2B5EF4-FFF2-40B4-BE49-F238E27FC236}">
+                <a16:creationId xmlns:a16="http://schemas.microsoft.com/office/drawing/2014/main" id="{34CC2298-85EC-8E4E-930F-1D6211F914AD}"/>
+              </a:ext>
+            </a:extLst>
+          </p:cNvPr>
+          <p:cNvSpPr>
+            <a:spLocks noGrp="1"/>
+          </p:cNvSpPr>
+          <p:nvPr>
+            <p:ph type="title"/>
+          </p:nvPr>
+        </p:nvSpPr>
+        <p:spPr/>
+        <p:txBody>
+          <a:bodyPr/>
+          <a:lstStyle/>
+          <a:p>
+            <a:r>
+              <a:rPr lang="zh-CN" altLang="en-US" dirty="0"/>
+              <a:t>间隙锁和 </a:t>
+            </a:r>
+            <a:r>
+              <a:rPr lang="en" altLang="zh-CN" dirty="0"/>
+              <a:t>next-key lock</a:t>
+            </a:r>
+            <a:r>
+              <a:rPr lang="zh-CN" altLang="en" dirty="0"/>
+              <a:t>产生</a:t>
+            </a:r>
+            <a:r>
+              <a:rPr lang="zh-CN" altLang="en-US" dirty="0"/>
+              <a:t>的问题</a:t>
+            </a:r>
+            <a:endParaRPr kumimoji="1" lang="zh-CN" altLang="en-US" dirty="0"/>
+          </a:p>
+        </p:txBody>
+      </p:sp>
+      <p:sp>
+        <p:nvSpPr>
+          <p:cNvPr id="3" name="内容占位符 2">
+            <a:extLst>
+              <a:ext uri="{FF2B5EF4-FFF2-40B4-BE49-F238E27FC236}">
+                <a16:creationId xmlns:a16="http://schemas.microsoft.com/office/drawing/2014/main" id="{AFC9D7C4-3903-A64F-8FBD-31A3CF76D8F1}"/>
+              </a:ext>
+            </a:extLst>
+          </p:cNvPr>
+          <p:cNvSpPr>
+            <a:spLocks noGrp="1"/>
+          </p:cNvSpPr>
+          <p:nvPr>
+            <p:ph idx="1"/>
+          </p:nvPr>
+        </p:nvSpPr>
+        <p:spPr/>
+        <p:txBody>
+          <a:bodyPr/>
+          <a:lstStyle/>
+          <a:p>
+            <a:r>
+              <a:rPr lang="zh-CN" altLang="en-US" dirty="0"/>
+              <a:t>间隙锁的引入，可能会导致同样的语句锁住更大的范围，这其实是影响了并发度的。</a:t>
+            </a:r>
+            <a:endParaRPr kumimoji="1" lang="zh-CN" altLang="en-US" dirty="0"/>
+          </a:p>
+        </p:txBody>
+      </p:sp>
+    </p:spTree>
+    <p:extLst>
+      <p:ext uri="{BB962C8B-B14F-4D97-AF65-F5344CB8AC3E}">
+        <p14:creationId xmlns:p14="http://schemas.microsoft.com/office/powerpoint/2010/main" val="3549547646"/>
+      </p:ext>
+    </p:extLst>
+  </p:cSld>
+  <p:clrMapOvr>
+    <a:masterClrMapping/>
+  </p:clrMapOvr>
+</p:sld>
+</file>
+
+<file path=ppt/slides/slide38.xml><?xml version="1.0" encoding="utf-8"?>
+<p:sld xmlns:a="http://schemas.openxmlformats.org/drawingml/2006/main" xmlns:r="http://schemas.openxmlformats.org/officeDocument/2006/relationships" xmlns:p="http://schemas.openxmlformats.org/presentationml/2006/main">
+  <p:cSld>
+    <p:spTree>
+      <p:nvGrpSpPr>
+        <p:cNvPr id="1" name=""/>
+        <p:cNvGrpSpPr/>
+        <p:nvPr/>
+      </p:nvGrpSpPr>
+      <p:grpSpPr>
+        <a:xfrm>
+          <a:off x="0" y="0"/>
+          <a:ext cx="0" cy="0"/>
+          <a:chOff x="0" y="0"/>
+          <a:chExt cx="0" cy="0"/>
+        </a:xfrm>
+      </p:grpSpPr>
+      <p:sp>
+        <p:nvSpPr>
+          <p:cNvPr id="2" name="标题 1">
+            <a:extLst>
+              <a:ext uri="{FF2B5EF4-FFF2-40B4-BE49-F238E27FC236}">
                 <a16:creationId xmlns:a16="http://schemas.microsoft.com/office/drawing/2014/main" id="{2F1B6F63-D84A-C44E-A94F-96BC99AF0E90}"/>
               </a:ext>
             </a:extLst>
@@ -13744,7 +13954,7 @@
 </p:sld>
 </file>
 
-<file path=ppt/slides/slide38.xml><?xml version="1.0" encoding="utf-8"?>
+<file path=ppt/slides/slide39.xml><?xml version="1.0" encoding="utf-8"?>
 <p:sld xmlns:a="http://schemas.openxmlformats.org/drawingml/2006/main" xmlns:r="http://schemas.openxmlformats.org/officeDocument/2006/relationships" xmlns:p="http://schemas.openxmlformats.org/presentationml/2006/main">
   <p:cSld>
     <p:spTree>
@@ -13834,71 +14044,6 @@
 </p:sld>
 </file>
 
-<file path=ppt/slides/slide39.xml><?xml version="1.0" encoding="utf-8"?>
-<p:sld xmlns:a="http://schemas.openxmlformats.org/drawingml/2006/main" xmlns:r="http://schemas.openxmlformats.org/officeDocument/2006/relationships" xmlns:p="http://schemas.openxmlformats.org/presentationml/2006/main">
-  <p:cSld>
-    <p:spTree>
-      <p:nvGrpSpPr>
-        <p:cNvPr id="1" name=""/>
-        <p:cNvGrpSpPr/>
-        <p:nvPr/>
-      </p:nvGrpSpPr>
-      <p:grpSpPr>
-        <a:xfrm>
-          <a:off x="0" y="0"/>
-          <a:ext cx="0" cy="0"/>
-          <a:chOff x="0" y="0"/>
-          <a:chExt cx="0" cy="0"/>
-        </a:xfrm>
-      </p:grpSpPr>
-      <p:sp>
-        <p:nvSpPr>
-          <p:cNvPr id="2" name="标题 1">
-            <a:extLst>
-              <a:ext uri="{FF2B5EF4-FFF2-40B4-BE49-F238E27FC236}">
-                <a16:creationId xmlns:a16="http://schemas.microsoft.com/office/drawing/2014/main" id="{BC84080A-8DDA-5D4B-A4B2-5936DDA01C25}"/>
-              </a:ext>
-            </a:extLst>
-          </p:cNvPr>
-          <p:cNvSpPr>
-            <a:spLocks noGrp="1"/>
-          </p:cNvSpPr>
-          <p:nvPr>
-            <p:ph type="title"/>
-          </p:nvPr>
-        </p:nvSpPr>
-        <p:spPr>
-          <a:xfrm>
-            <a:off x="1640156" y="2788555"/>
-            <a:ext cx="8911687" cy="1280890"/>
-          </a:xfrm>
-        </p:spPr>
-        <p:txBody>
-          <a:bodyPr/>
-          <a:lstStyle/>
-          <a:p>
-            <a:pPr algn="ctr"/>
-            <a:r>
-              <a:rPr kumimoji="1" lang="en-US" altLang="zh-CN" dirty="0"/>
-              <a:t>thanks</a:t>
-            </a:r>
-            <a:endParaRPr kumimoji="1" lang="zh-CN" altLang="en-US" dirty="0"/>
-          </a:p>
-        </p:txBody>
-      </p:sp>
-    </p:spTree>
-    <p:extLst>
-      <p:ext uri="{BB962C8B-B14F-4D97-AF65-F5344CB8AC3E}">
-        <p14:creationId xmlns:p14="http://schemas.microsoft.com/office/powerpoint/2010/main" val="1799514821"/>
-      </p:ext>
-    </p:extLst>
-  </p:cSld>
-  <p:clrMapOvr>
-    <a:masterClrMapping/>
-  </p:clrMapOvr>
-</p:sld>
-</file>
-
 <file path=ppt/slides/slide4.xml><?xml version="1.0" encoding="utf-8"?>
 <p:sld xmlns:a="http://schemas.openxmlformats.org/drawingml/2006/main" xmlns:r="http://schemas.openxmlformats.org/officeDocument/2006/relationships" xmlns:p="http://schemas.openxmlformats.org/presentationml/2006/main">
   <p:cSld>
@@ -14056,6 +14201,71 @@
 </file>
 
 <file path=ppt/slides/slide40.xml><?xml version="1.0" encoding="utf-8"?>
+<p:sld xmlns:a="http://schemas.openxmlformats.org/drawingml/2006/main" xmlns:r="http://schemas.openxmlformats.org/officeDocument/2006/relationships" xmlns:p="http://schemas.openxmlformats.org/presentationml/2006/main">
+  <p:cSld>
+    <p:spTree>
+      <p:nvGrpSpPr>
+        <p:cNvPr id="1" name=""/>
+        <p:cNvGrpSpPr/>
+        <p:nvPr/>
+      </p:nvGrpSpPr>
+      <p:grpSpPr>
+        <a:xfrm>
+          <a:off x="0" y="0"/>
+          <a:ext cx="0" cy="0"/>
+          <a:chOff x="0" y="0"/>
+          <a:chExt cx="0" cy="0"/>
+        </a:xfrm>
+      </p:grpSpPr>
+      <p:sp>
+        <p:nvSpPr>
+          <p:cNvPr id="2" name="标题 1">
+            <a:extLst>
+              <a:ext uri="{FF2B5EF4-FFF2-40B4-BE49-F238E27FC236}">
+                <a16:creationId xmlns:a16="http://schemas.microsoft.com/office/drawing/2014/main" id="{BC84080A-8DDA-5D4B-A4B2-5936DDA01C25}"/>
+              </a:ext>
+            </a:extLst>
+          </p:cNvPr>
+          <p:cNvSpPr>
+            <a:spLocks noGrp="1"/>
+          </p:cNvSpPr>
+          <p:nvPr>
+            <p:ph type="title"/>
+          </p:nvPr>
+        </p:nvSpPr>
+        <p:spPr>
+          <a:xfrm>
+            <a:off x="1640156" y="2788555"/>
+            <a:ext cx="8911687" cy="1280890"/>
+          </a:xfrm>
+        </p:spPr>
+        <p:txBody>
+          <a:bodyPr/>
+          <a:lstStyle/>
+          <a:p>
+            <a:pPr algn="ctr"/>
+            <a:r>
+              <a:rPr kumimoji="1" lang="en-US" altLang="zh-CN" dirty="0"/>
+              <a:t>thanks</a:t>
+            </a:r>
+            <a:endParaRPr kumimoji="1" lang="zh-CN" altLang="en-US" dirty="0"/>
+          </a:p>
+        </p:txBody>
+      </p:sp>
+    </p:spTree>
+    <p:extLst>
+      <p:ext uri="{BB962C8B-B14F-4D97-AF65-F5344CB8AC3E}">
+        <p14:creationId xmlns:p14="http://schemas.microsoft.com/office/powerpoint/2010/main" val="1799514821"/>
+      </p:ext>
+    </p:extLst>
+  </p:cSld>
+  <p:clrMapOvr>
+    <a:masterClrMapping/>
+  </p:clrMapOvr>
+</p:sld>
+</file>
+
+<file path=ppt/slides/slide41.xml><?xml version="1.0" encoding="utf-8"?>
 <p:sld xmlns:a="http://schemas.openxmlformats.org/drawingml/2006/main" xmlns:r="http://schemas.openxmlformats.org/officeDocument/2006/relationships" xmlns:p="http://schemas.openxmlformats.org/presentationml/2006/main">
   <p:cSld>
     <p:spTree>

--- a/mysql/mysql的事务实现.pptx
+++ b/mysql/mysql的事务实现.pptx
@@ -45,7 +45,7 @@
     <p:sldId id="294" r:id="rId39"/>
     <p:sldId id="285" r:id="rId40"/>
     <p:sldId id="295" r:id="rId41"/>
-    <p:sldId id="266" r:id="rId42"/>
+    <p:sldId id="297" r:id="rId42"/>
   </p:sldIdLst>
   <p:sldSz cx="12192000" cy="6858000"/>
   <p:notesSz cx="6858000" cy="9144000"/>
@@ -341,7 +341,7 @@
             <a:fld id="{B61BEF0D-F0BB-DE4B-95CE-6DB70DBA9567}" type="datetimeFigureOut">
               <a:rPr lang="en-US" dirty="0"/>
               <a:pPr/>
-              <a:t>5/10/2021</a:t>
+              <a:t>5/11/21</a:t>
             </a:fld>
             <a:endParaRPr lang="en-US" dirty="0"/>
           </a:p>
@@ -676,7 +676,7 @@
             <a:fld id="{B61BEF0D-F0BB-DE4B-95CE-6DB70DBA9567}" type="datetimeFigureOut">
               <a:rPr lang="en-US" dirty="0"/>
               <a:pPr/>
-              <a:t>5/10/2021</a:t>
+              <a:t>5/11/21</a:t>
             </a:fld>
             <a:endParaRPr lang="en-US" dirty="0"/>
           </a:p>
@@ -1074,7 +1074,7 @@
             <a:fld id="{B61BEF0D-F0BB-DE4B-95CE-6DB70DBA9567}" type="datetimeFigureOut">
               <a:rPr lang="en-US" dirty="0"/>
               <a:pPr/>
-              <a:t>5/10/2021</a:t>
+              <a:t>5/11/21</a:t>
             </a:fld>
             <a:endParaRPr lang="en-US" dirty="0"/>
           </a:p>
@@ -1407,7 +1407,7 @@
             <a:fld id="{B61BEF0D-F0BB-DE4B-95CE-6DB70DBA9567}" type="datetimeFigureOut">
               <a:rPr lang="en-US" dirty="0"/>
               <a:pPr/>
-              <a:t>5/10/2021</a:t>
+              <a:t>5/11/21</a:t>
             </a:fld>
             <a:endParaRPr lang="en-US" dirty="0"/>
           </a:p>
@@ -1724,7 +1724,7 @@
             <a:fld id="{B61BEF0D-F0BB-DE4B-95CE-6DB70DBA9567}" type="datetimeFigureOut">
               <a:rPr lang="en-US" dirty="0"/>
               <a:pPr/>
-              <a:t>5/10/2021</a:t>
+              <a:t>5/11/21</a:t>
             </a:fld>
             <a:endParaRPr lang="en-US" dirty="0"/>
           </a:p>
@@ -2117,7 +2117,7 @@
             <a:fld id="{B61BEF0D-F0BB-DE4B-95CE-6DB70DBA9567}" type="datetimeFigureOut">
               <a:rPr lang="en-US" dirty="0"/>
               <a:pPr/>
-              <a:t>5/10/2021</a:t>
+              <a:t>5/11/21</a:t>
             </a:fld>
             <a:endParaRPr lang="en-US" dirty="0"/>
           </a:p>
@@ -2371,7 +2371,7 @@
             <a:fld id="{B61BEF0D-F0BB-DE4B-95CE-6DB70DBA9567}" type="datetimeFigureOut">
               <a:rPr lang="en-US" dirty="0"/>
               <a:pPr/>
-              <a:t>5/10/2021</a:t>
+              <a:t>5/11/21</a:t>
             </a:fld>
             <a:endParaRPr lang="en-US" dirty="0"/>
           </a:p>
@@ -2630,7 +2630,7 @@
             <a:fld id="{B61BEF0D-F0BB-DE4B-95CE-6DB70DBA9567}" type="datetimeFigureOut">
               <a:rPr lang="en-US" dirty="0"/>
               <a:pPr/>
-              <a:t>5/10/2021</a:t>
+              <a:t>5/11/21</a:t>
             </a:fld>
             <a:endParaRPr lang="en-US" dirty="0"/>
           </a:p>
@@ -2889,7 +2889,7 @@
             <a:fld id="{B61BEF0D-F0BB-DE4B-95CE-6DB70DBA9567}" type="datetimeFigureOut">
               <a:rPr lang="en-US" dirty="0"/>
               <a:pPr/>
-              <a:t>5/10/2021</a:t>
+              <a:t>5/11/21</a:t>
             </a:fld>
             <a:endParaRPr lang="en-US" dirty="0"/>
           </a:p>
@@ -3215,7 +3215,7 @@
             <a:fld id="{B61BEF0D-F0BB-DE4B-95CE-6DB70DBA9567}" type="datetimeFigureOut">
               <a:rPr lang="en-US" dirty="0"/>
               <a:pPr/>
-              <a:t>5/10/2021</a:t>
+              <a:t>5/11/21</a:t>
             </a:fld>
             <a:endParaRPr lang="en-US" dirty="0"/>
           </a:p>
@@ -3535,7 +3535,7 @@
             <a:fld id="{B61BEF0D-F0BB-DE4B-95CE-6DB70DBA9567}" type="datetimeFigureOut">
               <a:rPr lang="en-US" dirty="0"/>
               <a:pPr/>
-              <a:t>5/10/2021</a:t>
+              <a:t>5/11/21</a:t>
             </a:fld>
             <a:endParaRPr lang="en-US" dirty="0"/>
           </a:p>
@@ -3989,7 +3989,7 @@
             <a:fld id="{B61BEF0D-F0BB-DE4B-95CE-6DB70DBA9567}" type="datetimeFigureOut">
               <a:rPr lang="en-US" dirty="0"/>
               <a:pPr/>
-              <a:t>5/10/2021</a:t>
+              <a:t>5/11/21</a:t>
             </a:fld>
             <a:endParaRPr lang="en-US" dirty="0"/>
           </a:p>
@@ -4191,7 +4191,7 @@
             <a:fld id="{B61BEF0D-F0BB-DE4B-95CE-6DB70DBA9567}" type="datetimeFigureOut">
               <a:rPr lang="en-US" dirty="0"/>
               <a:pPr/>
-              <a:t>5/10/2021</a:t>
+              <a:t>5/11/21</a:t>
             </a:fld>
             <a:endParaRPr lang="en-US" dirty="0"/>
           </a:p>
@@ -4365,7 +4365,7 @@
             <a:fld id="{B61BEF0D-F0BB-DE4B-95CE-6DB70DBA9567}" type="datetimeFigureOut">
               <a:rPr lang="en-US" dirty="0"/>
               <a:pPr/>
-              <a:t>5/10/2021</a:t>
+              <a:t>5/11/21</a:t>
             </a:fld>
             <a:endParaRPr lang="en-US" dirty="0"/>
           </a:p>
@@ -4695,7 +4695,7 @@
             <a:fld id="{B61BEF0D-F0BB-DE4B-95CE-6DB70DBA9567}" type="datetimeFigureOut">
               <a:rPr lang="en-US" dirty="0"/>
               <a:pPr/>
-              <a:t>5/10/2021</a:t>
+              <a:t>5/11/21</a:t>
             </a:fld>
             <a:endParaRPr lang="en-US" dirty="0"/>
           </a:p>
@@ -5037,7 +5037,7 @@
             <a:fld id="{B61BEF0D-F0BB-DE4B-95CE-6DB70DBA9567}" type="datetimeFigureOut">
               <a:rPr lang="en-US" dirty="0"/>
               <a:pPr/>
-              <a:t>5/10/2021</a:t>
+              <a:t>5/11/21</a:t>
             </a:fld>
             <a:endParaRPr lang="en-US" dirty="0"/>
           </a:p>
@@ -7151,7 +7151,7 @@
             <a:fld id="{B61BEF0D-F0BB-DE4B-95CE-6DB70DBA9567}" type="datetimeFigureOut">
               <a:rPr lang="en-US" dirty="0"/>
               <a:pPr/>
-              <a:t>5/10/2021</a:t>
+              <a:t>5/11/21</a:t>
             </a:fld>
             <a:endParaRPr lang="en-US" dirty="0"/>
           </a:p>
@@ -9878,7 +9878,7 @@
             </a:r>
             <a:r>
               <a:rPr kumimoji="1" lang="zh-CN" altLang="en-US" dirty="0"/>
-              <a:t>里记录了，所以获取记录的多个版本</a:t>
+              <a:t>里记录了，所以可以获取记录的多个版本</a:t>
             </a:r>
             <a:endParaRPr kumimoji="1" lang="en-US" altLang="zh-CN" dirty="0"/>
           </a:p>
@@ -10060,6 +10060,11 @@
               <a:rPr lang="en" altLang="zh-CN" dirty="0"/>
               <a:t>SERIALIZABLE</a:t>
             </a:r>
+            <a:r>
+              <a:rPr lang="zh-CN" altLang="en-US" dirty="0"/>
+              <a:t> （串行化）</a:t>
+            </a:r>
+            <a:endParaRPr lang="en" altLang="zh-CN" dirty="0"/>
           </a:p>
           <a:p>
             <a:pPr lvl="1"/>
@@ -10078,6 +10083,11 @@
               <a:rPr lang="en" altLang="zh-CN" dirty="0"/>
               <a:t>READ COMMITTED</a:t>
             </a:r>
+            <a:r>
+              <a:rPr lang="zh-CN" altLang="en-US" dirty="0"/>
+              <a:t>（读提交）</a:t>
+            </a:r>
+            <a:endParaRPr lang="en" altLang="zh-CN" dirty="0"/>
           </a:p>
           <a:p>
             <a:pPr lvl="1"/>
@@ -10100,6 +10110,11 @@
               <a:rPr lang="en" altLang="zh-CN" dirty="0"/>
               <a:t>REPEATABLE READ</a:t>
             </a:r>
+            <a:r>
+              <a:rPr lang="zh-CN" altLang="en-US" dirty="0"/>
+              <a:t>（可重复读）</a:t>
+            </a:r>
+            <a:endParaRPr lang="en" altLang="zh-CN" dirty="0"/>
           </a:p>
           <a:p>
             <a:pPr lvl="1"/>
@@ -10872,8 +10887,8 @@
         </p:nvSpPr>
         <p:spPr>
           <a:xfrm>
-            <a:off x="5304970" y="2921168"/>
-            <a:ext cx="6721503" cy="1015663"/>
+            <a:off x="5320873" y="2791305"/>
+            <a:ext cx="6721503" cy="1231106"/>
           </a:xfrm>
           <a:prstGeom prst="rect">
             <a:avLst/>
@@ -11035,7 +11050,29 @@
               <a:rPr lang="zh-CN" altLang="en-US" sz="1400" dirty="0"/>
               <a:t>。</a:t>
             </a:r>
-            <a:endParaRPr kumimoji="1" lang="zh-CN" altLang="en-US" sz="1400" dirty="0"/>
+            <a:endParaRPr lang="en-US" altLang="zh-CN" sz="1400" dirty="0"/>
+          </a:p>
+          <a:p>
+            <a:r>
+              <a:rPr kumimoji="1" lang="zh-CN" altLang="en-US" sz="1400" dirty="0"/>
+              <a:t>问：在可重复读的隔离级别下，</a:t>
+            </a:r>
+            <a:r>
+              <a:rPr kumimoji="1" lang="en-US" altLang="zh-CN" sz="1400" dirty="0"/>
+              <a:t>Get</a:t>
+            </a:r>
+            <a:r>
+              <a:rPr kumimoji="1" lang="zh-CN" altLang="en-US" sz="1400" dirty="0"/>
+              <a:t> </a:t>
+            </a:r>
+            <a:r>
+              <a:rPr kumimoji="1" lang="en-US" altLang="zh-CN" sz="1400" dirty="0"/>
+              <a:t>k</a:t>
+            </a:r>
+            <a:r>
+              <a:rPr kumimoji="1" lang="zh-CN" altLang="en-US" sz="1400" dirty="0"/>
+              <a:t>的值是多少？</a:t>
+            </a:r>
           </a:p>
         </p:txBody>
       </p:sp>
@@ -12690,7 +12727,7 @@
         </p:blipFill>
         <p:spPr bwMode="auto">
           <a:xfrm>
-            <a:off x="1124710" y="1905000"/>
+            <a:off x="488606" y="1905000"/>
             <a:ext cx="4783109" cy="2303740"/>
           </a:xfrm>
           <a:prstGeom prst="rect">
@@ -12829,8 +12866,40 @@
         </p:blipFill>
         <p:spPr>
           <a:xfrm>
-            <a:off x="1124711" y="4220244"/>
+            <a:off x="488606" y="4208740"/>
             <a:ext cx="6457568" cy="2371387"/>
+          </a:xfrm>
+          <a:prstGeom prst="rect">
+            <a:avLst/>
+          </a:prstGeom>
+        </p:spPr>
+      </p:pic>
+      <p:pic>
+        <p:nvPicPr>
+          <p:cNvPr id="8" name="内容占位符 3">
+            <a:extLst>
+              <a:ext uri="{FF2B5EF4-FFF2-40B4-BE49-F238E27FC236}">
+                <a16:creationId xmlns:a16="http://schemas.microsoft.com/office/drawing/2014/main" id="{36AA1509-715C-2847-B312-4997C288012C}"/>
+              </a:ext>
+            </a:extLst>
+          </p:cNvPr>
+          <p:cNvPicPr>
+            <a:picLocks noGrp="1" noChangeAspect="1"/>
+          </p:cNvPicPr>
+          <p:nvPr>
+            <p:ph idx="1"/>
+          </p:nvPr>
+        </p:nvPicPr>
+        <p:blipFill>
+          <a:blip r:embed="rId4"/>
+          <a:stretch>
+            <a:fillRect/>
+          </a:stretch>
+        </p:blipFill>
+        <p:spPr>
+          <a:xfrm>
+            <a:off x="7148223" y="4211158"/>
+            <a:ext cx="4890052" cy="2368969"/>
           </a:xfrm>
           <a:prstGeom prst="rect">
             <a:avLst/>
@@ -12998,6 +13067,36 @@
           </a:p>
         </p:txBody>
       </p:sp>
+      <p:pic>
+        <p:nvPicPr>
+          <p:cNvPr id="4" name="图片 3">
+            <a:extLst>
+              <a:ext uri="{FF2B5EF4-FFF2-40B4-BE49-F238E27FC236}">
+                <a16:creationId xmlns:a16="http://schemas.microsoft.com/office/drawing/2014/main" id="{C0050718-97F3-CE46-BDFA-B8E37414CEB0}"/>
+              </a:ext>
+            </a:extLst>
+          </p:cNvPr>
+          <p:cNvPicPr>
+            <a:picLocks noChangeAspect="1"/>
+          </p:cNvPicPr>
+          <p:nvPr/>
+        </p:nvPicPr>
+        <p:blipFill>
+          <a:blip r:embed="rId2"/>
+          <a:stretch>
+            <a:fillRect/>
+          </a:stretch>
+        </p:blipFill>
+        <p:spPr>
+          <a:xfrm>
+            <a:off x="6342608" y="4131973"/>
+            <a:ext cx="5162004" cy="2300289"/>
+          </a:xfrm>
+          <a:prstGeom prst="rect">
+            <a:avLst/>
+          </a:prstGeom>
+        </p:spPr>
+      </p:pic>
     </p:spTree>
     <p:extLst>
       <p:ext uri="{BB962C8B-B14F-4D97-AF65-F5344CB8AC3E}">
@@ -13821,7 +13920,7 @@
           <a:p>
             <a:r>
               <a:rPr kumimoji="1" lang="zh-CN" altLang="en-US" dirty="0"/>
-              <a:t>思考</a:t>
+              <a:t>思考与讨论</a:t>
             </a:r>
           </a:p>
         </p:txBody>
@@ -13994,7 +14093,7 @@
           <a:p>
             <a:r>
               <a:rPr kumimoji="1" lang="zh-CN" altLang="en-US" dirty="0"/>
-              <a:t>思考</a:t>
+              <a:t>思考与讨论</a:t>
             </a:r>
           </a:p>
         </p:txBody>
@@ -14287,7 +14386,7 @@
           <p:cNvPr id="2" name="标题 1">
             <a:extLst>
               <a:ext uri="{FF2B5EF4-FFF2-40B4-BE49-F238E27FC236}">
-                <a16:creationId xmlns:a16="http://schemas.microsoft.com/office/drawing/2014/main" id="{6FBD9951-5FDB-3045-BBB8-493C7E77C45E}"/>
+                <a16:creationId xmlns:a16="http://schemas.microsoft.com/office/drawing/2014/main" id="{8FBB4ECD-C208-5B49-8305-F0040C54DBDC}"/>
               </a:ext>
             </a:extLst>
           </p:cNvPr>
@@ -14303,46 +14402,100 @@
           <a:bodyPr/>
           <a:lstStyle/>
           <a:p>
-            <a:endParaRPr kumimoji="1" lang="zh-CN" altLang="en-US"/>
-          </a:p>
-        </p:txBody>
-      </p:sp>
-      <p:pic>
-        <p:nvPicPr>
-          <p:cNvPr id="4" name="内容占位符 3">
+            <a:r>
+              <a:rPr kumimoji="1" lang="zh-CN" altLang="en-US" dirty="0"/>
+              <a:t>番外</a:t>
+            </a:r>
+          </a:p>
+        </p:txBody>
+      </p:sp>
+      <p:sp>
+        <p:nvSpPr>
+          <p:cNvPr id="3" name="内容占位符 2">
             <a:extLst>
               <a:ext uri="{FF2B5EF4-FFF2-40B4-BE49-F238E27FC236}">
-                <a16:creationId xmlns:a16="http://schemas.microsoft.com/office/drawing/2014/main" id="{0D0EEF63-69AE-874E-ADEA-6BF1E08A71CD}"/>
+                <a16:creationId xmlns:a16="http://schemas.microsoft.com/office/drawing/2014/main" id="{247AF15B-7D57-A047-A88C-8C3A350C487C}"/>
               </a:ext>
             </a:extLst>
           </p:cNvPr>
-          <p:cNvPicPr>
-            <a:picLocks noGrp="1" noChangeAspect="1"/>
-          </p:cNvPicPr>
+          <p:cNvSpPr>
+            <a:spLocks noGrp="1"/>
+          </p:cNvSpPr>
           <p:nvPr>
             <p:ph idx="1"/>
           </p:nvPr>
-        </p:nvPicPr>
-        <p:blipFill>
-          <a:blip r:embed="rId2"/>
-          <a:stretch>
-            <a:fillRect/>
-          </a:stretch>
-        </p:blipFill>
-        <p:spPr>
-          <a:xfrm>
-            <a:off x="3253051" y="2141552"/>
-            <a:ext cx="5965657" cy="3778250"/>
-          </a:xfrm>
-          <a:prstGeom prst="rect">
-            <a:avLst/>
-          </a:prstGeom>
-        </p:spPr>
-      </p:pic>
+        </p:nvSpPr>
+        <p:spPr/>
+        <p:txBody>
+          <a:bodyPr/>
+          <a:lstStyle/>
+          <a:p>
+            <a:r>
+              <a:rPr kumimoji="1" lang="en" altLang="zh-CN" dirty="0" err="1">
+                <a:solidFill>
+                  <a:srgbClr val="00B050"/>
+                </a:solidFill>
+              </a:rPr>
+              <a:t>Innodb</a:t>
+            </a:r>
+            <a:r>
+              <a:rPr kumimoji="1" lang="zh-CN" altLang="en-US" dirty="0">
+                <a:solidFill>
+                  <a:srgbClr val="00B050"/>
+                </a:solidFill>
+              </a:rPr>
+              <a:t> 索引的实现 </a:t>
+            </a:r>
+            <a:endParaRPr kumimoji="1" lang="en" altLang="zh-CN" dirty="0">
+              <a:solidFill>
+                <a:srgbClr val="00B050"/>
+              </a:solidFill>
+            </a:endParaRPr>
+          </a:p>
+          <a:p>
+            <a:r>
+              <a:rPr kumimoji="1" lang="en" altLang="zh-CN" dirty="0" err="1">
+                <a:solidFill>
+                  <a:srgbClr val="00B050"/>
+                </a:solidFill>
+              </a:rPr>
+              <a:t>mysql</a:t>
+            </a:r>
+            <a:r>
+              <a:rPr kumimoji="1" lang="zh-CN" altLang="en-US" dirty="0">
+                <a:solidFill>
+                  <a:srgbClr val="00B050"/>
+                </a:solidFill>
+              </a:rPr>
+              <a:t>的事务实现</a:t>
+            </a:r>
+          </a:p>
+          <a:p>
+            <a:r>
+              <a:rPr kumimoji="1" lang="en" altLang="zh-CN" dirty="0" err="1"/>
+              <a:t>mysql</a:t>
+            </a:r>
+            <a:r>
+              <a:rPr kumimoji="1" lang="zh-CN" altLang="en-US" dirty="0"/>
+              <a:t>日志与缓存</a:t>
+            </a:r>
+          </a:p>
+          <a:p>
+            <a:r>
+              <a:rPr kumimoji="1" lang="en" altLang="zh-CN" dirty="0" err="1"/>
+              <a:t>mysql</a:t>
+            </a:r>
+            <a:r>
+              <a:rPr kumimoji="1" lang="zh-CN" altLang="en-US" dirty="0"/>
+              <a:t>集群与分库分表</a:t>
+            </a:r>
+          </a:p>
+        </p:txBody>
+      </p:sp>
     </p:spTree>
     <p:extLst>
       <p:ext uri="{BB962C8B-B14F-4D97-AF65-F5344CB8AC3E}">
-        <p14:creationId xmlns:p14="http://schemas.microsoft.com/office/powerpoint/2010/main" val="3014900432"/>
+        <p14:creationId xmlns:p14="http://schemas.microsoft.com/office/powerpoint/2010/main" val="2940852754"/>
       </p:ext>
     </p:extLst>
   </p:cSld>

--- a/mysql/mysql的事务实现.pptx
+++ b/mysql/mysql的事务实现.pptx
@@ -341,7 +341,7 @@
             <a:fld id="{B61BEF0D-F0BB-DE4B-95CE-6DB70DBA9567}" type="datetimeFigureOut">
               <a:rPr lang="en-US" dirty="0"/>
               <a:pPr/>
-              <a:t>5/11/21</a:t>
+              <a:t>5/12/21</a:t>
             </a:fld>
             <a:endParaRPr lang="en-US" dirty="0"/>
           </a:p>
@@ -676,7 +676,7 @@
             <a:fld id="{B61BEF0D-F0BB-DE4B-95CE-6DB70DBA9567}" type="datetimeFigureOut">
               <a:rPr lang="en-US" dirty="0"/>
               <a:pPr/>
-              <a:t>5/11/21</a:t>
+              <a:t>5/12/21</a:t>
             </a:fld>
             <a:endParaRPr lang="en-US" dirty="0"/>
           </a:p>
@@ -1074,7 +1074,7 @@
             <a:fld id="{B61BEF0D-F0BB-DE4B-95CE-6DB70DBA9567}" type="datetimeFigureOut">
               <a:rPr lang="en-US" dirty="0"/>
               <a:pPr/>
-              <a:t>5/11/21</a:t>
+              <a:t>5/12/21</a:t>
             </a:fld>
             <a:endParaRPr lang="en-US" dirty="0"/>
           </a:p>
@@ -1407,7 +1407,7 @@
             <a:fld id="{B61BEF0D-F0BB-DE4B-95CE-6DB70DBA9567}" type="datetimeFigureOut">
               <a:rPr lang="en-US" dirty="0"/>
               <a:pPr/>
-              <a:t>5/11/21</a:t>
+              <a:t>5/12/21</a:t>
             </a:fld>
             <a:endParaRPr lang="en-US" dirty="0"/>
           </a:p>
@@ -1724,7 +1724,7 @@
             <a:fld id="{B61BEF0D-F0BB-DE4B-95CE-6DB70DBA9567}" type="datetimeFigureOut">
               <a:rPr lang="en-US" dirty="0"/>
               <a:pPr/>
-              <a:t>5/11/21</a:t>
+              <a:t>5/12/21</a:t>
             </a:fld>
             <a:endParaRPr lang="en-US" dirty="0"/>
           </a:p>
@@ -2117,7 +2117,7 @@
             <a:fld id="{B61BEF0D-F0BB-DE4B-95CE-6DB70DBA9567}" type="datetimeFigureOut">
               <a:rPr lang="en-US" dirty="0"/>
               <a:pPr/>
-              <a:t>5/11/21</a:t>
+              <a:t>5/12/21</a:t>
             </a:fld>
             <a:endParaRPr lang="en-US" dirty="0"/>
           </a:p>
@@ -2371,7 +2371,7 @@
             <a:fld id="{B61BEF0D-F0BB-DE4B-95CE-6DB70DBA9567}" type="datetimeFigureOut">
               <a:rPr lang="en-US" dirty="0"/>
               <a:pPr/>
-              <a:t>5/11/21</a:t>
+              <a:t>5/12/21</a:t>
             </a:fld>
             <a:endParaRPr lang="en-US" dirty="0"/>
           </a:p>
@@ -2630,7 +2630,7 @@
             <a:fld id="{B61BEF0D-F0BB-DE4B-95CE-6DB70DBA9567}" type="datetimeFigureOut">
               <a:rPr lang="en-US" dirty="0"/>
               <a:pPr/>
-              <a:t>5/11/21</a:t>
+              <a:t>5/12/21</a:t>
             </a:fld>
             <a:endParaRPr lang="en-US" dirty="0"/>
           </a:p>
@@ -2889,7 +2889,7 @@
             <a:fld id="{B61BEF0D-F0BB-DE4B-95CE-6DB70DBA9567}" type="datetimeFigureOut">
               <a:rPr lang="en-US" dirty="0"/>
               <a:pPr/>
-              <a:t>5/11/21</a:t>
+              <a:t>5/12/21</a:t>
             </a:fld>
             <a:endParaRPr lang="en-US" dirty="0"/>
           </a:p>
@@ -3215,7 +3215,7 @@
             <a:fld id="{B61BEF0D-F0BB-DE4B-95CE-6DB70DBA9567}" type="datetimeFigureOut">
               <a:rPr lang="en-US" dirty="0"/>
               <a:pPr/>
-              <a:t>5/11/21</a:t>
+              <a:t>5/12/21</a:t>
             </a:fld>
             <a:endParaRPr lang="en-US" dirty="0"/>
           </a:p>
@@ -3535,7 +3535,7 @@
             <a:fld id="{B61BEF0D-F0BB-DE4B-95CE-6DB70DBA9567}" type="datetimeFigureOut">
               <a:rPr lang="en-US" dirty="0"/>
               <a:pPr/>
-              <a:t>5/11/21</a:t>
+              <a:t>5/12/21</a:t>
             </a:fld>
             <a:endParaRPr lang="en-US" dirty="0"/>
           </a:p>
@@ -3989,7 +3989,7 @@
             <a:fld id="{B61BEF0D-F0BB-DE4B-95CE-6DB70DBA9567}" type="datetimeFigureOut">
               <a:rPr lang="en-US" dirty="0"/>
               <a:pPr/>
-              <a:t>5/11/21</a:t>
+              <a:t>5/12/21</a:t>
             </a:fld>
             <a:endParaRPr lang="en-US" dirty="0"/>
           </a:p>
@@ -4191,7 +4191,7 @@
             <a:fld id="{B61BEF0D-F0BB-DE4B-95CE-6DB70DBA9567}" type="datetimeFigureOut">
               <a:rPr lang="en-US" dirty="0"/>
               <a:pPr/>
-              <a:t>5/11/21</a:t>
+              <a:t>5/12/21</a:t>
             </a:fld>
             <a:endParaRPr lang="en-US" dirty="0"/>
           </a:p>
@@ -4365,7 +4365,7 @@
             <a:fld id="{B61BEF0D-F0BB-DE4B-95CE-6DB70DBA9567}" type="datetimeFigureOut">
               <a:rPr lang="en-US" dirty="0"/>
               <a:pPr/>
-              <a:t>5/11/21</a:t>
+              <a:t>5/12/21</a:t>
             </a:fld>
             <a:endParaRPr lang="en-US" dirty="0"/>
           </a:p>
@@ -4695,7 +4695,7 @@
             <a:fld id="{B61BEF0D-F0BB-DE4B-95CE-6DB70DBA9567}" type="datetimeFigureOut">
               <a:rPr lang="en-US" dirty="0"/>
               <a:pPr/>
-              <a:t>5/11/21</a:t>
+              <a:t>5/12/21</a:t>
             </a:fld>
             <a:endParaRPr lang="en-US" dirty="0"/>
           </a:p>
@@ -5037,7 +5037,7 @@
             <a:fld id="{B61BEF0D-F0BB-DE4B-95CE-6DB70DBA9567}" type="datetimeFigureOut">
               <a:rPr lang="en-US" dirty="0"/>
               <a:pPr/>
-              <a:t>5/11/21</a:t>
+              <a:t>5/12/21</a:t>
             </a:fld>
             <a:endParaRPr lang="en-US" dirty="0"/>
           </a:p>
@@ -7151,7 +7151,7 @@
             <a:fld id="{B61BEF0D-F0BB-DE4B-95CE-6DB70DBA9567}" type="datetimeFigureOut">
               <a:rPr lang="en-US" dirty="0"/>
               <a:pPr/>
-              <a:t>5/11/21</a:t>
+              <a:t>5/12/21</a:t>
             </a:fld>
             <a:endParaRPr lang="en-US" dirty="0"/>
           </a:p>
@@ -7742,6 +7742,36 @@
           </a:p>
         </p:txBody>
       </p:sp>
+      <p:pic>
+        <p:nvPicPr>
+          <p:cNvPr id="4" name="图片 3">
+            <a:extLst>
+              <a:ext uri="{FF2B5EF4-FFF2-40B4-BE49-F238E27FC236}">
+                <a16:creationId xmlns:a16="http://schemas.microsoft.com/office/drawing/2014/main" id="{122C9661-EC56-0A47-8F4C-5B2CC1621B61}"/>
+              </a:ext>
+            </a:extLst>
+          </p:cNvPr>
+          <p:cNvPicPr>
+            <a:picLocks noChangeAspect="1"/>
+          </p:cNvPicPr>
+          <p:nvPr/>
+        </p:nvPicPr>
+        <p:blipFill>
+          <a:blip r:embed="rId2"/>
+          <a:stretch>
+            <a:fillRect/>
+          </a:stretch>
+        </p:blipFill>
+        <p:spPr>
+          <a:xfrm>
+            <a:off x="827854" y="559287"/>
+            <a:ext cx="1651000" cy="533400"/>
+          </a:xfrm>
+          <a:prstGeom prst="rect">
+            <a:avLst/>
+          </a:prstGeom>
+        </p:spPr>
+      </p:pic>
     </p:spTree>
     <p:extLst>
       <p:ext uri="{BB962C8B-B14F-4D97-AF65-F5344CB8AC3E}">
@@ -10794,7 +10824,12 @@
             <p:ph idx="1"/>
           </p:nvPr>
         </p:nvSpPr>
-        <p:spPr/>
+        <p:spPr>
+          <a:xfrm>
+            <a:off x="687388" y="2133600"/>
+            <a:ext cx="8915400" cy="3777622"/>
+          </a:xfrm>
+        </p:spPr>
         <p:txBody>
           <a:bodyPr/>
           <a:lstStyle/>
@@ -12623,7 +12658,19 @@
           <a:p>
             <a:r>
               <a:rPr lang="zh-CN" altLang="en-US" dirty="0"/>
-              <a:t>在可重复读隔离级别下，只需要在事务开始的时候创建一致性视图，之后事务里的其他查询都共用这个一致性视图；</a:t>
+              <a:t>在</a:t>
+            </a:r>
+            <a:r>
+              <a:rPr lang="zh-CN" altLang="en-US" dirty="0">
+                <a:solidFill>
+                  <a:srgbClr val="00B050"/>
+                </a:solidFill>
+              </a:rPr>
+              <a:t>可重复读隔离级别</a:t>
+            </a:r>
+            <a:r>
+              <a:rPr lang="zh-CN" altLang="en-US" dirty="0"/>
+              <a:t>下，只需要在事务开始的时候创建一致性视图，之后事务里的其他查询都共用这个一致性视图；</a:t>
             </a:r>
             <a:endParaRPr lang="en-US" altLang="zh-CN" dirty="0"/>
           </a:p>
@@ -12633,7 +12680,19 @@
           <a:p>
             <a:r>
               <a:rPr lang="zh-CN" altLang="en-US" dirty="0"/>
-              <a:t>在读提交隔离级别下，每一个语句执行前都会重新算出一个新的视图。</a:t>
+              <a:t>在</a:t>
+            </a:r>
+            <a:r>
+              <a:rPr lang="zh-CN" altLang="en-US" dirty="0">
+                <a:solidFill>
+                  <a:srgbClr val="00B0F0"/>
+                </a:solidFill>
+              </a:rPr>
+              <a:t>读提交隔离级别</a:t>
+            </a:r>
+            <a:r>
+              <a:rPr lang="zh-CN" altLang="en-US" dirty="0"/>
+              <a:t>下，每一个语句执行前都会重新算出一个新的视图。</a:t>
             </a:r>
             <a:endParaRPr kumimoji="1" lang="zh-CN" altLang="en-US" dirty="0"/>
           </a:p>
@@ -12787,7 +12846,7 @@
             </a:r>
             <a:r>
               <a:rPr lang="zh-CN" altLang="en-US" sz="1400" dirty="0"/>
-              <a:t>，原先的事务再次按照该条件查询时，能把另一个事务插入的记录也读出来，那就意味着发生了幻读</a:t>
+              <a:t>，原先的事务再次按照该条件查询时，能把另一个事务插入的记录也读出来，那就意味着发生了幻读。</a:t>
             </a:r>
             <a:endParaRPr kumimoji="1" lang="zh-CN" altLang="en-US" sz="1400" dirty="0"/>
           </a:p>
@@ -13971,6 +14030,61 @@
           <a:p>
             <a:r>
               <a:rPr kumimoji="1" lang="zh-CN" altLang="en-US" dirty="0"/>
+              <a:t>为什么建议 </a:t>
+            </a:r>
+            <a:r>
+              <a:rPr kumimoji="1" lang="en-US" altLang="zh-CN" dirty="0"/>
+              <a:t>Delete</a:t>
+            </a:r>
+            <a:r>
+              <a:rPr kumimoji="1" lang="zh-CN" altLang="en-US" dirty="0"/>
+              <a:t> </a:t>
+            </a:r>
+            <a:r>
+              <a:rPr kumimoji="1" lang="en-US" altLang="zh-CN" dirty="0"/>
+              <a:t>from table</a:t>
+            </a:r>
+            <a:r>
+              <a:rPr kumimoji="1" lang="zh-CN" altLang="en-US" dirty="0"/>
+              <a:t> </a:t>
+            </a:r>
+            <a:r>
+              <a:rPr kumimoji="1" lang="en-US" altLang="zh-CN" dirty="0"/>
+              <a:t>where</a:t>
+            </a:r>
+            <a:r>
+              <a:rPr kumimoji="1" lang="zh-CN" altLang="en-US" dirty="0"/>
+              <a:t> </a:t>
+            </a:r>
+            <a:r>
+              <a:rPr kumimoji="1" lang="en-US" altLang="zh-CN" dirty="0"/>
+              <a:t>id</a:t>
+            </a:r>
+            <a:r>
+              <a:rPr kumimoji="1" lang="zh-CN" altLang="en-US" dirty="0"/>
+              <a:t> </a:t>
+            </a:r>
+            <a:r>
+              <a:rPr kumimoji="1" lang="en-US" altLang="zh-CN" dirty="0"/>
+              <a:t>= 10 </a:t>
+            </a:r>
+            <a:r>
+              <a:rPr kumimoji="1" lang="zh-CN" altLang="en-US" dirty="0"/>
+              <a:t>加 </a:t>
+            </a:r>
+            <a:r>
+              <a:rPr kumimoji="1" lang="en-US" altLang="zh-CN" dirty="0"/>
+              <a:t>limit </a:t>
+            </a:r>
+            <a:r>
+              <a:rPr kumimoji="1" lang="zh-CN" altLang="en-US" dirty="0"/>
+              <a:t>限制？</a:t>
+            </a:r>
+            <a:endParaRPr kumimoji="1" lang="en-US" altLang="zh-CN" dirty="0"/>
+          </a:p>
+          <a:p>
+            <a:r>
+              <a:rPr kumimoji="1" lang="zh-CN" altLang="en-US" dirty="0"/>
               <a:t>类似于下面的操作有没有问题？</a:t>
             </a:r>
             <a:endParaRPr kumimoji="1" lang="en-US" altLang="zh-CN" dirty="0"/>
@@ -14037,6 +14151,13 @@
               <a:rPr kumimoji="1" lang="zh-CN" altLang="en-US" dirty="0"/>
               <a:t>），事务结束。</a:t>
             </a:r>
+            <a:endParaRPr kumimoji="1" lang="en-US" altLang="zh-CN" dirty="0"/>
+          </a:p>
+          <a:p>
+            <a:pPr marL="457200" lvl="1" indent="0">
+              <a:buNone/>
+            </a:pPr>
+            <a:endParaRPr kumimoji="1" lang="zh-CN" altLang="en-US" dirty="0"/>
           </a:p>
         </p:txBody>
       </p:sp>
